--- a/doc/abschlusspräsentation/pres.pptx
+++ b/doc/abschlusspräsentation/pres.pptx
@@ -5,10 +5,10 @@
     <p:sldMasterId id="2147483648" r:id="rId1"/>
   </p:sldMasterIdLst>
   <p:notesMasterIdLst>
-    <p:notesMasterId r:id="rId19"/>
+    <p:notesMasterId r:id="rId15"/>
   </p:notesMasterIdLst>
   <p:handoutMasterIdLst>
-    <p:handoutMasterId r:id="rId20"/>
+    <p:handoutMasterId r:id="rId16"/>
   </p:handoutMasterIdLst>
   <p:sldIdLst>
     <p:sldId id="264" r:id="rId2"/>
@@ -17,17 +17,13 @@
     <p:sldId id="303" r:id="rId5"/>
     <p:sldId id="293" r:id="rId6"/>
     <p:sldId id="302" r:id="rId7"/>
-    <p:sldId id="301" r:id="rId8"/>
-    <p:sldId id="276" r:id="rId9"/>
-    <p:sldId id="295" r:id="rId10"/>
-    <p:sldId id="296" r:id="rId11"/>
-    <p:sldId id="297" r:id="rId12"/>
-    <p:sldId id="298" r:id="rId13"/>
-    <p:sldId id="291" r:id="rId14"/>
-    <p:sldId id="292" r:id="rId15"/>
-    <p:sldId id="299" r:id="rId16"/>
-    <p:sldId id="300" r:id="rId17"/>
-    <p:sldId id="304" r:id="rId18"/>
+    <p:sldId id="276" r:id="rId8"/>
+    <p:sldId id="295" r:id="rId9"/>
+    <p:sldId id="291" r:id="rId10"/>
+    <p:sldId id="292" r:id="rId11"/>
+    <p:sldId id="299" r:id="rId12"/>
+    <p:sldId id="300" r:id="rId13"/>
+    <p:sldId id="304" r:id="rId14"/>
   </p:sldIdLst>
   <p:sldSz cx="9144000" cy="6858000" type="screen4x3"/>
   <p:notesSz cx="6858000" cy="9144000"/>
@@ -926,753 +922,6 @@
 </file>
 
 <file path=ppt/diagrams/colors2.xml><?xml version="1.0" encoding="utf-8"?>
-<dgm:colorsDef xmlns:dgm="http://schemas.openxmlformats.org/drawingml/2006/diagram" xmlns:a="http://schemas.openxmlformats.org/drawingml/2006/main" uniqueId="urn:microsoft.com/office/officeart/2005/8/colors/accent1_2">
-  <dgm:title val=""/>
-  <dgm:desc val=""/>
-  <dgm:catLst>
-    <dgm:cat type="accent1" pri="11200"/>
-  </dgm:catLst>
-  <dgm:styleLbl name="node0">
-    <dgm:fillClrLst meth="repeat">
-      <a:schemeClr val="accent1"/>
-    </dgm:fillClrLst>
-    <dgm:linClrLst meth="repeat">
-      <a:schemeClr val="lt1"/>
-    </dgm:linClrLst>
-    <dgm:effectClrLst/>
-    <dgm:txLinClrLst/>
-    <dgm:txFillClrLst/>
-    <dgm:txEffectClrLst/>
-  </dgm:styleLbl>
-  <dgm:styleLbl name="alignNode1">
-    <dgm:fillClrLst meth="repeat">
-      <a:schemeClr val="accent1"/>
-    </dgm:fillClrLst>
-    <dgm:linClrLst meth="repeat">
-      <a:schemeClr val="accent1"/>
-    </dgm:linClrLst>
-    <dgm:effectClrLst/>
-    <dgm:txLinClrLst/>
-    <dgm:txFillClrLst/>
-    <dgm:txEffectClrLst/>
-  </dgm:styleLbl>
-  <dgm:styleLbl name="node1">
-    <dgm:fillClrLst meth="repeat">
-      <a:schemeClr val="accent1"/>
-    </dgm:fillClrLst>
-    <dgm:linClrLst meth="repeat">
-      <a:schemeClr val="lt1"/>
-    </dgm:linClrLst>
-    <dgm:effectClrLst/>
-    <dgm:txLinClrLst/>
-    <dgm:txFillClrLst/>
-    <dgm:txEffectClrLst/>
-  </dgm:styleLbl>
-  <dgm:styleLbl name="lnNode1">
-    <dgm:fillClrLst meth="repeat">
-      <a:schemeClr val="accent1"/>
-    </dgm:fillClrLst>
-    <dgm:linClrLst meth="repeat">
-      <a:schemeClr val="lt1"/>
-    </dgm:linClrLst>
-    <dgm:effectClrLst/>
-    <dgm:txLinClrLst/>
-    <dgm:txFillClrLst/>
-    <dgm:txEffectClrLst/>
-  </dgm:styleLbl>
-  <dgm:styleLbl name="vennNode1">
-    <dgm:fillClrLst meth="repeat">
-      <a:schemeClr val="accent1">
-        <a:alpha val="50000"/>
-      </a:schemeClr>
-    </dgm:fillClrLst>
-    <dgm:linClrLst meth="repeat">
-      <a:schemeClr val="lt1"/>
-    </dgm:linClrLst>
-    <dgm:effectClrLst/>
-    <dgm:txLinClrLst/>
-    <dgm:txFillClrLst/>
-    <dgm:txEffectClrLst/>
-  </dgm:styleLbl>
-  <dgm:styleLbl name="node2">
-    <dgm:fillClrLst meth="repeat">
-      <a:schemeClr val="accent1"/>
-    </dgm:fillClrLst>
-    <dgm:linClrLst meth="repeat">
-      <a:schemeClr val="lt1"/>
-    </dgm:linClrLst>
-    <dgm:effectClrLst/>
-    <dgm:txLinClrLst/>
-    <dgm:txFillClrLst/>
-    <dgm:txEffectClrLst/>
-  </dgm:styleLbl>
-  <dgm:styleLbl name="node3">
-    <dgm:fillClrLst meth="repeat">
-      <a:schemeClr val="accent1"/>
-    </dgm:fillClrLst>
-    <dgm:linClrLst meth="repeat">
-      <a:schemeClr val="lt1"/>
-    </dgm:linClrLst>
-    <dgm:effectClrLst/>
-    <dgm:txLinClrLst/>
-    <dgm:txFillClrLst/>
-    <dgm:txEffectClrLst/>
-  </dgm:styleLbl>
-  <dgm:styleLbl name="node4">
-    <dgm:fillClrLst meth="repeat">
-      <a:schemeClr val="accent1"/>
-    </dgm:fillClrLst>
-    <dgm:linClrLst meth="repeat">
-      <a:schemeClr val="lt1"/>
-    </dgm:linClrLst>
-    <dgm:effectClrLst/>
-    <dgm:txLinClrLst/>
-    <dgm:txFillClrLst/>
-    <dgm:txEffectClrLst/>
-  </dgm:styleLbl>
-  <dgm:styleLbl name="fgImgPlace1">
-    <dgm:fillClrLst meth="repeat">
-      <a:schemeClr val="accent1">
-        <a:tint val="50000"/>
-      </a:schemeClr>
-    </dgm:fillClrLst>
-    <dgm:linClrLst meth="repeat">
-      <a:schemeClr val="lt1"/>
-    </dgm:linClrLst>
-    <dgm:effectClrLst/>
-    <dgm:txLinClrLst/>
-    <dgm:txFillClrLst meth="repeat">
-      <a:schemeClr val="lt1"/>
-    </dgm:txFillClrLst>
-    <dgm:txEffectClrLst/>
-  </dgm:styleLbl>
-  <dgm:styleLbl name="alignImgPlace1">
-    <dgm:fillClrLst meth="repeat">
-      <a:schemeClr val="accent1">
-        <a:tint val="50000"/>
-      </a:schemeClr>
-    </dgm:fillClrLst>
-    <dgm:linClrLst meth="repeat">
-      <a:schemeClr val="lt1"/>
-    </dgm:linClrLst>
-    <dgm:effectClrLst/>
-    <dgm:txLinClrLst/>
-    <dgm:txFillClrLst meth="repeat">
-      <a:schemeClr val="lt1"/>
-    </dgm:txFillClrLst>
-    <dgm:txEffectClrLst/>
-  </dgm:styleLbl>
-  <dgm:styleLbl name="bgImgPlace1">
-    <dgm:fillClrLst meth="repeat">
-      <a:schemeClr val="accent1">
-        <a:tint val="50000"/>
-      </a:schemeClr>
-    </dgm:fillClrLst>
-    <dgm:linClrLst meth="repeat">
-      <a:schemeClr val="lt1"/>
-    </dgm:linClrLst>
-    <dgm:effectClrLst/>
-    <dgm:txLinClrLst/>
-    <dgm:txFillClrLst meth="repeat">
-      <a:schemeClr val="lt1"/>
-    </dgm:txFillClrLst>
-    <dgm:txEffectClrLst/>
-  </dgm:styleLbl>
-  <dgm:styleLbl name="sibTrans2D1">
-    <dgm:fillClrLst meth="repeat">
-      <a:schemeClr val="accent1">
-        <a:tint val="60000"/>
-      </a:schemeClr>
-    </dgm:fillClrLst>
-    <dgm:linClrLst meth="repeat">
-      <a:schemeClr val="accent1">
-        <a:tint val="60000"/>
-      </a:schemeClr>
-    </dgm:linClrLst>
-    <dgm:effectClrLst/>
-    <dgm:txLinClrLst/>
-    <dgm:txFillClrLst/>
-    <dgm:txEffectClrLst/>
-  </dgm:styleLbl>
-  <dgm:styleLbl name="fgSibTrans2D1">
-    <dgm:fillClrLst meth="repeat">
-      <a:schemeClr val="accent1">
-        <a:tint val="60000"/>
-      </a:schemeClr>
-    </dgm:fillClrLst>
-    <dgm:linClrLst meth="repeat">
-      <a:schemeClr val="accent1">
-        <a:tint val="60000"/>
-      </a:schemeClr>
-    </dgm:linClrLst>
-    <dgm:effectClrLst/>
-    <dgm:txLinClrLst/>
-    <dgm:txFillClrLst/>
-    <dgm:txEffectClrLst/>
-  </dgm:styleLbl>
-  <dgm:styleLbl name="bgSibTrans2D1">
-    <dgm:fillClrLst meth="repeat">
-      <a:schemeClr val="accent1">
-        <a:tint val="60000"/>
-      </a:schemeClr>
-    </dgm:fillClrLst>
-    <dgm:linClrLst meth="repeat">
-      <a:schemeClr val="accent1">
-        <a:tint val="60000"/>
-      </a:schemeClr>
-    </dgm:linClrLst>
-    <dgm:effectClrLst/>
-    <dgm:txLinClrLst/>
-    <dgm:txFillClrLst/>
-    <dgm:txEffectClrLst/>
-  </dgm:styleLbl>
-  <dgm:styleLbl name="sibTrans1D1">
-    <dgm:fillClrLst meth="repeat">
-      <a:schemeClr val="accent1"/>
-    </dgm:fillClrLst>
-    <dgm:linClrLst meth="repeat">
-      <a:schemeClr val="accent1"/>
-    </dgm:linClrLst>
-    <dgm:effectClrLst/>
-    <dgm:txLinClrLst/>
-    <dgm:txFillClrLst meth="repeat">
-      <a:schemeClr val="tx1"/>
-    </dgm:txFillClrLst>
-    <dgm:txEffectClrLst/>
-  </dgm:styleLbl>
-  <dgm:styleLbl name="callout">
-    <dgm:fillClrLst meth="repeat">
-      <a:schemeClr val="accent1"/>
-    </dgm:fillClrLst>
-    <dgm:linClrLst meth="repeat">
-      <a:schemeClr val="accent1">
-        <a:tint val="50000"/>
-      </a:schemeClr>
-    </dgm:linClrLst>
-    <dgm:effectClrLst/>
-    <dgm:txLinClrLst/>
-    <dgm:txFillClrLst meth="repeat">
-      <a:schemeClr val="tx1"/>
-    </dgm:txFillClrLst>
-    <dgm:txEffectClrLst/>
-  </dgm:styleLbl>
-  <dgm:styleLbl name="asst0">
-    <dgm:fillClrLst meth="repeat">
-      <a:schemeClr val="accent1"/>
-    </dgm:fillClrLst>
-    <dgm:linClrLst meth="repeat">
-      <a:schemeClr val="lt1"/>
-    </dgm:linClrLst>
-    <dgm:effectClrLst/>
-    <dgm:txLinClrLst/>
-    <dgm:txFillClrLst/>
-    <dgm:txEffectClrLst/>
-  </dgm:styleLbl>
-  <dgm:styleLbl name="asst1">
-    <dgm:fillClrLst meth="repeat">
-      <a:schemeClr val="accent1"/>
-    </dgm:fillClrLst>
-    <dgm:linClrLst meth="repeat">
-      <a:schemeClr val="lt1"/>
-    </dgm:linClrLst>
-    <dgm:effectClrLst/>
-    <dgm:txLinClrLst/>
-    <dgm:txFillClrLst/>
-    <dgm:txEffectClrLst/>
-  </dgm:styleLbl>
-  <dgm:styleLbl name="asst2">
-    <dgm:fillClrLst meth="repeat">
-      <a:schemeClr val="accent1"/>
-    </dgm:fillClrLst>
-    <dgm:linClrLst meth="repeat">
-      <a:schemeClr val="lt1"/>
-    </dgm:linClrLst>
-    <dgm:effectClrLst/>
-    <dgm:txLinClrLst/>
-    <dgm:txFillClrLst/>
-    <dgm:txEffectClrLst/>
-  </dgm:styleLbl>
-  <dgm:styleLbl name="asst3">
-    <dgm:fillClrLst meth="repeat">
-      <a:schemeClr val="accent1"/>
-    </dgm:fillClrLst>
-    <dgm:linClrLst meth="repeat">
-      <a:schemeClr val="lt1"/>
-    </dgm:linClrLst>
-    <dgm:effectClrLst/>
-    <dgm:txLinClrLst/>
-    <dgm:txFillClrLst/>
-    <dgm:txEffectClrLst/>
-  </dgm:styleLbl>
-  <dgm:styleLbl name="asst4">
-    <dgm:fillClrLst meth="repeat">
-      <a:schemeClr val="accent1"/>
-    </dgm:fillClrLst>
-    <dgm:linClrLst meth="repeat">
-      <a:schemeClr val="lt1"/>
-    </dgm:linClrLst>
-    <dgm:effectClrLst/>
-    <dgm:txLinClrLst/>
-    <dgm:txFillClrLst/>
-    <dgm:txEffectClrLst/>
-  </dgm:styleLbl>
-  <dgm:styleLbl name="parChTrans2D1">
-    <dgm:fillClrLst meth="repeat">
-      <a:schemeClr val="accent1">
-        <a:tint val="60000"/>
-      </a:schemeClr>
-    </dgm:fillClrLst>
-    <dgm:linClrLst meth="repeat">
-      <a:schemeClr val="accent1">
-        <a:tint val="60000"/>
-      </a:schemeClr>
-    </dgm:linClrLst>
-    <dgm:effectClrLst/>
-    <dgm:txLinClrLst/>
-    <dgm:txFillClrLst meth="repeat">
-      <a:schemeClr val="lt1"/>
-    </dgm:txFillClrLst>
-    <dgm:txEffectClrLst/>
-  </dgm:styleLbl>
-  <dgm:styleLbl name="parChTrans2D2">
-    <dgm:fillClrLst meth="repeat">
-      <a:schemeClr val="accent1"/>
-    </dgm:fillClrLst>
-    <dgm:linClrLst meth="repeat">
-      <a:schemeClr val="accent1"/>
-    </dgm:linClrLst>
-    <dgm:effectClrLst/>
-    <dgm:txLinClrLst/>
-    <dgm:txFillClrLst meth="repeat">
-      <a:schemeClr val="lt1"/>
-    </dgm:txFillClrLst>
-    <dgm:txEffectClrLst/>
-  </dgm:styleLbl>
-  <dgm:styleLbl name="parChTrans2D3">
-    <dgm:fillClrLst meth="repeat">
-      <a:schemeClr val="accent1"/>
-    </dgm:fillClrLst>
-    <dgm:linClrLst meth="repeat">
-      <a:schemeClr val="accent1"/>
-    </dgm:linClrLst>
-    <dgm:effectClrLst/>
-    <dgm:txLinClrLst/>
-    <dgm:txFillClrLst meth="repeat">
-      <a:schemeClr val="lt1"/>
-    </dgm:txFillClrLst>
-    <dgm:txEffectClrLst/>
-  </dgm:styleLbl>
-  <dgm:styleLbl name="parChTrans2D4">
-    <dgm:fillClrLst meth="repeat">
-      <a:schemeClr val="accent1"/>
-    </dgm:fillClrLst>
-    <dgm:linClrLst meth="repeat">
-      <a:schemeClr val="accent1"/>
-    </dgm:linClrLst>
-    <dgm:effectClrLst/>
-    <dgm:txLinClrLst/>
-    <dgm:txFillClrLst meth="repeat">
-      <a:schemeClr val="lt1"/>
-    </dgm:txFillClrLst>
-    <dgm:txEffectClrLst/>
-  </dgm:styleLbl>
-  <dgm:styleLbl name="parChTrans1D1">
-    <dgm:fillClrLst meth="repeat">
-      <a:schemeClr val="accent1"/>
-    </dgm:fillClrLst>
-    <dgm:linClrLst meth="repeat">
-      <a:schemeClr val="accent1">
-        <a:shade val="60000"/>
-      </a:schemeClr>
-    </dgm:linClrLst>
-    <dgm:effectClrLst/>
-    <dgm:txLinClrLst/>
-    <dgm:txFillClrLst meth="repeat">
-      <a:schemeClr val="tx1"/>
-    </dgm:txFillClrLst>
-    <dgm:txEffectClrLst/>
-  </dgm:styleLbl>
-  <dgm:styleLbl name="parChTrans1D2">
-    <dgm:fillClrLst meth="repeat">
-      <a:schemeClr val="accent1"/>
-    </dgm:fillClrLst>
-    <dgm:linClrLst meth="repeat">
-      <a:schemeClr val="accent1">
-        <a:shade val="60000"/>
-      </a:schemeClr>
-    </dgm:linClrLst>
-    <dgm:effectClrLst/>
-    <dgm:txLinClrLst/>
-    <dgm:txFillClrLst meth="repeat">
-      <a:schemeClr val="tx1"/>
-    </dgm:txFillClrLst>
-    <dgm:txEffectClrLst/>
-  </dgm:styleLbl>
-  <dgm:styleLbl name="parChTrans1D3">
-    <dgm:fillClrLst meth="repeat">
-      <a:schemeClr val="accent1"/>
-    </dgm:fillClrLst>
-    <dgm:linClrLst meth="repeat">
-      <a:schemeClr val="accent1">
-        <a:shade val="80000"/>
-      </a:schemeClr>
-    </dgm:linClrLst>
-    <dgm:effectClrLst/>
-    <dgm:txLinClrLst/>
-    <dgm:txFillClrLst meth="repeat">
-      <a:schemeClr val="tx1"/>
-    </dgm:txFillClrLst>
-    <dgm:txEffectClrLst/>
-  </dgm:styleLbl>
-  <dgm:styleLbl name="parChTrans1D4">
-    <dgm:fillClrLst meth="repeat">
-      <a:schemeClr val="accent1"/>
-    </dgm:fillClrLst>
-    <dgm:linClrLst meth="repeat">
-      <a:schemeClr val="accent1">
-        <a:shade val="80000"/>
-      </a:schemeClr>
-    </dgm:linClrLst>
-    <dgm:effectClrLst/>
-    <dgm:txLinClrLst/>
-    <dgm:txFillClrLst meth="repeat">
-      <a:schemeClr val="tx1"/>
-    </dgm:txFillClrLst>
-    <dgm:txEffectClrLst/>
-  </dgm:styleLbl>
-  <dgm:styleLbl name="fgAcc1">
-    <dgm:fillClrLst meth="repeat">
-      <a:schemeClr val="lt1">
-        <a:alpha val="90000"/>
-      </a:schemeClr>
-    </dgm:fillClrLst>
-    <dgm:linClrLst meth="repeat">
-      <a:schemeClr val="accent1"/>
-    </dgm:linClrLst>
-    <dgm:effectClrLst/>
-    <dgm:txLinClrLst/>
-    <dgm:txFillClrLst meth="repeat">
-      <a:schemeClr val="dk1"/>
-    </dgm:txFillClrLst>
-    <dgm:txEffectClrLst/>
-  </dgm:styleLbl>
-  <dgm:styleLbl name="conFgAcc1">
-    <dgm:fillClrLst meth="repeat">
-      <a:schemeClr val="lt1">
-        <a:alpha val="90000"/>
-      </a:schemeClr>
-    </dgm:fillClrLst>
-    <dgm:linClrLst meth="repeat">
-      <a:schemeClr val="accent1"/>
-    </dgm:linClrLst>
-    <dgm:effectClrLst/>
-    <dgm:txLinClrLst/>
-    <dgm:txFillClrLst meth="repeat">
-      <a:schemeClr val="dk1"/>
-    </dgm:txFillClrLst>
-    <dgm:txEffectClrLst/>
-  </dgm:styleLbl>
-  <dgm:styleLbl name="alignAcc1">
-    <dgm:fillClrLst meth="repeat">
-      <a:schemeClr val="lt1">
-        <a:alpha val="90000"/>
-      </a:schemeClr>
-    </dgm:fillClrLst>
-    <dgm:linClrLst meth="repeat">
-      <a:schemeClr val="accent1"/>
-    </dgm:linClrLst>
-    <dgm:effectClrLst/>
-    <dgm:txLinClrLst/>
-    <dgm:txFillClrLst meth="repeat">
-      <a:schemeClr val="dk1"/>
-    </dgm:txFillClrLst>
-    <dgm:txEffectClrLst/>
-  </dgm:styleLbl>
-  <dgm:styleLbl name="trAlignAcc1">
-    <dgm:fillClrLst meth="repeat">
-      <a:schemeClr val="lt1">
-        <a:alpha val="40000"/>
-      </a:schemeClr>
-    </dgm:fillClrLst>
-    <dgm:linClrLst meth="repeat">
-      <a:schemeClr val="accent1"/>
-    </dgm:linClrLst>
-    <dgm:effectClrLst/>
-    <dgm:txLinClrLst/>
-    <dgm:txFillClrLst meth="repeat">
-      <a:schemeClr val="dk1"/>
-    </dgm:txFillClrLst>
-    <dgm:txEffectClrLst/>
-  </dgm:styleLbl>
-  <dgm:styleLbl name="bgAcc1">
-    <dgm:fillClrLst meth="repeat">
-      <a:schemeClr val="lt1">
-        <a:alpha val="90000"/>
-      </a:schemeClr>
-    </dgm:fillClrLst>
-    <dgm:linClrLst meth="repeat">
-      <a:schemeClr val="accent1"/>
-    </dgm:linClrLst>
-    <dgm:effectClrLst/>
-    <dgm:txLinClrLst/>
-    <dgm:txFillClrLst meth="repeat">
-      <a:schemeClr val="dk1"/>
-    </dgm:txFillClrLst>
-    <dgm:txEffectClrLst/>
-  </dgm:styleLbl>
-  <dgm:styleLbl name="solidFgAcc1">
-    <dgm:fillClrLst meth="repeat">
-      <a:schemeClr val="lt1"/>
-    </dgm:fillClrLst>
-    <dgm:linClrLst meth="repeat">
-      <a:schemeClr val="accent1"/>
-    </dgm:linClrLst>
-    <dgm:effectClrLst/>
-    <dgm:txLinClrLst/>
-    <dgm:txFillClrLst meth="repeat">
-      <a:schemeClr val="dk1"/>
-    </dgm:txFillClrLst>
-    <dgm:txEffectClrLst/>
-  </dgm:styleLbl>
-  <dgm:styleLbl name="solidAlignAcc1">
-    <dgm:fillClrLst meth="repeat">
-      <a:schemeClr val="lt1"/>
-    </dgm:fillClrLst>
-    <dgm:linClrLst meth="repeat">
-      <a:schemeClr val="accent1"/>
-    </dgm:linClrLst>
-    <dgm:effectClrLst/>
-    <dgm:txLinClrLst/>
-    <dgm:txFillClrLst meth="repeat">
-      <a:schemeClr val="dk1"/>
-    </dgm:txFillClrLst>
-    <dgm:txEffectClrLst/>
-  </dgm:styleLbl>
-  <dgm:styleLbl name="solidBgAcc1">
-    <dgm:fillClrLst meth="repeat">
-      <a:schemeClr val="lt1"/>
-    </dgm:fillClrLst>
-    <dgm:linClrLst meth="repeat">
-      <a:schemeClr val="accent1"/>
-    </dgm:linClrLst>
-    <dgm:effectClrLst/>
-    <dgm:txLinClrLst/>
-    <dgm:txFillClrLst meth="repeat">
-      <a:schemeClr val="dk1"/>
-    </dgm:txFillClrLst>
-    <dgm:txEffectClrLst/>
-  </dgm:styleLbl>
-  <dgm:styleLbl name="fgAccFollowNode1">
-    <dgm:fillClrLst meth="repeat">
-      <a:schemeClr val="accent1">
-        <a:alpha val="90000"/>
-        <a:tint val="40000"/>
-      </a:schemeClr>
-    </dgm:fillClrLst>
-    <dgm:linClrLst meth="repeat">
-      <a:schemeClr val="accent1">
-        <a:alpha val="90000"/>
-        <a:tint val="40000"/>
-      </a:schemeClr>
-    </dgm:linClrLst>
-    <dgm:effectClrLst/>
-    <dgm:txLinClrLst/>
-    <dgm:txFillClrLst meth="repeat">
-      <a:schemeClr val="dk1"/>
-    </dgm:txFillClrLst>
-    <dgm:txEffectClrLst/>
-  </dgm:styleLbl>
-  <dgm:styleLbl name="alignAccFollowNode1">
-    <dgm:fillClrLst meth="repeat">
-      <a:schemeClr val="accent1">
-        <a:alpha val="90000"/>
-        <a:tint val="40000"/>
-      </a:schemeClr>
-    </dgm:fillClrLst>
-    <dgm:linClrLst meth="repeat">
-      <a:schemeClr val="accent1">
-        <a:alpha val="90000"/>
-        <a:tint val="40000"/>
-      </a:schemeClr>
-    </dgm:linClrLst>
-    <dgm:effectClrLst/>
-    <dgm:txLinClrLst/>
-    <dgm:txFillClrLst meth="repeat">
-      <a:schemeClr val="dk1"/>
-    </dgm:txFillClrLst>
-    <dgm:txEffectClrLst/>
-  </dgm:styleLbl>
-  <dgm:styleLbl name="bgAccFollowNode1">
-    <dgm:fillClrLst meth="repeat">
-      <a:schemeClr val="accent1">
-        <a:alpha val="90000"/>
-        <a:tint val="40000"/>
-      </a:schemeClr>
-    </dgm:fillClrLst>
-    <dgm:linClrLst meth="repeat">
-      <a:schemeClr val="accent1">
-        <a:alpha val="90000"/>
-        <a:tint val="40000"/>
-      </a:schemeClr>
-    </dgm:linClrLst>
-    <dgm:effectClrLst/>
-    <dgm:txLinClrLst/>
-    <dgm:txFillClrLst meth="repeat">
-      <a:schemeClr val="dk1"/>
-    </dgm:txFillClrLst>
-    <dgm:txEffectClrLst/>
-  </dgm:styleLbl>
-  <dgm:styleLbl name="fgAcc0">
-    <dgm:fillClrLst meth="repeat">
-      <a:schemeClr val="lt1">
-        <a:alpha val="90000"/>
-      </a:schemeClr>
-    </dgm:fillClrLst>
-    <dgm:linClrLst meth="repeat">
-      <a:schemeClr val="accent1"/>
-    </dgm:linClrLst>
-    <dgm:effectClrLst/>
-    <dgm:txLinClrLst/>
-    <dgm:txFillClrLst meth="repeat">
-      <a:schemeClr val="dk1"/>
-    </dgm:txFillClrLst>
-    <dgm:txEffectClrLst/>
-  </dgm:styleLbl>
-  <dgm:styleLbl name="fgAcc2">
-    <dgm:fillClrLst meth="repeat">
-      <a:schemeClr val="lt1">
-        <a:alpha val="90000"/>
-      </a:schemeClr>
-    </dgm:fillClrLst>
-    <dgm:linClrLst meth="repeat">
-      <a:schemeClr val="accent1"/>
-    </dgm:linClrLst>
-    <dgm:effectClrLst/>
-    <dgm:txLinClrLst/>
-    <dgm:txFillClrLst meth="repeat">
-      <a:schemeClr val="dk1"/>
-    </dgm:txFillClrLst>
-    <dgm:txEffectClrLst/>
-  </dgm:styleLbl>
-  <dgm:styleLbl name="fgAcc3">
-    <dgm:fillClrLst meth="repeat">
-      <a:schemeClr val="lt1">
-        <a:alpha val="90000"/>
-      </a:schemeClr>
-    </dgm:fillClrLst>
-    <dgm:linClrLst meth="repeat">
-      <a:schemeClr val="accent1"/>
-    </dgm:linClrLst>
-    <dgm:effectClrLst/>
-    <dgm:txLinClrLst/>
-    <dgm:txFillClrLst meth="repeat">
-      <a:schemeClr val="dk1"/>
-    </dgm:txFillClrLst>
-    <dgm:txEffectClrLst/>
-  </dgm:styleLbl>
-  <dgm:styleLbl name="fgAcc4">
-    <dgm:fillClrLst meth="repeat">
-      <a:schemeClr val="lt1">
-        <a:alpha val="90000"/>
-      </a:schemeClr>
-    </dgm:fillClrLst>
-    <dgm:linClrLst meth="repeat">
-      <a:schemeClr val="accent1"/>
-    </dgm:linClrLst>
-    <dgm:effectClrLst/>
-    <dgm:txLinClrLst/>
-    <dgm:txFillClrLst meth="repeat">
-      <a:schemeClr val="dk1"/>
-    </dgm:txFillClrLst>
-    <dgm:txEffectClrLst/>
-  </dgm:styleLbl>
-  <dgm:styleLbl name="bgShp">
-    <dgm:fillClrLst meth="repeat">
-      <a:schemeClr val="accent1">
-        <a:tint val="40000"/>
-      </a:schemeClr>
-    </dgm:fillClrLst>
-    <dgm:linClrLst meth="repeat">
-      <a:schemeClr val="accent1"/>
-    </dgm:linClrLst>
-    <dgm:effectClrLst/>
-    <dgm:txLinClrLst/>
-    <dgm:txFillClrLst meth="repeat">
-      <a:schemeClr val="dk1"/>
-    </dgm:txFillClrLst>
-    <dgm:txEffectClrLst/>
-  </dgm:styleLbl>
-  <dgm:styleLbl name="dkBgShp">
-    <dgm:fillClrLst meth="repeat">
-      <a:schemeClr val="accent1">
-        <a:shade val="80000"/>
-      </a:schemeClr>
-    </dgm:fillClrLst>
-    <dgm:linClrLst meth="repeat">
-      <a:schemeClr val="accent1"/>
-    </dgm:linClrLst>
-    <dgm:effectClrLst/>
-    <dgm:txLinClrLst/>
-    <dgm:txFillClrLst meth="repeat">
-      <a:schemeClr val="lt1"/>
-    </dgm:txFillClrLst>
-    <dgm:txEffectClrLst/>
-  </dgm:styleLbl>
-  <dgm:styleLbl name="trBgShp">
-    <dgm:fillClrLst meth="repeat">
-      <a:schemeClr val="accent1">
-        <a:tint val="50000"/>
-        <a:alpha val="40000"/>
-      </a:schemeClr>
-    </dgm:fillClrLst>
-    <dgm:linClrLst meth="repeat">
-      <a:schemeClr val="accent1"/>
-    </dgm:linClrLst>
-    <dgm:effectClrLst/>
-    <dgm:txLinClrLst/>
-    <dgm:txFillClrLst meth="repeat">
-      <a:schemeClr val="lt1"/>
-    </dgm:txFillClrLst>
-    <dgm:txEffectClrLst/>
-  </dgm:styleLbl>
-  <dgm:styleLbl name="fgShp">
-    <dgm:fillClrLst meth="repeat">
-      <a:schemeClr val="accent1">
-        <a:tint val="60000"/>
-      </a:schemeClr>
-    </dgm:fillClrLst>
-    <dgm:linClrLst meth="repeat">
-      <a:schemeClr val="lt1"/>
-    </dgm:linClrLst>
-    <dgm:effectClrLst/>
-    <dgm:txLinClrLst/>
-    <dgm:txFillClrLst meth="repeat">
-      <a:schemeClr val="dk1"/>
-    </dgm:txFillClrLst>
-    <dgm:txEffectClrLst/>
-  </dgm:styleLbl>
-  <dgm:styleLbl name="revTx">
-    <dgm:fillClrLst meth="repeat">
-      <a:schemeClr val="lt1">
-        <a:alpha val="0"/>
-      </a:schemeClr>
-    </dgm:fillClrLst>
-    <dgm:linClrLst meth="repeat">
-      <a:schemeClr val="dk1">
-        <a:alpha val="0"/>
-      </a:schemeClr>
-    </dgm:linClrLst>
-    <dgm:effectClrLst/>
-    <dgm:txLinClrLst/>
-    <dgm:txFillClrLst meth="repeat">
-      <a:schemeClr val="tx1"/>
-    </dgm:txFillClrLst>
-    <dgm:txEffectClrLst/>
-  </dgm:styleLbl>
-</dgm:colorsDef>
-</file>
-
-<file path=ppt/diagrams/colors3.xml><?xml version="1.0" encoding="utf-8"?>
 <dgm:colorsDef xmlns:dgm="http://schemas.openxmlformats.org/drawingml/2006/diagram" xmlns:a="http://schemas.openxmlformats.org/drawingml/2006/main" uniqueId="urn:microsoft.com/office/officeart/2005/8/colors/accent1_2">
   <dgm:title val=""/>
   <dgm:desc val=""/>
@@ -2593,6 +1842,13 @@
         </dgm:presLayoutVars>
       </dgm:prSet>
       <dgm:spPr/>
+      <dgm:t>
+        <a:bodyPr/>
+        <a:lstStyle/>
+        <a:p>
+          <a:endParaRPr lang="de-DE"/>
+        </a:p>
+      </dgm:t>
     </dgm:pt>
     <dgm:pt modelId="{F957E082-FEA5-4D9C-8A02-C3E143B1C8E0}" type="pres">
       <dgm:prSet presAssocID="{2531BBA5-32A5-4C6E-80B8-6CF1748723C7}" presName="parentText" presStyleLbl="node1" presStyleIdx="0" presStyleCnt="4">
@@ -2602,6 +1858,13 @@
         </dgm:presLayoutVars>
       </dgm:prSet>
       <dgm:spPr/>
+      <dgm:t>
+        <a:bodyPr/>
+        <a:lstStyle/>
+        <a:p>
+          <a:endParaRPr lang="de-DE"/>
+        </a:p>
+      </dgm:t>
     </dgm:pt>
     <dgm:pt modelId="{4432E881-C9BC-4DAD-B40E-0D6AC3D1BE3D}" type="pres">
       <dgm:prSet presAssocID="{F371508F-559C-4B67-AFF0-3DA4607515D6}" presName="spacer" presStyleCnt="0"/>
@@ -2615,6 +1878,13 @@
         </dgm:presLayoutVars>
       </dgm:prSet>
       <dgm:spPr/>
+      <dgm:t>
+        <a:bodyPr/>
+        <a:lstStyle/>
+        <a:p>
+          <a:endParaRPr lang="de-DE"/>
+        </a:p>
+      </dgm:t>
     </dgm:pt>
     <dgm:pt modelId="{AFBD48C4-F259-4B92-A0EA-E0E760C566BC}" type="pres">
       <dgm:prSet presAssocID="{51653B60-ECA2-4C17-860F-D92AC9B47EB1}" presName="spacer" presStyleCnt="0"/>
@@ -2628,6 +1898,13 @@
         </dgm:presLayoutVars>
       </dgm:prSet>
       <dgm:spPr/>
+      <dgm:t>
+        <a:bodyPr/>
+        <a:lstStyle/>
+        <a:p>
+          <a:endParaRPr lang="de-DE"/>
+        </a:p>
+      </dgm:t>
     </dgm:pt>
     <dgm:pt modelId="{8A39AC5C-201F-4F6A-BDC9-99152C569BCD}" type="pres">
       <dgm:prSet presAssocID="{495BD3FC-CF31-4379-B2C8-0102AF2467A4}" presName="spacer" presStyleCnt="0"/>
@@ -2641,6 +1918,13 @@
         </dgm:presLayoutVars>
       </dgm:prSet>
       <dgm:spPr/>
+      <dgm:t>
+        <a:bodyPr/>
+        <a:lstStyle/>
+        <a:p>
+          <a:endParaRPr lang="de-DE"/>
+        </a:p>
+      </dgm:t>
     </dgm:pt>
   </dgm:ptLst>
   <dgm:cxnLst>
@@ -2851,6 +2135,13 @@
         </dgm:presLayoutVars>
       </dgm:prSet>
       <dgm:spPr/>
+      <dgm:t>
+        <a:bodyPr/>
+        <a:lstStyle/>
+        <a:p>
+          <a:endParaRPr lang="de-DE"/>
+        </a:p>
+      </dgm:t>
     </dgm:pt>
   </dgm:ptLst>
   <dgm:cxnLst>
@@ -2873,212 +2164,7 @@
   <dgm:whole/>
   <dgm:extLst>
     <a:ext uri="http://schemas.microsoft.com/office/drawing/2008/diagram">
-      <dsp:dataModelExt xmlns:dsp="http://schemas.microsoft.com/office/drawing/2008/diagram" relId="rId7" minVer="http://schemas.openxmlformats.org/drawingml/2006/diagram"/>
-    </a:ext>
-  </dgm:extLst>
-</dgm:dataModel>
-</file>
-
-<file path=ppt/diagrams/data3.xml><?xml version="1.0" encoding="utf-8"?>
-<dgm:dataModel xmlns:dgm="http://schemas.openxmlformats.org/drawingml/2006/diagram" xmlns:a="http://schemas.openxmlformats.org/drawingml/2006/main">
-  <dgm:ptLst>
-    <dgm:pt modelId="{2E4A622F-1F90-42CA-BC29-6E85DF634433}" type="doc">
-      <dgm:prSet loTypeId="urn:microsoft.com/office/officeart/2005/8/layout/default" loCatId="list" qsTypeId="urn:microsoft.com/office/officeart/2005/8/quickstyle/simple1" qsCatId="simple" csTypeId="urn:microsoft.com/office/officeart/2005/8/colors/accent1_2" csCatId="accent1" phldr="1"/>
-      <dgm:spPr/>
-      <dgm:t>
-        <a:bodyPr/>
-        <a:lstStyle/>
-        <a:p>
-          <a:endParaRPr lang="de-DE"/>
-        </a:p>
-      </dgm:t>
-    </dgm:pt>
-    <dgm:pt modelId="{11AB4BFC-1FAE-4389-9407-F76B7C047DDC}">
-      <dgm:prSet phldrT="[Text]"/>
-      <dgm:spPr/>
-      <dgm:t>
-        <a:bodyPr/>
-        <a:lstStyle/>
-        <a:p>
-          <a:r>
-            <a:rPr lang="de-DE" dirty="0" err="1" smtClean="0"/>
-            <a:t>StatusProcessor</a:t>
-          </a:r>
-          <a:endParaRPr lang="de-DE" dirty="0"/>
-        </a:p>
-      </dgm:t>
-    </dgm:pt>
-    <dgm:pt modelId="{9F3A639A-6CFF-42E7-A837-6C801FFB2086}" type="parTrans" cxnId="{5E31ACC4-7174-4612-80EB-ACA003821DFA}">
-      <dgm:prSet/>
-      <dgm:spPr/>
-      <dgm:t>
-        <a:bodyPr/>
-        <a:lstStyle/>
-        <a:p>
-          <a:endParaRPr lang="de-DE"/>
-        </a:p>
-      </dgm:t>
-    </dgm:pt>
-    <dgm:pt modelId="{4B700F80-E609-4AC4-AF15-0A1D959F8F01}" type="sibTrans" cxnId="{5E31ACC4-7174-4612-80EB-ACA003821DFA}">
-      <dgm:prSet/>
-      <dgm:spPr/>
-      <dgm:t>
-        <a:bodyPr/>
-        <a:lstStyle/>
-        <a:p>
-          <a:endParaRPr lang="de-DE"/>
-        </a:p>
-      </dgm:t>
-    </dgm:pt>
-    <dgm:pt modelId="{2AA8E51F-72FE-4169-9C37-50226D92BE4B}">
-      <dgm:prSet phldrT="[Text]"/>
-      <dgm:spPr/>
-      <dgm:t>
-        <a:bodyPr/>
-        <a:lstStyle/>
-        <a:p>
-          <a:r>
-            <a:rPr lang="de-DE" dirty="0" err="1" smtClean="0"/>
-            <a:t>WebServiceLocator</a:t>
-          </a:r>
-          <a:endParaRPr lang="de-DE" dirty="0"/>
-        </a:p>
-      </dgm:t>
-    </dgm:pt>
-    <dgm:pt modelId="{DD9CBB05-7E6D-4F0F-BE39-7B70CB8A1168}" type="parTrans" cxnId="{BD1C312D-2274-42E2-860C-427D726B460B}">
-      <dgm:prSet/>
-      <dgm:spPr/>
-      <dgm:t>
-        <a:bodyPr/>
-        <a:lstStyle/>
-        <a:p>
-          <a:endParaRPr lang="de-DE"/>
-        </a:p>
-      </dgm:t>
-    </dgm:pt>
-    <dgm:pt modelId="{F16822D3-198C-4675-B21C-CB2C86C6F42F}" type="sibTrans" cxnId="{BD1C312D-2274-42E2-860C-427D726B460B}">
-      <dgm:prSet/>
-      <dgm:spPr/>
-      <dgm:t>
-        <a:bodyPr/>
-        <a:lstStyle/>
-        <a:p>
-          <a:endParaRPr lang="de-DE"/>
-        </a:p>
-      </dgm:t>
-    </dgm:pt>
-    <dgm:pt modelId="{A10E0B64-ECC3-4032-BFF0-F75F572DD563}">
-      <dgm:prSet phldrT="[Text]"/>
-      <dgm:spPr/>
-      <dgm:t>
-        <a:bodyPr/>
-        <a:lstStyle/>
-        <a:p>
-          <a:r>
-            <a:rPr lang="de-DE" dirty="0" smtClean="0"/>
-            <a:t>Locator</a:t>
-          </a:r>
-          <a:endParaRPr lang="de-DE" dirty="0"/>
-        </a:p>
-      </dgm:t>
-    </dgm:pt>
-    <dgm:pt modelId="{9D3E4866-63A6-405A-A807-A57867CCD20F}" type="parTrans" cxnId="{8BDB1227-333F-4EA5-AE22-7215D7EDCBB0}">
-      <dgm:prSet/>
-      <dgm:spPr/>
-      <dgm:t>
-        <a:bodyPr/>
-        <a:lstStyle/>
-        <a:p>
-          <a:endParaRPr lang="de-DE"/>
-        </a:p>
-      </dgm:t>
-    </dgm:pt>
-    <dgm:pt modelId="{96EBC8E5-D086-49D7-BE39-DE34048F4B46}" type="sibTrans" cxnId="{8BDB1227-333F-4EA5-AE22-7215D7EDCBB0}">
-      <dgm:prSet/>
-      <dgm:spPr/>
-      <dgm:t>
-        <a:bodyPr/>
-        <a:lstStyle/>
-        <a:p>
-          <a:endParaRPr lang="de-DE"/>
-        </a:p>
-      </dgm:t>
-    </dgm:pt>
-    <dgm:pt modelId="{F10670BC-681C-4BA5-9204-14A9D8664F6A}" type="pres">
-      <dgm:prSet presAssocID="{2E4A622F-1F90-42CA-BC29-6E85DF634433}" presName="diagram" presStyleCnt="0">
-        <dgm:presLayoutVars>
-          <dgm:dir/>
-          <dgm:resizeHandles val="exact"/>
-        </dgm:presLayoutVars>
-      </dgm:prSet>
-      <dgm:spPr/>
-    </dgm:pt>
-    <dgm:pt modelId="{A0C14A4B-6689-4DD2-AFAA-B08AC0337E48}" type="pres">
-      <dgm:prSet presAssocID="{11AB4BFC-1FAE-4389-9407-F76B7C047DDC}" presName="node" presStyleLbl="node1" presStyleIdx="0" presStyleCnt="3">
-        <dgm:presLayoutVars>
-          <dgm:bulletEnabled val="1"/>
-        </dgm:presLayoutVars>
-      </dgm:prSet>
-      <dgm:spPr/>
-    </dgm:pt>
-    <dgm:pt modelId="{350A79B4-8E2F-41D3-9137-41126C1E6558}" type="pres">
-      <dgm:prSet presAssocID="{4B700F80-E609-4AC4-AF15-0A1D959F8F01}" presName="sibTrans" presStyleCnt="0"/>
-      <dgm:spPr/>
-    </dgm:pt>
-    <dgm:pt modelId="{18290BB7-1FB3-4E1C-B9CB-DF9627229BDB}" type="pres">
-      <dgm:prSet presAssocID="{A10E0B64-ECC3-4032-BFF0-F75F572DD563}" presName="node" presStyleLbl="node1" presStyleIdx="1" presStyleCnt="3">
-        <dgm:presLayoutVars>
-          <dgm:bulletEnabled val="1"/>
-        </dgm:presLayoutVars>
-      </dgm:prSet>
-      <dgm:spPr/>
-      <dgm:t>
-        <a:bodyPr/>
-        <a:lstStyle/>
-        <a:p>
-          <a:endParaRPr lang="de-DE"/>
-        </a:p>
-      </dgm:t>
-    </dgm:pt>
-    <dgm:pt modelId="{985A7017-0A2E-41D7-9431-22C75FF76A02}" type="pres">
-      <dgm:prSet presAssocID="{96EBC8E5-D086-49D7-BE39-DE34048F4B46}" presName="sibTrans" presStyleCnt="0"/>
-      <dgm:spPr/>
-    </dgm:pt>
-    <dgm:pt modelId="{BE5CA38F-8E38-4654-92BA-3524324AB319}" type="pres">
-      <dgm:prSet presAssocID="{2AA8E51F-72FE-4169-9C37-50226D92BE4B}" presName="node" presStyleLbl="node1" presStyleIdx="2" presStyleCnt="3">
-        <dgm:presLayoutVars>
-          <dgm:bulletEnabled val="1"/>
-        </dgm:presLayoutVars>
-      </dgm:prSet>
-      <dgm:spPr/>
-      <dgm:t>
-        <a:bodyPr/>
-        <a:lstStyle/>
-        <a:p>
-          <a:endParaRPr lang="de-DE"/>
-        </a:p>
-      </dgm:t>
-    </dgm:pt>
-  </dgm:ptLst>
-  <dgm:cxnLst>
-    <dgm:cxn modelId="{2084D3A9-4E75-429F-B7C6-FFA576F6CE57}" type="presOf" srcId="{2E4A622F-1F90-42CA-BC29-6E85DF634433}" destId="{F10670BC-681C-4BA5-9204-14A9D8664F6A}" srcOrd="0" destOrd="0" presId="urn:microsoft.com/office/officeart/2005/8/layout/default"/>
-    <dgm:cxn modelId="{5E31ACC4-7174-4612-80EB-ACA003821DFA}" srcId="{2E4A622F-1F90-42CA-BC29-6E85DF634433}" destId="{11AB4BFC-1FAE-4389-9407-F76B7C047DDC}" srcOrd="0" destOrd="0" parTransId="{9F3A639A-6CFF-42E7-A837-6C801FFB2086}" sibTransId="{4B700F80-E609-4AC4-AF15-0A1D959F8F01}"/>
-    <dgm:cxn modelId="{14BA14FE-0EDF-4A5E-8112-50CD558944CB}" type="presOf" srcId="{11AB4BFC-1FAE-4389-9407-F76B7C047DDC}" destId="{A0C14A4B-6689-4DD2-AFAA-B08AC0337E48}" srcOrd="0" destOrd="0" presId="urn:microsoft.com/office/officeart/2005/8/layout/default"/>
-    <dgm:cxn modelId="{BD1C312D-2274-42E2-860C-427D726B460B}" srcId="{2E4A622F-1F90-42CA-BC29-6E85DF634433}" destId="{2AA8E51F-72FE-4169-9C37-50226D92BE4B}" srcOrd="2" destOrd="0" parTransId="{DD9CBB05-7E6D-4F0F-BE39-7B70CB8A1168}" sibTransId="{F16822D3-198C-4675-B21C-CB2C86C6F42F}"/>
-    <dgm:cxn modelId="{D212593E-784C-4BFA-B762-AB8843FE5BDC}" type="presOf" srcId="{A10E0B64-ECC3-4032-BFF0-F75F572DD563}" destId="{18290BB7-1FB3-4E1C-B9CB-DF9627229BDB}" srcOrd="0" destOrd="0" presId="urn:microsoft.com/office/officeart/2005/8/layout/default"/>
-    <dgm:cxn modelId="{8BDB1227-333F-4EA5-AE22-7215D7EDCBB0}" srcId="{2E4A622F-1F90-42CA-BC29-6E85DF634433}" destId="{A10E0B64-ECC3-4032-BFF0-F75F572DD563}" srcOrd="1" destOrd="0" parTransId="{9D3E4866-63A6-405A-A807-A57867CCD20F}" sibTransId="{96EBC8E5-D086-49D7-BE39-DE34048F4B46}"/>
-    <dgm:cxn modelId="{83689070-42E2-4323-A1D4-846D05A33173}" type="presOf" srcId="{2AA8E51F-72FE-4169-9C37-50226D92BE4B}" destId="{BE5CA38F-8E38-4654-92BA-3524324AB319}" srcOrd="0" destOrd="0" presId="urn:microsoft.com/office/officeart/2005/8/layout/default"/>
-    <dgm:cxn modelId="{3FB43DA6-8385-490C-9FA2-416C797D0419}" type="presParOf" srcId="{F10670BC-681C-4BA5-9204-14A9D8664F6A}" destId="{A0C14A4B-6689-4DD2-AFAA-B08AC0337E48}" srcOrd="0" destOrd="0" presId="urn:microsoft.com/office/officeart/2005/8/layout/default"/>
-    <dgm:cxn modelId="{9E1AB828-B11D-49EF-A47D-5451A20F0FEA}" type="presParOf" srcId="{F10670BC-681C-4BA5-9204-14A9D8664F6A}" destId="{350A79B4-8E2F-41D3-9137-41126C1E6558}" srcOrd="1" destOrd="0" presId="urn:microsoft.com/office/officeart/2005/8/layout/default"/>
-    <dgm:cxn modelId="{BD1004B1-7DEF-4BF2-90D5-14B0688C0421}" type="presParOf" srcId="{F10670BC-681C-4BA5-9204-14A9D8664F6A}" destId="{18290BB7-1FB3-4E1C-B9CB-DF9627229BDB}" srcOrd="2" destOrd="0" presId="urn:microsoft.com/office/officeart/2005/8/layout/default"/>
-    <dgm:cxn modelId="{429D88DD-A8CC-4BDD-9E19-BE6B188E6384}" type="presParOf" srcId="{F10670BC-681C-4BA5-9204-14A9D8664F6A}" destId="{985A7017-0A2E-41D7-9431-22C75FF76A02}" srcOrd="3" destOrd="0" presId="urn:microsoft.com/office/officeart/2005/8/layout/default"/>
-    <dgm:cxn modelId="{7A79B49B-2AFC-46A9-A9A6-72B1ECB13F63}" type="presParOf" srcId="{F10670BC-681C-4BA5-9204-14A9D8664F6A}" destId="{BE5CA38F-8E38-4654-92BA-3524324AB319}" srcOrd="4" destOrd="0" presId="urn:microsoft.com/office/officeart/2005/8/layout/default"/>
-  </dgm:cxnLst>
-  <dgm:bg/>
-  <dgm:whole/>
-  <dgm:extLst>
-    <a:ext uri="http://schemas.microsoft.com/office/drawing/2008/diagram">
-      <dsp:dataModelExt xmlns:dsp="http://schemas.microsoft.com/office/drawing/2008/diagram" relId="rId7" minVer="http://schemas.openxmlformats.org/drawingml/2006/diagram"/>
+      <dsp:dataModelExt xmlns:dsp="http://schemas.microsoft.com/office/drawing/2008/diagram" relId="rId6" minVer="http://schemas.openxmlformats.org/drawingml/2006/diagram"/>
     </a:ext>
   </dgm:extLst>
 </dgm:dataModel>
@@ -3691,249 +2777,6 @@
 </dsp:drawing>
 </file>
 
-<file path=ppt/diagrams/drawing3.xml><?xml version="1.0" encoding="utf-8"?>
-<dsp:drawing xmlns:dgm="http://schemas.openxmlformats.org/drawingml/2006/diagram" xmlns:dsp="http://schemas.microsoft.com/office/drawing/2008/diagram" xmlns:a="http://schemas.openxmlformats.org/drawingml/2006/main">
-  <dsp:spTree>
-    <dsp:nvGrpSpPr>
-      <dsp:cNvPr id="0" name=""/>
-      <dsp:cNvGrpSpPr/>
-    </dsp:nvGrpSpPr>
-    <dsp:grpSpPr/>
-    <dsp:sp modelId="{A0C14A4B-6689-4DD2-AFAA-B08AC0337E48}">
-      <dsp:nvSpPr>
-        <dsp:cNvPr id="0" name=""/>
-        <dsp:cNvSpPr/>
-      </dsp:nvSpPr>
-      <dsp:spPr>
-        <a:xfrm>
-          <a:off x="486794" y="164"/>
-          <a:ext cx="2393685" cy="1436211"/>
-        </a:xfrm>
-        <a:prstGeom prst="rect">
-          <a:avLst/>
-        </a:prstGeom>
-        <a:solidFill>
-          <a:schemeClr val="accent1">
-            <a:hueOff val="0"/>
-            <a:satOff val="0"/>
-            <a:lumOff val="0"/>
-            <a:alphaOff val="0"/>
-          </a:schemeClr>
-        </a:solidFill>
-        <a:ln w="25400" cap="flat" cmpd="sng" algn="ctr">
-          <a:solidFill>
-            <a:schemeClr val="lt1">
-              <a:hueOff val="0"/>
-              <a:satOff val="0"/>
-              <a:lumOff val="0"/>
-              <a:alphaOff val="0"/>
-            </a:schemeClr>
-          </a:solidFill>
-          <a:prstDash val="solid"/>
-        </a:ln>
-        <a:effectLst/>
-      </dsp:spPr>
-      <dsp:style>
-        <a:lnRef idx="2">
-          <a:scrgbClr r="0" g="0" b="0"/>
-        </a:lnRef>
-        <a:fillRef idx="1">
-          <a:scrgbClr r="0" g="0" b="0"/>
-        </a:fillRef>
-        <a:effectRef idx="0">
-          <a:scrgbClr r="0" g="0" b="0"/>
-        </a:effectRef>
-        <a:fontRef idx="minor">
-          <a:schemeClr val="lt1"/>
-        </a:fontRef>
-      </dsp:style>
-      <dsp:txBody>
-        <a:bodyPr spcFirstLastPara="0" vert="horz" wrap="square" lIns="76200" tIns="76200" rIns="76200" bIns="76200" numCol="1" spcCol="1270" anchor="ctr" anchorCtr="0">
-          <a:noAutofit/>
-        </a:bodyPr>
-        <a:lstStyle/>
-        <a:p>
-          <a:pPr lvl="0" algn="ctr" defTabSz="889000">
-            <a:lnSpc>
-              <a:spcPct val="90000"/>
-            </a:lnSpc>
-            <a:spcBef>
-              <a:spcPct val="0"/>
-            </a:spcBef>
-            <a:spcAft>
-              <a:spcPct val="35000"/>
-            </a:spcAft>
-          </a:pPr>
-          <a:r>
-            <a:rPr lang="de-DE" sz="2000" kern="1200" dirty="0" err="1" smtClean="0"/>
-            <a:t>StatusProcessor</a:t>
-          </a:r>
-          <a:endParaRPr lang="de-DE" sz="2000" kern="1200" dirty="0"/>
-        </a:p>
-      </dsp:txBody>
-      <dsp:txXfrm>
-        <a:off x="486794" y="164"/>
-        <a:ext cx="2393685" cy="1436211"/>
-      </dsp:txXfrm>
-    </dsp:sp>
-    <dsp:sp modelId="{18290BB7-1FB3-4E1C-B9CB-DF9627229BDB}">
-      <dsp:nvSpPr>
-        <dsp:cNvPr id="0" name=""/>
-        <dsp:cNvSpPr/>
-      </dsp:nvSpPr>
-      <dsp:spPr>
-        <a:xfrm>
-          <a:off x="3119848" y="164"/>
-          <a:ext cx="2393685" cy="1436211"/>
-        </a:xfrm>
-        <a:prstGeom prst="rect">
-          <a:avLst/>
-        </a:prstGeom>
-        <a:solidFill>
-          <a:schemeClr val="accent1">
-            <a:hueOff val="0"/>
-            <a:satOff val="0"/>
-            <a:lumOff val="0"/>
-            <a:alphaOff val="0"/>
-          </a:schemeClr>
-        </a:solidFill>
-        <a:ln w="25400" cap="flat" cmpd="sng" algn="ctr">
-          <a:solidFill>
-            <a:schemeClr val="lt1">
-              <a:hueOff val="0"/>
-              <a:satOff val="0"/>
-              <a:lumOff val="0"/>
-              <a:alphaOff val="0"/>
-            </a:schemeClr>
-          </a:solidFill>
-          <a:prstDash val="solid"/>
-        </a:ln>
-        <a:effectLst/>
-      </dsp:spPr>
-      <dsp:style>
-        <a:lnRef idx="2">
-          <a:scrgbClr r="0" g="0" b="0"/>
-        </a:lnRef>
-        <a:fillRef idx="1">
-          <a:scrgbClr r="0" g="0" b="0"/>
-        </a:fillRef>
-        <a:effectRef idx="0">
-          <a:scrgbClr r="0" g="0" b="0"/>
-        </a:effectRef>
-        <a:fontRef idx="minor">
-          <a:schemeClr val="lt1"/>
-        </a:fontRef>
-      </dsp:style>
-      <dsp:txBody>
-        <a:bodyPr spcFirstLastPara="0" vert="horz" wrap="square" lIns="76200" tIns="76200" rIns="76200" bIns="76200" numCol="1" spcCol="1270" anchor="ctr" anchorCtr="0">
-          <a:noAutofit/>
-        </a:bodyPr>
-        <a:lstStyle/>
-        <a:p>
-          <a:pPr lvl="0" algn="ctr" defTabSz="889000">
-            <a:lnSpc>
-              <a:spcPct val="90000"/>
-            </a:lnSpc>
-            <a:spcBef>
-              <a:spcPct val="0"/>
-            </a:spcBef>
-            <a:spcAft>
-              <a:spcPct val="35000"/>
-            </a:spcAft>
-          </a:pPr>
-          <a:r>
-            <a:rPr lang="de-DE" sz="2000" kern="1200" dirty="0" smtClean="0"/>
-            <a:t>Locator</a:t>
-          </a:r>
-          <a:endParaRPr lang="de-DE" sz="2000" kern="1200" dirty="0"/>
-        </a:p>
-      </dsp:txBody>
-      <dsp:txXfrm>
-        <a:off x="3119848" y="164"/>
-        <a:ext cx="2393685" cy="1436211"/>
-      </dsp:txXfrm>
-    </dsp:sp>
-    <dsp:sp modelId="{BE5CA38F-8E38-4654-92BA-3524324AB319}">
-      <dsp:nvSpPr>
-        <dsp:cNvPr id="0" name=""/>
-        <dsp:cNvSpPr/>
-      </dsp:nvSpPr>
-      <dsp:spPr>
-        <a:xfrm>
-          <a:off x="1803321" y="1675744"/>
-          <a:ext cx="2393685" cy="1436211"/>
-        </a:xfrm>
-        <a:prstGeom prst="rect">
-          <a:avLst/>
-        </a:prstGeom>
-        <a:solidFill>
-          <a:schemeClr val="accent1">
-            <a:hueOff val="0"/>
-            <a:satOff val="0"/>
-            <a:lumOff val="0"/>
-            <a:alphaOff val="0"/>
-          </a:schemeClr>
-        </a:solidFill>
-        <a:ln w="25400" cap="flat" cmpd="sng" algn="ctr">
-          <a:solidFill>
-            <a:schemeClr val="lt1">
-              <a:hueOff val="0"/>
-              <a:satOff val="0"/>
-              <a:lumOff val="0"/>
-              <a:alphaOff val="0"/>
-            </a:schemeClr>
-          </a:solidFill>
-          <a:prstDash val="solid"/>
-        </a:ln>
-        <a:effectLst/>
-      </dsp:spPr>
-      <dsp:style>
-        <a:lnRef idx="2">
-          <a:scrgbClr r="0" g="0" b="0"/>
-        </a:lnRef>
-        <a:fillRef idx="1">
-          <a:scrgbClr r="0" g="0" b="0"/>
-        </a:fillRef>
-        <a:effectRef idx="0">
-          <a:scrgbClr r="0" g="0" b="0"/>
-        </a:effectRef>
-        <a:fontRef idx="minor">
-          <a:schemeClr val="lt1"/>
-        </a:fontRef>
-      </dsp:style>
-      <dsp:txBody>
-        <a:bodyPr spcFirstLastPara="0" vert="horz" wrap="square" lIns="76200" tIns="76200" rIns="76200" bIns="76200" numCol="1" spcCol="1270" anchor="ctr" anchorCtr="0">
-          <a:noAutofit/>
-        </a:bodyPr>
-        <a:lstStyle/>
-        <a:p>
-          <a:pPr lvl="0" algn="ctr" defTabSz="889000">
-            <a:lnSpc>
-              <a:spcPct val="90000"/>
-            </a:lnSpc>
-            <a:spcBef>
-              <a:spcPct val="0"/>
-            </a:spcBef>
-            <a:spcAft>
-              <a:spcPct val="35000"/>
-            </a:spcAft>
-          </a:pPr>
-          <a:r>
-            <a:rPr lang="de-DE" sz="2000" kern="1200" dirty="0" err="1" smtClean="0"/>
-            <a:t>WebServiceLocator</a:t>
-          </a:r>
-          <a:endParaRPr lang="de-DE" sz="2000" kern="1200" dirty="0"/>
-        </a:p>
-      </dsp:txBody>
-      <dsp:txXfrm>
-        <a:off x="1803321" y="1675744"/>
-        <a:ext cx="2393685" cy="1436211"/>
-      </dsp:txXfrm>
-    </dsp:sp>
-  </dsp:spTree>
-</dsp:drawing>
-</file>
-
 <file path=ppt/diagrams/layout1.xml><?xml version="1.0" encoding="utf-8"?>
 <dgm:layoutDef xmlns:dgm="http://schemas.openxmlformats.org/drawingml/2006/diagram" xmlns:a="http://schemas.openxmlformats.org/drawingml/2006/main" uniqueId="urn:microsoft.com/office/officeart/2005/8/layout/vList2">
   <dgm:title val=""/>
@@ -4255,153 +3098,6 @@
 </dgm:layoutDef>
 </file>
 
-<file path=ppt/diagrams/layout3.xml><?xml version="1.0" encoding="utf-8"?>
-<dgm:layoutDef xmlns:dgm="http://schemas.openxmlformats.org/drawingml/2006/diagram" xmlns:a="http://schemas.openxmlformats.org/drawingml/2006/main" uniqueId="urn:microsoft.com/office/officeart/2005/8/layout/default">
-  <dgm:title val=""/>
-  <dgm:desc val=""/>
-  <dgm:catLst>
-    <dgm:cat type="list" pri="400"/>
-  </dgm:catLst>
-  <dgm:sampData>
-    <dgm:dataModel>
-      <dgm:ptLst>
-        <dgm:pt modelId="0" type="doc"/>
-        <dgm:pt modelId="1">
-          <dgm:prSet phldr="1"/>
-        </dgm:pt>
-        <dgm:pt modelId="2">
-          <dgm:prSet phldr="1"/>
-        </dgm:pt>
-        <dgm:pt modelId="3">
-          <dgm:prSet phldr="1"/>
-        </dgm:pt>
-        <dgm:pt modelId="4">
-          <dgm:prSet phldr="1"/>
-        </dgm:pt>
-        <dgm:pt modelId="5">
-          <dgm:prSet phldr="1"/>
-        </dgm:pt>
-      </dgm:ptLst>
-      <dgm:cxnLst>
-        <dgm:cxn modelId="6" srcId="0" destId="1" srcOrd="0" destOrd="0"/>
-        <dgm:cxn modelId="7" srcId="0" destId="2" srcOrd="1" destOrd="0"/>
-        <dgm:cxn modelId="8" srcId="0" destId="3" srcOrd="2" destOrd="0"/>
-        <dgm:cxn modelId="9" srcId="0" destId="4" srcOrd="3" destOrd="0"/>
-        <dgm:cxn modelId="10" srcId="0" destId="5" srcOrd="4" destOrd="0"/>
-      </dgm:cxnLst>
-      <dgm:bg/>
-      <dgm:whole/>
-    </dgm:dataModel>
-  </dgm:sampData>
-  <dgm:styleData>
-    <dgm:dataModel>
-      <dgm:ptLst>
-        <dgm:pt modelId="0" type="doc"/>
-        <dgm:pt modelId="1"/>
-        <dgm:pt modelId="2"/>
-      </dgm:ptLst>
-      <dgm:cxnLst>
-        <dgm:cxn modelId="3" srcId="0" destId="1" srcOrd="0" destOrd="0"/>
-        <dgm:cxn modelId="4" srcId="0" destId="2" srcOrd="1" destOrd="0"/>
-      </dgm:cxnLst>
-      <dgm:bg/>
-      <dgm:whole/>
-    </dgm:dataModel>
-  </dgm:styleData>
-  <dgm:clrData>
-    <dgm:dataModel>
-      <dgm:ptLst>
-        <dgm:pt modelId="0" type="doc"/>
-        <dgm:pt modelId="1"/>
-        <dgm:pt modelId="2"/>
-        <dgm:pt modelId="3"/>
-        <dgm:pt modelId="4"/>
-        <dgm:pt modelId="5"/>
-        <dgm:pt modelId="6"/>
-      </dgm:ptLst>
-      <dgm:cxnLst>
-        <dgm:cxn modelId="7" srcId="0" destId="1" srcOrd="0" destOrd="0"/>
-        <dgm:cxn modelId="8" srcId="0" destId="2" srcOrd="1" destOrd="0"/>
-        <dgm:cxn modelId="9" srcId="0" destId="3" srcOrd="2" destOrd="0"/>
-        <dgm:cxn modelId="10" srcId="0" destId="4" srcOrd="3" destOrd="0"/>
-        <dgm:cxn modelId="11" srcId="0" destId="5" srcOrd="4" destOrd="0"/>
-        <dgm:cxn modelId="12" srcId="0" destId="6" srcOrd="5" destOrd="0"/>
-      </dgm:cxnLst>
-      <dgm:bg/>
-      <dgm:whole/>
-    </dgm:dataModel>
-  </dgm:clrData>
-  <dgm:layoutNode name="diagram">
-    <dgm:varLst>
-      <dgm:dir/>
-      <dgm:resizeHandles val="exact"/>
-    </dgm:varLst>
-    <dgm:choose name="Name0">
-      <dgm:if name="Name1" func="var" arg="dir" op="equ" val="norm">
-        <dgm:alg type="snake">
-          <dgm:param type="grDir" val="tL"/>
-          <dgm:param type="flowDir" val="row"/>
-          <dgm:param type="contDir" val="sameDir"/>
-          <dgm:param type="off" val="ctr"/>
-        </dgm:alg>
-      </dgm:if>
-      <dgm:else name="Name2">
-        <dgm:alg type="snake">
-          <dgm:param type="grDir" val="tR"/>
-          <dgm:param type="flowDir" val="row"/>
-          <dgm:param type="contDir" val="sameDir"/>
-          <dgm:param type="off" val="ctr"/>
-        </dgm:alg>
-      </dgm:else>
-    </dgm:choose>
-    <dgm:shape xmlns:r="http://schemas.openxmlformats.org/officeDocument/2006/relationships" r:blip="">
-      <dgm:adjLst/>
-    </dgm:shape>
-    <dgm:presOf/>
-    <dgm:constrLst>
-      <dgm:constr type="w" for="ch" forName="node" refType="w"/>
-      <dgm:constr type="h" for="ch" forName="node" refType="w" refFor="ch" refForName="node" fact="0.6"/>
-      <dgm:constr type="w" for="ch" forName="sibTrans" refType="w" refFor="ch" refForName="node" fact="0.1"/>
-      <dgm:constr type="sp" refType="w" refFor="ch" refForName="sibTrans"/>
-      <dgm:constr type="primFontSz" for="ch" forName="node" op="equ" val="65"/>
-    </dgm:constrLst>
-    <dgm:ruleLst/>
-    <dgm:forEach name="Name3" axis="ch" ptType="node">
-      <dgm:layoutNode name="node">
-        <dgm:varLst>
-          <dgm:bulletEnabled val="1"/>
-        </dgm:varLst>
-        <dgm:alg type="tx"/>
-        <dgm:shape xmlns:r="http://schemas.openxmlformats.org/officeDocument/2006/relationships" type="rect" r:blip="">
-          <dgm:adjLst/>
-        </dgm:shape>
-        <dgm:presOf axis="desOrSelf" ptType="node"/>
-        <dgm:constrLst>
-          <dgm:constr type="lMarg" refType="primFontSz" fact="0.3"/>
-          <dgm:constr type="rMarg" refType="primFontSz" fact="0.3"/>
-          <dgm:constr type="tMarg" refType="primFontSz" fact="0.3"/>
-          <dgm:constr type="bMarg" refType="primFontSz" fact="0.3"/>
-        </dgm:constrLst>
-        <dgm:ruleLst>
-          <dgm:rule type="primFontSz" val="5" fact="NaN" max="NaN"/>
-        </dgm:ruleLst>
-      </dgm:layoutNode>
-      <dgm:forEach name="Name4" axis="followSib" ptType="sibTrans" cnt="1">
-        <dgm:layoutNode name="sibTrans">
-          <dgm:alg type="sp"/>
-          <dgm:shape xmlns:r="http://schemas.openxmlformats.org/officeDocument/2006/relationships" r:blip="">
-            <dgm:adjLst/>
-          </dgm:shape>
-          <dgm:presOf/>
-          <dgm:constrLst/>
-          <dgm:ruleLst/>
-        </dgm:layoutNode>
-      </dgm:forEach>
-    </dgm:forEach>
-  </dgm:layoutNode>
-</dgm:layoutDef>
-</file>
-
 <file path=ppt/diagrams/quickStyle1.xml><?xml version="1.0" encoding="utf-8"?>
 <dgm:styleDef xmlns:dgm="http://schemas.openxmlformats.org/drawingml/2006/diagram" xmlns:a="http://schemas.openxmlformats.org/drawingml/2006/main" uniqueId="urn:microsoft.com/office/officeart/2005/8/quickstyle/simple1">
   <dgm:title val=""/>
@@ -5437,1040 +4133,6 @@
 </file>
 
 <file path=ppt/diagrams/quickStyle2.xml><?xml version="1.0" encoding="utf-8"?>
-<dgm:styleDef xmlns:dgm="http://schemas.openxmlformats.org/drawingml/2006/diagram" xmlns:a="http://schemas.openxmlformats.org/drawingml/2006/main" uniqueId="urn:microsoft.com/office/officeart/2005/8/quickstyle/simple1">
-  <dgm:title val=""/>
-  <dgm:desc val=""/>
-  <dgm:catLst>
-    <dgm:cat type="simple" pri="10100"/>
-  </dgm:catLst>
-  <dgm:scene3d>
-    <a:camera prst="orthographicFront"/>
-    <a:lightRig rig="threePt" dir="t"/>
-  </dgm:scene3d>
-  <dgm:styleLbl name="node0">
-    <dgm:scene3d>
-      <a:camera prst="orthographicFront"/>
-      <a:lightRig rig="threePt" dir="t"/>
-    </dgm:scene3d>
-    <dgm:sp3d/>
-    <dgm:txPr/>
-    <dgm:style>
-      <a:lnRef idx="2">
-        <a:scrgbClr r="0" g="0" b="0"/>
-      </a:lnRef>
-      <a:fillRef idx="1">
-        <a:scrgbClr r="0" g="0" b="0"/>
-      </a:fillRef>
-      <a:effectRef idx="0">
-        <a:scrgbClr r="0" g="0" b="0"/>
-      </a:effectRef>
-      <a:fontRef idx="minor">
-        <a:schemeClr val="lt1"/>
-      </a:fontRef>
-    </dgm:style>
-  </dgm:styleLbl>
-  <dgm:styleLbl name="lnNode1">
-    <dgm:scene3d>
-      <a:camera prst="orthographicFront"/>
-      <a:lightRig rig="threePt" dir="t"/>
-    </dgm:scene3d>
-    <dgm:sp3d/>
-    <dgm:txPr/>
-    <dgm:style>
-      <a:lnRef idx="2">
-        <a:scrgbClr r="0" g="0" b="0"/>
-      </a:lnRef>
-      <a:fillRef idx="1">
-        <a:scrgbClr r="0" g="0" b="0"/>
-      </a:fillRef>
-      <a:effectRef idx="0">
-        <a:scrgbClr r="0" g="0" b="0"/>
-      </a:effectRef>
-      <a:fontRef idx="minor">
-        <a:schemeClr val="lt1"/>
-      </a:fontRef>
-    </dgm:style>
-  </dgm:styleLbl>
-  <dgm:styleLbl name="vennNode1">
-    <dgm:scene3d>
-      <a:camera prst="orthographicFront"/>
-      <a:lightRig rig="threePt" dir="t"/>
-    </dgm:scene3d>
-    <dgm:sp3d/>
-    <dgm:txPr/>
-    <dgm:style>
-      <a:lnRef idx="2">
-        <a:scrgbClr r="0" g="0" b="0"/>
-      </a:lnRef>
-      <a:fillRef idx="1">
-        <a:scrgbClr r="0" g="0" b="0"/>
-      </a:fillRef>
-      <a:effectRef idx="0">
-        <a:scrgbClr r="0" g="0" b="0"/>
-      </a:effectRef>
-      <a:fontRef idx="minor">
-        <a:schemeClr val="tx1"/>
-      </a:fontRef>
-    </dgm:style>
-  </dgm:styleLbl>
-  <dgm:styleLbl name="alignNode1">
-    <dgm:scene3d>
-      <a:camera prst="orthographicFront"/>
-      <a:lightRig rig="threePt" dir="t"/>
-    </dgm:scene3d>
-    <dgm:sp3d/>
-    <dgm:txPr/>
-    <dgm:style>
-      <a:lnRef idx="2">
-        <a:scrgbClr r="0" g="0" b="0"/>
-      </a:lnRef>
-      <a:fillRef idx="1">
-        <a:scrgbClr r="0" g="0" b="0"/>
-      </a:fillRef>
-      <a:effectRef idx="0">
-        <a:scrgbClr r="0" g="0" b="0"/>
-      </a:effectRef>
-      <a:fontRef idx="minor">
-        <a:schemeClr val="lt1"/>
-      </a:fontRef>
-    </dgm:style>
-  </dgm:styleLbl>
-  <dgm:styleLbl name="node1">
-    <dgm:scene3d>
-      <a:camera prst="orthographicFront"/>
-      <a:lightRig rig="threePt" dir="t"/>
-    </dgm:scene3d>
-    <dgm:sp3d/>
-    <dgm:txPr/>
-    <dgm:style>
-      <a:lnRef idx="2">
-        <a:scrgbClr r="0" g="0" b="0"/>
-      </a:lnRef>
-      <a:fillRef idx="1">
-        <a:scrgbClr r="0" g="0" b="0"/>
-      </a:fillRef>
-      <a:effectRef idx="0">
-        <a:scrgbClr r="0" g="0" b="0"/>
-      </a:effectRef>
-      <a:fontRef idx="minor">
-        <a:schemeClr val="lt1"/>
-      </a:fontRef>
-    </dgm:style>
-  </dgm:styleLbl>
-  <dgm:styleLbl name="node2">
-    <dgm:scene3d>
-      <a:camera prst="orthographicFront"/>
-      <a:lightRig rig="threePt" dir="t"/>
-    </dgm:scene3d>
-    <dgm:sp3d/>
-    <dgm:txPr/>
-    <dgm:style>
-      <a:lnRef idx="2">
-        <a:scrgbClr r="0" g="0" b="0"/>
-      </a:lnRef>
-      <a:fillRef idx="1">
-        <a:scrgbClr r="0" g="0" b="0"/>
-      </a:fillRef>
-      <a:effectRef idx="0">
-        <a:scrgbClr r="0" g="0" b="0"/>
-      </a:effectRef>
-      <a:fontRef idx="minor">
-        <a:schemeClr val="lt1"/>
-      </a:fontRef>
-    </dgm:style>
-  </dgm:styleLbl>
-  <dgm:styleLbl name="node3">
-    <dgm:scene3d>
-      <a:camera prst="orthographicFront"/>
-      <a:lightRig rig="threePt" dir="t"/>
-    </dgm:scene3d>
-    <dgm:sp3d/>
-    <dgm:txPr/>
-    <dgm:style>
-      <a:lnRef idx="2">
-        <a:scrgbClr r="0" g="0" b="0"/>
-      </a:lnRef>
-      <a:fillRef idx="1">
-        <a:scrgbClr r="0" g="0" b="0"/>
-      </a:fillRef>
-      <a:effectRef idx="0">
-        <a:scrgbClr r="0" g="0" b="0"/>
-      </a:effectRef>
-      <a:fontRef idx="minor">
-        <a:schemeClr val="lt1"/>
-      </a:fontRef>
-    </dgm:style>
-  </dgm:styleLbl>
-  <dgm:styleLbl name="node4">
-    <dgm:scene3d>
-      <a:camera prst="orthographicFront"/>
-      <a:lightRig rig="threePt" dir="t"/>
-    </dgm:scene3d>
-    <dgm:sp3d/>
-    <dgm:txPr/>
-    <dgm:style>
-      <a:lnRef idx="2">
-        <a:scrgbClr r="0" g="0" b="0"/>
-      </a:lnRef>
-      <a:fillRef idx="1">
-        <a:scrgbClr r="0" g="0" b="0"/>
-      </a:fillRef>
-      <a:effectRef idx="0">
-        <a:scrgbClr r="0" g="0" b="0"/>
-      </a:effectRef>
-      <a:fontRef idx="minor">
-        <a:schemeClr val="lt1"/>
-      </a:fontRef>
-    </dgm:style>
-  </dgm:styleLbl>
-  <dgm:styleLbl name="fgImgPlace1">
-    <dgm:scene3d>
-      <a:camera prst="orthographicFront"/>
-      <a:lightRig rig="threePt" dir="t"/>
-    </dgm:scene3d>
-    <dgm:sp3d/>
-    <dgm:txPr/>
-    <dgm:style>
-      <a:lnRef idx="2">
-        <a:scrgbClr r="0" g="0" b="0"/>
-      </a:lnRef>
-      <a:fillRef idx="1">
-        <a:scrgbClr r="0" g="0" b="0"/>
-      </a:fillRef>
-      <a:effectRef idx="0">
-        <a:scrgbClr r="0" g="0" b="0"/>
-      </a:effectRef>
-      <a:fontRef idx="minor"/>
-    </dgm:style>
-  </dgm:styleLbl>
-  <dgm:styleLbl name="alignImgPlace1">
-    <dgm:scene3d>
-      <a:camera prst="orthographicFront"/>
-      <a:lightRig rig="threePt" dir="t"/>
-    </dgm:scene3d>
-    <dgm:sp3d/>
-    <dgm:txPr/>
-    <dgm:style>
-      <a:lnRef idx="2">
-        <a:scrgbClr r="0" g="0" b="0"/>
-      </a:lnRef>
-      <a:fillRef idx="1">
-        <a:scrgbClr r="0" g="0" b="0"/>
-      </a:fillRef>
-      <a:effectRef idx="0">
-        <a:scrgbClr r="0" g="0" b="0"/>
-      </a:effectRef>
-      <a:fontRef idx="minor"/>
-    </dgm:style>
-  </dgm:styleLbl>
-  <dgm:styleLbl name="bgImgPlace1">
-    <dgm:scene3d>
-      <a:camera prst="orthographicFront"/>
-      <a:lightRig rig="threePt" dir="t"/>
-    </dgm:scene3d>
-    <dgm:sp3d/>
-    <dgm:txPr/>
-    <dgm:style>
-      <a:lnRef idx="2">
-        <a:scrgbClr r="0" g="0" b="0"/>
-      </a:lnRef>
-      <a:fillRef idx="1">
-        <a:scrgbClr r="0" g="0" b="0"/>
-      </a:fillRef>
-      <a:effectRef idx="0">
-        <a:scrgbClr r="0" g="0" b="0"/>
-      </a:effectRef>
-      <a:fontRef idx="minor"/>
-    </dgm:style>
-  </dgm:styleLbl>
-  <dgm:styleLbl name="sibTrans2D1">
-    <dgm:scene3d>
-      <a:camera prst="orthographicFront"/>
-      <a:lightRig rig="threePt" dir="t"/>
-    </dgm:scene3d>
-    <dgm:sp3d/>
-    <dgm:txPr/>
-    <dgm:style>
-      <a:lnRef idx="0">
-        <a:scrgbClr r="0" g="0" b="0"/>
-      </a:lnRef>
-      <a:fillRef idx="1">
-        <a:scrgbClr r="0" g="0" b="0"/>
-      </a:fillRef>
-      <a:effectRef idx="0">
-        <a:scrgbClr r="0" g="0" b="0"/>
-      </a:effectRef>
-      <a:fontRef idx="minor">
-        <a:schemeClr val="lt1"/>
-      </a:fontRef>
-    </dgm:style>
-  </dgm:styleLbl>
-  <dgm:styleLbl name="fgSibTrans2D1">
-    <dgm:scene3d>
-      <a:camera prst="orthographicFront"/>
-      <a:lightRig rig="threePt" dir="t"/>
-    </dgm:scene3d>
-    <dgm:sp3d/>
-    <dgm:txPr/>
-    <dgm:style>
-      <a:lnRef idx="0">
-        <a:scrgbClr r="0" g="0" b="0"/>
-      </a:lnRef>
-      <a:fillRef idx="1">
-        <a:scrgbClr r="0" g="0" b="0"/>
-      </a:fillRef>
-      <a:effectRef idx="0">
-        <a:scrgbClr r="0" g="0" b="0"/>
-      </a:effectRef>
-      <a:fontRef idx="minor">
-        <a:schemeClr val="lt1"/>
-      </a:fontRef>
-    </dgm:style>
-  </dgm:styleLbl>
-  <dgm:styleLbl name="bgSibTrans2D1">
-    <dgm:scene3d>
-      <a:camera prst="orthographicFront"/>
-      <a:lightRig rig="threePt" dir="t"/>
-    </dgm:scene3d>
-    <dgm:sp3d/>
-    <dgm:txPr/>
-    <dgm:style>
-      <a:lnRef idx="0">
-        <a:scrgbClr r="0" g="0" b="0"/>
-      </a:lnRef>
-      <a:fillRef idx="1">
-        <a:scrgbClr r="0" g="0" b="0"/>
-      </a:fillRef>
-      <a:effectRef idx="0">
-        <a:scrgbClr r="0" g="0" b="0"/>
-      </a:effectRef>
-      <a:fontRef idx="minor">
-        <a:schemeClr val="lt1"/>
-      </a:fontRef>
-    </dgm:style>
-  </dgm:styleLbl>
-  <dgm:styleLbl name="sibTrans1D1">
-    <dgm:scene3d>
-      <a:camera prst="orthographicFront"/>
-      <a:lightRig rig="threePt" dir="t"/>
-    </dgm:scene3d>
-    <dgm:sp3d/>
-    <dgm:txPr/>
-    <dgm:style>
-      <a:lnRef idx="1">
-        <a:scrgbClr r="0" g="0" b="0"/>
-      </a:lnRef>
-      <a:fillRef idx="0">
-        <a:scrgbClr r="0" g="0" b="0"/>
-      </a:fillRef>
-      <a:effectRef idx="0">
-        <a:scrgbClr r="0" g="0" b="0"/>
-      </a:effectRef>
-      <a:fontRef idx="minor"/>
-    </dgm:style>
-  </dgm:styleLbl>
-  <dgm:styleLbl name="callout">
-    <dgm:scene3d>
-      <a:camera prst="orthographicFront"/>
-      <a:lightRig rig="threePt" dir="t"/>
-    </dgm:scene3d>
-    <dgm:sp3d/>
-    <dgm:txPr/>
-    <dgm:style>
-      <a:lnRef idx="2">
-        <a:scrgbClr r="0" g="0" b="0"/>
-      </a:lnRef>
-      <a:fillRef idx="1">
-        <a:scrgbClr r="0" g="0" b="0"/>
-      </a:fillRef>
-      <a:effectRef idx="0">
-        <a:scrgbClr r="0" g="0" b="0"/>
-      </a:effectRef>
-      <a:fontRef idx="minor"/>
-    </dgm:style>
-  </dgm:styleLbl>
-  <dgm:styleLbl name="asst0">
-    <dgm:scene3d>
-      <a:camera prst="orthographicFront"/>
-      <a:lightRig rig="threePt" dir="t"/>
-    </dgm:scene3d>
-    <dgm:sp3d/>
-    <dgm:txPr/>
-    <dgm:style>
-      <a:lnRef idx="2">
-        <a:scrgbClr r="0" g="0" b="0"/>
-      </a:lnRef>
-      <a:fillRef idx="1">
-        <a:scrgbClr r="0" g="0" b="0"/>
-      </a:fillRef>
-      <a:effectRef idx="0">
-        <a:scrgbClr r="0" g="0" b="0"/>
-      </a:effectRef>
-      <a:fontRef idx="minor">
-        <a:schemeClr val="lt1"/>
-      </a:fontRef>
-    </dgm:style>
-  </dgm:styleLbl>
-  <dgm:styleLbl name="asst1">
-    <dgm:scene3d>
-      <a:camera prst="orthographicFront"/>
-      <a:lightRig rig="threePt" dir="t"/>
-    </dgm:scene3d>
-    <dgm:sp3d/>
-    <dgm:txPr/>
-    <dgm:style>
-      <a:lnRef idx="2">
-        <a:scrgbClr r="0" g="0" b="0"/>
-      </a:lnRef>
-      <a:fillRef idx="1">
-        <a:scrgbClr r="0" g="0" b="0"/>
-      </a:fillRef>
-      <a:effectRef idx="0">
-        <a:scrgbClr r="0" g="0" b="0"/>
-      </a:effectRef>
-      <a:fontRef idx="minor">
-        <a:schemeClr val="lt1"/>
-      </a:fontRef>
-    </dgm:style>
-  </dgm:styleLbl>
-  <dgm:styleLbl name="asst2">
-    <dgm:scene3d>
-      <a:camera prst="orthographicFront"/>
-      <a:lightRig rig="threePt" dir="t"/>
-    </dgm:scene3d>
-    <dgm:sp3d/>
-    <dgm:txPr/>
-    <dgm:style>
-      <a:lnRef idx="2">
-        <a:scrgbClr r="0" g="0" b="0"/>
-      </a:lnRef>
-      <a:fillRef idx="1">
-        <a:scrgbClr r="0" g="0" b="0"/>
-      </a:fillRef>
-      <a:effectRef idx="0">
-        <a:scrgbClr r="0" g="0" b="0"/>
-      </a:effectRef>
-      <a:fontRef idx="minor">
-        <a:schemeClr val="lt1"/>
-      </a:fontRef>
-    </dgm:style>
-  </dgm:styleLbl>
-  <dgm:styleLbl name="asst3">
-    <dgm:scene3d>
-      <a:camera prst="orthographicFront"/>
-      <a:lightRig rig="threePt" dir="t"/>
-    </dgm:scene3d>
-    <dgm:sp3d/>
-    <dgm:txPr/>
-    <dgm:style>
-      <a:lnRef idx="2">
-        <a:scrgbClr r="0" g="0" b="0"/>
-      </a:lnRef>
-      <a:fillRef idx="1">
-        <a:scrgbClr r="0" g="0" b="0"/>
-      </a:fillRef>
-      <a:effectRef idx="0">
-        <a:scrgbClr r="0" g="0" b="0"/>
-      </a:effectRef>
-      <a:fontRef idx="minor">
-        <a:schemeClr val="lt1"/>
-      </a:fontRef>
-    </dgm:style>
-  </dgm:styleLbl>
-  <dgm:styleLbl name="asst4">
-    <dgm:scene3d>
-      <a:camera prst="orthographicFront"/>
-      <a:lightRig rig="threePt" dir="t"/>
-    </dgm:scene3d>
-    <dgm:sp3d/>
-    <dgm:txPr/>
-    <dgm:style>
-      <a:lnRef idx="2">
-        <a:scrgbClr r="0" g="0" b="0"/>
-      </a:lnRef>
-      <a:fillRef idx="1">
-        <a:scrgbClr r="0" g="0" b="0"/>
-      </a:fillRef>
-      <a:effectRef idx="0">
-        <a:scrgbClr r="0" g="0" b="0"/>
-      </a:effectRef>
-      <a:fontRef idx="minor">
-        <a:schemeClr val="lt1"/>
-      </a:fontRef>
-    </dgm:style>
-  </dgm:styleLbl>
-  <dgm:styleLbl name="parChTrans2D1">
-    <dgm:scene3d>
-      <a:camera prst="orthographicFront"/>
-      <a:lightRig rig="threePt" dir="t"/>
-    </dgm:scene3d>
-    <dgm:sp3d/>
-    <dgm:txPr/>
-    <dgm:style>
-      <a:lnRef idx="2">
-        <a:scrgbClr r="0" g="0" b="0"/>
-      </a:lnRef>
-      <a:fillRef idx="1">
-        <a:scrgbClr r="0" g="0" b="0"/>
-      </a:fillRef>
-      <a:effectRef idx="0">
-        <a:scrgbClr r="0" g="0" b="0"/>
-      </a:effectRef>
-      <a:fontRef idx="minor">
-        <a:schemeClr val="lt1"/>
-      </a:fontRef>
-    </dgm:style>
-  </dgm:styleLbl>
-  <dgm:styleLbl name="parChTrans2D2">
-    <dgm:scene3d>
-      <a:camera prst="orthographicFront"/>
-      <a:lightRig rig="threePt" dir="t"/>
-    </dgm:scene3d>
-    <dgm:sp3d/>
-    <dgm:txPr/>
-    <dgm:style>
-      <a:lnRef idx="2">
-        <a:scrgbClr r="0" g="0" b="0"/>
-      </a:lnRef>
-      <a:fillRef idx="1">
-        <a:scrgbClr r="0" g="0" b="0"/>
-      </a:fillRef>
-      <a:effectRef idx="0">
-        <a:scrgbClr r="0" g="0" b="0"/>
-      </a:effectRef>
-      <a:fontRef idx="minor">
-        <a:schemeClr val="lt1"/>
-      </a:fontRef>
-    </dgm:style>
-  </dgm:styleLbl>
-  <dgm:styleLbl name="parChTrans2D3">
-    <dgm:scene3d>
-      <a:camera prst="orthographicFront"/>
-      <a:lightRig rig="threePt" dir="t"/>
-    </dgm:scene3d>
-    <dgm:sp3d/>
-    <dgm:txPr/>
-    <dgm:style>
-      <a:lnRef idx="2">
-        <a:scrgbClr r="0" g="0" b="0"/>
-      </a:lnRef>
-      <a:fillRef idx="1">
-        <a:scrgbClr r="0" g="0" b="0"/>
-      </a:fillRef>
-      <a:effectRef idx="0">
-        <a:scrgbClr r="0" g="0" b="0"/>
-      </a:effectRef>
-      <a:fontRef idx="minor">
-        <a:schemeClr val="lt1"/>
-      </a:fontRef>
-    </dgm:style>
-  </dgm:styleLbl>
-  <dgm:styleLbl name="parChTrans2D4">
-    <dgm:scene3d>
-      <a:camera prst="orthographicFront"/>
-      <a:lightRig rig="threePt" dir="t"/>
-    </dgm:scene3d>
-    <dgm:sp3d/>
-    <dgm:txPr/>
-    <dgm:style>
-      <a:lnRef idx="2">
-        <a:scrgbClr r="0" g="0" b="0"/>
-      </a:lnRef>
-      <a:fillRef idx="1">
-        <a:scrgbClr r="0" g="0" b="0"/>
-      </a:fillRef>
-      <a:effectRef idx="0">
-        <a:scrgbClr r="0" g="0" b="0"/>
-      </a:effectRef>
-      <a:fontRef idx="minor">
-        <a:schemeClr val="lt1"/>
-      </a:fontRef>
-    </dgm:style>
-  </dgm:styleLbl>
-  <dgm:styleLbl name="parChTrans1D1">
-    <dgm:scene3d>
-      <a:camera prst="orthographicFront"/>
-      <a:lightRig rig="threePt" dir="t"/>
-    </dgm:scene3d>
-    <dgm:sp3d/>
-    <dgm:txPr/>
-    <dgm:style>
-      <a:lnRef idx="2">
-        <a:scrgbClr r="0" g="0" b="0"/>
-      </a:lnRef>
-      <a:fillRef idx="0">
-        <a:scrgbClr r="0" g="0" b="0"/>
-      </a:fillRef>
-      <a:effectRef idx="0">
-        <a:scrgbClr r="0" g="0" b="0"/>
-      </a:effectRef>
-      <a:fontRef idx="minor"/>
-    </dgm:style>
-  </dgm:styleLbl>
-  <dgm:styleLbl name="parChTrans1D2">
-    <dgm:scene3d>
-      <a:camera prst="orthographicFront"/>
-      <a:lightRig rig="threePt" dir="t"/>
-    </dgm:scene3d>
-    <dgm:sp3d/>
-    <dgm:txPr/>
-    <dgm:style>
-      <a:lnRef idx="2">
-        <a:scrgbClr r="0" g="0" b="0"/>
-      </a:lnRef>
-      <a:fillRef idx="0">
-        <a:scrgbClr r="0" g="0" b="0"/>
-      </a:fillRef>
-      <a:effectRef idx="0">
-        <a:scrgbClr r="0" g="0" b="0"/>
-      </a:effectRef>
-      <a:fontRef idx="minor"/>
-    </dgm:style>
-  </dgm:styleLbl>
-  <dgm:styleLbl name="parChTrans1D3">
-    <dgm:scene3d>
-      <a:camera prst="orthographicFront"/>
-      <a:lightRig rig="threePt" dir="t"/>
-    </dgm:scene3d>
-    <dgm:sp3d/>
-    <dgm:txPr/>
-    <dgm:style>
-      <a:lnRef idx="2">
-        <a:scrgbClr r="0" g="0" b="0"/>
-      </a:lnRef>
-      <a:fillRef idx="0">
-        <a:scrgbClr r="0" g="0" b="0"/>
-      </a:fillRef>
-      <a:effectRef idx="0">
-        <a:scrgbClr r="0" g="0" b="0"/>
-      </a:effectRef>
-      <a:fontRef idx="minor"/>
-    </dgm:style>
-  </dgm:styleLbl>
-  <dgm:styleLbl name="parChTrans1D4">
-    <dgm:scene3d>
-      <a:camera prst="orthographicFront"/>
-      <a:lightRig rig="threePt" dir="t"/>
-    </dgm:scene3d>
-    <dgm:sp3d/>
-    <dgm:txPr/>
-    <dgm:style>
-      <a:lnRef idx="2">
-        <a:scrgbClr r="0" g="0" b="0"/>
-      </a:lnRef>
-      <a:fillRef idx="0">
-        <a:scrgbClr r="0" g="0" b="0"/>
-      </a:fillRef>
-      <a:effectRef idx="0">
-        <a:scrgbClr r="0" g="0" b="0"/>
-      </a:effectRef>
-      <a:fontRef idx="minor"/>
-    </dgm:style>
-  </dgm:styleLbl>
-  <dgm:styleLbl name="fgAcc1">
-    <dgm:scene3d>
-      <a:camera prst="orthographicFront"/>
-      <a:lightRig rig="threePt" dir="t"/>
-    </dgm:scene3d>
-    <dgm:sp3d/>
-    <dgm:txPr/>
-    <dgm:style>
-      <a:lnRef idx="2">
-        <a:scrgbClr r="0" g="0" b="0"/>
-      </a:lnRef>
-      <a:fillRef idx="1">
-        <a:scrgbClr r="0" g="0" b="0"/>
-      </a:fillRef>
-      <a:effectRef idx="0">
-        <a:scrgbClr r="0" g="0" b="0"/>
-      </a:effectRef>
-      <a:fontRef idx="minor"/>
-    </dgm:style>
-  </dgm:styleLbl>
-  <dgm:styleLbl name="conFgAcc1">
-    <dgm:scene3d>
-      <a:camera prst="orthographicFront"/>
-      <a:lightRig rig="threePt" dir="t"/>
-    </dgm:scene3d>
-    <dgm:sp3d/>
-    <dgm:txPr/>
-    <dgm:style>
-      <a:lnRef idx="2">
-        <a:scrgbClr r="0" g="0" b="0"/>
-      </a:lnRef>
-      <a:fillRef idx="1">
-        <a:scrgbClr r="0" g="0" b="0"/>
-      </a:fillRef>
-      <a:effectRef idx="0">
-        <a:scrgbClr r="0" g="0" b="0"/>
-      </a:effectRef>
-      <a:fontRef idx="minor"/>
-    </dgm:style>
-  </dgm:styleLbl>
-  <dgm:styleLbl name="alignAcc1">
-    <dgm:scene3d>
-      <a:camera prst="orthographicFront"/>
-      <a:lightRig rig="threePt" dir="t"/>
-    </dgm:scene3d>
-    <dgm:sp3d/>
-    <dgm:txPr/>
-    <dgm:style>
-      <a:lnRef idx="2">
-        <a:scrgbClr r="0" g="0" b="0"/>
-      </a:lnRef>
-      <a:fillRef idx="1">
-        <a:scrgbClr r="0" g="0" b="0"/>
-      </a:fillRef>
-      <a:effectRef idx="0">
-        <a:scrgbClr r="0" g="0" b="0"/>
-      </a:effectRef>
-      <a:fontRef idx="minor"/>
-    </dgm:style>
-  </dgm:styleLbl>
-  <dgm:styleLbl name="trAlignAcc1">
-    <dgm:scene3d>
-      <a:camera prst="orthographicFront"/>
-      <a:lightRig rig="threePt" dir="t"/>
-    </dgm:scene3d>
-    <dgm:sp3d/>
-    <dgm:txPr/>
-    <dgm:style>
-      <a:lnRef idx="1">
-        <a:scrgbClr r="0" g="0" b="0"/>
-      </a:lnRef>
-      <a:fillRef idx="1">
-        <a:scrgbClr r="0" g="0" b="0"/>
-      </a:fillRef>
-      <a:effectRef idx="0">
-        <a:scrgbClr r="0" g="0" b="0"/>
-      </a:effectRef>
-      <a:fontRef idx="minor"/>
-    </dgm:style>
-  </dgm:styleLbl>
-  <dgm:styleLbl name="bgAcc1">
-    <dgm:scene3d>
-      <a:camera prst="orthographicFront"/>
-      <a:lightRig rig="threePt" dir="t"/>
-    </dgm:scene3d>
-    <dgm:sp3d/>
-    <dgm:txPr/>
-    <dgm:style>
-      <a:lnRef idx="2">
-        <a:scrgbClr r="0" g="0" b="0"/>
-      </a:lnRef>
-      <a:fillRef idx="1">
-        <a:scrgbClr r="0" g="0" b="0"/>
-      </a:fillRef>
-      <a:effectRef idx="0">
-        <a:scrgbClr r="0" g="0" b="0"/>
-      </a:effectRef>
-      <a:fontRef idx="minor"/>
-    </dgm:style>
-  </dgm:styleLbl>
-  <dgm:styleLbl name="solidFgAcc1">
-    <dgm:scene3d>
-      <a:camera prst="orthographicFront"/>
-      <a:lightRig rig="threePt" dir="t"/>
-    </dgm:scene3d>
-    <dgm:sp3d/>
-    <dgm:txPr/>
-    <dgm:style>
-      <a:lnRef idx="2">
-        <a:scrgbClr r="0" g="0" b="0"/>
-      </a:lnRef>
-      <a:fillRef idx="1">
-        <a:scrgbClr r="0" g="0" b="0"/>
-      </a:fillRef>
-      <a:effectRef idx="0">
-        <a:scrgbClr r="0" g="0" b="0"/>
-      </a:effectRef>
-      <a:fontRef idx="minor"/>
-    </dgm:style>
-  </dgm:styleLbl>
-  <dgm:styleLbl name="solidAlignAcc1">
-    <dgm:scene3d>
-      <a:camera prst="orthographicFront"/>
-      <a:lightRig rig="threePt" dir="t"/>
-    </dgm:scene3d>
-    <dgm:sp3d/>
-    <dgm:txPr/>
-    <dgm:style>
-      <a:lnRef idx="2">
-        <a:scrgbClr r="0" g="0" b="0"/>
-      </a:lnRef>
-      <a:fillRef idx="1">
-        <a:scrgbClr r="0" g="0" b="0"/>
-      </a:fillRef>
-      <a:effectRef idx="0">
-        <a:scrgbClr r="0" g="0" b="0"/>
-      </a:effectRef>
-      <a:fontRef idx="minor"/>
-    </dgm:style>
-  </dgm:styleLbl>
-  <dgm:styleLbl name="solidBgAcc1">
-    <dgm:scene3d>
-      <a:camera prst="orthographicFront"/>
-      <a:lightRig rig="threePt" dir="t"/>
-    </dgm:scene3d>
-    <dgm:sp3d/>
-    <dgm:txPr/>
-    <dgm:style>
-      <a:lnRef idx="2">
-        <a:scrgbClr r="0" g="0" b="0"/>
-      </a:lnRef>
-      <a:fillRef idx="1">
-        <a:scrgbClr r="0" g="0" b="0"/>
-      </a:fillRef>
-      <a:effectRef idx="0">
-        <a:scrgbClr r="0" g="0" b="0"/>
-      </a:effectRef>
-      <a:fontRef idx="minor"/>
-    </dgm:style>
-  </dgm:styleLbl>
-  <dgm:styleLbl name="fgAccFollowNode1">
-    <dgm:scene3d>
-      <a:camera prst="orthographicFront"/>
-      <a:lightRig rig="threePt" dir="t"/>
-    </dgm:scene3d>
-    <dgm:sp3d/>
-    <dgm:txPr/>
-    <dgm:style>
-      <a:lnRef idx="2">
-        <a:scrgbClr r="0" g="0" b="0"/>
-      </a:lnRef>
-      <a:fillRef idx="1">
-        <a:scrgbClr r="0" g="0" b="0"/>
-      </a:fillRef>
-      <a:effectRef idx="0">
-        <a:scrgbClr r="0" g="0" b="0"/>
-      </a:effectRef>
-      <a:fontRef idx="minor"/>
-    </dgm:style>
-  </dgm:styleLbl>
-  <dgm:styleLbl name="alignAccFollowNode1">
-    <dgm:scene3d>
-      <a:camera prst="orthographicFront"/>
-      <a:lightRig rig="threePt" dir="t"/>
-    </dgm:scene3d>
-    <dgm:sp3d/>
-    <dgm:txPr/>
-    <dgm:style>
-      <a:lnRef idx="2">
-        <a:scrgbClr r="0" g="0" b="0"/>
-      </a:lnRef>
-      <a:fillRef idx="1">
-        <a:scrgbClr r="0" g="0" b="0"/>
-      </a:fillRef>
-      <a:effectRef idx="0">
-        <a:scrgbClr r="0" g="0" b="0"/>
-      </a:effectRef>
-      <a:fontRef idx="minor"/>
-    </dgm:style>
-  </dgm:styleLbl>
-  <dgm:styleLbl name="bgAccFollowNode1">
-    <dgm:scene3d>
-      <a:camera prst="orthographicFront"/>
-      <a:lightRig rig="threePt" dir="t"/>
-    </dgm:scene3d>
-    <dgm:sp3d/>
-    <dgm:txPr/>
-    <dgm:style>
-      <a:lnRef idx="2">
-        <a:scrgbClr r="0" g="0" b="0"/>
-      </a:lnRef>
-      <a:fillRef idx="1">
-        <a:scrgbClr r="0" g="0" b="0"/>
-      </a:fillRef>
-      <a:effectRef idx="0">
-        <a:scrgbClr r="0" g="0" b="0"/>
-      </a:effectRef>
-      <a:fontRef idx="minor"/>
-    </dgm:style>
-  </dgm:styleLbl>
-  <dgm:styleLbl name="fgAcc0">
-    <dgm:scene3d>
-      <a:camera prst="orthographicFront"/>
-      <a:lightRig rig="threePt" dir="t"/>
-    </dgm:scene3d>
-    <dgm:sp3d/>
-    <dgm:txPr/>
-    <dgm:style>
-      <a:lnRef idx="2">
-        <a:scrgbClr r="0" g="0" b="0"/>
-      </a:lnRef>
-      <a:fillRef idx="1">
-        <a:scrgbClr r="0" g="0" b="0"/>
-      </a:fillRef>
-      <a:effectRef idx="0">
-        <a:scrgbClr r="0" g="0" b="0"/>
-      </a:effectRef>
-      <a:fontRef idx="minor"/>
-    </dgm:style>
-  </dgm:styleLbl>
-  <dgm:styleLbl name="fgAcc2">
-    <dgm:scene3d>
-      <a:camera prst="orthographicFront"/>
-      <a:lightRig rig="threePt" dir="t"/>
-    </dgm:scene3d>
-    <dgm:sp3d/>
-    <dgm:txPr/>
-    <dgm:style>
-      <a:lnRef idx="2">
-        <a:scrgbClr r="0" g="0" b="0"/>
-      </a:lnRef>
-      <a:fillRef idx="1">
-        <a:scrgbClr r="0" g="0" b="0"/>
-      </a:fillRef>
-      <a:effectRef idx="0">
-        <a:scrgbClr r="0" g="0" b="0"/>
-      </a:effectRef>
-      <a:fontRef idx="minor"/>
-    </dgm:style>
-  </dgm:styleLbl>
-  <dgm:styleLbl name="fgAcc3">
-    <dgm:scene3d>
-      <a:camera prst="orthographicFront"/>
-      <a:lightRig rig="threePt" dir="t"/>
-    </dgm:scene3d>
-    <dgm:sp3d/>
-    <dgm:txPr/>
-    <dgm:style>
-      <a:lnRef idx="2">
-        <a:scrgbClr r="0" g="0" b="0"/>
-      </a:lnRef>
-      <a:fillRef idx="1">
-        <a:scrgbClr r="0" g="0" b="0"/>
-      </a:fillRef>
-      <a:effectRef idx="0">
-        <a:scrgbClr r="0" g="0" b="0"/>
-      </a:effectRef>
-      <a:fontRef idx="minor"/>
-    </dgm:style>
-  </dgm:styleLbl>
-  <dgm:styleLbl name="fgAcc4">
-    <dgm:scene3d>
-      <a:camera prst="orthographicFront"/>
-      <a:lightRig rig="threePt" dir="t"/>
-    </dgm:scene3d>
-    <dgm:sp3d/>
-    <dgm:txPr/>
-    <dgm:style>
-      <a:lnRef idx="2">
-        <a:scrgbClr r="0" g="0" b="0"/>
-      </a:lnRef>
-      <a:fillRef idx="1">
-        <a:scrgbClr r="0" g="0" b="0"/>
-      </a:fillRef>
-      <a:effectRef idx="0">
-        <a:scrgbClr r="0" g="0" b="0"/>
-      </a:effectRef>
-      <a:fontRef idx="minor"/>
-    </dgm:style>
-  </dgm:styleLbl>
-  <dgm:styleLbl name="bgShp">
-    <dgm:scene3d>
-      <a:camera prst="orthographicFront"/>
-      <a:lightRig rig="threePt" dir="t"/>
-    </dgm:scene3d>
-    <dgm:sp3d/>
-    <dgm:txPr/>
-    <dgm:style>
-      <a:lnRef idx="0">
-        <a:scrgbClr r="0" g="0" b="0"/>
-      </a:lnRef>
-      <a:fillRef idx="1">
-        <a:scrgbClr r="0" g="0" b="0"/>
-      </a:fillRef>
-      <a:effectRef idx="0">
-        <a:scrgbClr r="0" g="0" b="0"/>
-      </a:effectRef>
-      <a:fontRef idx="minor"/>
-    </dgm:style>
-  </dgm:styleLbl>
-  <dgm:styleLbl name="dkBgShp">
-    <dgm:scene3d>
-      <a:camera prst="orthographicFront"/>
-      <a:lightRig rig="threePt" dir="t"/>
-    </dgm:scene3d>
-    <dgm:sp3d/>
-    <dgm:txPr/>
-    <dgm:style>
-      <a:lnRef idx="0">
-        <a:scrgbClr r="0" g="0" b="0"/>
-      </a:lnRef>
-      <a:fillRef idx="1">
-        <a:scrgbClr r="0" g="0" b="0"/>
-      </a:fillRef>
-      <a:effectRef idx="0">
-        <a:scrgbClr r="0" g="0" b="0"/>
-      </a:effectRef>
-      <a:fontRef idx="minor"/>
-    </dgm:style>
-  </dgm:styleLbl>
-  <dgm:styleLbl name="trBgShp">
-    <dgm:scene3d>
-      <a:camera prst="orthographicFront"/>
-      <a:lightRig rig="threePt" dir="t"/>
-    </dgm:scene3d>
-    <dgm:sp3d/>
-    <dgm:txPr/>
-    <dgm:style>
-      <a:lnRef idx="0">
-        <a:scrgbClr r="0" g="0" b="0"/>
-      </a:lnRef>
-      <a:fillRef idx="1">
-        <a:scrgbClr r="0" g="0" b="0"/>
-      </a:fillRef>
-      <a:effectRef idx="0">
-        <a:scrgbClr r="0" g="0" b="0"/>
-      </a:effectRef>
-      <a:fontRef idx="minor"/>
-    </dgm:style>
-  </dgm:styleLbl>
-  <dgm:styleLbl name="fgShp">
-    <dgm:scene3d>
-      <a:camera prst="orthographicFront"/>
-      <a:lightRig rig="threePt" dir="t"/>
-    </dgm:scene3d>
-    <dgm:sp3d/>
-    <dgm:txPr/>
-    <dgm:style>
-      <a:lnRef idx="2">
-        <a:scrgbClr r="0" g="0" b="0"/>
-      </a:lnRef>
-      <a:fillRef idx="1">
-        <a:scrgbClr r="0" g="0" b="0"/>
-      </a:fillRef>
-      <a:effectRef idx="0">
-        <a:scrgbClr r="0" g="0" b="0"/>
-      </a:effectRef>
-      <a:fontRef idx="minor"/>
-    </dgm:style>
-  </dgm:styleLbl>
-  <dgm:styleLbl name="revTx">
-    <dgm:scene3d>
-      <a:camera prst="orthographicFront"/>
-      <a:lightRig rig="threePt" dir="t"/>
-    </dgm:scene3d>
-    <dgm:sp3d/>
-    <dgm:txPr/>
-    <dgm:style>
-      <a:lnRef idx="0">
-        <a:scrgbClr r="0" g="0" b="0"/>
-      </a:lnRef>
-      <a:fillRef idx="0">
-        <a:scrgbClr r="0" g="0" b="0"/>
-      </a:fillRef>
-      <a:effectRef idx="0">
-        <a:scrgbClr r="0" g="0" b="0"/>
-      </a:effectRef>
-      <a:fontRef idx="minor"/>
-    </dgm:style>
-  </dgm:styleLbl>
-</dgm:styleDef>
-</file>
-
-<file path=ppt/diagrams/quickStyle3.xml><?xml version="1.0" encoding="utf-8"?>
 <dgm:styleDef xmlns:dgm="http://schemas.openxmlformats.org/drawingml/2006/diagram" xmlns:a="http://schemas.openxmlformats.org/drawingml/2006/main" uniqueId="urn:microsoft.com/office/officeart/2005/8/quickstyle/simple1">
   <dgm:title val=""/>
   <dgm:desc val=""/>
@@ -8578,7 +6240,7 @@
               <a:pPr>
                 <a:defRPr/>
               </a:pPr>
-              <a:t>13</a:t>
+              <a:t>9</a:t>
             </a:fld>
             <a:endParaRPr lang="de-DE"/>
           </a:p>
@@ -8714,7 +6376,7 @@
               <a:pPr>
                 <a:defRPr/>
               </a:pPr>
-              <a:t>15</a:t>
+              <a:t>11</a:t>
             </a:fld>
             <a:endParaRPr lang="de-DE"/>
           </a:p>
@@ -8830,7 +6492,7 @@
               <a:pPr>
                 <a:defRPr/>
               </a:pPr>
-              <a:t>16</a:t>
+              <a:t>12</a:t>
             </a:fld>
             <a:endParaRPr lang="de-DE"/>
           </a:p>
@@ -8974,7 +6636,7 @@
               <a:pPr>
                 <a:defRPr/>
               </a:pPr>
-              <a:t>17</a:t>
+              <a:t>13</a:t>
             </a:fld>
             <a:endParaRPr lang="de-DE"/>
           </a:p>
@@ -9441,7 +7103,7 @@
             <a:fld id="{80E101DA-C805-49D6-936E-EF17408DE37B}" type="datetime1">
               <a:rPr lang="de-DE" smtClean="0"/>
               <a:pPr/>
-              <a:t>11.03.2015</a:t>
+              <a:t>12.03.2015</a:t>
             </a:fld>
             <a:endParaRPr lang="de-DE" dirty="0"/>
           </a:p>
@@ -9621,7 +7283,7 @@
             <a:fld id="{2B68D019-5134-4866-8BCC-6AD2983F956C}" type="datetime1">
               <a:rPr lang="de-DE" smtClean="0"/>
               <a:pPr/>
-              <a:t>11.03.2015</a:t>
+              <a:t>12.03.2015</a:t>
             </a:fld>
             <a:endParaRPr lang="de-DE" dirty="0"/>
           </a:p>
@@ -10317,7 +7979,7 @@
             <a:fld id="{503864FC-C1F6-4F60-90E2-4C82285A7CB6}" type="datetime1">
               <a:rPr lang="de-DE" smtClean="0"/>
               <a:pPr/>
-              <a:t>11.03.2015</a:t>
+              <a:t>12.03.2015</a:t>
             </a:fld>
             <a:endParaRPr lang="de-DE" dirty="0"/>
           </a:p>
@@ -10744,7 +8406,7 @@
             <a:fld id="{DFFFF499-D2C2-429B-A38D-874884AC2B44}" type="datetime1">
               <a:rPr lang="de-DE" smtClean="0"/>
               <a:pPr/>
-              <a:t>11.03.2015</a:t>
+              <a:t>12.03.2015</a:t>
             </a:fld>
             <a:endParaRPr lang="de-DE" dirty="0"/>
           </a:p>
@@ -10862,7 +8524,7 @@
             <a:fld id="{92EEC2FF-F6B1-4953-8BD6-DF423CDA3B5D}" type="datetime1">
               <a:rPr lang="de-DE" smtClean="0"/>
               <a:pPr/>
-              <a:t>11.03.2015</a:t>
+              <a:t>12.03.2015</a:t>
             </a:fld>
             <a:endParaRPr lang="de-DE" dirty="0"/>
           </a:p>
@@ -10957,7 +8619,7 @@
             <a:fld id="{CC0FF657-D1DB-4306-82A3-A2011C94EF85}" type="datetime1">
               <a:rPr lang="de-DE" smtClean="0"/>
               <a:pPr/>
-              <a:t>11.03.2015</a:t>
+              <a:t>12.03.2015</a:t>
             </a:fld>
             <a:endParaRPr lang="de-DE" dirty="0"/>
           </a:p>
@@ -11234,7 +8896,7 @@
             <a:fld id="{7B39ADCC-593E-41F1-8EDC-3499514C881E}" type="datetime1">
               <a:rPr lang="de-DE" smtClean="0"/>
               <a:pPr/>
-              <a:t>11.03.2015</a:t>
+              <a:t>12.03.2015</a:t>
             </a:fld>
             <a:endParaRPr lang="de-DE" dirty="0"/>
           </a:p>
@@ -11491,7 +9153,7 @@
             <a:fld id="{2517161F-0686-4A32-B5C2-6110D54CBF61}" type="datetime1">
               <a:rPr lang="de-DE" smtClean="0"/>
               <a:pPr/>
-              <a:t>11.03.2015</a:t>
+              <a:t>12.03.2015</a:t>
             </a:fld>
             <a:endParaRPr lang="de-DE" dirty="0"/>
           </a:p>
@@ -11902,7 +9564,7 @@
             <a:fld id="{C01FFB54-A4C6-43F5-85F0-3FD9312F6439}" type="datetime1">
               <a:rPr lang="de-DE" smtClean="0"/>
               <a:pPr/>
-              <a:t>11.03.2015</a:t>
+              <a:t>12.03.2015</a:t>
             </a:fld>
             <a:endParaRPr lang="de-DE" dirty="0"/>
           </a:p>
@@ -12520,35 +10182,6 @@
           <a:chExt cx="0" cy="0"/>
         </a:xfrm>
       </p:grpSpPr>
-      <p:pic>
-        <p:nvPicPr>
-          <p:cNvPr id="10" name="Grafik 9"/>
-          <p:cNvPicPr>
-            <a:picLocks noChangeAspect="1"/>
-          </p:cNvPicPr>
-          <p:nvPr/>
-        </p:nvPicPr>
-        <p:blipFill rotWithShape="1">
-          <a:blip r:embed="rId3" cstate="print">
-            <a:extLst>
-              <a:ext uri="{28A0092B-C50C-407E-A947-70E740481C1C}">
-                <a14:useLocalDpi xmlns:a14="http://schemas.microsoft.com/office/drawing/2010/main" val="0"/>
-              </a:ext>
-            </a:extLst>
-          </a:blip>
-          <a:srcRect l="21544" t="49496" r="42123" b="39341"/>
-          <a:stretch/>
-        </p:blipFill>
-        <p:spPr>
-          <a:xfrm>
-            <a:off x="179512" y="2492896"/>
-            <a:ext cx="8730679" cy="1948176"/>
-          </a:xfrm>
-          <a:prstGeom prst="rect">
-            <a:avLst/>
-          </a:prstGeom>
-        </p:spPr>
-      </p:pic>
       <p:sp>
         <p:nvSpPr>
           <p:cNvPr id="2" name="Titel 1"/>
@@ -12566,979 +10199,7 @@
           <a:p>
             <a:r>
               <a:rPr lang="de-DE" dirty="0" smtClean="0"/>
-              <a:t>2. </a:t>
-            </a:r>
-            <a:r>
-              <a:rPr lang="de-DE" dirty="0" smtClean="0"/>
-              <a:t>Entwurf (Crawler)</a:t>
-            </a:r>
-            <a:endParaRPr lang="de-DE" dirty="0"/>
-          </a:p>
-        </p:txBody>
-      </p:sp>
-      <p:sp>
-        <p:nvSpPr>
-          <p:cNvPr id="21" name="Textfeld 20"/>
-          <p:cNvSpPr txBox="1"/>
-          <p:nvPr/>
-        </p:nvSpPr>
-        <p:spPr>
-          <a:xfrm>
-            <a:off x="5940152" y="2126026"/>
-            <a:ext cx="1306768" cy="292388"/>
-          </a:xfrm>
-          <a:prstGeom prst="rect">
-            <a:avLst/>
-          </a:prstGeom>
-          <a:solidFill>
-            <a:srgbClr val="FFFFFF"/>
-          </a:solidFill>
-          <a:ln w="12700">
-            <a:solidFill>
-              <a:schemeClr val="tx1"/>
-            </a:solidFill>
-          </a:ln>
-        </p:spPr>
-        <p:txBody>
-          <a:bodyPr wrap="none" rtlCol="0">
-            <a:spAutoFit/>
-          </a:bodyPr>
-          <a:lstStyle/>
-          <a:p>
-            <a:r>
-              <a:rPr lang="de-DE" sz="1300" u="sng" dirty="0" err="1" smtClean="0"/>
-              <a:t>dbc:DBCrawler</a:t>
-            </a:r>
-            <a:endParaRPr lang="de-DE" sz="1300" u="sng" dirty="0"/>
-          </a:p>
-        </p:txBody>
-      </p:sp>
-      <p:sp>
-        <p:nvSpPr>
-          <p:cNvPr id="25" name="Textfeld 24"/>
-          <p:cNvSpPr txBox="1"/>
-          <p:nvPr/>
-        </p:nvSpPr>
-        <p:spPr>
-          <a:xfrm>
-            <a:off x="5943385" y="1264404"/>
-            <a:ext cx="2999539" cy="292388"/>
-          </a:xfrm>
-          <a:prstGeom prst="rect">
-            <a:avLst/>
-          </a:prstGeom>
-          <a:solidFill>
-            <a:srgbClr val="FFFFFF"/>
-          </a:solidFill>
-          <a:ln w="12700">
-            <a:solidFill>
-              <a:schemeClr val="tx1"/>
-            </a:solidFill>
-          </a:ln>
-        </p:spPr>
-        <p:txBody>
-          <a:bodyPr wrap="none" rtlCol="0">
-            <a:spAutoFit/>
-          </a:bodyPr>
-          <a:lstStyle/>
-          <a:p>
-            <a:r>
-              <a:rPr lang="de-DE" sz="1300" u="sng" dirty="0" err="1" smtClean="0"/>
-              <a:t>locateQueue:ConcurrentLinkedQueue</a:t>
-            </a:r>
-            <a:endParaRPr lang="de-DE" sz="1300" u="sng" dirty="0"/>
-          </a:p>
-        </p:txBody>
-      </p:sp>
-      <p:sp>
-        <p:nvSpPr>
-          <p:cNvPr id="8" name="Textfeld 7"/>
-          <p:cNvSpPr txBox="1"/>
-          <p:nvPr/>
-        </p:nvSpPr>
-        <p:spPr>
-          <a:xfrm>
-            <a:off x="1979712" y="1950658"/>
-            <a:ext cx="1957587" cy="292388"/>
-          </a:xfrm>
-          <a:prstGeom prst="rect">
-            <a:avLst/>
-          </a:prstGeom>
-          <a:solidFill>
-            <a:srgbClr val="FFFFFF"/>
-          </a:solidFill>
-          <a:ln w="12700">
-            <a:solidFill>
-              <a:schemeClr val="tx1"/>
-            </a:solidFill>
-          </a:ln>
-        </p:spPr>
-        <p:txBody>
-          <a:bodyPr wrap="none" rtlCol="0">
-            <a:spAutoFit/>
-          </a:bodyPr>
-          <a:lstStyle/>
-          <a:p>
-            <a:r>
-              <a:rPr lang="de-DE" sz="1300" u="sng" dirty="0" err="1" smtClean="0"/>
-              <a:t>worker:StatusProcessor</a:t>
-            </a:r>
-            <a:endParaRPr lang="de-DE" sz="1300" u="sng" dirty="0"/>
-          </a:p>
-        </p:txBody>
-      </p:sp>
-      <p:cxnSp>
-        <p:nvCxnSpPr>
-          <p:cNvPr id="5" name="Gerader Verbinder 4"/>
-          <p:cNvCxnSpPr/>
-          <p:nvPr/>
-        </p:nvCxnSpPr>
-        <p:spPr>
-          <a:xfrm>
-            <a:off x="8460431" y="1651757"/>
-            <a:ext cx="216025" cy="766657"/>
-          </a:xfrm>
-          <a:prstGeom prst="line">
-            <a:avLst/>
-          </a:prstGeom>
-          <a:ln w="47625">
-            <a:solidFill>
-              <a:schemeClr val="tx1"/>
-            </a:solidFill>
-            <a:tailEnd type="triangle"/>
-          </a:ln>
-        </p:spPr>
-        <p:style>
-          <a:lnRef idx="1">
-            <a:schemeClr val="accent1"/>
-          </a:lnRef>
-          <a:fillRef idx="0">
-            <a:schemeClr val="accent1"/>
-          </a:fillRef>
-          <a:effectRef idx="0">
-            <a:schemeClr val="accent1"/>
-          </a:effectRef>
-          <a:fontRef idx="minor">
-            <a:schemeClr val="tx1"/>
-          </a:fontRef>
-        </p:style>
-      </p:cxnSp>
-      <p:sp>
-        <p:nvSpPr>
-          <p:cNvPr id="14" name="Rectangle 12"/>
-          <p:cNvSpPr>
-            <a:spLocks noGrp="1" noChangeArrowheads="1"/>
-          </p:cNvSpPr>
-          <p:nvPr>
-            <p:ph type="ftr" sz="quarter" idx="10"/>
-          </p:nvPr>
-        </p:nvSpPr>
-        <p:spPr>
-          <a:xfrm>
-            <a:off x="611560" y="6443637"/>
-            <a:ext cx="7848871" cy="360363"/>
-          </a:xfrm>
-          <a:ln/>
-        </p:spPr>
-        <p:txBody>
-          <a:bodyPr/>
-          <a:lstStyle>
-            <a:lvl1pPr>
-              <a:defRPr sz="1000">
-                <a:solidFill>
-                  <a:schemeClr val="tx1"/>
-                </a:solidFill>
-                <a:latin typeface="Calibri" panose="020F0502020204030204" pitchFamily="34" charset="0"/>
-              </a:defRPr>
-            </a:lvl1pPr>
-          </a:lstStyle>
-          <a:p>
-            <a:pPr>
-              <a:defRPr/>
-            </a:pPr>
-            <a:r>
-              <a:rPr lang="de-DE" dirty="0" smtClean="0"/>
-              <a:t>Praxis der Softwareentwicklung: </a:t>
-            </a:r>
-            <a:r>
-              <a:rPr lang="de-DE" dirty="0" err="1" smtClean="0"/>
-              <a:t>Visualizing</a:t>
-            </a:r>
-            <a:r>
-              <a:rPr lang="de-DE" dirty="0" smtClean="0"/>
-              <a:t> Trends. Was verrät uns Twitter?</a:t>
-            </a:r>
-            <a:br>
-              <a:rPr lang="de-DE" dirty="0" smtClean="0"/>
-            </a:br>
-            <a:r>
-              <a:rPr lang="de-DE" dirty="0" smtClean="0"/>
-              <a:t>Aufgabenstellung               </a:t>
-            </a:r>
-            <a:r>
-              <a:rPr lang="de-DE" b="1" dirty="0" smtClean="0"/>
-              <a:t>Entwurf</a:t>
-            </a:r>
-            <a:r>
-              <a:rPr lang="de-DE" dirty="0" smtClean="0"/>
-              <a:t>		Implementierung		Validierung		Fazit</a:t>
-            </a:r>
-            <a:endParaRPr lang="de-DE" dirty="0"/>
-          </a:p>
-        </p:txBody>
-      </p:sp>
-    </p:spTree>
-    <p:extLst>
-      <p:ext uri="{BB962C8B-B14F-4D97-AF65-F5344CB8AC3E}">
-        <p14:creationId xmlns:p14="http://schemas.microsoft.com/office/powerpoint/2010/main" val="2033381207"/>
-      </p:ext>
-    </p:extLst>
-  </p:cSld>
-  <p:clrMapOvr>
-    <a:masterClrMapping/>
-  </p:clrMapOvr>
-  <p:timing>
-    <p:tnLst>
-      <p:par>
-        <p:cTn id="1" dur="indefinite" restart="never" nodeType="tmRoot"/>
-      </p:par>
-    </p:tnLst>
-  </p:timing>
-</p:sld>
-</file>
-
-<file path=ppt/slides/slide11.xml><?xml version="1.0" encoding="utf-8"?>
-<p:sld xmlns:a="http://schemas.openxmlformats.org/drawingml/2006/main" xmlns:r="http://schemas.openxmlformats.org/officeDocument/2006/relationships" xmlns:p="http://schemas.openxmlformats.org/presentationml/2006/main">
-  <p:cSld>
-    <p:spTree>
-      <p:nvGrpSpPr>
-        <p:cNvPr id="1" name=""/>
-        <p:cNvGrpSpPr/>
-        <p:nvPr/>
-      </p:nvGrpSpPr>
-      <p:grpSpPr>
-        <a:xfrm>
-          <a:off x="0" y="0"/>
-          <a:ext cx="0" cy="0"/>
-          <a:chOff x="0" y="0"/>
-          <a:chExt cx="0" cy="0"/>
-        </a:xfrm>
-      </p:grpSpPr>
-      <p:pic>
-        <p:nvPicPr>
-          <p:cNvPr id="10" name="Grafik 9"/>
-          <p:cNvPicPr>
-            <a:picLocks noChangeAspect="1"/>
-          </p:cNvPicPr>
-          <p:nvPr/>
-        </p:nvPicPr>
-        <p:blipFill rotWithShape="1">
-          <a:blip r:embed="rId3" cstate="print">
-            <a:extLst>
-              <a:ext uri="{28A0092B-C50C-407E-A947-70E740481C1C}">
-                <a14:useLocalDpi xmlns:a14="http://schemas.microsoft.com/office/drawing/2010/main" val="0"/>
-              </a:ext>
-            </a:extLst>
-          </a:blip>
-          <a:srcRect l="56604" t="60635" r="12531" b="21753"/>
-          <a:stretch/>
-        </p:blipFill>
-        <p:spPr>
-          <a:xfrm>
-            <a:off x="827583" y="2120232"/>
-            <a:ext cx="7416824" cy="3073710"/>
-          </a:xfrm>
-          <a:prstGeom prst="rect">
-            <a:avLst/>
-          </a:prstGeom>
-        </p:spPr>
-      </p:pic>
-      <p:sp>
-        <p:nvSpPr>
-          <p:cNvPr id="2" name="Titel 1"/>
-          <p:cNvSpPr>
-            <a:spLocks noGrp="1"/>
-          </p:cNvSpPr>
-          <p:nvPr>
-            <p:ph type="title"/>
-          </p:nvPr>
-        </p:nvSpPr>
-        <p:spPr/>
-        <p:txBody>
-          <a:bodyPr/>
-          <a:lstStyle/>
-          <a:p>
-            <a:r>
-              <a:rPr lang="de-DE" dirty="0" smtClean="0"/>
-              <a:t>2. </a:t>
-            </a:r>
-            <a:r>
-              <a:rPr lang="de-DE" dirty="0" smtClean="0"/>
-              <a:t>Entwurf (Crawler)</a:t>
-            </a:r>
-            <a:endParaRPr lang="de-DE" dirty="0"/>
-          </a:p>
-        </p:txBody>
-      </p:sp>
-      <p:sp>
-        <p:nvSpPr>
-          <p:cNvPr id="21" name="Textfeld 20"/>
-          <p:cNvSpPr txBox="1"/>
-          <p:nvPr/>
-        </p:nvSpPr>
-        <p:spPr>
-          <a:xfrm>
-            <a:off x="3059832" y="1715109"/>
-            <a:ext cx="2187009" cy="292388"/>
-          </a:xfrm>
-          <a:prstGeom prst="rect">
-            <a:avLst/>
-          </a:prstGeom>
-          <a:solidFill>
-            <a:srgbClr val="FFFFFF"/>
-          </a:solidFill>
-          <a:ln w="12700">
-            <a:solidFill>
-              <a:schemeClr val="tx1"/>
-            </a:solidFill>
-          </a:ln>
-        </p:spPr>
-        <p:txBody>
-          <a:bodyPr wrap="none" rtlCol="0">
-            <a:spAutoFit/>
-          </a:bodyPr>
-          <a:lstStyle/>
-          <a:p>
-            <a:r>
-              <a:rPr lang="de-DE" sz="1300" u="sng" dirty="0" err="1" smtClean="0"/>
-              <a:t>locator:WebServiceLocator</a:t>
-            </a:r>
-            <a:endParaRPr lang="de-DE" sz="1300" u="sng" dirty="0"/>
-          </a:p>
-        </p:txBody>
-      </p:sp>
-      <p:sp>
-        <p:nvSpPr>
-          <p:cNvPr id="25" name="Textfeld 24"/>
-          <p:cNvSpPr txBox="1"/>
-          <p:nvPr/>
-        </p:nvSpPr>
-        <p:spPr>
-          <a:xfrm>
-            <a:off x="251520" y="1255713"/>
-            <a:ext cx="2999539" cy="292388"/>
-          </a:xfrm>
-          <a:prstGeom prst="rect">
-            <a:avLst/>
-          </a:prstGeom>
-          <a:solidFill>
-            <a:srgbClr val="FFFFFF"/>
-          </a:solidFill>
-          <a:ln w="12700">
-            <a:solidFill>
-              <a:schemeClr val="tx1"/>
-            </a:solidFill>
-          </a:ln>
-        </p:spPr>
-        <p:txBody>
-          <a:bodyPr wrap="none" rtlCol="0">
-            <a:spAutoFit/>
-          </a:bodyPr>
-          <a:lstStyle/>
-          <a:p>
-            <a:r>
-              <a:rPr lang="de-DE" sz="1300" u="sng" dirty="0" err="1" smtClean="0"/>
-              <a:t>locateQueue:ConcurrentLinkedQueue</a:t>
-            </a:r>
-            <a:endParaRPr lang="de-DE" sz="1300" u="sng" dirty="0"/>
-          </a:p>
-        </p:txBody>
-      </p:sp>
-      <p:cxnSp>
-        <p:nvCxnSpPr>
-          <p:cNvPr id="9" name="Gerader Verbinder 8"/>
-          <p:cNvCxnSpPr/>
-          <p:nvPr/>
-        </p:nvCxnSpPr>
-        <p:spPr>
-          <a:xfrm flipH="1">
-            <a:off x="971600" y="1660836"/>
-            <a:ext cx="563664" cy="346661"/>
-          </a:xfrm>
-          <a:prstGeom prst="line">
-            <a:avLst/>
-          </a:prstGeom>
-          <a:ln w="47625">
-            <a:solidFill>
-              <a:schemeClr val="tx1"/>
-            </a:solidFill>
-            <a:tailEnd type="triangle"/>
-          </a:ln>
-        </p:spPr>
-        <p:style>
-          <a:lnRef idx="1">
-            <a:schemeClr val="accent1"/>
-          </a:lnRef>
-          <a:fillRef idx="0">
-            <a:schemeClr val="accent1"/>
-          </a:fillRef>
-          <a:effectRef idx="0">
-            <a:schemeClr val="accent1"/>
-          </a:effectRef>
-          <a:fontRef idx="minor">
-            <a:schemeClr val="tx1"/>
-          </a:fontRef>
-        </p:style>
-      </p:cxnSp>
-      <p:sp>
-        <p:nvSpPr>
-          <p:cNvPr id="11" name="Textfeld 10"/>
-          <p:cNvSpPr txBox="1"/>
-          <p:nvPr/>
-        </p:nvSpPr>
-        <p:spPr>
-          <a:xfrm>
-            <a:off x="6732240" y="1715109"/>
-            <a:ext cx="1306768" cy="292388"/>
-          </a:xfrm>
-          <a:prstGeom prst="rect">
-            <a:avLst/>
-          </a:prstGeom>
-          <a:solidFill>
-            <a:srgbClr val="FFFFFF"/>
-          </a:solidFill>
-          <a:ln w="12700">
-            <a:solidFill>
-              <a:schemeClr val="tx1"/>
-            </a:solidFill>
-          </a:ln>
-        </p:spPr>
-        <p:txBody>
-          <a:bodyPr wrap="none" rtlCol="0">
-            <a:spAutoFit/>
-          </a:bodyPr>
-          <a:lstStyle/>
-          <a:p>
-            <a:r>
-              <a:rPr lang="de-DE" sz="1300" u="sng" dirty="0" err="1" smtClean="0"/>
-              <a:t>dbc:DBCrawler</a:t>
-            </a:r>
-            <a:endParaRPr lang="de-DE" sz="1300" u="sng" dirty="0"/>
-          </a:p>
-        </p:txBody>
-      </p:sp>
-      <p:sp>
-        <p:nvSpPr>
-          <p:cNvPr id="12" name="Rectangle 12"/>
-          <p:cNvSpPr>
-            <a:spLocks noGrp="1" noChangeArrowheads="1"/>
-          </p:cNvSpPr>
-          <p:nvPr>
-            <p:ph type="ftr" sz="quarter" idx="10"/>
-          </p:nvPr>
-        </p:nvSpPr>
-        <p:spPr>
-          <a:xfrm>
-            <a:off x="611560" y="6443637"/>
-            <a:ext cx="7848871" cy="360363"/>
-          </a:xfrm>
-          <a:ln/>
-        </p:spPr>
-        <p:txBody>
-          <a:bodyPr/>
-          <a:lstStyle>
-            <a:lvl1pPr>
-              <a:defRPr sz="1000">
-                <a:solidFill>
-                  <a:schemeClr val="tx1"/>
-                </a:solidFill>
-                <a:latin typeface="Calibri" panose="020F0502020204030204" pitchFamily="34" charset="0"/>
-              </a:defRPr>
-            </a:lvl1pPr>
-          </a:lstStyle>
-          <a:p>
-            <a:pPr>
-              <a:defRPr/>
-            </a:pPr>
-            <a:r>
-              <a:rPr lang="de-DE" dirty="0" smtClean="0"/>
-              <a:t>Praxis der Softwareentwicklung: </a:t>
-            </a:r>
-            <a:r>
-              <a:rPr lang="de-DE" dirty="0" err="1" smtClean="0"/>
-              <a:t>Visualizing</a:t>
-            </a:r>
-            <a:r>
-              <a:rPr lang="de-DE" dirty="0" smtClean="0"/>
-              <a:t> Trends. Was verrät uns Twitter?</a:t>
-            </a:r>
-            <a:br>
-              <a:rPr lang="de-DE" dirty="0" smtClean="0"/>
-            </a:br>
-            <a:r>
-              <a:rPr lang="de-DE" dirty="0" smtClean="0"/>
-              <a:t>Aufgabenstellung               </a:t>
-            </a:r>
-            <a:r>
-              <a:rPr lang="de-DE" b="1" dirty="0" smtClean="0"/>
-              <a:t>Entwurf</a:t>
-            </a:r>
-            <a:r>
-              <a:rPr lang="de-DE" dirty="0" smtClean="0"/>
-              <a:t>		Implementierung		Validierung		Fazit</a:t>
-            </a:r>
-            <a:endParaRPr lang="de-DE" dirty="0"/>
-          </a:p>
-        </p:txBody>
-      </p:sp>
-    </p:spTree>
-    <p:extLst>
-      <p:ext uri="{BB962C8B-B14F-4D97-AF65-F5344CB8AC3E}">
-        <p14:creationId xmlns:p14="http://schemas.microsoft.com/office/powerpoint/2010/main" val="3038728482"/>
-      </p:ext>
-    </p:extLst>
-  </p:cSld>
-  <p:clrMapOvr>
-    <a:masterClrMapping/>
-  </p:clrMapOvr>
-  <p:timing>
-    <p:tnLst>
-      <p:par>
-        <p:cTn id="1" dur="indefinite" restart="never" nodeType="tmRoot"/>
-      </p:par>
-    </p:tnLst>
-  </p:timing>
-</p:sld>
-</file>
-
-<file path=ppt/slides/slide12.xml><?xml version="1.0" encoding="utf-8"?>
-<p:sld xmlns:a="http://schemas.openxmlformats.org/drawingml/2006/main" xmlns:r="http://schemas.openxmlformats.org/officeDocument/2006/relationships" xmlns:p="http://schemas.openxmlformats.org/presentationml/2006/main">
-  <p:cSld>
-    <p:spTree>
-      <p:nvGrpSpPr>
-        <p:cNvPr id="1" name=""/>
-        <p:cNvGrpSpPr/>
-        <p:nvPr/>
-      </p:nvGrpSpPr>
-      <p:grpSpPr>
-        <a:xfrm>
-          <a:off x="0" y="0"/>
-          <a:ext cx="0" cy="0"/>
-          <a:chOff x="0" y="0"/>
-          <a:chExt cx="0" cy="0"/>
-        </a:xfrm>
-      </p:grpSpPr>
-      <p:pic>
-        <p:nvPicPr>
-          <p:cNvPr id="10" name="Grafik 9"/>
-          <p:cNvPicPr>
-            <a:picLocks noChangeAspect="1"/>
-          </p:cNvPicPr>
-          <p:nvPr/>
-        </p:nvPicPr>
-        <p:blipFill rotWithShape="1">
-          <a:blip r:embed="rId3" cstate="print">
-            <a:extLst>
-              <a:ext uri="{28A0092B-C50C-407E-A947-70E740481C1C}">
-                <a14:useLocalDpi xmlns:a14="http://schemas.microsoft.com/office/drawing/2010/main" val="0"/>
-              </a:ext>
-            </a:extLst>
-          </a:blip>
-          <a:srcRect l="58134" t="78734" r="12799" b="3654"/>
-          <a:stretch/>
-        </p:blipFill>
-        <p:spPr>
-          <a:xfrm>
-            <a:off x="827583" y="2120232"/>
-            <a:ext cx="6984777" cy="3073710"/>
-          </a:xfrm>
-          <a:prstGeom prst="rect">
-            <a:avLst/>
-          </a:prstGeom>
-        </p:spPr>
-      </p:pic>
-      <p:sp>
-        <p:nvSpPr>
-          <p:cNvPr id="2" name="Titel 1"/>
-          <p:cNvSpPr>
-            <a:spLocks noGrp="1"/>
-          </p:cNvSpPr>
-          <p:nvPr>
-            <p:ph type="title"/>
-          </p:nvPr>
-        </p:nvSpPr>
-        <p:spPr/>
-        <p:txBody>
-          <a:bodyPr/>
-          <a:lstStyle/>
-          <a:p>
-            <a:r>
-              <a:rPr lang="de-DE" dirty="0" smtClean="0"/>
-              <a:t>2. </a:t>
-            </a:r>
-            <a:r>
-              <a:rPr lang="de-DE" dirty="0" smtClean="0"/>
-              <a:t>Entwurf (Crawler)</a:t>
-            </a:r>
-            <a:endParaRPr lang="de-DE" dirty="0"/>
-          </a:p>
-        </p:txBody>
-      </p:sp>
-      <p:sp>
-        <p:nvSpPr>
-          <p:cNvPr id="21" name="Textfeld 20"/>
-          <p:cNvSpPr txBox="1"/>
-          <p:nvPr/>
-        </p:nvSpPr>
-        <p:spPr>
-          <a:xfrm>
-            <a:off x="3059832" y="1715109"/>
-            <a:ext cx="2187009" cy="292388"/>
-          </a:xfrm>
-          <a:prstGeom prst="rect">
-            <a:avLst/>
-          </a:prstGeom>
-          <a:solidFill>
-            <a:srgbClr val="FFFFFF"/>
-          </a:solidFill>
-          <a:ln w="12700">
-            <a:solidFill>
-              <a:schemeClr val="tx1"/>
-            </a:solidFill>
-          </a:ln>
-        </p:spPr>
-        <p:txBody>
-          <a:bodyPr wrap="none" rtlCol="0">
-            <a:spAutoFit/>
-          </a:bodyPr>
-          <a:lstStyle/>
-          <a:p>
-            <a:r>
-              <a:rPr lang="de-DE" sz="1300" u="sng" dirty="0" err="1" smtClean="0"/>
-              <a:t>locator:WebServiceLocator</a:t>
-            </a:r>
-            <a:endParaRPr lang="de-DE" sz="1300" u="sng" dirty="0"/>
-          </a:p>
-        </p:txBody>
-      </p:sp>
-      <p:sp>
-        <p:nvSpPr>
-          <p:cNvPr id="11" name="Textfeld 10"/>
-          <p:cNvSpPr txBox="1"/>
-          <p:nvPr/>
-        </p:nvSpPr>
-        <p:spPr>
-          <a:xfrm>
-            <a:off x="6372200" y="1696452"/>
-            <a:ext cx="1306768" cy="292388"/>
-          </a:xfrm>
-          <a:prstGeom prst="rect">
-            <a:avLst/>
-          </a:prstGeom>
-          <a:solidFill>
-            <a:srgbClr val="FFFFFF"/>
-          </a:solidFill>
-          <a:ln w="12700">
-            <a:solidFill>
-              <a:schemeClr val="tx1"/>
-            </a:solidFill>
-          </a:ln>
-        </p:spPr>
-        <p:txBody>
-          <a:bodyPr wrap="none" rtlCol="0">
-            <a:spAutoFit/>
-          </a:bodyPr>
-          <a:lstStyle/>
-          <a:p>
-            <a:r>
-              <a:rPr lang="de-DE" sz="1300" u="sng" dirty="0" err="1" smtClean="0"/>
-              <a:t>dbc:DBCrawler</a:t>
-            </a:r>
-            <a:endParaRPr lang="de-DE" sz="1300" u="sng" dirty="0"/>
-          </a:p>
-        </p:txBody>
-      </p:sp>
-      <p:sp>
-        <p:nvSpPr>
-          <p:cNvPr id="12" name="Rectangle 12"/>
-          <p:cNvSpPr>
-            <a:spLocks noGrp="1" noChangeArrowheads="1"/>
-          </p:cNvSpPr>
-          <p:nvPr>
-            <p:ph type="ftr" sz="quarter" idx="10"/>
-          </p:nvPr>
-        </p:nvSpPr>
-        <p:spPr>
-          <a:xfrm>
-            <a:off x="611560" y="6443637"/>
-            <a:ext cx="7848871" cy="360363"/>
-          </a:xfrm>
-          <a:ln/>
-        </p:spPr>
-        <p:txBody>
-          <a:bodyPr/>
-          <a:lstStyle>
-            <a:lvl1pPr>
-              <a:defRPr sz="1000">
-                <a:solidFill>
-                  <a:schemeClr val="tx1"/>
-                </a:solidFill>
-                <a:latin typeface="Calibri" panose="020F0502020204030204" pitchFamily="34" charset="0"/>
-              </a:defRPr>
-            </a:lvl1pPr>
-          </a:lstStyle>
-          <a:p>
-            <a:pPr>
-              <a:defRPr/>
-            </a:pPr>
-            <a:r>
-              <a:rPr lang="de-DE" dirty="0" smtClean="0"/>
-              <a:t>Praxis der Softwareentwicklung: </a:t>
-            </a:r>
-            <a:r>
-              <a:rPr lang="de-DE" dirty="0" err="1" smtClean="0"/>
-              <a:t>Visualizing</a:t>
-            </a:r>
-            <a:r>
-              <a:rPr lang="de-DE" dirty="0" smtClean="0"/>
-              <a:t> Trends. Was verrät uns Twitter?</a:t>
-            </a:r>
-            <a:br>
-              <a:rPr lang="de-DE" dirty="0" smtClean="0"/>
-            </a:br>
-            <a:r>
-              <a:rPr lang="de-DE" dirty="0" smtClean="0"/>
-              <a:t>Aufgabenstellung               </a:t>
-            </a:r>
-            <a:r>
-              <a:rPr lang="de-DE" b="1" dirty="0" smtClean="0"/>
-              <a:t>Entwurf</a:t>
-            </a:r>
-            <a:r>
-              <a:rPr lang="de-DE" dirty="0" smtClean="0"/>
-              <a:t>		Implementierung		Validierung		Fazit</a:t>
-            </a:r>
-            <a:endParaRPr lang="de-DE" dirty="0"/>
-          </a:p>
-        </p:txBody>
-      </p:sp>
-    </p:spTree>
-    <p:extLst>
-      <p:ext uri="{BB962C8B-B14F-4D97-AF65-F5344CB8AC3E}">
-        <p14:creationId xmlns:p14="http://schemas.microsoft.com/office/powerpoint/2010/main" val="3073702500"/>
-      </p:ext>
-    </p:extLst>
-  </p:cSld>
-  <p:clrMapOvr>
-    <a:masterClrMapping/>
-  </p:clrMapOvr>
-  <p:timing>
-    <p:tnLst>
-      <p:par>
-        <p:cTn id="1" dur="indefinite" restart="never" nodeType="tmRoot"/>
-      </p:par>
-    </p:tnLst>
-  </p:timing>
-</p:sld>
-</file>
-
-<file path=ppt/slides/slide13.xml><?xml version="1.0" encoding="utf-8"?>
-<p:sld xmlns:a="http://schemas.openxmlformats.org/drawingml/2006/main" xmlns:r="http://schemas.openxmlformats.org/officeDocument/2006/relationships" xmlns:p="http://schemas.openxmlformats.org/presentationml/2006/main">
-  <p:cSld>
-    <p:spTree>
-      <p:nvGrpSpPr>
-        <p:cNvPr id="1" name=""/>
-        <p:cNvGrpSpPr/>
-        <p:nvPr/>
-      </p:nvGrpSpPr>
-      <p:grpSpPr>
-        <a:xfrm>
-          <a:off x="0" y="0"/>
-          <a:ext cx="0" cy="0"/>
-          <a:chOff x="0" y="0"/>
-          <a:chExt cx="0" cy="0"/>
-        </a:xfrm>
-      </p:grpSpPr>
-      <p:sp>
-        <p:nvSpPr>
-          <p:cNvPr id="2" name="Titel 1"/>
-          <p:cNvSpPr>
-            <a:spLocks noGrp="1"/>
-          </p:cNvSpPr>
-          <p:nvPr>
-            <p:ph type="title"/>
-          </p:nvPr>
-        </p:nvSpPr>
-        <p:spPr/>
-        <p:txBody>
-          <a:bodyPr/>
-          <a:lstStyle/>
-          <a:p>
-            <a:r>
-              <a:rPr lang="de-DE" dirty="0" smtClean="0"/>
-              <a:t>2. </a:t>
-            </a:r>
-            <a:r>
-              <a:rPr lang="de-DE" dirty="0" smtClean="0"/>
-              <a:t>Entwurf (GUI)</a:t>
-            </a:r>
-            <a:endParaRPr lang="de-DE" dirty="0"/>
-          </a:p>
-        </p:txBody>
-      </p:sp>
-      <p:pic>
-        <p:nvPicPr>
-          <p:cNvPr id="8" name="Grafik 7"/>
-          <p:cNvPicPr>
-            <a:picLocks noChangeAspect="1"/>
-          </p:cNvPicPr>
-          <p:nvPr/>
-        </p:nvPicPr>
-        <p:blipFill>
-          <a:blip r:embed="rId3" cstate="print">
-            <a:extLst>
-              <a:ext uri="{28A0092B-C50C-407E-A947-70E740481C1C}">
-                <a14:useLocalDpi xmlns:a14="http://schemas.microsoft.com/office/drawing/2010/main" val="0"/>
-              </a:ext>
-            </a:extLst>
-          </a:blip>
-          <a:stretch>
-            <a:fillRect/>
-          </a:stretch>
-        </p:blipFill>
-        <p:spPr>
-          <a:xfrm>
-            <a:off x="390525" y="1340768"/>
-            <a:ext cx="8348621" cy="4616257"/>
-          </a:xfrm>
-          <a:prstGeom prst="rect">
-            <a:avLst/>
-          </a:prstGeom>
-        </p:spPr>
-      </p:pic>
-      <p:sp>
-        <p:nvSpPr>
-          <p:cNvPr id="9" name="Rectangle 12"/>
-          <p:cNvSpPr>
-            <a:spLocks noGrp="1" noChangeArrowheads="1"/>
-          </p:cNvSpPr>
-          <p:nvPr>
-            <p:ph type="ftr" sz="quarter" idx="10"/>
-          </p:nvPr>
-        </p:nvSpPr>
-        <p:spPr>
-          <a:xfrm>
-            <a:off x="611560" y="6443637"/>
-            <a:ext cx="7848871" cy="360363"/>
-          </a:xfrm>
-          <a:ln/>
-        </p:spPr>
-        <p:txBody>
-          <a:bodyPr/>
-          <a:lstStyle>
-            <a:lvl1pPr>
-              <a:defRPr sz="1000">
-                <a:solidFill>
-                  <a:schemeClr val="tx1"/>
-                </a:solidFill>
-                <a:latin typeface="Calibri" panose="020F0502020204030204" pitchFamily="34" charset="0"/>
-              </a:defRPr>
-            </a:lvl1pPr>
-          </a:lstStyle>
-          <a:p>
-            <a:pPr>
-              <a:defRPr/>
-            </a:pPr>
-            <a:r>
-              <a:rPr lang="de-DE" dirty="0" smtClean="0"/>
-              <a:t>Praxis der Softwareentwicklung: </a:t>
-            </a:r>
-            <a:r>
-              <a:rPr lang="de-DE" dirty="0" err="1" smtClean="0"/>
-              <a:t>Visualizing</a:t>
-            </a:r>
-            <a:r>
-              <a:rPr lang="de-DE" dirty="0" smtClean="0"/>
-              <a:t> Trends. Was verrät uns Twitter?</a:t>
-            </a:r>
-            <a:br>
-              <a:rPr lang="de-DE" dirty="0" smtClean="0"/>
-            </a:br>
-            <a:r>
-              <a:rPr lang="de-DE" dirty="0" smtClean="0"/>
-              <a:t>Aufgabenstellung               </a:t>
-            </a:r>
-            <a:r>
-              <a:rPr lang="de-DE" b="1" dirty="0" smtClean="0"/>
-              <a:t>Entwurf</a:t>
-            </a:r>
-            <a:r>
-              <a:rPr lang="de-DE" dirty="0" smtClean="0"/>
-              <a:t>		Implementierung		Validierung		Fazit</a:t>
-            </a:r>
-            <a:endParaRPr lang="de-DE" dirty="0"/>
-          </a:p>
-        </p:txBody>
-      </p:sp>
-    </p:spTree>
-    <p:extLst>
-      <p:ext uri="{BB962C8B-B14F-4D97-AF65-F5344CB8AC3E}">
-        <p14:creationId xmlns:p14="http://schemas.microsoft.com/office/powerpoint/2010/main" val="3338498102"/>
-      </p:ext>
-    </p:extLst>
-  </p:cSld>
-  <p:clrMapOvr>
-    <a:masterClrMapping/>
-  </p:clrMapOvr>
-  <p:timing>
-    <p:tnLst>
-      <p:par>
-        <p:cTn id="1" dur="indefinite" restart="never" nodeType="tmRoot"/>
-      </p:par>
-    </p:tnLst>
-  </p:timing>
-</p:sld>
-</file>
-
-<file path=ppt/slides/slide14.xml><?xml version="1.0" encoding="utf-8"?>
-<p:sld xmlns:a="http://schemas.openxmlformats.org/drawingml/2006/main" xmlns:r="http://schemas.openxmlformats.org/officeDocument/2006/relationships" xmlns:p="http://schemas.openxmlformats.org/presentationml/2006/main">
-  <p:cSld>
-    <p:spTree>
-      <p:nvGrpSpPr>
-        <p:cNvPr id="1" name=""/>
-        <p:cNvGrpSpPr/>
-        <p:nvPr/>
-      </p:nvGrpSpPr>
-      <p:grpSpPr>
-        <a:xfrm>
-          <a:off x="0" y="0"/>
-          <a:ext cx="0" cy="0"/>
-          <a:chOff x="0" y="0"/>
-          <a:chExt cx="0" cy="0"/>
-        </a:xfrm>
-      </p:grpSpPr>
-      <p:sp>
-        <p:nvSpPr>
-          <p:cNvPr id="2" name="Titel 1"/>
-          <p:cNvSpPr>
-            <a:spLocks noGrp="1"/>
-          </p:cNvSpPr>
-          <p:nvPr>
-            <p:ph type="title"/>
-          </p:nvPr>
-        </p:nvSpPr>
-        <p:spPr/>
-        <p:txBody>
-          <a:bodyPr/>
-          <a:lstStyle/>
-          <a:p>
-            <a:r>
-              <a:rPr lang="de-DE" dirty="0" smtClean="0"/>
-              <a:t>2. </a:t>
-            </a:r>
-            <a:r>
-              <a:rPr lang="de-DE" dirty="0" smtClean="0"/>
-              <a:t>Entwurf (GUI)</a:t>
+              <a:t>2. Entwurf (GUI)</a:t>
             </a:r>
             <a:endParaRPr lang="de-DE" dirty="0"/>
           </a:p>
@@ -14215,7 +10876,7 @@
 </p:sld>
 </file>
 
-<file path=ppt/slides/slide15.xml><?xml version="1.0" encoding="utf-8"?>
+<file path=ppt/slides/slide11.xml><?xml version="1.0" encoding="utf-8"?>
 <p:sld xmlns:a="http://schemas.openxmlformats.org/drawingml/2006/main" xmlns:r="http://schemas.openxmlformats.org/officeDocument/2006/relationships" xmlns:p="http://schemas.openxmlformats.org/presentationml/2006/main">
   <p:cSld>
     <p:spTree>
@@ -14412,7 +11073,7 @@
 </p:sld>
 </file>
 
-<file path=ppt/slides/slide16.xml><?xml version="1.0" encoding="utf-8"?>
+<file path=ppt/slides/slide12.xml><?xml version="1.0" encoding="utf-8"?>
 <p:sld xmlns:a="http://schemas.openxmlformats.org/drawingml/2006/main" xmlns:r="http://schemas.openxmlformats.org/officeDocument/2006/relationships" xmlns:p="http://schemas.openxmlformats.org/presentationml/2006/main">
   <p:cSld>
     <p:spTree>
@@ -14656,7 +11317,7 @@
 </p:sld>
 </file>
 
-<file path=ppt/slides/slide17.xml><?xml version="1.0" encoding="utf-8"?>
+<file path=ppt/slides/slide13.xml><?xml version="1.0" encoding="utf-8"?>
 <p:sld xmlns:a="http://schemas.openxmlformats.org/drawingml/2006/main" xmlns:r="http://schemas.openxmlformats.org/officeDocument/2006/relationships" xmlns:p="http://schemas.openxmlformats.org/presentationml/2006/main">
   <p:cSld>
     <p:spTree>
@@ -14715,83 +11376,45 @@
           <a:bodyPr/>
           <a:lstStyle/>
           <a:p>
+            <a:pPr marL="0" indent="0">
+              <a:buNone/>
+            </a:pPr>
+            <a:r>
+              <a:rPr lang="de-DE" b="1" dirty="0" smtClean="0"/>
+              <a:t>Organisation</a:t>
+            </a:r>
+          </a:p>
+          <a:p>
             <a:r>
               <a:rPr lang="de-DE" dirty="0" err="1" smtClean="0"/>
-              <a:t>GitHub</a:t>
+              <a:t>Git</a:t>
             </a:r>
             <a:endParaRPr lang="de-DE" dirty="0" smtClean="0"/>
           </a:p>
           <a:p>
             <a:r>
               <a:rPr lang="de-DE" dirty="0" smtClean="0"/>
-              <a:t>Treffen / Videokonferenzen</a:t>
-            </a:r>
-          </a:p>
-          <a:p>
+              <a:t>Treffen / </a:t>
+            </a:r>
             <a:r>
               <a:rPr lang="de-DE" dirty="0" smtClean="0"/>
-              <a:t>Beobachter Muster in GUI</a:t>
-            </a:r>
-          </a:p>
-          <a:p>
-            <a:pPr lvl="1"/>
-            <a:r>
-              <a:rPr lang="de-DE" dirty="0" smtClean="0"/>
-              <a:t>leicht erweiterbar</a:t>
-            </a:r>
-          </a:p>
-          <a:p>
-            <a:r>
-              <a:rPr lang="de-DE" dirty="0" smtClean="0"/>
-              <a:t>Entkoppelung einzelner Komponenten</a:t>
-            </a:r>
-          </a:p>
-          <a:p>
-            <a:pPr lvl="1"/>
-            <a:r>
-              <a:rPr lang="de-DE" dirty="0" smtClean="0"/>
-              <a:t>Änderungen unproblematisch</a:t>
-            </a:r>
-          </a:p>
-          <a:p>
-            <a:pPr lvl="1"/>
-            <a:endParaRPr lang="de-DE" dirty="0" smtClean="0"/>
-          </a:p>
-          <a:p>
-            <a:r>
-              <a:rPr lang="de-DE" dirty="0" smtClean="0"/>
-              <a:t>„Prototyp“ zu jeder Phase</a:t>
-            </a:r>
-          </a:p>
-          <a:p>
-            <a:pPr lvl="1"/>
-            <a:r>
-              <a:rPr lang="de-DE" dirty="0" smtClean="0"/>
-              <a:t>Problem: </a:t>
-            </a:r>
-            <a:r>
-              <a:rPr lang="de-DE" dirty="0" err="1" smtClean="0"/>
-              <a:t>unfolding</a:t>
-            </a:r>
-            <a:r>
-              <a:rPr lang="de-DE" dirty="0" smtClean="0"/>
-              <a:t> </a:t>
-            </a:r>
-            <a:r>
-              <a:rPr lang="de-DE" dirty="0" smtClean="0">
-                <a:sym typeface="Wingdings" panose="05000000000000000000" pitchFamily="2" charset="2"/>
-              </a:rPr>
-              <a:t> </a:t>
-            </a:r>
-            <a:r>
-              <a:rPr lang="de-DE" dirty="0" err="1" smtClean="0">
-                <a:sym typeface="Wingdings" panose="05000000000000000000" pitchFamily="2" charset="2"/>
-              </a:rPr>
-              <a:t>JavaFX</a:t>
-            </a:r>
-            <a:endParaRPr lang="de-DE" dirty="0" smtClean="0">
-              <a:sym typeface="Wingdings" panose="05000000000000000000" pitchFamily="2" charset="2"/>
-            </a:endParaRPr>
+              <a:t>Videokonferenzen</a:t>
+            </a:r>
+          </a:p>
+          <a:p>
+            <a:pPr marL="0" indent="0">
+              <a:buNone/>
+            </a:pPr>
+            <a:endParaRPr lang="de-DE" sz="1100" dirty="0" smtClean="0"/>
+          </a:p>
+          <a:p>
+            <a:pPr marL="0" indent="0">
+              <a:buNone/>
+            </a:pPr>
+            <a:r>
+              <a:rPr lang="de-DE" b="1" dirty="0" smtClean="0"/>
+              <a:t>Wasserfallmodell</a:t>
+            </a:r>
           </a:p>
         </p:txBody>
       </p:sp>
@@ -14855,6 +11478,505 @@
           </a:p>
         </p:txBody>
       </p:sp>
+      <p:sp>
+        <p:nvSpPr>
+          <p:cNvPr id="6" name="Minus 5"/>
+          <p:cNvSpPr/>
+          <p:nvPr/>
+        </p:nvSpPr>
+        <p:spPr>
+          <a:xfrm rot="21300000">
+            <a:off x="-396552" y="4235485"/>
+            <a:ext cx="8802520" cy="765715"/>
+          </a:xfrm>
+          <a:prstGeom prst="mathMinus">
+            <a:avLst/>
+          </a:prstGeom>
+        </p:spPr>
+        <p:style>
+          <a:lnRef idx="2">
+            <a:schemeClr val="lt1">
+              <a:hueOff val="0"/>
+              <a:satOff val="0"/>
+              <a:lumOff val="0"/>
+              <a:alphaOff val="0"/>
+            </a:schemeClr>
+          </a:lnRef>
+          <a:fillRef idx="1">
+            <a:schemeClr val="accent1">
+              <a:tint val="60000"/>
+              <a:hueOff val="0"/>
+              <a:satOff val="0"/>
+              <a:lumOff val="0"/>
+              <a:alphaOff val="0"/>
+            </a:schemeClr>
+          </a:fillRef>
+          <a:effectRef idx="0">
+            <a:schemeClr val="accent1">
+              <a:tint val="60000"/>
+              <a:hueOff val="0"/>
+              <a:satOff val="0"/>
+              <a:lumOff val="0"/>
+              <a:alphaOff val="0"/>
+            </a:schemeClr>
+          </a:effectRef>
+          <a:fontRef idx="minor">
+            <a:schemeClr val="dk1">
+              <a:hueOff val="0"/>
+              <a:satOff val="0"/>
+              <a:lumOff val="0"/>
+              <a:alphaOff val="0"/>
+            </a:schemeClr>
+          </a:fontRef>
+        </p:style>
+      </p:sp>
+      <p:sp>
+        <p:nvSpPr>
+          <p:cNvPr id="8" name="Pfeil nach unten 7"/>
+          <p:cNvSpPr/>
+          <p:nvPr/>
+        </p:nvSpPr>
+        <p:spPr>
+          <a:xfrm>
+            <a:off x="1289889" y="2902040"/>
+            <a:ext cx="1127445" cy="1525602"/>
+          </a:xfrm>
+          <a:prstGeom prst="downArrow">
+            <a:avLst/>
+          </a:prstGeom>
+        </p:spPr>
+        <p:style>
+          <a:lnRef idx="2">
+            <a:schemeClr val="lt1">
+              <a:hueOff val="0"/>
+              <a:satOff val="0"/>
+              <a:lumOff val="0"/>
+              <a:alphaOff val="0"/>
+            </a:schemeClr>
+          </a:lnRef>
+          <a:fillRef idx="1">
+            <a:schemeClr val="accent1">
+              <a:hueOff val="0"/>
+              <a:satOff val="0"/>
+              <a:lumOff val="0"/>
+              <a:alphaOff val="0"/>
+            </a:schemeClr>
+          </a:fillRef>
+          <a:effectRef idx="0">
+            <a:schemeClr val="accent1">
+              <a:hueOff val="0"/>
+              <a:satOff val="0"/>
+              <a:lumOff val="0"/>
+              <a:alphaOff val="0"/>
+            </a:schemeClr>
+          </a:effectRef>
+          <a:fontRef idx="minor">
+            <a:schemeClr val="lt1"/>
+          </a:fontRef>
+        </p:style>
+      </p:sp>
+      <p:sp>
+        <p:nvSpPr>
+          <p:cNvPr id="9" name="Freihandform 8"/>
+          <p:cNvSpPr/>
+          <p:nvPr/>
+        </p:nvSpPr>
+        <p:spPr>
+          <a:xfrm>
+            <a:off x="3945639" y="2711341"/>
+            <a:ext cx="3884265" cy="1601881"/>
+          </a:xfrm>
+          <a:custGeom>
+            <a:avLst/>
+            <a:gdLst>
+              <a:gd name="connsiteX0" fmla="*/ 0 w 2546040"/>
+              <a:gd name="connsiteY0" fmla="*/ 0 h 1370583"/>
+              <a:gd name="connsiteX1" fmla="*/ 2546040 w 2546040"/>
+              <a:gd name="connsiteY1" fmla="*/ 0 h 1370583"/>
+              <a:gd name="connsiteX2" fmla="*/ 2546040 w 2546040"/>
+              <a:gd name="connsiteY2" fmla="*/ 1370583 h 1370583"/>
+              <a:gd name="connsiteX3" fmla="*/ 0 w 2546040"/>
+              <a:gd name="connsiteY3" fmla="*/ 1370583 h 1370583"/>
+              <a:gd name="connsiteX4" fmla="*/ 0 w 2546040"/>
+              <a:gd name="connsiteY4" fmla="*/ 0 h 1370583"/>
+            </a:gdLst>
+            <a:ahLst/>
+            <a:cxnLst>
+              <a:cxn ang="0">
+                <a:pos x="connsiteX0" y="connsiteY0"/>
+              </a:cxn>
+              <a:cxn ang="0">
+                <a:pos x="connsiteX1" y="connsiteY1"/>
+              </a:cxn>
+              <a:cxn ang="0">
+                <a:pos x="connsiteX2" y="connsiteY2"/>
+              </a:cxn>
+              <a:cxn ang="0">
+                <a:pos x="connsiteX3" y="connsiteY3"/>
+              </a:cxn>
+              <a:cxn ang="0">
+                <a:pos x="connsiteX4" y="connsiteY4"/>
+              </a:cxn>
+            </a:cxnLst>
+            <a:rect l="l" t="t" r="r" b="b"/>
+            <a:pathLst>
+              <a:path w="2546040" h="1370583">
+                <a:moveTo>
+                  <a:pt x="0" y="0"/>
+                </a:moveTo>
+                <a:lnTo>
+                  <a:pt x="2546040" y="0"/>
+                </a:lnTo>
+                <a:lnTo>
+                  <a:pt x="2546040" y="1370583"/>
+                </a:lnTo>
+                <a:lnTo>
+                  <a:pt x="0" y="1370583"/>
+                </a:lnTo>
+                <a:lnTo>
+                  <a:pt x="0" y="0"/>
+                </a:lnTo>
+                <a:close/>
+              </a:path>
+            </a:pathLst>
+          </a:custGeom>
+        </p:spPr>
+        <p:style>
+          <a:lnRef idx="0">
+            <a:schemeClr val="dk1">
+              <a:alpha val="0"/>
+              <a:hueOff val="0"/>
+              <a:satOff val="0"/>
+              <a:lumOff val="0"/>
+              <a:alphaOff val="0"/>
+            </a:schemeClr>
+          </a:lnRef>
+          <a:fillRef idx="0">
+            <a:schemeClr val="lt1">
+              <a:alpha val="0"/>
+              <a:hueOff val="0"/>
+              <a:satOff val="0"/>
+              <a:lumOff val="0"/>
+              <a:alphaOff val="0"/>
+            </a:schemeClr>
+          </a:fillRef>
+          <a:effectRef idx="0">
+            <a:schemeClr val="lt1">
+              <a:alpha val="0"/>
+              <a:hueOff val="0"/>
+              <a:satOff val="0"/>
+              <a:lumOff val="0"/>
+              <a:alphaOff val="0"/>
+            </a:schemeClr>
+          </a:effectRef>
+          <a:fontRef idx="minor">
+            <a:schemeClr val="tx1">
+              <a:hueOff val="0"/>
+              <a:satOff val="0"/>
+              <a:lumOff val="0"/>
+              <a:alphaOff val="0"/>
+            </a:schemeClr>
+          </a:fontRef>
+        </p:style>
+        <p:txBody>
+          <a:bodyPr spcFirstLastPara="0" vert="horz" wrap="square" lIns="106680" tIns="106680" rIns="106680" bIns="106680" numCol="1" spcCol="1270" anchor="ctr" anchorCtr="0">
+            <a:noAutofit/>
+          </a:bodyPr>
+          <a:lstStyle/>
+          <a:p>
+            <a:pPr lvl="0" algn="l" defTabSz="666750">
+              <a:lnSpc>
+                <a:spcPct val="90000"/>
+              </a:lnSpc>
+              <a:spcBef>
+                <a:spcPct val="0"/>
+              </a:spcBef>
+              <a:spcAft>
+                <a:spcPct val="35000"/>
+              </a:spcAft>
+            </a:pPr>
+            <a:r>
+              <a:rPr lang="de-DE" kern="1200" dirty="0" smtClean="0"/>
+              <a:t>Beobachter Muster in GUI</a:t>
+            </a:r>
+            <a:endParaRPr lang="de-DE" kern="1200" dirty="0"/>
+          </a:p>
+          <a:p>
+            <a:pPr marL="114300" lvl="1" indent="-114300" algn="l" defTabSz="533400">
+              <a:lnSpc>
+                <a:spcPct val="90000"/>
+              </a:lnSpc>
+              <a:spcBef>
+                <a:spcPct val="0"/>
+              </a:spcBef>
+              <a:spcAft>
+                <a:spcPct val="15000"/>
+              </a:spcAft>
+              <a:buChar char="••"/>
+            </a:pPr>
+            <a:r>
+              <a:rPr lang="de-DE" sz="1600" kern="1200" dirty="0" smtClean="0"/>
+              <a:t>leicht erweiterbar</a:t>
+            </a:r>
+            <a:endParaRPr lang="de-DE" sz="1600" kern="1200" dirty="0" smtClean="0"/>
+          </a:p>
+          <a:p>
+            <a:pPr marL="0" lvl="1" algn="l" defTabSz="533400">
+              <a:lnSpc>
+                <a:spcPct val="90000"/>
+              </a:lnSpc>
+              <a:spcBef>
+                <a:spcPct val="0"/>
+              </a:spcBef>
+              <a:spcAft>
+                <a:spcPct val="15000"/>
+              </a:spcAft>
+            </a:pPr>
+            <a:r>
+              <a:rPr lang="de-DE" kern="1200" dirty="0" smtClean="0"/>
+              <a:t>Entkoppelung einzelner Komponenten</a:t>
+            </a:r>
+            <a:endParaRPr lang="de-DE" kern="1200" dirty="0" smtClean="0"/>
+          </a:p>
+          <a:p>
+            <a:pPr marL="228600" lvl="2" indent="-114300" algn="l" defTabSz="533400">
+              <a:lnSpc>
+                <a:spcPct val="90000"/>
+              </a:lnSpc>
+              <a:spcBef>
+                <a:spcPct val="0"/>
+              </a:spcBef>
+              <a:spcAft>
+                <a:spcPct val="15000"/>
+              </a:spcAft>
+              <a:buChar char="••"/>
+            </a:pPr>
+            <a:r>
+              <a:rPr lang="de-DE" sz="1600" kern="1200" dirty="0" smtClean="0"/>
+              <a:t>Änderungen unproblematisch</a:t>
+            </a:r>
+            <a:endParaRPr lang="de-DE" sz="1600" kern="1200" dirty="0" smtClean="0"/>
+          </a:p>
+        </p:txBody>
+      </p:sp>
+      <p:sp>
+        <p:nvSpPr>
+          <p:cNvPr id="10" name="Pfeil nach oben 9"/>
+          <p:cNvSpPr/>
+          <p:nvPr/>
+        </p:nvSpPr>
+        <p:spPr>
+          <a:xfrm>
+            <a:off x="5436096" y="4692425"/>
+            <a:ext cx="1126800" cy="1525602"/>
+          </a:xfrm>
+          <a:prstGeom prst="upArrow">
+            <a:avLst/>
+          </a:prstGeom>
+        </p:spPr>
+        <p:style>
+          <a:lnRef idx="2">
+            <a:schemeClr val="lt1">
+              <a:hueOff val="0"/>
+              <a:satOff val="0"/>
+              <a:lumOff val="0"/>
+              <a:alphaOff val="0"/>
+            </a:schemeClr>
+          </a:lnRef>
+          <a:fillRef idx="1">
+            <a:schemeClr val="accent1">
+              <a:hueOff val="0"/>
+              <a:satOff val="0"/>
+              <a:lumOff val="0"/>
+              <a:alphaOff val="0"/>
+            </a:schemeClr>
+          </a:fillRef>
+          <a:effectRef idx="0">
+            <a:schemeClr val="accent1">
+              <a:hueOff val="0"/>
+              <a:satOff val="0"/>
+              <a:lumOff val="0"/>
+              <a:alphaOff val="0"/>
+            </a:schemeClr>
+          </a:effectRef>
+          <a:fontRef idx="minor">
+            <a:schemeClr val="lt1"/>
+          </a:fontRef>
+        </p:style>
+      </p:sp>
+      <p:sp>
+        <p:nvSpPr>
+          <p:cNvPr id="11" name="Freihandform 10"/>
+          <p:cNvSpPr/>
+          <p:nvPr/>
+        </p:nvSpPr>
+        <p:spPr>
+          <a:xfrm>
+            <a:off x="731301" y="4923463"/>
+            <a:ext cx="3214339" cy="1601881"/>
+          </a:xfrm>
+          <a:custGeom>
+            <a:avLst/>
+            <a:gdLst>
+              <a:gd name="connsiteX0" fmla="*/ 0 w 2546040"/>
+              <a:gd name="connsiteY0" fmla="*/ 0 h 1370583"/>
+              <a:gd name="connsiteX1" fmla="*/ 2546040 w 2546040"/>
+              <a:gd name="connsiteY1" fmla="*/ 0 h 1370583"/>
+              <a:gd name="connsiteX2" fmla="*/ 2546040 w 2546040"/>
+              <a:gd name="connsiteY2" fmla="*/ 1370583 h 1370583"/>
+              <a:gd name="connsiteX3" fmla="*/ 0 w 2546040"/>
+              <a:gd name="connsiteY3" fmla="*/ 1370583 h 1370583"/>
+              <a:gd name="connsiteX4" fmla="*/ 0 w 2546040"/>
+              <a:gd name="connsiteY4" fmla="*/ 0 h 1370583"/>
+            </a:gdLst>
+            <a:ahLst/>
+            <a:cxnLst>
+              <a:cxn ang="0">
+                <a:pos x="connsiteX0" y="connsiteY0"/>
+              </a:cxn>
+              <a:cxn ang="0">
+                <a:pos x="connsiteX1" y="connsiteY1"/>
+              </a:cxn>
+              <a:cxn ang="0">
+                <a:pos x="connsiteX2" y="connsiteY2"/>
+              </a:cxn>
+              <a:cxn ang="0">
+                <a:pos x="connsiteX3" y="connsiteY3"/>
+              </a:cxn>
+              <a:cxn ang="0">
+                <a:pos x="connsiteX4" y="connsiteY4"/>
+              </a:cxn>
+            </a:cxnLst>
+            <a:rect l="l" t="t" r="r" b="b"/>
+            <a:pathLst>
+              <a:path w="2546040" h="1370583">
+                <a:moveTo>
+                  <a:pt x="0" y="0"/>
+                </a:moveTo>
+                <a:lnTo>
+                  <a:pt x="2546040" y="0"/>
+                </a:lnTo>
+                <a:lnTo>
+                  <a:pt x="2546040" y="1370583"/>
+                </a:lnTo>
+                <a:lnTo>
+                  <a:pt x="0" y="1370583"/>
+                </a:lnTo>
+                <a:lnTo>
+                  <a:pt x="0" y="0"/>
+                </a:lnTo>
+                <a:close/>
+              </a:path>
+            </a:pathLst>
+          </a:custGeom>
+        </p:spPr>
+        <p:style>
+          <a:lnRef idx="0">
+            <a:schemeClr val="dk1">
+              <a:alpha val="0"/>
+              <a:hueOff val="0"/>
+              <a:satOff val="0"/>
+              <a:lumOff val="0"/>
+              <a:alphaOff val="0"/>
+            </a:schemeClr>
+          </a:lnRef>
+          <a:fillRef idx="0">
+            <a:schemeClr val="lt1">
+              <a:alpha val="0"/>
+              <a:hueOff val="0"/>
+              <a:satOff val="0"/>
+              <a:lumOff val="0"/>
+              <a:alphaOff val="0"/>
+            </a:schemeClr>
+          </a:fillRef>
+          <a:effectRef idx="0">
+            <a:schemeClr val="lt1">
+              <a:alpha val="0"/>
+              <a:hueOff val="0"/>
+              <a:satOff val="0"/>
+              <a:lumOff val="0"/>
+              <a:alphaOff val="0"/>
+            </a:schemeClr>
+          </a:effectRef>
+          <a:fontRef idx="minor">
+            <a:schemeClr val="tx1">
+              <a:hueOff val="0"/>
+              <a:satOff val="0"/>
+              <a:lumOff val="0"/>
+              <a:alphaOff val="0"/>
+            </a:schemeClr>
+          </a:fontRef>
+        </p:style>
+        <p:txBody>
+          <a:bodyPr spcFirstLastPara="0" vert="horz" wrap="square" lIns="106680" tIns="106680" rIns="106680" bIns="106680" numCol="1" spcCol="1270" anchor="ctr" anchorCtr="0">
+            <a:noAutofit/>
+          </a:bodyPr>
+          <a:lstStyle/>
+          <a:p>
+            <a:pPr lvl="0" algn="l" defTabSz="666750">
+              <a:lnSpc>
+                <a:spcPct val="90000"/>
+              </a:lnSpc>
+              <a:spcBef>
+                <a:spcPct val="0"/>
+              </a:spcBef>
+              <a:spcAft>
+                <a:spcPct val="35000"/>
+              </a:spcAft>
+            </a:pPr>
+            <a:r>
+              <a:rPr lang="de-DE" dirty="0" smtClean="0"/>
+              <a:t>„</a:t>
+            </a:r>
+            <a:r>
+              <a:rPr lang="de-DE" kern="1200" dirty="0" smtClean="0"/>
+              <a:t>Prototyp“ zu jeder Phase</a:t>
+            </a:r>
+            <a:endParaRPr lang="de-DE" kern="1200" dirty="0"/>
+          </a:p>
+          <a:p>
+            <a:pPr marL="114300" lvl="1" indent="-114300" algn="l" defTabSz="533400">
+              <a:lnSpc>
+                <a:spcPct val="90000"/>
+              </a:lnSpc>
+              <a:spcBef>
+                <a:spcPct val="0"/>
+              </a:spcBef>
+              <a:spcAft>
+                <a:spcPct val="15000"/>
+              </a:spcAft>
+              <a:buChar char="••"/>
+            </a:pPr>
+            <a:r>
+              <a:rPr lang="de-DE" sz="1600" kern="1200" dirty="0" smtClean="0"/>
+              <a:t>Problem: </a:t>
+            </a:r>
+            <a:r>
+              <a:rPr lang="de-DE" sz="1600" kern="1200" dirty="0" err="1" smtClean="0"/>
+              <a:t>unfolding</a:t>
+            </a:r>
+            <a:r>
+              <a:rPr lang="de-DE" sz="1600" kern="1200" dirty="0" smtClean="0"/>
+              <a:t> </a:t>
+            </a:r>
+            <a:r>
+              <a:rPr lang="de-DE" sz="1600" kern="1200" dirty="0" smtClean="0">
+                <a:sym typeface="Wingdings" panose="05000000000000000000" pitchFamily="2" charset="2"/>
+              </a:rPr>
+              <a:t> </a:t>
+            </a:r>
+            <a:r>
+              <a:rPr lang="de-DE" sz="1600" kern="1200" dirty="0" err="1" smtClean="0">
+                <a:sym typeface="Wingdings" panose="05000000000000000000" pitchFamily="2" charset="2"/>
+              </a:rPr>
+              <a:t>JavaFX</a:t>
+            </a:r>
+            <a:endParaRPr lang="de-DE" sz="1600" kern="1200" dirty="0" smtClean="0">
+              <a:sym typeface="Wingdings" panose="05000000000000000000" pitchFamily="2" charset="2"/>
+            </a:endParaRPr>
+          </a:p>
+        </p:txBody>
+      </p:sp>
     </p:spTree>
     <p:extLst>
       <p:ext uri="{BB962C8B-B14F-4D97-AF65-F5344CB8AC3E}">
@@ -14877,9 +11999,6 @@
                     <p:cTn id="3" fill="hold">
                       <p:stCondLst>
                         <p:cond delay="indefinite"/>
-                        <p:cond evt="onBegin" delay="0">
-                          <p:tn val="2"/>
-                        </p:cond>
                       </p:stCondLst>
                       <p:childTnLst>
                         <p:par>
@@ -14889,7 +12008,7 @@
                             </p:stCondLst>
                             <p:childTnLst>
                               <p:par>
-                                <p:cTn id="5" presetID="1" presetClass="entr" presetSubtype="0" fill="hold" grpId="1" nodeType="withEffect">
+                                <p:cTn id="5" presetID="1" presetClass="entr" presetSubtype="0" fill="hold" grpId="1" nodeType="clickEffect">
                                   <p:stCondLst>
                                     <p:cond delay="0"/>
                                   </p:stCondLst>
@@ -15017,21 +12136,253 @@
                                   </p:childTnLst>
                                 </p:cTn>
                               </p:par>
+                            </p:childTnLst>
+                          </p:cTn>
+                        </p:par>
+                      </p:childTnLst>
+                    </p:cTn>
+                  </p:par>
+                  <p:par>
+                    <p:cTn id="15" fill="hold">
+                      <p:stCondLst>
+                        <p:cond delay="indefinite"/>
+                      </p:stCondLst>
+                      <p:childTnLst>
+                        <p:par>
+                          <p:cTn id="16" fill="hold">
+                            <p:stCondLst>
+                              <p:cond delay="0"/>
+                            </p:stCondLst>
+                            <p:childTnLst>
                               <p:par>
-                                <p:cTn id="15" presetID="1" presetClass="entr" presetSubtype="0" fill="hold" grpId="1" nodeType="withEffect">
+                                <p:cTn id="17" presetID="1" presetClass="entr" presetSubtype="0" fill="hold" grpId="1" nodeType="clickEffect">
                                   <p:stCondLst>
                                     <p:cond delay="0"/>
                                   </p:stCondLst>
                                   <p:childTnLst>
                                     <p:set>
                                       <p:cBhvr>
-                                        <p:cTn id="16" dur="1" fill="hold">
+                                        <p:cTn id="18" dur="1" fill="hold">
                                           <p:stCondLst>
                                             <p:cond delay="0"/>
                                           </p:stCondLst>
                                         </p:cTn>
                                         <p:tgtEl>
                                           <p:spTgt spid="3">
+                                            <p:txEl>
+                                              <p:pRg st="4" end="4"/>
+                                            </p:txEl>
+                                          </p:spTgt>
+                                        </p:tgtEl>
+                                        <p:attrNameLst>
+                                          <p:attrName>style.visibility</p:attrName>
+                                        </p:attrNameLst>
+                                      </p:cBhvr>
+                                      <p:to>
+                                        <p:strVal val="visible"/>
+                                      </p:to>
+                                    </p:set>
+                                  </p:childTnLst>
+                                </p:cTn>
+                              </p:par>
+                            </p:childTnLst>
+                          </p:cTn>
+                        </p:par>
+                      </p:childTnLst>
+                    </p:cTn>
+                  </p:par>
+                  <p:par>
+                    <p:cTn id="19" fill="hold">
+                      <p:stCondLst>
+                        <p:cond delay="indefinite"/>
+                      </p:stCondLst>
+                      <p:childTnLst>
+                        <p:par>
+                          <p:cTn id="20" fill="hold">
+                            <p:stCondLst>
+                              <p:cond delay="0"/>
+                            </p:stCondLst>
+                            <p:childTnLst>
+                              <p:par>
+                                <p:cTn id="21" presetID="1" presetClass="entr" presetSubtype="0" fill="hold" grpId="0" nodeType="clickEffect">
+                                  <p:stCondLst>
+                                    <p:cond delay="0"/>
+                                  </p:stCondLst>
+                                  <p:childTnLst>
+                                    <p:set>
+                                      <p:cBhvr>
+                                        <p:cTn id="22" dur="1" fill="hold">
+                                          <p:stCondLst>
+                                            <p:cond delay="0"/>
+                                          </p:stCondLst>
+                                        </p:cTn>
+                                        <p:tgtEl>
+                                          <p:spTgt spid="9">
+                                            <p:txEl>
+                                              <p:pRg st="0" end="0"/>
+                                            </p:txEl>
+                                          </p:spTgt>
+                                        </p:tgtEl>
+                                        <p:attrNameLst>
+                                          <p:attrName>style.visibility</p:attrName>
+                                        </p:attrNameLst>
+                                      </p:cBhvr>
+                                      <p:to>
+                                        <p:strVal val="visible"/>
+                                      </p:to>
+                                    </p:set>
+                                  </p:childTnLst>
+                                </p:cTn>
+                              </p:par>
+                              <p:par>
+                                <p:cTn id="23" presetID="1" presetClass="entr" presetSubtype="0" fill="hold" grpId="0" nodeType="withEffect">
+                                  <p:stCondLst>
+                                    <p:cond delay="0"/>
+                                  </p:stCondLst>
+                                  <p:childTnLst>
+                                    <p:set>
+                                      <p:cBhvr>
+                                        <p:cTn id="24" dur="1" fill="hold">
+                                          <p:stCondLst>
+                                            <p:cond delay="0"/>
+                                          </p:stCondLst>
+                                        </p:cTn>
+                                        <p:tgtEl>
+                                          <p:spTgt spid="9">
+                                            <p:txEl>
+                                              <p:pRg st="1" end="1"/>
+                                            </p:txEl>
+                                          </p:spTgt>
+                                        </p:tgtEl>
+                                        <p:attrNameLst>
+                                          <p:attrName>style.visibility</p:attrName>
+                                        </p:attrNameLst>
+                                      </p:cBhvr>
+                                      <p:to>
+                                        <p:strVal val="visible"/>
+                                      </p:to>
+                                    </p:set>
+                                  </p:childTnLst>
+                                </p:cTn>
+                              </p:par>
+                              <p:par>
+                                <p:cTn id="25" presetID="1" presetClass="entr" presetSubtype="0" fill="hold" nodeType="withEffect">
+                                  <p:stCondLst>
+                                    <p:cond delay="0"/>
+                                  </p:stCondLst>
+                                  <p:childTnLst>
+                                    <p:set>
+                                      <p:cBhvr>
+                                        <p:cTn id="26" dur="1" fill="hold">
+                                          <p:stCondLst>
+                                            <p:cond delay="0"/>
+                                          </p:stCondLst>
+                                        </p:cTn>
+                                        <p:tgtEl>
+                                          <p:spTgt spid="8"/>
+                                        </p:tgtEl>
+                                        <p:attrNameLst>
+                                          <p:attrName>style.visibility</p:attrName>
+                                        </p:attrNameLst>
+                                      </p:cBhvr>
+                                      <p:to>
+                                        <p:strVal val="visible"/>
+                                      </p:to>
+                                    </p:set>
+                                  </p:childTnLst>
+                                </p:cTn>
+                              </p:par>
+                              <p:par>
+                                <p:cTn id="27" presetID="1" presetClass="entr" presetSubtype="0" fill="hold" nodeType="withEffect">
+                                  <p:stCondLst>
+                                    <p:cond delay="0"/>
+                                  </p:stCondLst>
+                                  <p:childTnLst>
+                                    <p:set>
+                                      <p:cBhvr>
+                                        <p:cTn id="28" dur="1" fill="hold">
+                                          <p:stCondLst>
+                                            <p:cond delay="0"/>
+                                          </p:stCondLst>
+                                        </p:cTn>
+                                        <p:tgtEl>
+                                          <p:spTgt spid="6"/>
+                                        </p:tgtEl>
+                                        <p:attrNameLst>
+                                          <p:attrName>style.visibility</p:attrName>
+                                        </p:attrNameLst>
+                                      </p:cBhvr>
+                                      <p:to>
+                                        <p:strVal val="visible"/>
+                                      </p:to>
+                                    </p:set>
+                                  </p:childTnLst>
+                                </p:cTn>
+                              </p:par>
+                            </p:childTnLst>
+                          </p:cTn>
+                        </p:par>
+                      </p:childTnLst>
+                    </p:cTn>
+                  </p:par>
+                  <p:par>
+                    <p:cTn id="29" fill="hold">
+                      <p:stCondLst>
+                        <p:cond delay="indefinite"/>
+                      </p:stCondLst>
+                      <p:childTnLst>
+                        <p:par>
+                          <p:cTn id="30" fill="hold">
+                            <p:stCondLst>
+                              <p:cond delay="0"/>
+                            </p:stCondLst>
+                            <p:childTnLst>
+                              <p:par>
+                                <p:cTn id="31" presetID="1" presetClass="entr" presetSubtype="0" fill="hold" grpId="0" nodeType="clickEffect">
+                                  <p:stCondLst>
+                                    <p:cond delay="0"/>
+                                  </p:stCondLst>
+                                  <p:childTnLst>
+                                    <p:set>
+                                      <p:cBhvr>
+                                        <p:cTn id="32" dur="1" fill="hold">
+                                          <p:stCondLst>
+                                            <p:cond delay="0"/>
+                                          </p:stCondLst>
+                                        </p:cTn>
+                                        <p:tgtEl>
+                                          <p:spTgt spid="9">
+                                            <p:txEl>
+                                              <p:pRg st="2" end="2"/>
+                                            </p:txEl>
+                                          </p:spTgt>
+                                        </p:tgtEl>
+                                        <p:attrNameLst>
+                                          <p:attrName>style.visibility</p:attrName>
+                                        </p:attrNameLst>
+                                      </p:cBhvr>
+                                      <p:to>
+                                        <p:strVal val="visible"/>
+                                      </p:to>
+                                    </p:set>
+                                  </p:childTnLst>
+                                </p:cTn>
+                              </p:par>
+                              <p:par>
+                                <p:cTn id="33" presetID="1" presetClass="entr" presetSubtype="0" fill="hold" grpId="0" nodeType="withEffect">
+                                  <p:stCondLst>
+                                    <p:cond delay="0"/>
+                                  </p:stCondLst>
+                                  <p:childTnLst>
+                                    <p:set>
+                                      <p:cBhvr>
+                                        <p:cTn id="34" dur="1" fill="hold">
+                                          <p:stCondLst>
+                                            <p:cond delay="0"/>
+                                          </p:stCondLst>
+                                        </p:cTn>
+                                        <p:tgtEl>
+                                          <p:spTgt spid="9">
                                             <p:txEl>
                                               <p:pRg st="3" end="3"/>
                                             </p:txEl>
@@ -15055,36 +12406,32 @@
                     </p:cTn>
                   </p:par>
                   <p:par>
-                    <p:cTn id="17" fill="hold">
+                    <p:cTn id="35" fill="hold">
                       <p:stCondLst>
                         <p:cond delay="indefinite"/>
                       </p:stCondLst>
                       <p:childTnLst>
                         <p:par>
-                          <p:cTn id="18" fill="hold">
+                          <p:cTn id="36" fill="hold">
                             <p:stCondLst>
                               <p:cond delay="0"/>
                             </p:stCondLst>
                             <p:childTnLst>
                               <p:par>
-                                <p:cTn id="19" presetID="1" presetClass="entr" presetSubtype="0" fill="hold" grpId="1" nodeType="clickEffect">
+                                <p:cTn id="37" presetID="1" presetClass="entr" presetSubtype="0" fill="hold" nodeType="clickEffect">
                                   <p:stCondLst>
                                     <p:cond delay="0"/>
                                   </p:stCondLst>
                                   <p:childTnLst>
                                     <p:set>
                                       <p:cBhvr>
-                                        <p:cTn id="20" dur="1" fill="hold">
+                                        <p:cTn id="38" dur="1" fill="hold">
                                           <p:stCondLst>
                                             <p:cond delay="0"/>
                                           </p:stCondLst>
                                         </p:cTn>
                                         <p:tgtEl>
-                                          <p:spTgt spid="3">
-                                            <p:txEl>
-                                              <p:pRg st="4" end="4"/>
-                                            </p:txEl>
-                                          </p:spTgt>
+                                          <p:spTgt spid="10"/>
                                         </p:tgtEl>
                                         <p:attrNameLst>
                                           <p:attrName>style.visibility</p:attrName>
@@ -15098,104 +12445,20 @@
                                 </p:cTn>
                               </p:par>
                               <p:par>
-                                <p:cTn id="21" presetID="1" presetClass="entr" presetSubtype="0" fill="hold" grpId="1" nodeType="withEffect">
+                                <p:cTn id="39" presetID="1" presetClass="entr" presetSubtype="0" fill="hold" grpId="0" nodeType="withEffect">
                                   <p:stCondLst>
                                     <p:cond delay="0"/>
                                   </p:stCondLst>
                                   <p:childTnLst>
                                     <p:set>
                                       <p:cBhvr>
-                                        <p:cTn id="22" dur="1" fill="hold">
+                                        <p:cTn id="40" dur="1" fill="hold">
                                           <p:stCondLst>
                                             <p:cond delay="0"/>
                                           </p:stCondLst>
                                         </p:cTn>
                                         <p:tgtEl>
-                                          <p:spTgt spid="3">
-                                            <p:txEl>
-                                              <p:pRg st="5" end="5"/>
-                                            </p:txEl>
-                                          </p:spTgt>
-                                        </p:tgtEl>
-                                        <p:attrNameLst>
-                                          <p:attrName>style.visibility</p:attrName>
-                                        </p:attrNameLst>
-                                      </p:cBhvr>
-                                      <p:to>
-                                        <p:strVal val="visible"/>
-                                      </p:to>
-                                    </p:set>
-                                  </p:childTnLst>
-                                </p:cTn>
-                              </p:par>
-                            </p:childTnLst>
-                          </p:cTn>
-                        </p:par>
-                      </p:childTnLst>
-                    </p:cTn>
-                  </p:par>
-                  <p:par>
-                    <p:cTn id="23" fill="hold">
-                      <p:stCondLst>
-                        <p:cond delay="indefinite"/>
-                      </p:stCondLst>
-                      <p:childTnLst>
-                        <p:par>
-                          <p:cTn id="24" fill="hold">
-                            <p:stCondLst>
-                              <p:cond delay="0"/>
-                            </p:stCondLst>
-                            <p:childTnLst>
-                              <p:par>
-                                <p:cTn id="25" presetID="1" presetClass="entr" presetSubtype="0" fill="hold" grpId="1" nodeType="clickEffect">
-                                  <p:stCondLst>
-                                    <p:cond delay="0"/>
-                                  </p:stCondLst>
-                                  <p:childTnLst>
-                                    <p:set>
-                                      <p:cBhvr>
-                                        <p:cTn id="26" dur="1" fill="hold">
-                                          <p:stCondLst>
-                                            <p:cond delay="0"/>
-                                          </p:stCondLst>
-                                        </p:cTn>
-                                        <p:tgtEl>
-                                          <p:spTgt spid="3">
-                                            <p:txEl>
-                                              <p:pRg st="7" end="7"/>
-                                            </p:txEl>
-                                          </p:spTgt>
-                                        </p:tgtEl>
-                                        <p:attrNameLst>
-                                          <p:attrName>style.visibility</p:attrName>
-                                        </p:attrNameLst>
-                                      </p:cBhvr>
-                                      <p:to>
-                                        <p:strVal val="visible"/>
-                                      </p:to>
-                                    </p:set>
-                                  </p:childTnLst>
-                                </p:cTn>
-                              </p:par>
-                              <p:par>
-                                <p:cTn id="27" presetID="1" presetClass="entr" presetSubtype="0" fill="hold" grpId="1" nodeType="withEffect">
-                                  <p:stCondLst>
-                                    <p:cond delay="0"/>
-                                  </p:stCondLst>
-                                  <p:childTnLst>
-                                    <p:set>
-                                      <p:cBhvr>
-                                        <p:cTn id="28" dur="1" fill="hold">
-                                          <p:stCondLst>
-                                            <p:cond delay="0"/>
-                                          </p:stCondLst>
-                                        </p:cTn>
-                                        <p:tgtEl>
-                                          <p:spTgt spid="3">
-                                            <p:txEl>
-                                              <p:pRg st="8" end="8"/>
-                                            </p:txEl>
-                                          </p:spTgt>
+                                          <p:spTgt spid="11"/>
                                         </p:tgtEl>
                                         <p:attrNameLst>
                                           <p:attrName>style.visibility</p:attrName>
@@ -15237,6 +12500,8 @@
     </p:tnLst>
     <p:bldLst>
       <p:bldP spid="3" grpId="1" uiExpand="1" build="p"/>
+      <p:bldP spid="9" grpId="0" uiExpand="1" build="p"/>
+      <p:bldP spid="11" grpId="0"/>
     </p:bldLst>
   </p:timing>
 </p:sld>
@@ -15310,7 +12575,6 @@
               <a:rPr lang="de-DE" sz="2600" dirty="0" smtClean="0"/>
               <a:t>Aufgabenstellung</a:t>
             </a:r>
-            <a:endParaRPr lang="de-DE" sz="2600" dirty="0" smtClean="0"/>
           </a:p>
           <a:p>
             <a:pPr marL="457200" indent="-457200">
@@ -15351,7 +12615,6 @@
               <a:rPr lang="de-DE" sz="2600" dirty="0" smtClean="0"/>
               <a:t>Fazit</a:t>
             </a:r>
-            <a:endParaRPr lang="de-DE" sz="2600" dirty="0" smtClean="0"/>
           </a:p>
         </p:txBody>
       </p:sp>
@@ -15731,11 +12994,7 @@
           <a:p>
             <a:r>
               <a:rPr lang="de-DE" dirty="0" smtClean="0"/>
-              <a:t>1. </a:t>
-            </a:r>
-            <a:r>
-              <a:rPr lang="de-DE" dirty="0" smtClean="0"/>
-              <a:t>Aufgabenstellung</a:t>
+              <a:t>1. Aufgabenstellung</a:t>
             </a:r>
             <a:endParaRPr lang="de-DE" dirty="0"/>
           </a:p>
@@ -16200,11 +13459,7 @@
           <a:p>
             <a:r>
               <a:rPr lang="de-DE" dirty="0" smtClean="0"/>
-              <a:t>2. </a:t>
-            </a:r>
-            <a:r>
-              <a:rPr lang="de-DE" dirty="0" smtClean="0"/>
-              <a:t>Entwurf (Datenbank)</a:t>
+              <a:t>2. Entwurf (Datenbank)</a:t>
             </a:r>
             <a:endParaRPr lang="de-DE" dirty="0"/>
           </a:p>
@@ -16576,11 +13831,7 @@
           <a:p>
             <a:r>
               <a:rPr lang="de-DE" dirty="0" smtClean="0"/>
-              <a:t>2. </a:t>
-            </a:r>
-            <a:r>
-              <a:rPr lang="de-DE" dirty="0" smtClean="0"/>
-              <a:t>Entwurf (Datenbank)</a:t>
+              <a:t>2. Entwurf (Datenbank)</a:t>
             </a:r>
             <a:endParaRPr lang="de-DE" dirty="0"/>
           </a:p>
@@ -16974,11 +14225,7 @@
           <a:p>
             <a:r>
               <a:rPr lang="de-DE" dirty="0" smtClean="0"/>
-              <a:t>2. </a:t>
-            </a:r>
-            <a:r>
-              <a:rPr lang="de-DE" dirty="0" smtClean="0"/>
-              <a:t>Entwurf (Crawler)</a:t>
+              <a:t>2. Entwurf (Crawler)</a:t>
             </a:r>
             <a:endParaRPr lang="de-DE" dirty="0"/>
           </a:p>
@@ -17002,7 +14249,7 @@
         </p:xfrm>
         <a:graphic>
           <a:graphicData uri="http://schemas.openxmlformats.org/drawingml/2006/diagram">
-            <dgm:relIds xmlns:dgm="http://schemas.openxmlformats.org/drawingml/2006/diagram" xmlns:r="http://schemas.openxmlformats.org/officeDocument/2006/relationships" r:dm="rId3" r:lo="rId4" r:qs="rId5" r:cs="rId6"/>
+            <dgm:relIds xmlns:dgm="http://schemas.openxmlformats.org/drawingml/2006/diagram" xmlns:r="http://schemas.openxmlformats.org/officeDocument/2006/relationships" r:dm="rId2" r:lo="rId3" r:qs="rId4" r:cs="rId5"/>
           </a:graphicData>
         </a:graphic>
       </p:graphicFrame>
@@ -17080,11 +14327,11 @@
   <p:clrMapOvr>
     <a:masterClrMapping/>
   </p:clrMapOvr>
-  <mc:AlternateContent xmlns:mc="http://schemas.openxmlformats.org/markup-compatibility/2006">
-    <mc:Choice xmlns:p14="http://schemas.microsoft.com/office/powerpoint/2010/main" Requires="p14">
+  <mc:AlternateContent xmlns:mc="http://schemas.openxmlformats.org/markup-compatibility/2006" xmlns:p14="http://schemas.microsoft.com/office/powerpoint/2010/main">
+    <mc:Choice Requires="p14">
       <p:transition spd="slow" p14:dur="2000"/>
     </mc:Choice>
-    <mc:Fallback>
+    <mc:Fallback xmlns="">
       <p:transition spd="slow"/>
     </mc:Fallback>
   </mc:AlternateContent>
@@ -17326,344 +14573,6 @@
           <a:chExt cx="0" cy="0"/>
         </a:xfrm>
       </p:grpSpPr>
-      <p:sp>
-        <p:nvSpPr>
-          <p:cNvPr id="2" name="Titel 1"/>
-          <p:cNvSpPr>
-            <a:spLocks noGrp="1"/>
-          </p:cNvSpPr>
-          <p:nvPr>
-            <p:ph type="title"/>
-          </p:nvPr>
-        </p:nvSpPr>
-        <p:spPr/>
-        <p:txBody>
-          <a:bodyPr/>
-          <a:lstStyle/>
-          <a:p>
-            <a:r>
-              <a:rPr lang="de-DE" dirty="0" smtClean="0"/>
-              <a:t>2. </a:t>
-            </a:r>
-            <a:r>
-              <a:rPr lang="de-DE" dirty="0" smtClean="0"/>
-              <a:t>Entwurf (Crawler)</a:t>
-            </a:r>
-            <a:endParaRPr lang="de-DE" dirty="0"/>
-          </a:p>
-        </p:txBody>
-      </p:sp>
-      <p:graphicFrame>
-        <p:nvGraphicFramePr>
-          <p:cNvPr id="3" name="Diagramm 2"/>
-          <p:cNvGraphicFramePr/>
-          <p:nvPr>
-            <p:extLst>
-              <p:ext uri="{D42A27DB-BD31-4B8C-83A1-F6EECF244321}">
-                <p14:modId xmlns:p14="http://schemas.microsoft.com/office/powerpoint/2010/main" val="3094774440"/>
-              </p:ext>
-            </p:extLst>
-          </p:nvPr>
-        </p:nvGraphicFramePr>
-        <p:xfrm>
-          <a:off x="1302172" y="2348880"/>
-          <a:ext cx="6000328" cy="3112120"/>
-        </p:xfrm>
-        <a:graphic>
-          <a:graphicData uri="http://schemas.openxmlformats.org/drawingml/2006/diagram">
-            <dgm:relIds xmlns:dgm="http://schemas.openxmlformats.org/drawingml/2006/diagram" xmlns:r="http://schemas.openxmlformats.org/officeDocument/2006/relationships" r:dm="rId3" r:lo="rId4" r:qs="rId5" r:cs="rId6"/>
-          </a:graphicData>
-        </a:graphic>
-      </p:graphicFrame>
-      <p:sp>
-        <p:nvSpPr>
-          <p:cNvPr id="7" name="Rectangle 12"/>
-          <p:cNvSpPr>
-            <a:spLocks noGrp="1" noChangeArrowheads="1"/>
-          </p:cNvSpPr>
-          <p:nvPr>
-            <p:ph type="ftr" sz="quarter" idx="10"/>
-          </p:nvPr>
-        </p:nvSpPr>
-        <p:spPr>
-          <a:xfrm>
-            <a:off x="611560" y="6443637"/>
-            <a:ext cx="7848871" cy="360363"/>
-          </a:xfrm>
-          <a:ln/>
-        </p:spPr>
-        <p:txBody>
-          <a:bodyPr/>
-          <a:lstStyle>
-            <a:lvl1pPr>
-              <a:defRPr sz="1000">
-                <a:solidFill>
-                  <a:schemeClr val="tx1"/>
-                </a:solidFill>
-                <a:latin typeface="Calibri" panose="020F0502020204030204" pitchFamily="34" charset="0"/>
-              </a:defRPr>
-            </a:lvl1pPr>
-          </a:lstStyle>
-          <a:p>
-            <a:pPr>
-              <a:defRPr/>
-            </a:pPr>
-            <a:r>
-              <a:rPr lang="de-DE" dirty="0" smtClean="0"/>
-              <a:t>Praxis der Softwareentwicklung: </a:t>
-            </a:r>
-            <a:r>
-              <a:rPr lang="de-DE" dirty="0" err="1" smtClean="0"/>
-              <a:t>Visualizing</a:t>
-            </a:r>
-            <a:r>
-              <a:rPr lang="de-DE" dirty="0" smtClean="0"/>
-              <a:t> Trends. Was verrät uns Twitter?</a:t>
-            </a:r>
-            <a:br>
-              <a:rPr lang="de-DE" dirty="0" smtClean="0"/>
-            </a:br>
-            <a:r>
-              <a:rPr lang="de-DE" dirty="0" smtClean="0"/>
-              <a:t>Aufgabenstellung               </a:t>
-            </a:r>
-            <a:r>
-              <a:rPr lang="de-DE" b="1" dirty="0" smtClean="0"/>
-              <a:t>Entwurf</a:t>
-            </a:r>
-            <a:r>
-              <a:rPr lang="de-DE" dirty="0" smtClean="0"/>
-              <a:t>		Implementierung		Validierung		Fazit</a:t>
-            </a:r>
-            <a:endParaRPr lang="de-DE" dirty="0"/>
-          </a:p>
-        </p:txBody>
-      </p:sp>
-    </p:spTree>
-    <p:extLst>
-      <p:ext uri="{BB962C8B-B14F-4D97-AF65-F5344CB8AC3E}">
-        <p14:creationId xmlns:p14="http://schemas.microsoft.com/office/powerpoint/2010/main" val="1145584827"/>
-      </p:ext>
-    </p:extLst>
-  </p:cSld>
-  <p:clrMapOvr>
-    <a:masterClrMapping/>
-  </p:clrMapOvr>
-  <mc:AlternateContent xmlns:mc="http://schemas.openxmlformats.org/markup-compatibility/2006">
-    <mc:Choice xmlns:p14="http://schemas.microsoft.com/office/powerpoint/2010/main" Requires="p14">
-      <p:transition spd="slow" p14:dur="2000"/>
-    </mc:Choice>
-    <mc:Fallback>
-      <p:transition spd="slow"/>
-    </mc:Fallback>
-  </mc:AlternateContent>
-  <p:timing>
-    <p:tnLst>
-      <p:par>
-        <p:cTn id="1" dur="indefinite" restart="never" nodeType="tmRoot">
-          <p:childTnLst>
-            <p:seq concurrent="1" nextAc="seek">
-              <p:cTn id="2" dur="indefinite" nodeType="mainSeq">
-                <p:childTnLst>
-                  <p:par>
-                    <p:cTn id="3" fill="hold">
-                      <p:stCondLst>
-                        <p:cond delay="indefinite"/>
-                        <p:cond evt="onBegin" delay="0">
-                          <p:tn val="2"/>
-                        </p:cond>
-                      </p:stCondLst>
-                      <p:childTnLst>
-                        <p:par>
-                          <p:cTn id="4" fill="hold">
-                            <p:stCondLst>
-                              <p:cond delay="0"/>
-                            </p:stCondLst>
-                            <p:childTnLst>
-                              <p:par>
-                                <p:cTn id="5" presetID="1" presetClass="entr" presetSubtype="0" fill="hold" grpId="0" nodeType="withEffect">
-                                  <p:stCondLst>
-                                    <p:cond delay="0"/>
-                                  </p:stCondLst>
-                                  <p:childTnLst>
-                                    <p:set>
-                                      <p:cBhvr>
-                                        <p:cTn id="6" dur="1" fill="hold">
-                                          <p:stCondLst>
-                                            <p:cond delay="0"/>
-                                          </p:stCondLst>
-                                        </p:cTn>
-                                        <p:tgtEl>
-                                          <p:spTgt spid="3">
-                                            <p:graphicEl>
-                                              <a:dgm id="{A0C14A4B-6689-4DD2-AFAA-B08AC0337E48}"/>
-                                            </p:graphicEl>
-                                          </p:spTgt>
-                                        </p:tgtEl>
-                                        <p:attrNameLst>
-                                          <p:attrName>style.visibility</p:attrName>
-                                        </p:attrNameLst>
-                                      </p:cBhvr>
-                                      <p:to>
-                                        <p:strVal val="visible"/>
-                                      </p:to>
-                                    </p:set>
-                                  </p:childTnLst>
-                                </p:cTn>
-                              </p:par>
-                            </p:childTnLst>
-                          </p:cTn>
-                        </p:par>
-                      </p:childTnLst>
-                    </p:cTn>
-                  </p:par>
-                  <p:par>
-                    <p:cTn id="7" fill="hold">
-                      <p:stCondLst>
-                        <p:cond delay="indefinite"/>
-                      </p:stCondLst>
-                      <p:childTnLst>
-                        <p:par>
-                          <p:cTn id="8" fill="hold">
-                            <p:stCondLst>
-                              <p:cond delay="0"/>
-                            </p:stCondLst>
-                            <p:childTnLst>
-                              <p:par>
-                                <p:cTn id="9" presetID="1" presetClass="entr" presetSubtype="0" fill="hold" grpId="0" nodeType="clickEffect">
-                                  <p:stCondLst>
-                                    <p:cond delay="0"/>
-                                  </p:stCondLst>
-                                  <p:childTnLst>
-                                    <p:set>
-                                      <p:cBhvr>
-                                        <p:cTn id="10" dur="1" fill="hold">
-                                          <p:stCondLst>
-                                            <p:cond delay="0"/>
-                                          </p:stCondLst>
-                                        </p:cTn>
-                                        <p:tgtEl>
-                                          <p:spTgt spid="3">
-                                            <p:graphicEl>
-                                              <a:dgm id="{18290BB7-1FB3-4E1C-B9CB-DF9627229BDB}"/>
-                                            </p:graphicEl>
-                                          </p:spTgt>
-                                        </p:tgtEl>
-                                        <p:attrNameLst>
-                                          <p:attrName>style.visibility</p:attrName>
-                                        </p:attrNameLst>
-                                      </p:cBhvr>
-                                      <p:to>
-                                        <p:strVal val="visible"/>
-                                      </p:to>
-                                    </p:set>
-                                  </p:childTnLst>
-                                </p:cTn>
-                              </p:par>
-                            </p:childTnLst>
-                          </p:cTn>
-                        </p:par>
-                      </p:childTnLst>
-                    </p:cTn>
-                  </p:par>
-                  <p:par>
-                    <p:cTn id="11" fill="hold">
-                      <p:stCondLst>
-                        <p:cond delay="indefinite"/>
-                      </p:stCondLst>
-                      <p:childTnLst>
-                        <p:par>
-                          <p:cTn id="12" fill="hold">
-                            <p:stCondLst>
-                              <p:cond delay="0"/>
-                            </p:stCondLst>
-                            <p:childTnLst>
-                              <p:par>
-                                <p:cTn id="13" presetID="1" presetClass="entr" presetSubtype="0" fill="hold" grpId="0" nodeType="clickEffect">
-                                  <p:stCondLst>
-                                    <p:cond delay="0"/>
-                                  </p:stCondLst>
-                                  <p:childTnLst>
-                                    <p:set>
-                                      <p:cBhvr>
-                                        <p:cTn id="14" dur="1" fill="hold">
-                                          <p:stCondLst>
-                                            <p:cond delay="0"/>
-                                          </p:stCondLst>
-                                        </p:cTn>
-                                        <p:tgtEl>
-                                          <p:spTgt spid="3">
-                                            <p:graphicEl>
-                                              <a:dgm id="{BE5CA38F-8E38-4654-92BA-3524324AB319}"/>
-                                            </p:graphicEl>
-                                          </p:spTgt>
-                                        </p:tgtEl>
-                                        <p:attrNameLst>
-                                          <p:attrName>style.visibility</p:attrName>
-                                        </p:attrNameLst>
-                                      </p:cBhvr>
-                                      <p:to>
-                                        <p:strVal val="visible"/>
-                                      </p:to>
-                                    </p:set>
-                                  </p:childTnLst>
-                                </p:cTn>
-                              </p:par>
-                            </p:childTnLst>
-                          </p:cTn>
-                        </p:par>
-                      </p:childTnLst>
-                    </p:cTn>
-                  </p:par>
-                </p:childTnLst>
-              </p:cTn>
-              <p:prevCondLst>
-                <p:cond evt="onPrev" delay="0">
-                  <p:tgtEl>
-                    <p:sldTgt/>
-                  </p:tgtEl>
-                </p:cond>
-              </p:prevCondLst>
-              <p:nextCondLst>
-                <p:cond evt="onNext" delay="0">
-                  <p:tgtEl>
-                    <p:sldTgt/>
-                  </p:tgtEl>
-                </p:cond>
-              </p:nextCondLst>
-            </p:seq>
-          </p:childTnLst>
-        </p:cTn>
-      </p:par>
-    </p:tnLst>
-    <p:bldLst>
-      <p:bldGraphic spid="3" grpId="0" uiExpand="1">
-        <p:bldSub>
-          <a:bldDgm bld="one"/>
-        </p:bldSub>
-      </p:bldGraphic>
-    </p:bldLst>
-  </p:timing>
-</p:sld>
-</file>
-
-<file path=ppt/slides/slide8.xml><?xml version="1.0" encoding="utf-8"?>
-<p:sld xmlns:a="http://schemas.openxmlformats.org/drawingml/2006/main" xmlns:r="http://schemas.openxmlformats.org/officeDocument/2006/relationships" xmlns:p="http://schemas.openxmlformats.org/presentationml/2006/main">
-  <p:cSld>
-    <p:spTree>
-      <p:nvGrpSpPr>
-        <p:cNvPr id="1" name=""/>
-        <p:cNvGrpSpPr/>
-        <p:nvPr/>
-      </p:nvGrpSpPr>
-      <p:grpSpPr>
-        <a:xfrm>
-          <a:off x="0" y="0"/>
-          <a:ext cx="0" cy="0"/>
-          <a:chOff x="0" y="0"/>
-          <a:chExt cx="0" cy="0"/>
-        </a:xfrm>
-      </p:grpSpPr>
       <p:pic>
         <p:nvPicPr>
           <p:cNvPr id="10" name="Grafik 9"/>
@@ -17673,7 +14582,7 @@
           <p:nvPr/>
         </p:nvPicPr>
         <p:blipFill rotWithShape="1">
-          <a:blip r:embed="rId3" cstate="print">
+          <a:blip r:embed="rId2" cstate="print">
             <a:extLst>
               <a:ext uri="{28A0092B-C50C-407E-A947-70E740481C1C}">
                 <a14:useLocalDpi xmlns:a14="http://schemas.microsoft.com/office/drawing/2010/main" val="0"/>
@@ -17710,11 +14619,7 @@
           <a:p>
             <a:r>
               <a:rPr lang="de-DE" dirty="0" smtClean="0"/>
-              <a:t>2. </a:t>
-            </a:r>
-            <a:r>
-              <a:rPr lang="de-DE" dirty="0" smtClean="0"/>
-              <a:t>Entwurf (Crawler)</a:t>
+              <a:t>2. Entwurf (Crawler)</a:t>
             </a:r>
             <a:endParaRPr lang="de-DE" dirty="0"/>
           </a:p>
@@ -17789,11 +14694,11 @@
   <p:clrMapOvr>
     <a:masterClrMapping/>
   </p:clrMapOvr>
-  <mc:AlternateContent xmlns:mc="http://schemas.openxmlformats.org/markup-compatibility/2006">
-    <mc:Choice xmlns:p14="http://schemas.microsoft.com/office/powerpoint/2010/main" Requires="p14">
+  <mc:AlternateContent xmlns:mc="http://schemas.openxmlformats.org/markup-compatibility/2006" xmlns:p14="http://schemas.microsoft.com/office/powerpoint/2010/main">
+    <mc:Choice Requires="p14">
       <p:transition spd="slow" p14:dur="2000"/>
     </mc:Choice>
-    <mc:Fallback>
+    <mc:Fallback xmlns="">
       <p:transition spd="slow"/>
     </mc:Fallback>
   </mc:AlternateContent>
@@ -17807,7 +14712,7 @@
 </p:sld>
 </file>
 
-<file path=ppt/slides/slide9.xml><?xml version="1.0" encoding="utf-8"?>
+<file path=ppt/slides/slide8.xml><?xml version="1.0" encoding="utf-8"?>
 <p:sld xmlns:a="http://schemas.openxmlformats.org/drawingml/2006/main" xmlns:r="http://schemas.openxmlformats.org/officeDocument/2006/relationships" xmlns:p="http://schemas.openxmlformats.org/presentationml/2006/main">
   <p:cSld>
     <p:spTree>
@@ -17833,7 +14738,7 @@
           <p:nvPr/>
         </p:nvPicPr>
         <p:blipFill rotWithShape="1">
-          <a:blip r:embed="rId3" cstate="print">
+          <a:blip r:embed="rId2" cstate="print">
             <a:extLst>
               <a:ext uri="{28A0092B-C50C-407E-A947-70E740481C1C}">
                 <a14:useLocalDpi xmlns:a14="http://schemas.microsoft.com/office/drawing/2010/main" val="0"/>
@@ -17870,11 +14775,7 @@
           <a:p>
             <a:r>
               <a:rPr lang="de-DE" dirty="0" smtClean="0"/>
-              <a:t>2. </a:t>
-            </a:r>
-            <a:r>
-              <a:rPr lang="de-DE" dirty="0" smtClean="0"/>
-              <a:t>Entwurf (Crawler)</a:t>
+              <a:t>2. Entwurf (Crawler)</a:t>
             </a:r>
             <a:endParaRPr lang="de-DE" dirty="0"/>
           </a:p>
@@ -18065,14 +14966,168 @@
   <p:clrMapOvr>
     <a:masterClrMapping/>
   </p:clrMapOvr>
-  <mc:AlternateContent xmlns:mc="http://schemas.openxmlformats.org/markup-compatibility/2006">
-    <mc:Choice xmlns:p14="http://schemas.microsoft.com/office/powerpoint/2010/main" Requires="p14">
+  <mc:AlternateContent xmlns:mc="http://schemas.openxmlformats.org/markup-compatibility/2006" xmlns:p14="http://schemas.microsoft.com/office/powerpoint/2010/main">
+    <mc:Choice Requires="p14">
       <p:transition p14:dur="0"/>
     </mc:Choice>
-    <mc:Fallback>
+    <mc:Fallback xmlns="">
       <p:transition/>
     </mc:Fallback>
   </mc:AlternateContent>
+  <p:timing>
+    <p:tnLst>
+      <p:par>
+        <p:cTn id="1" dur="indefinite" restart="never" nodeType="tmRoot"/>
+      </p:par>
+    </p:tnLst>
+  </p:timing>
+</p:sld>
+</file>
+
+<file path=ppt/slides/slide9.xml><?xml version="1.0" encoding="utf-8"?>
+<p:sld xmlns:a="http://schemas.openxmlformats.org/drawingml/2006/main" xmlns:r="http://schemas.openxmlformats.org/officeDocument/2006/relationships" xmlns:p="http://schemas.openxmlformats.org/presentationml/2006/main">
+  <p:cSld>
+    <p:spTree>
+      <p:nvGrpSpPr>
+        <p:cNvPr id="1" name=""/>
+        <p:cNvGrpSpPr/>
+        <p:nvPr/>
+      </p:nvGrpSpPr>
+      <p:grpSpPr>
+        <a:xfrm>
+          <a:off x="0" y="0"/>
+          <a:ext cx="0" cy="0"/>
+          <a:chOff x="0" y="0"/>
+          <a:chExt cx="0" cy="0"/>
+        </a:xfrm>
+      </p:grpSpPr>
+      <p:sp>
+        <p:nvSpPr>
+          <p:cNvPr id="2" name="Titel 1"/>
+          <p:cNvSpPr>
+            <a:spLocks noGrp="1"/>
+          </p:cNvSpPr>
+          <p:nvPr>
+            <p:ph type="title"/>
+          </p:nvPr>
+        </p:nvSpPr>
+        <p:spPr/>
+        <p:txBody>
+          <a:bodyPr/>
+          <a:lstStyle/>
+          <a:p>
+            <a:r>
+              <a:rPr lang="de-DE" dirty="0" smtClean="0"/>
+              <a:t>2. Entwurf (GUI)</a:t>
+            </a:r>
+            <a:endParaRPr lang="de-DE" dirty="0"/>
+          </a:p>
+        </p:txBody>
+      </p:sp>
+      <p:pic>
+        <p:nvPicPr>
+          <p:cNvPr id="8" name="Grafik 7"/>
+          <p:cNvPicPr>
+            <a:picLocks noChangeAspect="1"/>
+          </p:cNvPicPr>
+          <p:nvPr/>
+        </p:nvPicPr>
+        <p:blipFill>
+          <a:blip r:embed="rId3" cstate="print">
+            <a:extLst>
+              <a:ext uri="{28A0092B-C50C-407E-A947-70E740481C1C}">
+                <a14:useLocalDpi xmlns:a14="http://schemas.microsoft.com/office/drawing/2010/main" val="0"/>
+              </a:ext>
+            </a:extLst>
+          </a:blip>
+          <a:stretch>
+            <a:fillRect/>
+          </a:stretch>
+        </p:blipFill>
+        <p:spPr>
+          <a:xfrm>
+            <a:off x="390525" y="1340768"/>
+            <a:ext cx="8348621" cy="4616257"/>
+          </a:xfrm>
+          <a:prstGeom prst="rect">
+            <a:avLst/>
+          </a:prstGeom>
+        </p:spPr>
+      </p:pic>
+      <p:sp>
+        <p:nvSpPr>
+          <p:cNvPr id="9" name="Rectangle 12"/>
+          <p:cNvSpPr>
+            <a:spLocks noGrp="1" noChangeArrowheads="1"/>
+          </p:cNvSpPr>
+          <p:nvPr>
+            <p:ph type="ftr" sz="quarter" idx="10"/>
+          </p:nvPr>
+        </p:nvSpPr>
+        <p:spPr>
+          <a:xfrm>
+            <a:off x="611560" y="6443637"/>
+            <a:ext cx="7848871" cy="360363"/>
+          </a:xfrm>
+          <a:ln/>
+        </p:spPr>
+        <p:txBody>
+          <a:bodyPr/>
+          <a:lstStyle>
+            <a:lvl1pPr>
+              <a:defRPr sz="1000">
+                <a:solidFill>
+                  <a:schemeClr val="tx1"/>
+                </a:solidFill>
+                <a:latin typeface="Calibri" panose="020F0502020204030204" pitchFamily="34" charset="0"/>
+              </a:defRPr>
+            </a:lvl1pPr>
+          </a:lstStyle>
+          <a:p>
+            <a:pPr>
+              <a:defRPr/>
+            </a:pPr>
+            <a:r>
+              <a:rPr lang="de-DE" dirty="0" smtClean="0"/>
+              <a:t>Praxis der Softwareentwicklung: </a:t>
+            </a:r>
+            <a:r>
+              <a:rPr lang="de-DE" dirty="0" err="1" smtClean="0"/>
+              <a:t>Visualizing</a:t>
+            </a:r>
+            <a:r>
+              <a:rPr lang="de-DE" dirty="0" smtClean="0"/>
+              <a:t> Trends. Was verrät uns Twitter?</a:t>
+            </a:r>
+            <a:br>
+              <a:rPr lang="de-DE" dirty="0" smtClean="0"/>
+            </a:br>
+            <a:r>
+              <a:rPr lang="de-DE" dirty="0" smtClean="0"/>
+              <a:t>Aufgabenstellung               </a:t>
+            </a:r>
+            <a:r>
+              <a:rPr lang="de-DE" b="1" dirty="0" smtClean="0"/>
+              <a:t>Entwurf</a:t>
+            </a:r>
+            <a:r>
+              <a:rPr lang="de-DE" dirty="0" smtClean="0"/>
+              <a:t>		Implementierung		Validierung		Fazit</a:t>
+            </a:r>
+            <a:endParaRPr lang="de-DE" dirty="0"/>
+          </a:p>
+        </p:txBody>
+      </p:sp>
+    </p:spTree>
+    <p:extLst>
+      <p:ext uri="{BB962C8B-B14F-4D97-AF65-F5344CB8AC3E}">
+        <p14:creationId xmlns:p14="http://schemas.microsoft.com/office/powerpoint/2010/main" val="3338498102"/>
+      </p:ext>
+    </p:extLst>
+  </p:cSld>
+  <p:clrMapOvr>
+    <a:masterClrMapping/>
+  </p:clrMapOvr>
   <p:timing>
     <p:tnLst>
       <p:par>

--- a/doc/abschlusspräsentation/pres.pptx
+++ b/doc/abschlusspräsentation/pres.pptx
@@ -5,25 +5,28 @@
     <p:sldMasterId id="2147483648" r:id="rId1"/>
   </p:sldMasterIdLst>
   <p:notesMasterIdLst>
-    <p:notesMasterId r:id="rId15"/>
+    <p:notesMasterId r:id="rId18"/>
   </p:notesMasterIdLst>
   <p:handoutMasterIdLst>
-    <p:handoutMasterId r:id="rId16"/>
+    <p:handoutMasterId r:id="rId19"/>
   </p:handoutMasterIdLst>
   <p:sldIdLst>
     <p:sldId id="264" r:id="rId2"/>
     <p:sldId id="273" r:id="rId3"/>
     <p:sldId id="275" r:id="rId4"/>
-    <p:sldId id="303" r:id="rId5"/>
-    <p:sldId id="293" r:id="rId6"/>
-    <p:sldId id="302" r:id="rId7"/>
-    <p:sldId id="276" r:id="rId8"/>
-    <p:sldId id="295" r:id="rId9"/>
-    <p:sldId id="291" r:id="rId10"/>
-    <p:sldId id="292" r:id="rId11"/>
-    <p:sldId id="299" r:id="rId12"/>
-    <p:sldId id="300" r:id="rId13"/>
-    <p:sldId id="304" r:id="rId14"/>
+    <p:sldId id="309" r:id="rId5"/>
+    <p:sldId id="305" r:id="rId6"/>
+    <p:sldId id="303" r:id="rId7"/>
+    <p:sldId id="293" r:id="rId8"/>
+    <p:sldId id="302" r:id="rId9"/>
+    <p:sldId id="276" r:id="rId10"/>
+    <p:sldId id="295" r:id="rId11"/>
+    <p:sldId id="291" r:id="rId12"/>
+    <p:sldId id="292" r:id="rId13"/>
+    <p:sldId id="299" r:id="rId14"/>
+    <p:sldId id="300" r:id="rId15"/>
+    <p:sldId id="304" r:id="rId16"/>
+    <p:sldId id="306" r:id="rId17"/>
   </p:sldIdLst>
   <p:sldSz cx="9144000" cy="6858000" type="screen4x3"/>
   <p:notesSz cx="6858000" cy="9144000"/>
@@ -1668,7 +1671,954 @@
 </dgm:colorsDef>
 </file>
 
+<file path=ppt/diagrams/colors3.xml><?xml version="1.0" encoding="utf-8"?>
+<dgm:colorsDef xmlns:dgm="http://schemas.openxmlformats.org/drawingml/2006/diagram" xmlns:a="http://schemas.openxmlformats.org/drawingml/2006/main" uniqueId="urn:microsoft.com/office/officeart/2005/8/colors/accent1_2">
+  <dgm:title val=""/>
+  <dgm:desc val=""/>
+  <dgm:catLst>
+    <dgm:cat type="accent1" pri="11200"/>
+  </dgm:catLst>
+  <dgm:styleLbl name="node0">
+    <dgm:fillClrLst meth="repeat">
+      <a:schemeClr val="accent1"/>
+    </dgm:fillClrLst>
+    <dgm:linClrLst meth="repeat">
+      <a:schemeClr val="lt1"/>
+    </dgm:linClrLst>
+    <dgm:effectClrLst/>
+    <dgm:txLinClrLst/>
+    <dgm:txFillClrLst/>
+    <dgm:txEffectClrLst/>
+  </dgm:styleLbl>
+  <dgm:styleLbl name="alignNode1">
+    <dgm:fillClrLst meth="repeat">
+      <a:schemeClr val="accent1"/>
+    </dgm:fillClrLst>
+    <dgm:linClrLst meth="repeat">
+      <a:schemeClr val="accent1"/>
+    </dgm:linClrLst>
+    <dgm:effectClrLst/>
+    <dgm:txLinClrLst/>
+    <dgm:txFillClrLst/>
+    <dgm:txEffectClrLst/>
+  </dgm:styleLbl>
+  <dgm:styleLbl name="node1">
+    <dgm:fillClrLst meth="repeat">
+      <a:schemeClr val="accent1"/>
+    </dgm:fillClrLst>
+    <dgm:linClrLst meth="repeat">
+      <a:schemeClr val="lt1"/>
+    </dgm:linClrLst>
+    <dgm:effectClrLst/>
+    <dgm:txLinClrLst/>
+    <dgm:txFillClrLst/>
+    <dgm:txEffectClrLst/>
+  </dgm:styleLbl>
+  <dgm:styleLbl name="lnNode1">
+    <dgm:fillClrLst meth="repeat">
+      <a:schemeClr val="accent1"/>
+    </dgm:fillClrLst>
+    <dgm:linClrLst meth="repeat">
+      <a:schemeClr val="lt1"/>
+    </dgm:linClrLst>
+    <dgm:effectClrLst/>
+    <dgm:txLinClrLst/>
+    <dgm:txFillClrLst/>
+    <dgm:txEffectClrLst/>
+  </dgm:styleLbl>
+  <dgm:styleLbl name="vennNode1">
+    <dgm:fillClrLst meth="repeat">
+      <a:schemeClr val="accent1">
+        <a:alpha val="50000"/>
+      </a:schemeClr>
+    </dgm:fillClrLst>
+    <dgm:linClrLst meth="repeat">
+      <a:schemeClr val="lt1"/>
+    </dgm:linClrLst>
+    <dgm:effectClrLst/>
+    <dgm:txLinClrLst/>
+    <dgm:txFillClrLst/>
+    <dgm:txEffectClrLst/>
+  </dgm:styleLbl>
+  <dgm:styleLbl name="node2">
+    <dgm:fillClrLst meth="repeat">
+      <a:schemeClr val="accent1"/>
+    </dgm:fillClrLst>
+    <dgm:linClrLst meth="repeat">
+      <a:schemeClr val="lt1"/>
+    </dgm:linClrLst>
+    <dgm:effectClrLst/>
+    <dgm:txLinClrLst/>
+    <dgm:txFillClrLst/>
+    <dgm:txEffectClrLst/>
+  </dgm:styleLbl>
+  <dgm:styleLbl name="node3">
+    <dgm:fillClrLst meth="repeat">
+      <a:schemeClr val="accent1"/>
+    </dgm:fillClrLst>
+    <dgm:linClrLst meth="repeat">
+      <a:schemeClr val="lt1"/>
+    </dgm:linClrLst>
+    <dgm:effectClrLst/>
+    <dgm:txLinClrLst/>
+    <dgm:txFillClrLst/>
+    <dgm:txEffectClrLst/>
+  </dgm:styleLbl>
+  <dgm:styleLbl name="node4">
+    <dgm:fillClrLst meth="repeat">
+      <a:schemeClr val="accent1"/>
+    </dgm:fillClrLst>
+    <dgm:linClrLst meth="repeat">
+      <a:schemeClr val="lt1"/>
+    </dgm:linClrLst>
+    <dgm:effectClrLst/>
+    <dgm:txLinClrLst/>
+    <dgm:txFillClrLst/>
+    <dgm:txEffectClrLst/>
+  </dgm:styleLbl>
+  <dgm:styleLbl name="fgImgPlace1">
+    <dgm:fillClrLst meth="repeat">
+      <a:schemeClr val="accent1">
+        <a:tint val="50000"/>
+      </a:schemeClr>
+    </dgm:fillClrLst>
+    <dgm:linClrLst meth="repeat">
+      <a:schemeClr val="lt1"/>
+    </dgm:linClrLst>
+    <dgm:effectClrLst/>
+    <dgm:txLinClrLst/>
+    <dgm:txFillClrLst meth="repeat">
+      <a:schemeClr val="lt1"/>
+    </dgm:txFillClrLst>
+    <dgm:txEffectClrLst/>
+  </dgm:styleLbl>
+  <dgm:styleLbl name="alignImgPlace1">
+    <dgm:fillClrLst meth="repeat">
+      <a:schemeClr val="accent1">
+        <a:tint val="50000"/>
+      </a:schemeClr>
+    </dgm:fillClrLst>
+    <dgm:linClrLst meth="repeat">
+      <a:schemeClr val="lt1"/>
+    </dgm:linClrLst>
+    <dgm:effectClrLst/>
+    <dgm:txLinClrLst/>
+    <dgm:txFillClrLst meth="repeat">
+      <a:schemeClr val="lt1"/>
+    </dgm:txFillClrLst>
+    <dgm:txEffectClrLst/>
+  </dgm:styleLbl>
+  <dgm:styleLbl name="bgImgPlace1">
+    <dgm:fillClrLst meth="repeat">
+      <a:schemeClr val="accent1">
+        <a:tint val="50000"/>
+      </a:schemeClr>
+    </dgm:fillClrLst>
+    <dgm:linClrLst meth="repeat">
+      <a:schemeClr val="lt1"/>
+    </dgm:linClrLst>
+    <dgm:effectClrLst/>
+    <dgm:txLinClrLst/>
+    <dgm:txFillClrLst meth="repeat">
+      <a:schemeClr val="lt1"/>
+    </dgm:txFillClrLst>
+    <dgm:txEffectClrLst/>
+  </dgm:styleLbl>
+  <dgm:styleLbl name="sibTrans2D1">
+    <dgm:fillClrLst meth="repeat">
+      <a:schemeClr val="accent1">
+        <a:tint val="60000"/>
+      </a:schemeClr>
+    </dgm:fillClrLst>
+    <dgm:linClrLst meth="repeat">
+      <a:schemeClr val="accent1">
+        <a:tint val="60000"/>
+      </a:schemeClr>
+    </dgm:linClrLst>
+    <dgm:effectClrLst/>
+    <dgm:txLinClrLst/>
+    <dgm:txFillClrLst/>
+    <dgm:txEffectClrLst/>
+  </dgm:styleLbl>
+  <dgm:styleLbl name="fgSibTrans2D1">
+    <dgm:fillClrLst meth="repeat">
+      <a:schemeClr val="accent1">
+        <a:tint val="60000"/>
+      </a:schemeClr>
+    </dgm:fillClrLst>
+    <dgm:linClrLst meth="repeat">
+      <a:schemeClr val="accent1">
+        <a:tint val="60000"/>
+      </a:schemeClr>
+    </dgm:linClrLst>
+    <dgm:effectClrLst/>
+    <dgm:txLinClrLst/>
+    <dgm:txFillClrLst/>
+    <dgm:txEffectClrLst/>
+  </dgm:styleLbl>
+  <dgm:styleLbl name="bgSibTrans2D1">
+    <dgm:fillClrLst meth="repeat">
+      <a:schemeClr val="accent1">
+        <a:tint val="60000"/>
+      </a:schemeClr>
+    </dgm:fillClrLst>
+    <dgm:linClrLst meth="repeat">
+      <a:schemeClr val="accent1">
+        <a:tint val="60000"/>
+      </a:schemeClr>
+    </dgm:linClrLst>
+    <dgm:effectClrLst/>
+    <dgm:txLinClrLst/>
+    <dgm:txFillClrLst/>
+    <dgm:txEffectClrLst/>
+  </dgm:styleLbl>
+  <dgm:styleLbl name="sibTrans1D1">
+    <dgm:fillClrLst meth="repeat">
+      <a:schemeClr val="accent1"/>
+    </dgm:fillClrLst>
+    <dgm:linClrLst meth="repeat">
+      <a:schemeClr val="accent1"/>
+    </dgm:linClrLst>
+    <dgm:effectClrLst/>
+    <dgm:txLinClrLst/>
+    <dgm:txFillClrLst meth="repeat">
+      <a:schemeClr val="tx1"/>
+    </dgm:txFillClrLst>
+    <dgm:txEffectClrLst/>
+  </dgm:styleLbl>
+  <dgm:styleLbl name="callout">
+    <dgm:fillClrLst meth="repeat">
+      <a:schemeClr val="accent1"/>
+    </dgm:fillClrLst>
+    <dgm:linClrLst meth="repeat">
+      <a:schemeClr val="accent1">
+        <a:tint val="50000"/>
+      </a:schemeClr>
+    </dgm:linClrLst>
+    <dgm:effectClrLst/>
+    <dgm:txLinClrLst/>
+    <dgm:txFillClrLst meth="repeat">
+      <a:schemeClr val="tx1"/>
+    </dgm:txFillClrLst>
+    <dgm:txEffectClrLst/>
+  </dgm:styleLbl>
+  <dgm:styleLbl name="asst0">
+    <dgm:fillClrLst meth="repeat">
+      <a:schemeClr val="accent1"/>
+    </dgm:fillClrLst>
+    <dgm:linClrLst meth="repeat">
+      <a:schemeClr val="lt1"/>
+    </dgm:linClrLst>
+    <dgm:effectClrLst/>
+    <dgm:txLinClrLst/>
+    <dgm:txFillClrLst/>
+    <dgm:txEffectClrLst/>
+  </dgm:styleLbl>
+  <dgm:styleLbl name="asst1">
+    <dgm:fillClrLst meth="repeat">
+      <a:schemeClr val="accent1"/>
+    </dgm:fillClrLst>
+    <dgm:linClrLst meth="repeat">
+      <a:schemeClr val="lt1"/>
+    </dgm:linClrLst>
+    <dgm:effectClrLst/>
+    <dgm:txLinClrLst/>
+    <dgm:txFillClrLst/>
+    <dgm:txEffectClrLst/>
+  </dgm:styleLbl>
+  <dgm:styleLbl name="asst2">
+    <dgm:fillClrLst meth="repeat">
+      <a:schemeClr val="accent1"/>
+    </dgm:fillClrLst>
+    <dgm:linClrLst meth="repeat">
+      <a:schemeClr val="lt1"/>
+    </dgm:linClrLst>
+    <dgm:effectClrLst/>
+    <dgm:txLinClrLst/>
+    <dgm:txFillClrLst/>
+    <dgm:txEffectClrLst/>
+  </dgm:styleLbl>
+  <dgm:styleLbl name="asst3">
+    <dgm:fillClrLst meth="repeat">
+      <a:schemeClr val="accent1"/>
+    </dgm:fillClrLst>
+    <dgm:linClrLst meth="repeat">
+      <a:schemeClr val="lt1"/>
+    </dgm:linClrLst>
+    <dgm:effectClrLst/>
+    <dgm:txLinClrLst/>
+    <dgm:txFillClrLst/>
+    <dgm:txEffectClrLst/>
+  </dgm:styleLbl>
+  <dgm:styleLbl name="asst4">
+    <dgm:fillClrLst meth="repeat">
+      <a:schemeClr val="accent1"/>
+    </dgm:fillClrLst>
+    <dgm:linClrLst meth="repeat">
+      <a:schemeClr val="lt1"/>
+    </dgm:linClrLst>
+    <dgm:effectClrLst/>
+    <dgm:txLinClrLst/>
+    <dgm:txFillClrLst/>
+    <dgm:txEffectClrLst/>
+  </dgm:styleLbl>
+  <dgm:styleLbl name="parChTrans2D1">
+    <dgm:fillClrLst meth="repeat">
+      <a:schemeClr val="accent1">
+        <a:tint val="60000"/>
+      </a:schemeClr>
+    </dgm:fillClrLst>
+    <dgm:linClrLst meth="repeat">
+      <a:schemeClr val="accent1">
+        <a:tint val="60000"/>
+      </a:schemeClr>
+    </dgm:linClrLst>
+    <dgm:effectClrLst/>
+    <dgm:txLinClrLst/>
+    <dgm:txFillClrLst meth="repeat">
+      <a:schemeClr val="lt1"/>
+    </dgm:txFillClrLst>
+    <dgm:txEffectClrLst/>
+  </dgm:styleLbl>
+  <dgm:styleLbl name="parChTrans2D2">
+    <dgm:fillClrLst meth="repeat">
+      <a:schemeClr val="accent1"/>
+    </dgm:fillClrLst>
+    <dgm:linClrLst meth="repeat">
+      <a:schemeClr val="accent1"/>
+    </dgm:linClrLst>
+    <dgm:effectClrLst/>
+    <dgm:txLinClrLst/>
+    <dgm:txFillClrLst meth="repeat">
+      <a:schemeClr val="lt1"/>
+    </dgm:txFillClrLst>
+    <dgm:txEffectClrLst/>
+  </dgm:styleLbl>
+  <dgm:styleLbl name="parChTrans2D3">
+    <dgm:fillClrLst meth="repeat">
+      <a:schemeClr val="accent1"/>
+    </dgm:fillClrLst>
+    <dgm:linClrLst meth="repeat">
+      <a:schemeClr val="accent1"/>
+    </dgm:linClrLst>
+    <dgm:effectClrLst/>
+    <dgm:txLinClrLst/>
+    <dgm:txFillClrLst meth="repeat">
+      <a:schemeClr val="lt1"/>
+    </dgm:txFillClrLst>
+    <dgm:txEffectClrLst/>
+  </dgm:styleLbl>
+  <dgm:styleLbl name="parChTrans2D4">
+    <dgm:fillClrLst meth="repeat">
+      <a:schemeClr val="accent1"/>
+    </dgm:fillClrLst>
+    <dgm:linClrLst meth="repeat">
+      <a:schemeClr val="accent1"/>
+    </dgm:linClrLst>
+    <dgm:effectClrLst/>
+    <dgm:txLinClrLst/>
+    <dgm:txFillClrLst meth="repeat">
+      <a:schemeClr val="lt1"/>
+    </dgm:txFillClrLst>
+    <dgm:txEffectClrLst/>
+  </dgm:styleLbl>
+  <dgm:styleLbl name="parChTrans1D1">
+    <dgm:fillClrLst meth="repeat">
+      <a:schemeClr val="accent1"/>
+    </dgm:fillClrLst>
+    <dgm:linClrLst meth="repeat">
+      <a:schemeClr val="accent1">
+        <a:shade val="60000"/>
+      </a:schemeClr>
+    </dgm:linClrLst>
+    <dgm:effectClrLst/>
+    <dgm:txLinClrLst/>
+    <dgm:txFillClrLst meth="repeat">
+      <a:schemeClr val="tx1"/>
+    </dgm:txFillClrLst>
+    <dgm:txEffectClrLst/>
+  </dgm:styleLbl>
+  <dgm:styleLbl name="parChTrans1D2">
+    <dgm:fillClrLst meth="repeat">
+      <a:schemeClr val="accent1"/>
+    </dgm:fillClrLst>
+    <dgm:linClrLst meth="repeat">
+      <a:schemeClr val="accent1">
+        <a:shade val="60000"/>
+      </a:schemeClr>
+    </dgm:linClrLst>
+    <dgm:effectClrLst/>
+    <dgm:txLinClrLst/>
+    <dgm:txFillClrLst meth="repeat">
+      <a:schemeClr val="tx1"/>
+    </dgm:txFillClrLst>
+    <dgm:txEffectClrLst/>
+  </dgm:styleLbl>
+  <dgm:styleLbl name="parChTrans1D3">
+    <dgm:fillClrLst meth="repeat">
+      <a:schemeClr val="accent1"/>
+    </dgm:fillClrLst>
+    <dgm:linClrLst meth="repeat">
+      <a:schemeClr val="accent1">
+        <a:shade val="80000"/>
+      </a:schemeClr>
+    </dgm:linClrLst>
+    <dgm:effectClrLst/>
+    <dgm:txLinClrLst/>
+    <dgm:txFillClrLst meth="repeat">
+      <a:schemeClr val="tx1"/>
+    </dgm:txFillClrLst>
+    <dgm:txEffectClrLst/>
+  </dgm:styleLbl>
+  <dgm:styleLbl name="parChTrans1D4">
+    <dgm:fillClrLst meth="repeat">
+      <a:schemeClr val="accent1"/>
+    </dgm:fillClrLst>
+    <dgm:linClrLst meth="repeat">
+      <a:schemeClr val="accent1">
+        <a:shade val="80000"/>
+      </a:schemeClr>
+    </dgm:linClrLst>
+    <dgm:effectClrLst/>
+    <dgm:txLinClrLst/>
+    <dgm:txFillClrLst meth="repeat">
+      <a:schemeClr val="tx1"/>
+    </dgm:txFillClrLst>
+    <dgm:txEffectClrLst/>
+  </dgm:styleLbl>
+  <dgm:styleLbl name="fgAcc1">
+    <dgm:fillClrLst meth="repeat">
+      <a:schemeClr val="lt1">
+        <a:alpha val="90000"/>
+      </a:schemeClr>
+    </dgm:fillClrLst>
+    <dgm:linClrLst meth="repeat">
+      <a:schemeClr val="accent1"/>
+    </dgm:linClrLst>
+    <dgm:effectClrLst/>
+    <dgm:txLinClrLst/>
+    <dgm:txFillClrLst meth="repeat">
+      <a:schemeClr val="dk1"/>
+    </dgm:txFillClrLst>
+    <dgm:txEffectClrLst/>
+  </dgm:styleLbl>
+  <dgm:styleLbl name="conFgAcc1">
+    <dgm:fillClrLst meth="repeat">
+      <a:schemeClr val="lt1">
+        <a:alpha val="90000"/>
+      </a:schemeClr>
+    </dgm:fillClrLst>
+    <dgm:linClrLst meth="repeat">
+      <a:schemeClr val="accent1"/>
+    </dgm:linClrLst>
+    <dgm:effectClrLst/>
+    <dgm:txLinClrLst/>
+    <dgm:txFillClrLst meth="repeat">
+      <a:schemeClr val="dk1"/>
+    </dgm:txFillClrLst>
+    <dgm:txEffectClrLst/>
+  </dgm:styleLbl>
+  <dgm:styleLbl name="alignAcc1">
+    <dgm:fillClrLst meth="repeat">
+      <a:schemeClr val="lt1">
+        <a:alpha val="90000"/>
+      </a:schemeClr>
+    </dgm:fillClrLst>
+    <dgm:linClrLst meth="repeat">
+      <a:schemeClr val="accent1"/>
+    </dgm:linClrLst>
+    <dgm:effectClrLst/>
+    <dgm:txLinClrLst/>
+    <dgm:txFillClrLst meth="repeat">
+      <a:schemeClr val="dk1"/>
+    </dgm:txFillClrLst>
+    <dgm:txEffectClrLst/>
+  </dgm:styleLbl>
+  <dgm:styleLbl name="trAlignAcc1">
+    <dgm:fillClrLst meth="repeat">
+      <a:schemeClr val="lt1">
+        <a:alpha val="40000"/>
+      </a:schemeClr>
+    </dgm:fillClrLst>
+    <dgm:linClrLst meth="repeat">
+      <a:schemeClr val="accent1"/>
+    </dgm:linClrLst>
+    <dgm:effectClrLst/>
+    <dgm:txLinClrLst/>
+    <dgm:txFillClrLst meth="repeat">
+      <a:schemeClr val="dk1"/>
+    </dgm:txFillClrLst>
+    <dgm:txEffectClrLst/>
+  </dgm:styleLbl>
+  <dgm:styleLbl name="bgAcc1">
+    <dgm:fillClrLst meth="repeat">
+      <a:schemeClr val="lt1">
+        <a:alpha val="90000"/>
+      </a:schemeClr>
+    </dgm:fillClrLst>
+    <dgm:linClrLst meth="repeat">
+      <a:schemeClr val="accent1"/>
+    </dgm:linClrLst>
+    <dgm:effectClrLst/>
+    <dgm:txLinClrLst/>
+    <dgm:txFillClrLst meth="repeat">
+      <a:schemeClr val="dk1"/>
+    </dgm:txFillClrLst>
+    <dgm:txEffectClrLst/>
+  </dgm:styleLbl>
+  <dgm:styleLbl name="solidFgAcc1">
+    <dgm:fillClrLst meth="repeat">
+      <a:schemeClr val="lt1"/>
+    </dgm:fillClrLst>
+    <dgm:linClrLst meth="repeat">
+      <a:schemeClr val="accent1"/>
+    </dgm:linClrLst>
+    <dgm:effectClrLst/>
+    <dgm:txLinClrLst/>
+    <dgm:txFillClrLst meth="repeat">
+      <a:schemeClr val="dk1"/>
+    </dgm:txFillClrLst>
+    <dgm:txEffectClrLst/>
+  </dgm:styleLbl>
+  <dgm:styleLbl name="solidAlignAcc1">
+    <dgm:fillClrLst meth="repeat">
+      <a:schemeClr val="lt1"/>
+    </dgm:fillClrLst>
+    <dgm:linClrLst meth="repeat">
+      <a:schemeClr val="accent1"/>
+    </dgm:linClrLst>
+    <dgm:effectClrLst/>
+    <dgm:txLinClrLst/>
+    <dgm:txFillClrLst meth="repeat">
+      <a:schemeClr val="dk1"/>
+    </dgm:txFillClrLst>
+    <dgm:txEffectClrLst/>
+  </dgm:styleLbl>
+  <dgm:styleLbl name="solidBgAcc1">
+    <dgm:fillClrLst meth="repeat">
+      <a:schemeClr val="lt1"/>
+    </dgm:fillClrLst>
+    <dgm:linClrLst meth="repeat">
+      <a:schemeClr val="accent1"/>
+    </dgm:linClrLst>
+    <dgm:effectClrLst/>
+    <dgm:txLinClrLst/>
+    <dgm:txFillClrLst meth="repeat">
+      <a:schemeClr val="dk1"/>
+    </dgm:txFillClrLst>
+    <dgm:txEffectClrLst/>
+  </dgm:styleLbl>
+  <dgm:styleLbl name="fgAccFollowNode1">
+    <dgm:fillClrLst meth="repeat">
+      <a:schemeClr val="accent1">
+        <a:alpha val="90000"/>
+        <a:tint val="40000"/>
+      </a:schemeClr>
+    </dgm:fillClrLst>
+    <dgm:linClrLst meth="repeat">
+      <a:schemeClr val="accent1">
+        <a:alpha val="90000"/>
+        <a:tint val="40000"/>
+      </a:schemeClr>
+    </dgm:linClrLst>
+    <dgm:effectClrLst/>
+    <dgm:txLinClrLst/>
+    <dgm:txFillClrLst meth="repeat">
+      <a:schemeClr val="dk1"/>
+    </dgm:txFillClrLst>
+    <dgm:txEffectClrLst/>
+  </dgm:styleLbl>
+  <dgm:styleLbl name="alignAccFollowNode1">
+    <dgm:fillClrLst meth="repeat">
+      <a:schemeClr val="accent1">
+        <a:alpha val="90000"/>
+        <a:tint val="40000"/>
+      </a:schemeClr>
+    </dgm:fillClrLst>
+    <dgm:linClrLst meth="repeat">
+      <a:schemeClr val="accent1">
+        <a:alpha val="90000"/>
+        <a:tint val="40000"/>
+      </a:schemeClr>
+    </dgm:linClrLst>
+    <dgm:effectClrLst/>
+    <dgm:txLinClrLst/>
+    <dgm:txFillClrLst meth="repeat">
+      <a:schemeClr val="dk1"/>
+    </dgm:txFillClrLst>
+    <dgm:txEffectClrLst/>
+  </dgm:styleLbl>
+  <dgm:styleLbl name="bgAccFollowNode1">
+    <dgm:fillClrLst meth="repeat">
+      <a:schemeClr val="accent1">
+        <a:alpha val="90000"/>
+        <a:tint val="40000"/>
+      </a:schemeClr>
+    </dgm:fillClrLst>
+    <dgm:linClrLst meth="repeat">
+      <a:schemeClr val="accent1">
+        <a:alpha val="90000"/>
+        <a:tint val="40000"/>
+      </a:schemeClr>
+    </dgm:linClrLst>
+    <dgm:effectClrLst/>
+    <dgm:txLinClrLst/>
+    <dgm:txFillClrLst meth="repeat">
+      <a:schemeClr val="dk1"/>
+    </dgm:txFillClrLst>
+    <dgm:txEffectClrLst/>
+  </dgm:styleLbl>
+  <dgm:styleLbl name="fgAcc0">
+    <dgm:fillClrLst meth="repeat">
+      <a:schemeClr val="lt1">
+        <a:alpha val="90000"/>
+      </a:schemeClr>
+    </dgm:fillClrLst>
+    <dgm:linClrLst meth="repeat">
+      <a:schemeClr val="accent1"/>
+    </dgm:linClrLst>
+    <dgm:effectClrLst/>
+    <dgm:txLinClrLst/>
+    <dgm:txFillClrLst meth="repeat">
+      <a:schemeClr val="dk1"/>
+    </dgm:txFillClrLst>
+    <dgm:txEffectClrLst/>
+  </dgm:styleLbl>
+  <dgm:styleLbl name="fgAcc2">
+    <dgm:fillClrLst meth="repeat">
+      <a:schemeClr val="lt1">
+        <a:alpha val="90000"/>
+      </a:schemeClr>
+    </dgm:fillClrLst>
+    <dgm:linClrLst meth="repeat">
+      <a:schemeClr val="accent1"/>
+    </dgm:linClrLst>
+    <dgm:effectClrLst/>
+    <dgm:txLinClrLst/>
+    <dgm:txFillClrLst meth="repeat">
+      <a:schemeClr val="dk1"/>
+    </dgm:txFillClrLst>
+    <dgm:txEffectClrLst/>
+  </dgm:styleLbl>
+  <dgm:styleLbl name="fgAcc3">
+    <dgm:fillClrLst meth="repeat">
+      <a:schemeClr val="lt1">
+        <a:alpha val="90000"/>
+      </a:schemeClr>
+    </dgm:fillClrLst>
+    <dgm:linClrLst meth="repeat">
+      <a:schemeClr val="accent1"/>
+    </dgm:linClrLst>
+    <dgm:effectClrLst/>
+    <dgm:txLinClrLst/>
+    <dgm:txFillClrLst meth="repeat">
+      <a:schemeClr val="dk1"/>
+    </dgm:txFillClrLst>
+    <dgm:txEffectClrLst/>
+  </dgm:styleLbl>
+  <dgm:styleLbl name="fgAcc4">
+    <dgm:fillClrLst meth="repeat">
+      <a:schemeClr val="lt1">
+        <a:alpha val="90000"/>
+      </a:schemeClr>
+    </dgm:fillClrLst>
+    <dgm:linClrLst meth="repeat">
+      <a:schemeClr val="accent1"/>
+    </dgm:linClrLst>
+    <dgm:effectClrLst/>
+    <dgm:txLinClrLst/>
+    <dgm:txFillClrLst meth="repeat">
+      <a:schemeClr val="dk1"/>
+    </dgm:txFillClrLst>
+    <dgm:txEffectClrLst/>
+  </dgm:styleLbl>
+  <dgm:styleLbl name="bgShp">
+    <dgm:fillClrLst meth="repeat">
+      <a:schemeClr val="accent1">
+        <a:tint val="40000"/>
+      </a:schemeClr>
+    </dgm:fillClrLst>
+    <dgm:linClrLst meth="repeat">
+      <a:schemeClr val="accent1"/>
+    </dgm:linClrLst>
+    <dgm:effectClrLst/>
+    <dgm:txLinClrLst/>
+    <dgm:txFillClrLst meth="repeat">
+      <a:schemeClr val="dk1"/>
+    </dgm:txFillClrLst>
+    <dgm:txEffectClrLst/>
+  </dgm:styleLbl>
+  <dgm:styleLbl name="dkBgShp">
+    <dgm:fillClrLst meth="repeat">
+      <a:schemeClr val="accent1">
+        <a:shade val="80000"/>
+      </a:schemeClr>
+    </dgm:fillClrLst>
+    <dgm:linClrLst meth="repeat">
+      <a:schemeClr val="accent1"/>
+    </dgm:linClrLst>
+    <dgm:effectClrLst/>
+    <dgm:txLinClrLst/>
+    <dgm:txFillClrLst meth="repeat">
+      <a:schemeClr val="lt1"/>
+    </dgm:txFillClrLst>
+    <dgm:txEffectClrLst/>
+  </dgm:styleLbl>
+  <dgm:styleLbl name="trBgShp">
+    <dgm:fillClrLst meth="repeat">
+      <a:schemeClr val="accent1">
+        <a:tint val="50000"/>
+        <a:alpha val="40000"/>
+      </a:schemeClr>
+    </dgm:fillClrLst>
+    <dgm:linClrLst meth="repeat">
+      <a:schemeClr val="accent1"/>
+    </dgm:linClrLst>
+    <dgm:effectClrLst/>
+    <dgm:txLinClrLst/>
+    <dgm:txFillClrLst meth="repeat">
+      <a:schemeClr val="lt1"/>
+    </dgm:txFillClrLst>
+    <dgm:txEffectClrLst/>
+  </dgm:styleLbl>
+  <dgm:styleLbl name="fgShp">
+    <dgm:fillClrLst meth="repeat">
+      <a:schemeClr val="accent1">
+        <a:tint val="60000"/>
+      </a:schemeClr>
+    </dgm:fillClrLst>
+    <dgm:linClrLst meth="repeat">
+      <a:schemeClr val="lt1"/>
+    </dgm:linClrLst>
+    <dgm:effectClrLst/>
+    <dgm:txLinClrLst/>
+    <dgm:txFillClrLst meth="repeat">
+      <a:schemeClr val="dk1"/>
+    </dgm:txFillClrLst>
+    <dgm:txEffectClrLst/>
+  </dgm:styleLbl>
+  <dgm:styleLbl name="revTx">
+    <dgm:fillClrLst meth="repeat">
+      <a:schemeClr val="lt1">
+        <a:alpha val="0"/>
+      </a:schemeClr>
+    </dgm:fillClrLst>
+    <dgm:linClrLst meth="repeat">
+      <a:schemeClr val="dk1">
+        <a:alpha val="0"/>
+      </a:schemeClr>
+    </dgm:linClrLst>
+    <dgm:effectClrLst/>
+    <dgm:txLinClrLst/>
+    <dgm:txFillClrLst meth="repeat">
+      <a:schemeClr val="tx1"/>
+    </dgm:txFillClrLst>
+    <dgm:txEffectClrLst/>
+  </dgm:styleLbl>
+</dgm:colorsDef>
+</file>
+
 <file path=ppt/diagrams/data1.xml><?xml version="1.0" encoding="utf-8"?>
+<dgm:dataModel xmlns:dgm="http://schemas.openxmlformats.org/drawingml/2006/diagram" xmlns:a="http://schemas.openxmlformats.org/drawingml/2006/main">
+  <dgm:ptLst>
+    <dgm:pt modelId="{0C5C465C-FBFB-4050-B4A4-C161756840CE}" type="doc">
+      <dgm:prSet loTypeId="urn:microsoft.com/office/officeart/2005/8/layout/venn3" loCatId="relationship" qsTypeId="urn:microsoft.com/office/officeart/2005/8/quickstyle/simple1" qsCatId="simple" csTypeId="urn:microsoft.com/office/officeart/2005/8/colors/accent1_2" csCatId="accent1" phldr="1"/>
+      <dgm:spPr/>
+    </dgm:pt>
+    <dgm:pt modelId="{3F3E7BDD-0132-408E-AD12-33707E6B35B6}">
+      <dgm:prSet phldrT="[Text]"/>
+      <dgm:spPr/>
+      <dgm:t>
+        <a:bodyPr/>
+        <a:lstStyle/>
+        <a:p>
+          <a:r>
+            <a:rPr lang="de-DE" dirty="0" smtClean="0"/>
+            <a:t>Crawler</a:t>
+          </a:r>
+          <a:endParaRPr lang="de-DE" dirty="0"/>
+        </a:p>
+      </dgm:t>
+    </dgm:pt>
+    <dgm:pt modelId="{C0DB61A5-8E48-4610-9D76-846C3635D58A}" type="parTrans" cxnId="{B6824D12-4A6F-4E5B-AD8A-A98C1B7922B7}">
+      <dgm:prSet/>
+      <dgm:spPr/>
+      <dgm:t>
+        <a:bodyPr/>
+        <a:lstStyle/>
+        <a:p>
+          <a:endParaRPr lang="de-DE"/>
+        </a:p>
+      </dgm:t>
+    </dgm:pt>
+    <dgm:pt modelId="{066C6FF1-0CA8-4C49-B6AD-AF1B2EBDDA7A}" type="sibTrans" cxnId="{B6824D12-4A6F-4E5B-AD8A-A98C1B7922B7}">
+      <dgm:prSet/>
+      <dgm:spPr/>
+      <dgm:t>
+        <a:bodyPr/>
+        <a:lstStyle/>
+        <a:p>
+          <a:endParaRPr lang="de-DE"/>
+        </a:p>
+      </dgm:t>
+    </dgm:pt>
+    <dgm:pt modelId="{047CABAB-4B11-451B-B2DC-800A1ABACAD6}">
+      <dgm:prSet phldrT="[Text]"/>
+      <dgm:spPr/>
+      <dgm:t>
+        <a:bodyPr/>
+        <a:lstStyle/>
+        <a:p>
+          <a:pPr algn="ctr"/>
+          <a:r>
+            <a:rPr lang="de-DE" dirty="0" smtClean="0"/>
+            <a:t>GUI</a:t>
+          </a:r>
+          <a:endParaRPr lang="de-DE" dirty="0"/>
+        </a:p>
+      </dgm:t>
+    </dgm:pt>
+    <dgm:pt modelId="{1B802671-B05C-4CEF-9E97-E53211A2717C}" type="parTrans" cxnId="{BD367C41-5793-41FB-ACE7-AEAE62DC1A24}">
+      <dgm:prSet/>
+      <dgm:spPr/>
+      <dgm:t>
+        <a:bodyPr/>
+        <a:lstStyle/>
+        <a:p>
+          <a:endParaRPr lang="de-DE"/>
+        </a:p>
+      </dgm:t>
+    </dgm:pt>
+    <dgm:pt modelId="{FCB9CA04-A769-4353-A156-E9EE20195901}" type="sibTrans" cxnId="{BD367C41-5793-41FB-ACE7-AEAE62DC1A24}">
+      <dgm:prSet/>
+      <dgm:spPr/>
+      <dgm:t>
+        <a:bodyPr/>
+        <a:lstStyle/>
+        <a:p>
+          <a:endParaRPr lang="de-DE"/>
+        </a:p>
+      </dgm:t>
+    </dgm:pt>
+    <dgm:pt modelId="{744FF9CA-D2D8-4420-B7CE-468C87F154DA}">
+      <dgm:prSet phldrT="[Text]"/>
+      <dgm:spPr/>
+      <dgm:t>
+        <a:bodyPr/>
+        <a:lstStyle/>
+        <a:p>
+          <a:pPr algn="ctr"/>
+          <a:r>
+            <a:rPr lang="de-DE" dirty="0" smtClean="0"/>
+            <a:t>DB</a:t>
+          </a:r>
+          <a:endParaRPr lang="de-DE" dirty="0"/>
+        </a:p>
+      </dgm:t>
+    </dgm:pt>
+    <dgm:pt modelId="{86AF6011-8FAB-47BF-AE7D-75D0B7CAF1E4}" type="parTrans" cxnId="{1DD3BC56-AB20-4A2B-8448-93097CA0E219}">
+      <dgm:prSet/>
+      <dgm:spPr/>
+      <dgm:t>
+        <a:bodyPr/>
+        <a:lstStyle/>
+        <a:p>
+          <a:endParaRPr lang="de-DE"/>
+        </a:p>
+      </dgm:t>
+    </dgm:pt>
+    <dgm:pt modelId="{307C1188-DEB3-4A7F-8D58-6277548AF1A0}" type="sibTrans" cxnId="{1DD3BC56-AB20-4A2B-8448-93097CA0E219}">
+      <dgm:prSet/>
+      <dgm:spPr/>
+      <dgm:t>
+        <a:bodyPr/>
+        <a:lstStyle/>
+        <a:p>
+          <a:endParaRPr lang="de-DE"/>
+        </a:p>
+      </dgm:t>
+    </dgm:pt>
+    <dgm:pt modelId="{A7D55687-D3D8-4092-B0A0-E94CEE340AC5}" type="pres">
+      <dgm:prSet presAssocID="{0C5C465C-FBFB-4050-B4A4-C161756840CE}" presName="Name0" presStyleCnt="0">
+        <dgm:presLayoutVars>
+          <dgm:dir/>
+          <dgm:resizeHandles val="exact"/>
+        </dgm:presLayoutVars>
+      </dgm:prSet>
+      <dgm:spPr/>
+    </dgm:pt>
+    <dgm:pt modelId="{DA92F19B-3709-4927-A4C5-9513D00C5DFB}" type="pres">
+      <dgm:prSet presAssocID="{3F3E7BDD-0132-408E-AD12-33707E6B35B6}" presName="Name5" presStyleLbl="vennNode1" presStyleIdx="0" presStyleCnt="3">
+        <dgm:presLayoutVars>
+          <dgm:bulletEnabled val="1"/>
+        </dgm:presLayoutVars>
+      </dgm:prSet>
+      <dgm:spPr/>
+    </dgm:pt>
+    <dgm:pt modelId="{F393E8A0-4F2F-40CF-9827-68A375D6E080}" type="pres">
+      <dgm:prSet presAssocID="{066C6FF1-0CA8-4C49-B6AD-AF1B2EBDDA7A}" presName="space" presStyleCnt="0"/>
+      <dgm:spPr/>
+    </dgm:pt>
+    <dgm:pt modelId="{3630E157-1157-4BC2-B2AD-55095204FC5C}" type="pres">
+      <dgm:prSet presAssocID="{744FF9CA-D2D8-4420-B7CE-468C87F154DA}" presName="Name5" presStyleLbl="vennNode1" presStyleIdx="1" presStyleCnt="3">
+        <dgm:presLayoutVars>
+          <dgm:bulletEnabled val="1"/>
+        </dgm:presLayoutVars>
+      </dgm:prSet>
+      <dgm:spPr/>
+      <dgm:t>
+        <a:bodyPr/>
+        <a:lstStyle/>
+        <a:p>
+          <a:endParaRPr lang="de-DE"/>
+        </a:p>
+      </dgm:t>
+    </dgm:pt>
+    <dgm:pt modelId="{82B4354A-A98B-4177-BCF7-9E5616A0FF48}" type="pres">
+      <dgm:prSet presAssocID="{307C1188-DEB3-4A7F-8D58-6277548AF1A0}" presName="space" presStyleCnt="0"/>
+      <dgm:spPr/>
+    </dgm:pt>
+    <dgm:pt modelId="{9BAF6B2F-7E00-4C3C-B9E1-8594160479F0}" type="pres">
+      <dgm:prSet presAssocID="{047CABAB-4B11-451B-B2DC-800A1ABACAD6}" presName="Name5" presStyleLbl="vennNode1" presStyleIdx="2" presStyleCnt="3">
+        <dgm:presLayoutVars>
+          <dgm:bulletEnabled val="1"/>
+        </dgm:presLayoutVars>
+      </dgm:prSet>
+      <dgm:spPr/>
+      <dgm:t>
+        <a:bodyPr/>
+        <a:lstStyle/>
+        <a:p>
+          <a:endParaRPr lang="de-DE"/>
+        </a:p>
+      </dgm:t>
+    </dgm:pt>
+  </dgm:ptLst>
+  <dgm:cxnLst>
+    <dgm:cxn modelId="{F648F796-03C1-4F94-91C5-CA25A3A956DE}" type="presOf" srcId="{3F3E7BDD-0132-408E-AD12-33707E6B35B6}" destId="{DA92F19B-3709-4927-A4C5-9513D00C5DFB}" srcOrd="0" destOrd="0" presId="urn:microsoft.com/office/officeart/2005/8/layout/venn3"/>
+    <dgm:cxn modelId="{2432A523-A91B-48E6-99AE-BEDD6C2BE16C}" type="presOf" srcId="{744FF9CA-D2D8-4420-B7CE-468C87F154DA}" destId="{3630E157-1157-4BC2-B2AD-55095204FC5C}" srcOrd="0" destOrd="0" presId="urn:microsoft.com/office/officeart/2005/8/layout/venn3"/>
+    <dgm:cxn modelId="{6FB5E1FD-DC96-43CA-B493-03EB2E0444E6}" type="presOf" srcId="{047CABAB-4B11-451B-B2DC-800A1ABACAD6}" destId="{9BAF6B2F-7E00-4C3C-B9E1-8594160479F0}" srcOrd="0" destOrd="0" presId="urn:microsoft.com/office/officeart/2005/8/layout/venn3"/>
+    <dgm:cxn modelId="{0026D735-F2A1-4F9C-87B6-9A4918EBFF50}" type="presOf" srcId="{0C5C465C-FBFB-4050-B4A4-C161756840CE}" destId="{A7D55687-D3D8-4092-B0A0-E94CEE340AC5}" srcOrd="0" destOrd="0" presId="urn:microsoft.com/office/officeart/2005/8/layout/venn3"/>
+    <dgm:cxn modelId="{1DD3BC56-AB20-4A2B-8448-93097CA0E219}" srcId="{0C5C465C-FBFB-4050-B4A4-C161756840CE}" destId="{744FF9CA-D2D8-4420-B7CE-468C87F154DA}" srcOrd="1" destOrd="0" parTransId="{86AF6011-8FAB-47BF-AE7D-75D0B7CAF1E4}" sibTransId="{307C1188-DEB3-4A7F-8D58-6277548AF1A0}"/>
+    <dgm:cxn modelId="{B6824D12-4A6F-4E5B-AD8A-A98C1B7922B7}" srcId="{0C5C465C-FBFB-4050-B4A4-C161756840CE}" destId="{3F3E7BDD-0132-408E-AD12-33707E6B35B6}" srcOrd="0" destOrd="0" parTransId="{C0DB61A5-8E48-4610-9D76-846C3635D58A}" sibTransId="{066C6FF1-0CA8-4C49-B6AD-AF1B2EBDDA7A}"/>
+    <dgm:cxn modelId="{BD367C41-5793-41FB-ACE7-AEAE62DC1A24}" srcId="{0C5C465C-FBFB-4050-B4A4-C161756840CE}" destId="{047CABAB-4B11-451B-B2DC-800A1ABACAD6}" srcOrd="2" destOrd="0" parTransId="{1B802671-B05C-4CEF-9E97-E53211A2717C}" sibTransId="{FCB9CA04-A769-4353-A156-E9EE20195901}"/>
+    <dgm:cxn modelId="{6FD6BC6A-FBA4-4D7F-9E50-C687D6C69A9D}" type="presParOf" srcId="{A7D55687-D3D8-4092-B0A0-E94CEE340AC5}" destId="{DA92F19B-3709-4927-A4C5-9513D00C5DFB}" srcOrd="0" destOrd="0" presId="urn:microsoft.com/office/officeart/2005/8/layout/venn3"/>
+    <dgm:cxn modelId="{16E995AB-99D4-496E-B98F-946FE2DC0353}" type="presParOf" srcId="{A7D55687-D3D8-4092-B0A0-E94CEE340AC5}" destId="{F393E8A0-4F2F-40CF-9827-68A375D6E080}" srcOrd="1" destOrd="0" presId="urn:microsoft.com/office/officeart/2005/8/layout/venn3"/>
+    <dgm:cxn modelId="{0BB80759-2D2C-4E3B-AB05-D84091A55AC3}" type="presParOf" srcId="{A7D55687-D3D8-4092-B0A0-E94CEE340AC5}" destId="{3630E157-1157-4BC2-B2AD-55095204FC5C}" srcOrd="2" destOrd="0" presId="urn:microsoft.com/office/officeart/2005/8/layout/venn3"/>
+    <dgm:cxn modelId="{DF09AE6F-F60C-42FF-AB85-3FDBAFE29516}" type="presParOf" srcId="{A7D55687-D3D8-4092-B0A0-E94CEE340AC5}" destId="{82B4354A-A98B-4177-BCF7-9E5616A0FF48}" srcOrd="3" destOrd="0" presId="urn:microsoft.com/office/officeart/2005/8/layout/venn3"/>
+    <dgm:cxn modelId="{7B040EDC-122F-4B2F-8AB3-C941728DDE8F}" type="presParOf" srcId="{A7D55687-D3D8-4092-B0A0-E94CEE340AC5}" destId="{9BAF6B2F-7E00-4C3C-B9E1-8594160479F0}" srcOrd="4" destOrd="0" presId="urn:microsoft.com/office/officeart/2005/8/layout/venn3"/>
+  </dgm:cxnLst>
+  <dgm:bg/>
+  <dgm:whole/>
+  <dgm:extLst>
+    <a:ext uri="http://schemas.microsoft.com/office/drawing/2008/diagram">
+      <dsp:dataModelExt xmlns:dsp="http://schemas.microsoft.com/office/drawing/2008/diagram" relId="rId6" minVer="http://schemas.openxmlformats.org/drawingml/2006/diagram"/>
+    </a:ext>
+  </dgm:extLst>
+</dgm:dataModel>
+</file>
+
+<file path=ppt/diagrams/data2.xml><?xml version="1.0" encoding="utf-8"?>
 <dgm:dataModel xmlns:dgm="http://schemas.openxmlformats.org/drawingml/2006/diagram" xmlns:a="http://schemas.openxmlformats.org/drawingml/2006/main">
   <dgm:ptLst>
     <dgm:pt modelId="{6011E4AF-AC72-4762-9102-C098E920741F}" type="doc">
@@ -1955,7 +2905,7 @@
 </dgm:dataModel>
 </file>
 
-<file path=ppt/diagrams/data2.xml><?xml version="1.0" encoding="utf-8"?>
+<file path=ppt/diagrams/data3.xml><?xml version="1.0" encoding="utf-8"?>
 <dgm:dataModel xmlns:dgm="http://schemas.openxmlformats.org/drawingml/2006/diagram" xmlns:a="http://schemas.openxmlformats.org/drawingml/2006/main">
   <dgm:ptLst>
     <dgm:pt modelId="{F29AF8C9-90A9-46D7-A8C0-87C88440C1FE}" type="doc">
@@ -2171,6 +3121,252 @@
 </file>
 
 <file path=ppt/diagrams/drawing1.xml><?xml version="1.0" encoding="utf-8"?>
+<dsp:drawing xmlns:dgm="http://schemas.openxmlformats.org/drawingml/2006/diagram" xmlns:dsp="http://schemas.microsoft.com/office/drawing/2008/diagram" xmlns:a="http://schemas.openxmlformats.org/drawingml/2006/main">
+  <dsp:spTree>
+    <dsp:nvGrpSpPr>
+      <dsp:cNvPr id="0" name=""/>
+      <dsp:cNvGrpSpPr/>
+    </dsp:nvGrpSpPr>
+    <dsp:grpSpPr/>
+    <dsp:sp modelId="{DA92F19B-3709-4927-A4C5-9513D00C5DFB}">
+      <dsp:nvSpPr>
+        <dsp:cNvPr id="0" name=""/>
+        <dsp:cNvSpPr/>
+      </dsp:nvSpPr>
+      <dsp:spPr>
+        <a:xfrm>
+          <a:off x="3767" y="772766"/>
+          <a:ext cx="3294779" cy="3294779"/>
+        </a:xfrm>
+        <a:prstGeom prst="ellipse">
+          <a:avLst/>
+        </a:prstGeom>
+        <a:solidFill>
+          <a:schemeClr val="accent1">
+            <a:alpha val="50000"/>
+            <a:hueOff val="0"/>
+            <a:satOff val="0"/>
+            <a:lumOff val="0"/>
+            <a:alphaOff val="0"/>
+          </a:schemeClr>
+        </a:solidFill>
+        <a:ln w="25400" cap="flat" cmpd="sng" algn="ctr">
+          <a:solidFill>
+            <a:schemeClr val="lt1">
+              <a:hueOff val="0"/>
+              <a:satOff val="0"/>
+              <a:lumOff val="0"/>
+              <a:alphaOff val="0"/>
+            </a:schemeClr>
+          </a:solidFill>
+          <a:prstDash val="solid"/>
+        </a:ln>
+        <a:effectLst/>
+      </dsp:spPr>
+      <dsp:style>
+        <a:lnRef idx="2">
+          <a:scrgbClr r="0" g="0" b="0"/>
+        </a:lnRef>
+        <a:fillRef idx="1">
+          <a:scrgbClr r="0" g="0" b="0"/>
+        </a:fillRef>
+        <a:effectRef idx="0">
+          <a:scrgbClr r="0" g="0" b="0"/>
+        </a:effectRef>
+        <a:fontRef idx="minor">
+          <a:schemeClr val="tx1"/>
+        </a:fontRef>
+      </dsp:style>
+      <dsp:txBody>
+        <a:bodyPr spcFirstLastPara="0" vert="horz" wrap="square" lIns="181323" tIns="55880" rIns="181323" bIns="55880" numCol="1" spcCol="1270" anchor="ctr" anchorCtr="0">
+          <a:noAutofit/>
+        </a:bodyPr>
+        <a:lstStyle/>
+        <a:p>
+          <a:pPr lvl="0" algn="ctr" defTabSz="1955800">
+            <a:lnSpc>
+              <a:spcPct val="90000"/>
+            </a:lnSpc>
+            <a:spcBef>
+              <a:spcPct val="0"/>
+            </a:spcBef>
+            <a:spcAft>
+              <a:spcPct val="35000"/>
+            </a:spcAft>
+          </a:pPr>
+          <a:r>
+            <a:rPr lang="de-DE" sz="4400" kern="1200" dirty="0" smtClean="0"/>
+            <a:t>Crawler</a:t>
+          </a:r>
+          <a:endParaRPr lang="de-DE" sz="4400" kern="1200" dirty="0"/>
+        </a:p>
+      </dsp:txBody>
+      <dsp:txXfrm>
+        <a:off x="486276" y="1255275"/>
+        <a:ext cx="2329761" cy="2329761"/>
+      </dsp:txXfrm>
+    </dsp:sp>
+    <dsp:sp modelId="{3630E157-1157-4BC2-B2AD-55095204FC5C}">
+      <dsp:nvSpPr>
+        <dsp:cNvPr id="0" name=""/>
+        <dsp:cNvSpPr/>
+      </dsp:nvSpPr>
+      <dsp:spPr>
+        <a:xfrm>
+          <a:off x="2639591" y="772766"/>
+          <a:ext cx="3294779" cy="3294779"/>
+        </a:xfrm>
+        <a:prstGeom prst="ellipse">
+          <a:avLst/>
+        </a:prstGeom>
+        <a:solidFill>
+          <a:schemeClr val="accent1">
+            <a:alpha val="50000"/>
+            <a:hueOff val="0"/>
+            <a:satOff val="0"/>
+            <a:lumOff val="0"/>
+            <a:alphaOff val="0"/>
+          </a:schemeClr>
+        </a:solidFill>
+        <a:ln w="25400" cap="flat" cmpd="sng" algn="ctr">
+          <a:solidFill>
+            <a:schemeClr val="lt1">
+              <a:hueOff val="0"/>
+              <a:satOff val="0"/>
+              <a:lumOff val="0"/>
+              <a:alphaOff val="0"/>
+            </a:schemeClr>
+          </a:solidFill>
+          <a:prstDash val="solid"/>
+        </a:ln>
+        <a:effectLst/>
+      </dsp:spPr>
+      <dsp:style>
+        <a:lnRef idx="2">
+          <a:scrgbClr r="0" g="0" b="0"/>
+        </a:lnRef>
+        <a:fillRef idx="1">
+          <a:scrgbClr r="0" g="0" b="0"/>
+        </a:fillRef>
+        <a:effectRef idx="0">
+          <a:scrgbClr r="0" g="0" b="0"/>
+        </a:effectRef>
+        <a:fontRef idx="minor">
+          <a:schemeClr val="tx1"/>
+        </a:fontRef>
+      </dsp:style>
+      <dsp:txBody>
+        <a:bodyPr spcFirstLastPara="0" vert="horz" wrap="square" lIns="181323" tIns="55880" rIns="181323" bIns="55880" numCol="1" spcCol="1270" anchor="ctr" anchorCtr="0">
+          <a:noAutofit/>
+        </a:bodyPr>
+        <a:lstStyle/>
+        <a:p>
+          <a:pPr lvl="0" algn="ctr" defTabSz="1955800">
+            <a:lnSpc>
+              <a:spcPct val="90000"/>
+            </a:lnSpc>
+            <a:spcBef>
+              <a:spcPct val="0"/>
+            </a:spcBef>
+            <a:spcAft>
+              <a:spcPct val="35000"/>
+            </a:spcAft>
+          </a:pPr>
+          <a:r>
+            <a:rPr lang="de-DE" sz="4400" kern="1200" dirty="0" smtClean="0"/>
+            <a:t>DB</a:t>
+          </a:r>
+          <a:endParaRPr lang="de-DE" sz="4400" kern="1200" dirty="0"/>
+        </a:p>
+      </dsp:txBody>
+      <dsp:txXfrm>
+        <a:off x="3122100" y="1255275"/>
+        <a:ext cx="2329761" cy="2329761"/>
+      </dsp:txXfrm>
+    </dsp:sp>
+    <dsp:sp modelId="{9BAF6B2F-7E00-4C3C-B9E1-8594160479F0}">
+      <dsp:nvSpPr>
+        <dsp:cNvPr id="0" name=""/>
+        <dsp:cNvSpPr/>
+      </dsp:nvSpPr>
+      <dsp:spPr>
+        <a:xfrm>
+          <a:off x="5275415" y="772766"/>
+          <a:ext cx="3294779" cy="3294779"/>
+        </a:xfrm>
+        <a:prstGeom prst="ellipse">
+          <a:avLst/>
+        </a:prstGeom>
+        <a:solidFill>
+          <a:schemeClr val="accent1">
+            <a:alpha val="50000"/>
+            <a:hueOff val="0"/>
+            <a:satOff val="0"/>
+            <a:lumOff val="0"/>
+            <a:alphaOff val="0"/>
+          </a:schemeClr>
+        </a:solidFill>
+        <a:ln w="25400" cap="flat" cmpd="sng" algn="ctr">
+          <a:solidFill>
+            <a:schemeClr val="lt1">
+              <a:hueOff val="0"/>
+              <a:satOff val="0"/>
+              <a:lumOff val="0"/>
+              <a:alphaOff val="0"/>
+            </a:schemeClr>
+          </a:solidFill>
+          <a:prstDash val="solid"/>
+        </a:ln>
+        <a:effectLst/>
+      </dsp:spPr>
+      <dsp:style>
+        <a:lnRef idx="2">
+          <a:scrgbClr r="0" g="0" b="0"/>
+        </a:lnRef>
+        <a:fillRef idx="1">
+          <a:scrgbClr r="0" g="0" b="0"/>
+        </a:fillRef>
+        <a:effectRef idx="0">
+          <a:scrgbClr r="0" g="0" b="0"/>
+        </a:effectRef>
+        <a:fontRef idx="minor">
+          <a:schemeClr val="tx1"/>
+        </a:fontRef>
+      </dsp:style>
+      <dsp:txBody>
+        <a:bodyPr spcFirstLastPara="0" vert="horz" wrap="square" lIns="181323" tIns="55880" rIns="181323" bIns="55880" numCol="1" spcCol="1270" anchor="ctr" anchorCtr="0">
+          <a:noAutofit/>
+        </a:bodyPr>
+        <a:lstStyle/>
+        <a:p>
+          <a:pPr lvl="0" algn="ctr" defTabSz="1955800">
+            <a:lnSpc>
+              <a:spcPct val="90000"/>
+            </a:lnSpc>
+            <a:spcBef>
+              <a:spcPct val="0"/>
+            </a:spcBef>
+            <a:spcAft>
+              <a:spcPct val="35000"/>
+            </a:spcAft>
+          </a:pPr>
+          <a:r>
+            <a:rPr lang="de-DE" sz="4400" kern="1200" dirty="0" smtClean="0"/>
+            <a:t>GUI</a:t>
+          </a:r>
+          <a:endParaRPr lang="de-DE" sz="4400" kern="1200" dirty="0"/>
+        </a:p>
+      </dsp:txBody>
+      <dsp:txXfrm>
+        <a:off x="5757924" y="1255275"/>
+        <a:ext cx="2329761" cy="2329761"/>
+      </dsp:txXfrm>
+    </dsp:sp>
+  </dsp:spTree>
+</dsp:drawing>
+</file>
+
+<file path=ppt/diagrams/drawing2.xml><?xml version="1.0" encoding="utf-8"?>
 <dsp:drawing xmlns:dgm="http://schemas.openxmlformats.org/drawingml/2006/diagram" xmlns:dsp="http://schemas.microsoft.com/office/drawing/2008/diagram" xmlns:a="http://schemas.openxmlformats.org/drawingml/2006/main">
   <dsp:spTree>
     <dsp:nvGrpSpPr>
@@ -2494,7 +3690,7 @@
 </dsp:drawing>
 </file>
 
-<file path=ppt/diagrams/drawing2.xml><?xml version="1.0" encoding="utf-8"?>
+<file path=ppt/diagrams/drawing3.xml><?xml version="1.0" encoding="utf-8"?>
 <dsp:drawing xmlns:dgm="http://schemas.openxmlformats.org/drawingml/2006/diagram" xmlns:dsp="http://schemas.microsoft.com/office/drawing/2008/diagram" xmlns:a="http://schemas.openxmlformats.org/drawingml/2006/main">
   <dsp:spTree>
     <dsp:nvGrpSpPr>
@@ -2502,282 +3698,147 @@
       <dsp:cNvGrpSpPr/>
     </dsp:nvGrpSpPr>
     <dsp:grpSpPr/>
-    <dsp:sp modelId="{822618A0-FEEB-45CC-81A0-15FF6A91EB8A}">
-      <dsp:nvSpPr>
-        <dsp:cNvPr id="0" name=""/>
-        <dsp:cNvSpPr/>
-      </dsp:nvSpPr>
-      <dsp:spPr>
-        <a:xfrm>
-          <a:off x="457199" y="0"/>
-          <a:ext cx="5181600" cy="4064000"/>
-        </a:xfrm>
-        <a:prstGeom prst="rightArrow">
-          <a:avLst/>
-        </a:prstGeom>
-        <a:solidFill>
-          <a:schemeClr val="accent1">
-            <a:tint val="40000"/>
-            <a:hueOff val="0"/>
-            <a:satOff val="0"/>
-            <a:lumOff val="0"/>
-            <a:alphaOff val="0"/>
-          </a:schemeClr>
-        </a:solidFill>
-        <a:ln>
-          <a:noFill/>
-        </a:ln>
-        <a:effectLst/>
-      </dsp:spPr>
-      <dsp:style>
-        <a:lnRef idx="0">
-          <a:scrgbClr r="0" g="0" b="0"/>
-        </a:lnRef>
-        <a:fillRef idx="1">
-          <a:scrgbClr r="0" g="0" b="0"/>
-        </a:fillRef>
-        <a:effectRef idx="0">
-          <a:scrgbClr r="0" g="0" b="0"/>
-        </a:effectRef>
-        <a:fontRef idx="minor"/>
-      </dsp:style>
-    </dsp:sp>
-    <dsp:sp modelId="{8A3B181F-EAC8-46DE-BBF3-BDB9DE3336EF}">
-      <dsp:nvSpPr>
-        <dsp:cNvPr id="0" name=""/>
-        <dsp:cNvSpPr/>
-      </dsp:nvSpPr>
-      <dsp:spPr>
-        <a:xfrm>
-          <a:off x="3767" y="1219199"/>
-          <a:ext cx="1961126" cy="1625600"/>
-        </a:xfrm>
-        <a:prstGeom prst="roundRect">
-          <a:avLst/>
-        </a:prstGeom>
-        <a:solidFill>
-          <a:schemeClr val="accent1">
-            <a:hueOff val="0"/>
-            <a:satOff val="0"/>
-            <a:lumOff val="0"/>
-            <a:alphaOff val="0"/>
-          </a:schemeClr>
-        </a:solidFill>
-        <a:ln w="25400" cap="flat" cmpd="sng" algn="ctr">
-          <a:solidFill>
-            <a:schemeClr val="lt1">
-              <a:hueOff val="0"/>
-              <a:satOff val="0"/>
-              <a:lumOff val="0"/>
-              <a:alphaOff val="0"/>
-            </a:schemeClr>
-          </a:solidFill>
-          <a:prstDash val="solid"/>
-        </a:ln>
-        <a:effectLst/>
-      </dsp:spPr>
-      <dsp:style>
-        <a:lnRef idx="2">
-          <a:scrgbClr r="0" g="0" b="0"/>
-        </a:lnRef>
-        <a:fillRef idx="1">
-          <a:scrgbClr r="0" g="0" b="0"/>
-        </a:fillRef>
-        <a:effectRef idx="0">
-          <a:scrgbClr r="0" g="0" b="0"/>
-        </a:effectRef>
-        <a:fontRef idx="minor">
-          <a:schemeClr val="lt1"/>
-        </a:fontRef>
-      </dsp:style>
-      <dsp:txBody>
-        <a:bodyPr spcFirstLastPara="0" vert="horz" wrap="square" lIns="76200" tIns="76200" rIns="76200" bIns="76200" numCol="1" spcCol="1270" anchor="ctr" anchorCtr="0">
-          <a:noAutofit/>
-        </a:bodyPr>
-        <a:lstStyle/>
-        <a:p>
-          <a:pPr lvl="0" algn="ctr" defTabSz="889000">
-            <a:lnSpc>
-              <a:spcPct val="90000"/>
-            </a:lnSpc>
-            <a:spcBef>
-              <a:spcPct val="0"/>
-            </a:spcBef>
-            <a:spcAft>
-              <a:spcPct val="35000"/>
-            </a:spcAft>
-          </a:pPr>
-          <a:r>
-            <a:rPr lang="de-DE" sz="2000" kern="1200" dirty="0" err="1" smtClean="0"/>
-            <a:t>TwitterStream</a:t>
-          </a:r>
-          <a:endParaRPr lang="de-DE" sz="2000" kern="1200" dirty="0"/>
-        </a:p>
-      </dsp:txBody>
-      <dsp:txXfrm>
-        <a:off x="83122" y="1298554"/>
-        <a:ext cx="1802416" cy="1466890"/>
-      </dsp:txXfrm>
-    </dsp:sp>
-    <dsp:sp modelId="{F0428DC1-2320-4439-BA06-F77B96603CEF}">
-      <dsp:nvSpPr>
-        <dsp:cNvPr id="0" name=""/>
-        <dsp:cNvSpPr/>
-      </dsp:nvSpPr>
-      <dsp:spPr>
-        <a:xfrm>
-          <a:off x="2067436" y="1219199"/>
-          <a:ext cx="1961126" cy="1625600"/>
-        </a:xfrm>
-        <a:prstGeom prst="roundRect">
-          <a:avLst/>
-        </a:prstGeom>
-        <a:solidFill>
-          <a:schemeClr val="accent1">
-            <a:hueOff val="0"/>
-            <a:satOff val="0"/>
-            <a:lumOff val="0"/>
-            <a:alphaOff val="0"/>
-          </a:schemeClr>
-        </a:solidFill>
-        <a:ln w="25400" cap="flat" cmpd="sng" algn="ctr">
-          <a:solidFill>
-            <a:schemeClr val="lt1">
-              <a:hueOff val="0"/>
-              <a:satOff val="0"/>
-              <a:lumOff val="0"/>
-              <a:alphaOff val="0"/>
-            </a:schemeClr>
-          </a:solidFill>
-          <a:prstDash val="solid"/>
-        </a:ln>
-        <a:effectLst/>
-      </dsp:spPr>
-      <dsp:style>
-        <a:lnRef idx="2">
-          <a:scrgbClr r="0" g="0" b="0"/>
-        </a:lnRef>
-        <a:fillRef idx="1">
-          <a:scrgbClr r="0" g="0" b="0"/>
-        </a:fillRef>
-        <a:effectRef idx="0">
-          <a:scrgbClr r="0" g="0" b="0"/>
-        </a:effectRef>
-        <a:fontRef idx="minor">
-          <a:schemeClr val="lt1"/>
-        </a:fontRef>
-      </dsp:style>
-      <dsp:txBody>
-        <a:bodyPr spcFirstLastPara="0" vert="horz" wrap="square" lIns="76200" tIns="76200" rIns="76200" bIns="76200" numCol="1" spcCol="1270" anchor="ctr" anchorCtr="0">
-          <a:noAutofit/>
-        </a:bodyPr>
-        <a:lstStyle/>
-        <a:p>
-          <a:pPr lvl="0" algn="ctr" defTabSz="889000">
-            <a:lnSpc>
-              <a:spcPct val="90000"/>
-            </a:lnSpc>
-            <a:spcBef>
-              <a:spcPct val="0"/>
-            </a:spcBef>
-            <a:spcAft>
-              <a:spcPct val="35000"/>
-            </a:spcAft>
-          </a:pPr>
-          <a:r>
-            <a:rPr lang="de-DE" sz="2000" kern="1200" dirty="0" err="1" smtClean="0"/>
-            <a:t>Cralwler</a:t>
-          </a:r>
-          <a:endParaRPr lang="de-DE" sz="2000" kern="1200" dirty="0"/>
-        </a:p>
-      </dsp:txBody>
-      <dsp:txXfrm>
-        <a:off x="2146791" y="1298554"/>
-        <a:ext cx="1802416" cy="1466890"/>
-      </dsp:txXfrm>
-    </dsp:sp>
-    <dsp:sp modelId="{24396DDF-2494-4281-972C-EDC799D3E3E7}">
-      <dsp:nvSpPr>
-        <dsp:cNvPr id="0" name=""/>
-        <dsp:cNvSpPr/>
-      </dsp:nvSpPr>
-      <dsp:spPr>
-        <a:xfrm>
-          <a:off x="4131105" y="1219199"/>
-          <a:ext cx="1961126" cy="1625600"/>
-        </a:xfrm>
-        <a:prstGeom prst="roundRect">
-          <a:avLst/>
-        </a:prstGeom>
-        <a:solidFill>
-          <a:schemeClr val="accent1">
-            <a:hueOff val="0"/>
-            <a:satOff val="0"/>
-            <a:lumOff val="0"/>
-            <a:alphaOff val="0"/>
-          </a:schemeClr>
-        </a:solidFill>
-        <a:ln w="25400" cap="flat" cmpd="sng" algn="ctr">
-          <a:solidFill>
-            <a:schemeClr val="lt1">
-              <a:hueOff val="0"/>
-              <a:satOff val="0"/>
-              <a:lumOff val="0"/>
-              <a:alphaOff val="0"/>
-            </a:schemeClr>
-          </a:solidFill>
-          <a:prstDash val="solid"/>
-        </a:ln>
-        <a:effectLst/>
-      </dsp:spPr>
-      <dsp:style>
-        <a:lnRef idx="2">
-          <a:scrgbClr r="0" g="0" b="0"/>
-        </a:lnRef>
-        <a:fillRef idx="1">
-          <a:scrgbClr r="0" g="0" b="0"/>
-        </a:fillRef>
-        <a:effectRef idx="0">
-          <a:scrgbClr r="0" g="0" b="0"/>
-        </a:effectRef>
-        <a:fontRef idx="minor">
-          <a:schemeClr val="lt1"/>
-        </a:fontRef>
-      </dsp:style>
-      <dsp:txBody>
-        <a:bodyPr spcFirstLastPara="0" vert="horz" wrap="square" lIns="76200" tIns="76200" rIns="76200" bIns="76200" numCol="1" spcCol="1270" anchor="ctr" anchorCtr="0">
-          <a:noAutofit/>
-        </a:bodyPr>
-        <a:lstStyle/>
-        <a:p>
-          <a:pPr lvl="0" algn="ctr" defTabSz="889000">
-            <a:lnSpc>
-              <a:spcPct val="90000"/>
-            </a:lnSpc>
-            <a:spcBef>
-              <a:spcPct val="0"/>
-            </a:spcBef>
-            <a:spcAft>
-              <a:spcPct val="35000"/>
-            </a:spcAft>
-          </a:pPr>
-          <a:r>
-            <a:rPr lang="de-DE" sz="2000" kern="1200" dirty="0" smtClean="0"/>
-            <a:t>DB</a:t>
-          </a:r>
-          <a:endParaRPr lang="de-DE" sz="2000" kern="1200" dirty="0"/>
-        </a:p>
-      </dsp:txBody>
-      <dsp:txXfrm>
-        <a:off x="4210460" y="1298554"/>
-        <a:ext cx="1802416" cy="1466890"/>
-      </dsp:txXfrm>
-    </dsp:sp>
   </dsp:spTree>
 </dsp:drawing>
 </file>
 
 <file path=ppt/diagrams/layout1.xml><?xml version="1.0" encoding="utf-8"?>
+<dgm:layoutDef xmlns:dgm="http://schemas.openxmlformats.org/drawingml/2006/diagram" xmlns:a="http://schemas.openxmlformats.org/drawingml/2006/main" uniqueId="urn:microsoft.com/office/officeart/2005/8/layout/venn3">
+  <dgm:title val=""/>
+  <dgm:desc val=""/>
+  <dgm:catLst>
+    <dgm:cat type="relationship" pri="29000"/>
+  </dgm:catLst>
+  <dgm:sampData>
+    <dgm:dataModel>
+      <dgm:ptLst>
+        <dgm:pt modelId="0" type="doc"/>
+        <dgm:pt modelId="1">
+          <dgm:prSet phldr="1"/>
+        </dgm:pt>
+        <dgm:pt modelId="2">
+          <dgm:prSet phldr="1"/>
+        </dgm:pt>
+        <dgm:pt modelId="3">
+          <dgm:prSet phldr="1"/>
+        </dgm:pt>
+        <dgm:pt modelId="4">
+          <dgm:prSet phldr="1"/>
+        </dgm:pt>
+      </dgm:ptLst>
+      <dgm:cxnLst>
+        <dgm:cxn modelId="5" srcId="0" destId="1" srcOrd="0" destOrd="0"/>
+        <dgm:cxn modelId="6" srcId="0" destId="2" srcOrd="1" destOrd="0"/>
+        <dgm:cxn modelId="7" srcId="0" destId="3" srcOrd="2" destOrd="0"/>
+        <dgm:cxn modelId="8" srcId="0" destId="4" srcOrd="3" destOrd="0"/>
+      </dgm:cxnLst>
+      <dgm:bg/>
+      <dgm:whole/>
+    </dgm:dataModel>
+  </dgm:sampData>
+  <dgm:styleData>
+    <dgm:dataModel>
+      <dgm:ptLst>
+        <dgm:pt modelId="0" type="doc"/>
+        <dgm:pt modelId="1"/>
+        <dgm:pt modelId="2"/>
+      </dgm:ptLst>
+      <dgm:cxnLst>
+        <dgm:cxn modelId="3" srcId="0" destId="1" srcOrd="0" destOrd="0"/>
+        <dgm:cxn modelId="4" srcId="0" destId="2" srcOrd="1" destOrd="0"/>
+      </dgm:cxnLst>
+      <dgm:bg/>
+      <dgm:whole/>
+    </dgm:dataModel>
+  </dgm:styleData>
+  <dgm:clrData>
+    <dgm:dataModel>
+      <dgm:ptLst>
+        <dgm:pt modelId="0" type="doc"/>
+        <dgm:pt modelId="1"/>
+        <dgm:pt modelId="2"/>
+        <dgm:pt modelId="3"/>
+        <dgm:pt modelId="4"/>
+      </dgm:ptLst>
+      <dgm:cxnLst>
+        <dgm:cxn modelId="5" srcId="0" destId="1" srcOrd="0" destOrd="0"/>
+        <dgm:cxn modelId="6" srcId="0" destId="2" srcOrd="1" destOrd="0"/>
+        <dgm:cxn modelId="7" srcId="0" destId="3" srcOrd="2" destOrd="0"/>
+        <dgm:cxn modelId="8" srcId="0" destId="4" srcOrd="3" destOrd="0"/>
+      </dgm:cxnLst>
+      <dgm:bg/>
+      <dgm:whole/>
+    </dgm:dataModel>
+  </dgm:clrData>
+  <dgm:layoutNode name="Name0">
+    <dgm:varLst>
+      <dgm:dir/>
+      <dgm:resizeHandles val="exact"/>
+    </dgm:varLst>
+    <dgm:choose name="Name1">
+      <dgm:if name="Name2" func="var" arg="dir" op="equ" val="norm">
+        <dgm:alg type="lin">
+          <dgm:param type="fallback" val="2D"/>
+        </dgm:alg>
+      </dgm:if>
+      <dgm:else name="Name3">
+        <dgm:alg type="lin">
+          <dgm:param type="fallback" val="2D"/>
+          <dgm:param type="linDir" val="fromR"/>
+        </dgm:alg>
+      </dgm:else>
+    </dgm:choose>
+    <dgm:shape xmlns:r="http://schemas.openxmlformats.org/officeDocument/2006/relationships" r:blip="">
+      <dgm:adjLst/>
+    </dgm:shape>
+    <dgm:presOf/>
+    <dgm:constrLst>
+      <dgm:constr type="w" for="ch" ptType="node" refType="w"/>
+      <dgm:constr type="h" for="ch" ptType="node" refType="w" refFor="ch" refPtType="node"/>
+      <dgm:constr type="w" for="ch" forName="space" refType="w" refFor="ch" refPtType="node" fact="-0.2"/>
+      <dgm:constr type="primFontSz" for="ch" ptType="node" op="equ" val="65"/>
+    </dgm:constrLst>
+    <dgm:ruleLst/>
+    <dgm:forEach name="Name4" axis="ch" ptType="node">
+      <dgm:layoutNode name="Name5" styleLbl="vennNode1">
+        <dgm:varLst>
+          <dgm:bulletEnabled val="1"/>
+        </dgm:varLst>
+        <dgm:alg type="tx">
+          <dgm:param type="txAnchorVertCh" val="mid"/>
+          <dgm:param type="txAnchorHorzCh" val="ctr"/>
+        </dgm:alg>
+        <dgm:shape xmlns:r="http://schemas.openxmlformats.org/officeDocument/2006/relationships" type="ellipse" r:blip="">
+          <dgm:adjLst/>
+        </dgm:shape>
+        <dgm:presOf axis="desOrSelf" ptType="node"/>
+        <dgm:constrLst>
+          <dgm:constr type="tMarg" refType="primFontSz" fact="0.1"/>
+          <dgm:constr type="bMarg" refType="primFontSz" fact="0.1"/>
+          <dgm:constr type="lMarg" refType="w" fact="0.156"/>
+          <dgm:constr type="rMarg" refType="w" fact="0.156"/>
+        </dgm:constrLst>
+        <dgm:ruleLst>
+          <dgm:rule type="primFontSz" val="5" fact="NaN" max="NaN"/>
+        </dgm:ruleLst>
+      </dgm:layoutNode>
+      <dgm:forEach name="Name6" axis="followSib" ptType="sibTrans" cnt="1">
+        <dgm:layoutNode name="space">
+          <dgm:alg type="sp"/>
+          <dgm:shape xmlns:r="http://schemas.openxmlformats.org/officeDocument/2006/relationships" r:blip="">
+            <dgm:adjLst/>
+          </dgm:shape>
+          <dgm:presOf/>
+          <dgm:constrLst/>
+          <dgm:ruleLst/>
+        </dgm:layoutNode>
+      </dgm:forEach>
+    </dgm:forEach>
+  </dgm:layoutNode>
+</dgm:layoutDef>
+</file>
+
+<file path=ppt/diagrams/layout2.xml><?xml version="1.0" encoding="utf-8"?>
 <dgm:layoutDef xmlns:dgm="http://schemas.openxmlformats.org/drawingml/2006/diagram" xmlns:a="http://schemas.openxmlformats.org/drawingml/2006/main" uniqueId="urn:microsoft.com/office/officeart/2005/8/layout/vList2">
   <dgm:title val=""/>
   <dgm:desc val=""/>
@@ -2944,7 +4005,7 @@
 </dgm:layoutDef>
 </file>
 
-<file path=ppt/diagrams/layout2.xml><?xml version="1.0" encoding="utf-8"?>
+<file path=ppt/diagrams/layout3.xml><?xml version="1.0" encoding="utf-8"?>
 <dgm:layoutDef xmlns:dgm="http://schemas.openxmlformats.org/drawingml/2006/diagram" xmlns:a="http://schemas.openxmlformats.org/drawingml/2006/main" uniqueId="urn:microsoft.com/office/officeart/2005/8/layout/hProcess9">
   <dgm:title val=""/>
   <dgm:desc val=""/>
@@ -4133,6 +5194,1040 @@
 </file>
 
 <file path=ppt/diagrams/quickStyle2.xml><?xml version="1.0" encoding="utf-8"?>
+<dgm:styleDef xmlns:dgm="http://schemas.openxmlformats.org/drawingml/2006/diagram" xmlns:a="http://schemas.openxmlformats.org/drawingml/2006/main" uniqueId="urn:microsoft.com/office/officeart/2005/8/quickstyle/simple1">
+  <dgm:title val=""/>
+  <dgm:desc val=""/>
+  <dgm:catLst>
+    <dgm:cat type="simple" pri="10100"/>
+  </dgm:catLst>
+  <dgm:scene3d>
+    <a:camera prst="orthographicFront"/>
+    <a:lightRig rig="threePt" dir="t"/>
+  </dgm:scene3d>
+  <dgm:styleLbl name="node0">
+    <dgm:scene3d>
+      <a:camera prst="orthographicFront"/>
+      <a:lightRig rig="threePt" dir="t"/>
+    </dgm:scene3d>
+    <dgm:sp3d/>
+    <dgm:txPr/>
+    <dgm:style>
+      <a:lnRef idx="2">
+        <a:scrgbClr r="0" g="0" b="0"/>
+      </a:lnRef>
+      <a:fillRef idx="1">
+        <a:scrgbClr r="0" g="0" b="0"/>
+      </a:fillRef>
+      <a:effectRef idx="0">
+        <a:scrgbClr r="0" g="0" b="0"/>
+      </a:effectRef>
+      <a:fontRef idx="minor">
+        <a:schemeClr val="lt1"/>
+      </a:fontRef>
+    </dgm:style>
+  </dgm:styleLbl>
+  <dgm:styleLbl name="lnNode1">
+    <dgm:scene3d>
+      <a:camera prst="orthographicFront"/>
+      <a:lightRig rig="threePt" dir="t"/>
+    </dgm:scene3d>
+    <dgm:sp3d/>
+    <dgm:txPr/>
+    <dgm:style>
+      <a:lnRef idx="2">
+        <a:scrgbClr r="0" g="0" b="0"/>
+      </a:lnRef>
+      <a:fillRef idx="1">
+        <a:scrgbClr r="0" g="0" b="0"/>
+      </a:fillRef>
+      <a:effectRef idx="0">
+        <a:scrgbClr r="0" g="0" b="0"/>
+      </a:effectRef>
+      <a:fontRef idx="minor">
+        <a:schemeClr val="lt1"/>
+      </a:fontRef>
+    </dgm:style>
+  </dgm:styleLbl>
+  <dgm:styleLbl name="vennNode1">
+    <dgm:scene3d>
+      <a:camera prst="orthographicFront"/>
+      <a:lightRig rig="threePt" dir="t"/>
+    </dgm:scene3d>
+    <dgm:sp3d/>
+    <dgm:txPr/>
+    <dgm:style>
+      <a:lnRef idx="2">
+        <a:scrgbClr r="0" g="0" b="0"/>
+      </a:lnRef>
+      <a:fillRef idx="1">
+        <a:scrgbClr r="0" g="0" b="0"/>
+      </a:fillRef>
+      <a:effectRef idx="0">
+        <a:scrgbClr r="0" g="0" b="0"/>
+      </a:effectRef>
+      <a:fontRef idx="minor">
+        <a:schemeClr val="tx1"/>
+      </a:fontRef>
+    </dgm:style>
+  </dgm:styleLbl>
+  <dgm:styleLbl name="alignNode1">
+    <dgm:scene3d>
+      <a:camera prst="orthographicFront"/>
+      <a:lightRig rig="threePt" dir="t"/>
+    </dgm:scene3d>
+    <dgm:sp3d/>
+    <dgm:txPr/>
+    <dgm:style>
+      <a:lnRef idx="2">
+        <a:scrgbClr r="0" g="0" b="0"/>
+      </a:lnRef>
+      <a:fillRef idx="1">
+        <a:scrgbClr r="0" g="0" b="0"/>
+      </a:fillRef>
+      <a:effectRef idx="0">
+        <a:scrgbClr r="0" g="0" b="0"/>
+      </a:effectRef>
+      <a:fontRef idx="minor">
+        <a:schemeClr val="lt1"/>
+      </a:fontRef>
+    </dgm:style>
+  </dgm:styleLbl>
+  <dgm:styleLbl name="node1">
+    <dgm:scene3d>
+      <a:camera prst="orthographicFront"/>
+      <a:lightRig rig="threePt" dir="t"/>
+    </dgm:scene3d>
+    <dgm:sp3d/>
+    <dgm:txPr/>
+    <dgm:style>
+      <a:lnRef idx="2">
+        <a:scrgbClr r="0" g="0" b="0"/>
+      </a:lnRef>
+      <a:fillRef idx="1">
+        <a:scrgbClr r="0" g="0" b="0"/>
+      </a:fillRef>
+      <a:effectRef idx="0">
+        <a:scrgbClr r="0" g="0" b="0"/>
+      </a:effectRef>
+      <a:fontRef idx="minor">
+        <a:schemeClr val="lt1"/>
+      </a:fontRef>
+    </dgm:style>
+  </dgm:styleLbl>
+  <dgm:styleLbl name="node2">
+    <dgm:scene3d>
+      <a:camera prst="orthographicFront"/>
+      <a:lightRig rig="threePt" dir="t"/>
+    </dgm:scene3d>
+    <dgm:sp3d/>
+    <dgm:txPr/>
+    <dgm:style>
+      <a:lnRef idx="2">
+        <a:scrgbClr r="0" g="0" b="0"/>
+      </a:lnRef>
+      <a:fillRef idx="1">
+        <a:scrgbClr r="0" g="0" b="0"/>
+      </a:fillRef>
+      <a:effectRef idx="0">
+        <a:scrgbClr r="0" g="0" b="0"/>
+      </a:effectRef>
+      <a:fontRef idx="minor">
+        <a:schemeClr val="lt1"/>
+      </a:fontRef>
+    </dgm:style>
+  </dgm:styleLbl>
+  <dgm:styleLbl name="node3">
+    <dgm:scene3d>
+      <a:camera prst="orthographicFront"/>
+      <a:lightRig rig="threePt" dir="t"/>
+    </dgm:scene3d>
+    <dgm:sp3d/>
+    <dgm:txPr/>
+    <dgm:style>
+      <a:lnRef idx="2">
+        <a:scrgbClr r="0" g="0" b="0"/>
+      </a:lnRef>
+      <a:fillRef idx="1">
+        <a:scrgbClr r="0" g="0" b="0"/>
+      </a:fillRef>
+      <a:effectRef idx="0">
+        <a:scrgbClr r="0" g="0" b="0"/>
+      </a:effectRef>
+      <a:fontRef idx="minor">
+        <a:schemeClr val="lt1"/>
+      </a:fontRef>
+    </dgm:style>
+  </dgm:styleLbl>
+  <dgm:styleLbl name="node4">
+    <dgm:scene3d>
+      <a:camera prst="orthographicFront"/>
+      <a:lightRig rig="threePt" dir="t"/>
+    </dgm:scene3d>
+    <dgm:sp3d/>
+    <dgm:txPr/>
+    <dgm:style>
+      <a:lnRef idx="2">
+        <a:scrgbClr r="0" g="0" b="0"/>
+      </a:lnRef>
+      <a:fillRef idx="1">
+        <a:scrgbClr r="0" g="0" b="0"/>
+      </a:fillRef>
+      <a:effectRef idx="0">
+        <a:scrgbClr r="0" g="0" b="0"/>
+      </a:effectRef>
+      <a:fontRef idx="minor">
+        <a:schemeClr val="lt1"/>
+      </a:fontRef>
+    </dgm:style>
+  </dgm:styleLbl>
+  <dgm:styleLbl name="fgImgPlace1">
+    <dgm:scene3d>
+      <a:camera prst="orthographicFront"/>
+      <a:lightRig rig="threePt" dir="t"/>
+    </dgm:scene3d>
+    <dgm:sp3d/>
+    <dgm:txPr/>
+    <dgm:style>
+      <a:lnRef idx="2">
+        <a:scrgbClr r="0" g="0" b="0"/>
+      </a:lnRef>
+      <a:fillRef idx="1">
+        <a:scrgbClr r="0" g="0" b="0"/>
+      </a:fillRef>
+      <a:effectRef idx="0">
+        <a:scrgbClr r="0" g="0" b="0"/>
+      </a:effectRef>
+      <a:fontRef idx="minor"/>
+    </dgm:style>
+  </dgm:styleLbl>
+  <dgm:styleLbl name="alignImgPlace1">
+    <dgm:scene3d>
+      <a:camera prst="orthographicFront"/>
+      <a:lightRig rig="threePt" dir="t"/>
+    </dgm:scene3d>
+    <dgm:sp3d/>
+    <dgm:txPr/>
+    <dgm:style>
+      <a:lnRef idx="2">
+        <a:scrgbClr r="0" g="0" b="0"/>
+      </a:lnRef>
+      <a:fillRef idx="1">
+        <a:scrgbClr r="0" g="0" b="0"/>
+      </a:fillRef>
+      <a:effectRef idx="0">
+        <a:scrgbClr r="0" g="0" b="0"/>
+      </a:effectRef>
+      <a:fontRef idx="minor"/>
+    </dgm:style>
+  </dgm:styleLbl>
+  <dgm:styleLbl name="bgImgPlace1">
+    <dgm:scene3d>
+      <a:camera prst="orthographicFront"/>
+      <a:lightRig rig="threePt" dir="t"/>
+    </dgm:scene3d>
+    <dgm:sp3d/>
+    <dgm:txPr/>
+    <dgm:style>
+      <a:lnRef idx="2">
+        <a:scrgbClr r="0" g="0" b="0"/>
+      </a:lnRef>
+      <a:fillRef idx="1">
+        <a:scrgbClr r="0" g="0" b="0"/>
+      </a:fillRef>
+      <a:effectRef idx="0">
+        <a:scrgbClr r="0" g="0" b="0"/>
+      </a:effectRef>
+      <a:fontRef idx="minor"/>
+    </dgm:style>
+  </dgm:styleLbl>
+  <dgm:styleLbl name="sibTrans2D1">
+    <dgm:scene3d>
+      <a:camera prst="orthographicFront"/>
+      <a:lightRig rig="threePt" dir="t"/>
+    </dgm:scene3d>
+    <dgm:sp3d/>
+    <dgm:txPr/>
+    <dgm:style>
+      <a:lnRef idx="0">
+        <a:scrgbClr r="0" g="0" b="0"/>
+      </a:lnRef>
+      <a:fillRef idx="1">
+        <a:scrgbClr r="0" g="0" b="0"/>
+      </a:fillRef>
+      <a:effectRef idx="0">
+        <a:scrgbClr r="0" g="0" b="0"/>
+      </a:effectRef>
+      <a:fontRef idx="minor">
+        <a:schemeClr val="lt1"/>
+      </a:fontRef>
+    </dgm:style>
+  </dgm:styleLbl>
+  <dgm:styleLbl name="fgSibTrans2D1">
+    <dgm:scene3d>
+      <a:camera prst="orthographicFront"/>
+      <a:lightRig rig="threePt" dir="t"/>
+    </dgm:scene3d>
+    <dgm:sp3d/>
+    <dgm:txPr/>
+    <dgm:style>
+      <a:lnRef idx="0">
+        <a:scrgbClr r="0" g="0" b="0"/>
+      </a:lnRef>
+      <a:fillRef idx="1">
+        <a:scrgbClr r="0" g="0" b="0"/>
+      </a:fillRef>
+      <a:effectRef idx="0">
+        <a:scrgbClr r="0" g="0" b="0"/>
+      </a:effectRef>
+      <a:fontRef idx="minor">
+        <a:schemeClr val="lt1"/>
+      </a:fontRef>
+    </dgm:style>
+  </dgm:styleLbl>
+  <dgm:styleLbl name="bgSibTrans2D1">
+    <dgm:scene3d>
+      <a:camera prst="orthographicFront"/>
+      <a:lightRig rig="threePt" dir="t"/>
+    </dgm:scene3d>
+    <dgm:sp3d/>
+    <dgm:txPr/>
+    <dgm:style>
+      <a:lnRef idx="0">
+        <a:scrgbClr r="0" g="0" b="0"/>
+      </a:lnRef>
+      <a:fillRef idx="1">
+        <a:scrgbClr r="0" g="0" b="0"/>
+      </a:fillRef>
+      <a:effectRef idx="0">
+        <a:scrgbClr r="0" g="0" b="0"/>
+      </a:effectRef>
+      <a:fontRef idx="minor">
+        <a:schemeClr val="lt1"/>
+      </a:fontRef>
+    </dgm:style>
+  </dgm:styleLbl>
+  <dgm:styleLbl name="sibTrans1D1">
+    <dgm:scene3d>
+      <a:camera prst="orthographicFront"/>
+      <a:lightRig rig="threePt" dir="t"/>
+    </dgm:scene3d>
+    <dgm:sp3d/>
+    <dgm:txPr/>
+    <dgm:style>
+      <a:lnRef idx="1">
+        <a:scrgbClr r="0" g="0" b="0"/>
+      </a:lnRef>
+      <a:fillRef idx="0">
+        <a:scrgbClr r="0" g="0" b="0"/>
+      </a:fillRef>
+      <a:effectRef idx="0">
+        <a:scrgbClr r="0" g="0" b="0"/>
+      </a:effectRef>
+      <a:fontRef idx="minor"/>
+    </dgm:style>
+  </dgm:styleLbl>
+  <dgm:styleLbl name="callout">
+    <dgm:scene3d>
+      <a:camera prst="orthographicFront"/>
+      <a:lightRig rig="threePt" dir="t"/>
+    </dgm:scene3d>
+    <dgm:sp3d/>
+    <dgm:txPr/>
+    <dgm:style>
+      <a:lnRef idx="2">
+        <a:scrgbClr r="0" g="0" b="0"/>
+      </a:lnRef>
+      <a:fillRef idx="1">
+        <a:scrgbClr r="0" g="0" b="0"/>
+      </a:fillRef>
+      <a:effectRef idx="0">
+        <a:scrgbClr r="0" g="0" b="0"/>
+      </a:effectRef>
+      <a:fontRef idx="minor"/>
+    </dgm:style>
+  </dgm:styleLbl>
+  <dgm:styleLbl name="asst0">
+    <dgm:scene3d>
+      <a:camera prst="orthographicFront"/>
+      <a:lightRig rig="threePt" dir="t"/>
+    </dgm:scene3d>
+    <dgm:sp3d/>
+    <dgm:txPr/>
+    <dgm:style>
+      <a:lnRef idx="2">
+        <a:scrgbClr r="0" g="0" b="0"/>
+      </a:lnRef>
+      <a:fillRef idx="1">
+        <a:scrgbClr r="0" g="0" b="0"/>
+      </a:fillRef>
+      <a:effectRef idx="0">
+        <a:scrgbClr r="0" g="0" b="0"/>
+      </a:effectRef>
+      <a:fontRef idx="minor">
+        <a:schemeClr val="lt1"/>
+      </a:fontRef>
+    </dgm:style>
+  </dgm:styleLbl>
+  <dgm:styleLbl name="asst1">
+    <dgm:scene3d>
+      <a:camera prst="orthographicFront"/>
+      <a:lightRig rig="threePt" dir="t"/>
+    </dgm:scene3d>
+    <dgm:sp3d/>
+    <dgm:txPr/>
+    <dgm:style>
+      <a:lnRef idx="2">
+        <a:scrgbClr r="0" g="0" b="0"/>
+      </a:lnRef>
+      <a:fillRef idx="1">
+        <a:scrgbClr r="0" g="0" b="0"/>
+      </a:fillRef>
+      <a:effectRef idx="0">
+        <a:scrgbClr r="0" g="0" b="0"/>
+      </a:effectRef>
+      <a:fontRef idx="minor">
+        <a:schemeClr val="lt1"/>
+      </a:fontRef>
+    </dgm:style>
+  </dgm:styleLbl>
+  <dgm:styleLbl name="asst2">
+    <dgm:scene3d>
+      <a:camera prst="orthographicFront"/>
+      <a:lightRig rig="threePt" dir="t"/>
+    </dgm:scene3d>
+    <dgm:sp3d/>
+    <dgm:txPr/>
+    <dgm:style>
+      <a:lnRef idx="2">
+        <a:scrgbClr r="0" g="0" b="0"/>
+      </a:lnRef>
+      <a:fillRef idx="1">
+        <a:scrgbClr r="0" g="0" b="0"/>
+      </a:fillRef>
+      <a:effectRef idx="0">
+        <a:scrgbClr r="0" g="0" b="0"/>
+      </a:effectRef>
+      <a:fontRef idx="minor">
+        <a:schemeClr val="lt1"/>
+      </a:fontRef>
+    </dgm:style>
+  </dgm:styleLbl>
+  <dgm:styleLbl name="asst3">
+    <dgm:scene3d>
+      <a:camera prst="orthographicFront"/>
+      <a:lightRig rig="threePt" dir="t"/>
+    </dgm:scene3d>
+    <dgm:sp3d/>
+    <dgm:txPr/>
+    <dgm:style>
+      <a:lnRef idx="2">
+        <a:scrgbClr r="0" g="0" b="0"/>
+      </a:lnRef>
+      <a:fillRef idx="1">
+        <a:scrgbClr r="0" g="0" b="0"/>
+      </a:fillRef>
+      <a:effectRef idx="0">
+        <a:scrgbClr r="0" g="0" b="0"/>
+      </a:effectRef>
+      <a:fontRef idx="minor">
+        <a:schemeClr val="lt1"/>
+      </a:fontRef>
+    </dgm:style>
+  </dgm:styleLbl>
+  <dgm:styleLbl name="asst4">
+    <dgm:scene3d>
+      <a:camera prst="orthographicFront"/>
+      <a:lightRig rig="threePt" dir="t"/>
+    </dgm:scene3d>
+    <dgm:sp3d/>
+    <dgm:txPr/>
+    <dgm:style>
+      <a:lnRef idx="2">
+        <a:scrgbClr r="0" g="0" b="0"/>
+      </a:lnRef>
+      <a:fillRef idx="1">
+        <a:scrgbClr r="0" g="0" b="0"/>
+      </a:fillRef>
+      <a:effectRef idx="0">
+        <a:scrgbClr r="0" g="0" b="0"/>
+      </a:effectRef>
+      <a:fontRef idx="minor">
+        <a:schemeClr val="lt1"/>
+      </a:fontRef>
+    </dgm:style>
+  </dgm:styleLbl>
+  <dgm:styleLbl name="parChTrans2D1">
+    <dgm:scene3d>
+      <a:camera prst="orthographicFront"/>
+      <a:lightRig rig="threePt" dir="t"/>
+    </dgm:scene3d>
+    <dgm:sp3d/>
+    <dgm:txPr/>
+    <dgm:style>
+      <a:lnRef idx="2">
+        <a:scrgbClr r="0" g="0" b="0"/>
+      </a:lnRef>
+      <a:fillRef idx="1">
+        <a:scrgbClr r="0" g="0" b="0"/>
+      </a:fillRef>
+      <a:effectRef idx="0">
+        <a:scrgbClr r="0" g="0" b="0"/>
+      </a:effectRef>
+      <a:fontRef idx="minor">
+        <a:schemeClr val="lt1"/>
+      </a:fontRef>
+    </dgm:style>
+  </dgm:styleLbl>
+  <dgm:styleLbl name="parChTrans2D2">
+    <dgm:scene3d>
+      <a:camera prst="orthographicFront"/>
+      <a:lightRig rig="threePt" dir="t"/>
+    </dgm:scene3d>
+    <dgm:sp3d/>
+    <dgm:txPr/>
+    <dgm:style>
+      <a:lnRef idx="2">
+        <a:scrgbClr r="0" g="0" b="0"/>
+      </a:lnRef>
+      <a:fillRef idx="1">
+        <a:scrgbClr r="0" g="0" b="0"/>
+      </a:fillRef>
+      <a:effectRef idx="0">
+        <a:scrgbClr r="0" g="0" b="0"/>
+      </a:effectRef>
+      <a:fontRef idx="minor">
+        <a:schemeClr val="lt1"/>
+      </a:fontRef>
+    </dgm:style>
+  </dgm:styleLbl>
+  <dgm:styleLbl name="parChTrans2D3">
+    <dgm:scene3d>
+      <a:camera prst="orthographicFront"/>
+      <a:lightRig rig="threePt" dir="t"/>
+    </dgm:scene3d>
+    <dgm:sp3d/>
+    <dgm:txPr/>
+    <dgm:style>
+      <a:lnRef idx="2">
+        <a:scrgbClr r="0" g="0" b="0"/>
+      </a:lnRef>
+      <a:fillRef idx="1">
+        <a:scrgbClr r="0" g="0" b="0"/>
+      </a:fillRef>
+      <a:effectRef idx="0">
+        <a:scrgbClr r="0" g="0" b="0"/>
+      </a:effectRef>
+      <a:fontRef idx="minor">
+        <a:schemeClr val="lt1"/>
+      </a:fontRef>
+    </dgm:style>
+  </dgm:styleLbl>
+  <dgm:styleLbl name="parChTrans2D4">
+    <dgm:scene3d>
+      <a:camera prst="orthographicFront"/>
+      <a:lightRig rig="threePt" dir="t"/>
+    </dgm:scene3d>
+    <dgm:sp3d/>
+    <dgm:txPr/>
+    <dgm:style>
+      <a:lnRef idx="2">
+        <a:scrgbClr r="0" g="0" b="0"/>
+      </a:lnRef>
+      <a:fillRef idx="1">
+        <a:scrgbClr r="0" g="0" b="0"/>
+      </a:fillRef>
+      <a:effectRef idx="0">
+        <a:scrgbClr r="0" g="0" b="0"/>
+      </a:effectRef>
+      <a:fontRef idx="minor">
+        <a:schemeClr val="lt1"/>
+      </a:fontRef>
+    </dgm:style>
+  </dgm:styleLbl>
+  <dgm:styleLbl name="parChTrans1D1">
+    <dgm:scene3d>
+      <a:camera prst="orthographicFront"/>
+      <a:lightRig rig="threePt" dir="t"/>
+    </dgm:scene3d>
+    <dgm:sp3d/>
+    <dgm:txPr/>
+    <dgm:style>
+      <a:lnRef idx="2">
+        <a:scrgbClr r="0" g="0" b="0"/>
+      </a:lnRef>
+      <a:fillRef idx="0">
+        <a:scrgbClr r="0" g="0" b="0"/>
+      </a:fillRef>
+      <a:effectRef idx="0">
+        <a:scrgbClr r="0" g="0" b="0"/>
+      </a:effectRef>
+      <a:fontRef idx="minor"/>
+    </dgm:style>
+  </dgm:styleLbl>
+  <dgm:styleLbl name="parChTrans1D2">
+    <dgm:scene3d>
+      <a:camera prst="orthographicFront"/>
+      <a:lightRig rig="threePt" dir="t"/>
+    </dgm:scene3d>
+    <dgm:sp3d/>
+    <dgm:txPr/>
+    <dgm:style>
+      <a:lnRef idx="2">
+        <a:scrgbClr r="0" g="0" b="0"/>
+      </a:lnRef>
+      <a:fillRef idx="0">
+        <a:scrgbClr r="0" g="0" b="0"/>
+      </a:fillRef>
+      <a:effectRef idx="0">
+        <a:scrgbClr r="0" g="0" b="0"/>
+      </a:effectRef>
+      <a:fontRef idx="minor"/>
+    </dgm:style>
+  </dgm:styleLbl>
+  <dgm:styleLbl name="parChTrans1D3">
+    <dgm:scene3d>
+      <a:camera prst="orthographicFront"/>
+      <a:lightRig rig="threePt" dir="t"/>
+    </dgm:scene3d>
+    <dgm:sp3d/>
+    <dgm:txPr/>
+    <dgm:style>
+      <a:lnRef idx="2">
+        <a:scrgbClr r="0" g="0" b="0"/>
+      </a:lnRef>
+      <a:fillRef idx="0">
+        <a:scrgbClr r="0" g="0" b="0"/>
+      </a:fillRef>
+      <a:effectRef idx="0">
+        <a:scrgbClr r="0" g="0" b="0"/>
+      </a:effectRef>
+      <a:fontRef idx="minor"/>
+    </dgm:style>
+  </dgm:styleLbl>
+  <dgm:styleLbl name="parChTrans1D4">
+    <dgm:scene3d>
+      <a:camera prst="orthographicFront"/>
+      <a:lightRig rig="threePt" dir="t"/>
+    </dgm:scene3d>
+    <dgm:sp3d/>
+    <dgm:txPr/>
+    <dgm:style>
+      <a:lnRef idx="2">
+        <a:scrgbClr r="0" g="0" b="0"/>
+      </a:lnRef>
+      <a:fillRef idx="0">
+        <a:scrgbClr r="0" g="0" b="0"/>
+      </a:fillRef>
+      <a:effectRef idx="0">
+        <a:scrgbClr r="0" g="0" b="0"/>
+      </a:effectRef>
+      <a:fontRef idx="minor"/>
+    </dgm:style>
+  </dgm:styleLbl>
+  <dgm:styleLbl name="fgAcc1">
+    <dgm:scene3d>
+      <a:camera prst="orthographicFront"/>
+      <a:lightRig rig="threePt" dir="t"/>
+    </dgm:scene3d>
+    <dgm:sp3d/>
+    <dgm:txPr/>
+    <dgm:style>
+      <a:lnRef idx="2">
+        <a:scrgbClr r="0" g="0" b="0"/>
+      </a:lnRef>
+      <a:fillRef idx="1">
+        <a:scrgbClr r="0" g="0" b="0"/>
+      </a:fillRef>
+      <a:effectRef idx="0">
+        <a:scrgbClr r="0" g="0" b="0"/>
+      </a:effectRef>
+      <a:fontRef idx="minor"/>
+    </dgm:style>
+  </dgm:styleLbl>
+  <dgm:styleLbl name="conFgAcc1">
+    <dgm:scene3d>
+      <a:camera prst="orthographicFront"/>
+      <a:lightRig rig="threePt" dir="t"/>
+    </dgm:scene3d>
+    <dgm:sp3d/>
+    <dgm:txPr/>
+    <dgm:style>
+      <a:lnRef idx="2">
+        <a:scrgbClr r="0" g="0" b="0"/>
+      </a:lnRef>
+      <a:fillRef idx="1">
+        <a:scrgbClr r="0" g="0" b="0"/>
+      </a:fillRef>
+      <a:effectRef idx="0">
+        <a:scrgbClr r="0" g="0" b="0"/>
+      </a:effectRef>
+      <a:fontRef idx="minor"/>
+    </dgm:style>
+  </dgm:styleLbl>
+  <dgm:styleLbl name="alignAcc1">
+    <dgm:scene3d>
+      <a:camera prst="orthographicFront"/>
+      <a:lightRig rig="threePt" dir="t"/>
+    </dgm:scene3d>
+    <dgm:sp3d/>
+    <dgm:txPr/>
+    <dgm:style>
+      <a:lnRef idx="2">
+        <a:scrgbClr r="0" g="0" b="0"/>
+      </a:lnRef>
+      <a:fillRef idx="1">
+        <a:scrgbClr r="0" g="0" b="0"/>
+      </a:fillRef>
+      <a:effectRef idx="0">
+        <a:scrgbClr r="0" g="0" b="0"/>
+      </a:effectRef>
+      <a:fontRef idx="minor"/>
+    </dgm:style>
+  </dgm:styleLbl>
+  <dgm:styleLbl name="trAlignAcc1">
+    <dgm:scene3d>
+      <a:camera prst="orthographicFront"/>
+      <a:lightRig rig="threePt" dir="t"/>
+    </dgm:scene3d>
+    <dgm:sp3d/>
+    <dgm:txPr/>
+    <dgm:style>
+      <a:lnRef idx="1">
+        <a:scrgbClr r="0" g="0" b="0"/>
+      </a:lnRef>
+      <a:fillRef idx="1">
+        <a:scrgbClr r="0" g="0" b="0"/>
+      </a:fillRef>
+      <a:effectRef idx="0">
+        <a:scrgbClr r="0" g="0" b="0"/>
+      </a:effectRef>
+      <a:fontRef idx="minor"/>
+    </dgm:style>
+  </dgm:styleLbl>
+  <dgm:styleLbl name="bgAcc1">
+    <dgm:scene3d>
+      <a:camera prst="orthographicFront"/>
+      <a:lightRig rig="threePt" dir="t"/>
+    </dgm:scene3d>
+    <dgm:sp3d/>
+    <dgm:txPr/>
+    <dgm:style>
+      <a:lnRef idx="2">
+        <a:scrgbClr r="0" g="0" b="0"/>
+      </a:lnRef>
+      <a:fillRef idx="1">
+        <a:scrgbClr r="0" g="0" b="0"/>
+      </a:fillRef>
+      <a:effectRef idx="0">
+        <a:scrgbClr r="0" g="0" b="0"/>
+      </a:effectRef>
+      <a:fontRef idx="minor"/>
+    </dgm:style>
+  </dgm:styleLbl>
+  <dgm:styleLbl name="solidFgAcc1">
+    <dgm:scene3d>
+      <a:camera prst="orthographicFront"/>
+      <a:lightRig rig="threePt" dir="t"/>
+    </dgm:scene3d>
+    <dgm:sp3d/>
+    <dgm:txPr/>
+    <dgm:style>
+      <a:lnRef idx="2">
+        <a:scrgbClr r="0" g="0" b="0"/>
+      </a:lnRef>
+      <a:fillRef idx="1">
+        <a:scrgbClr r="0" g="0" b="0"/>
+      </a:fillRef>
+      <a:effectRef idx="0">
+        <a:scrgbClr r="0" g="0" b="0"/>
+      </a:effectRef>
+      <a:fontRef idx="minor"/>
+    </dgm:style>
+  </dgm:styleLbl>
+  <dgm:styleLbl name="solidAlignAcc1">
+    <dgm:scene3d>
+      <a:camera prst="orthographicFront"/>
+      <a:lightRig rig="threePt" dir="t"/>
+    </dgm:scene3d>
+    <dgm:sp3d/>
+    <dgm:txPr/>
+    <dgm:style>
+      <a:lnRef idx="2">
+        <a:scrgbClr r="0" g="0" b="0"/>
+      </a:lnRef>
+      <a:fillRef idx="1">
+        <a:scrgbClr r="0" g="0" b="0"/>
+      </a:fillRef>
+      <a:effectRef idx="0">
+        <a:scrgbClr r="0" g="0" b="0"/>
+      </a:effectRef>
+      <a:fontRef idx="minor"/>
+    </dgm:style>
+  </dgm:styleLbl>
+  <dgm:styleLbl name="solidBgAcc1">
+    <dgm:scene3d>
+      <a:camera prst="orthographicFront"/>
+      <a:lightRig rig="threePt" dir="t"/>
+    </dgm:scene3d>
+    <dgm:sp3d/>
+    <dgm:txPr/>
+    <dgm:style>
+      <a:lnRef idx="2">
+        <a:scrgbClr r="0" g="0" b="0"/>
+      </a:lnRef>
+      <a:fillRef idx="1">
+        <a:scrgbClr r="0" g="0" b="0"/>
+      </a:fillRef>
+      <a:effectRef idx="0">
+        <a:scrgbClr r="0" g="0" b="0"/>
+      </a:effectRef>
+      <a:fontRef idx="minor"/>
+    </dgm:style>
+  </dgm:styleLbl>
+  <dgm:styleLbl name="fgAccFollowNode1">
+    <dgm:scene3d>
+      <a:camera prst="orthographicFront"/>
+      <a:lightRig rig="threePt" dir="t"/>
+    </dgm:scene3d>
+    <dgm:sp3d/>
+    <dgm:txPr/>
+    <dgm:style>
+      <a:lnRef idx="2">
+        <a:scrgbClr r="0" g="0" b="0"/>
+      </a:lnRef>
+      <a:fillRef idx="1">
+        <a:scrgbClr r="0" g="0" b="0"/>
+      </a:fillRef>
+      <a:effectRef idx="0">
+        <a:scrgbClr r="0" g="0" b="0"/>
+      </a:effectRef>
+      <a:fontRef idx="minor"/>
+    </dgm:style>
+  </dgm:styleLbl>
+  <dgm:styleLbl name="alignAccFollowNode1">
+    <dgm:scene3d>
+      <a:camera prst="orthographicFront"/>
+      <a:lightRig rig="threePt" dir="t"/>
+    </dgm:scene3d>
+    <dgm:sp3d/>
+    <dgm:txPr/>
+    <dgm:style>
+      <a:lnRef idx="2">
+        <a:scrgbClr r="0" g="0" b="0"/>
+      </a:lnRef>
+      <a:fillRef idx="1">
+        <a:scrgbClr r="0" g="0" b="0"/>
+      </a:fillRef>
+      <a:effectRef idx="0">
+        <a:scrgbClr r="0" g="0" b="0"/>
+      </a:effectRef>
+      <a:fontRef idx="minor"/>
+    </dgm:style>
+  </dgm:styleLbl>
+  <dgm:styleLbl name="bgAccFollowNode1">
+    <dgm:scene3d>
+      <a:camera prst="orthographicFront"/>
+      <a:lightRig rig="threePt" dir="t"/>
+    </dgm:scene3d>
+    <dgm:sp3d/>
+    <dgm:txPr/>
+    <dgm:style>
+      <a:lnRef idx="2">
+        <a:scrgbClr r="0" g="0" b="0"/>
+      </a:lnRef>
+      <a:fillRef idx="1">
+        <a:scrgbClr r="0" g="0" b="0"/>
+      </a:fillRef>
+      <a:effectRef idx="0">
+        <a:scrgbClr r="0" g="0" b="0"/>
+      </a:effectRef>
+      <a:fontRef idx="minor"/>
+    </dgm:style>
+  </dgm:styleLbl>
+  <dgm:styleLbl name="fgAcc0">
+    <dgm:scene3d>
+      <a:camera prst="orthographicFront"/>
+      <a:lightRig rig="threePt" dir="t"/>
+    </dgm:scene3d>
+    <dgm:sp3d/>
+    <dgm:txPr/>
+    <dgm:style>
+      <a:lnRef idx="2">
+        <a:scrgbClr r="0" g="0" b="0"/>
+      </a:lnRef>
+      <a:fillRef idx="1">
+        <a:scrgbClr r="0" g="0" b="0"/>
+      </a:fillRef>
+      <a:effectRef idx="0">
+        <a:scrgbClr r="0" g="0" b="0"/>
+      </a:effectRef>
+      <a:fontRef idx="minor"/>
+    </dgm:style>
+  </dgm:styleLbl>
+  <dgm:styleLbl name="fgAcc2">
+    <dgm:scene3d>
+      <a:camera prst="orthographicFront"/>
+      <a:lightRig rig="threePt" dir="t"/>
+    </dgm:scene3d>
+    <dgm:sp3d/>
+    <dgm:txPr/>
+    <dgm:style>
+      <a:lnRef idx="2">
+        <a:scrgbClr r="0" g="0" b="0"/>
+      </a:lnRef>
+      <a:fillRef idx="1">
+        <a:scrgbClr r="0" g="0" b="0"/>
+      </a:fillRef>
+      <a:effectRef idx="0">
+        <a:scrgbClr r="0" g="0" b="0"/>
+      </a:effectRef>
+      <a:fontRef idx="minor"/>
+    </dgm:style>
+  </dgm:styleLbl>
+  <dgm:styleLbl name="fgAcc3">
+    <dgm:scene3d>
+      <a:camera prst="orthographicFront"/>
+      <a:lightRig rig="threePt" dir="t"/>
+    </dgm:scene3d>
+    <dgm:sp3d/>
+    <dgm:txPr/>
+    <dgm:style>
+      <a:lnRef idx="2">
+        <a:scrgbClr r="0" g="0" b="0"/>
+      </a:lnRef>
+      <a:fillRef idx="1">
+        <a:scrgbClr r="0" g="0" b="0"/>
+      </a:fillRef>
+      <a:effectRef idx="0">
+        <a:scrgbClr r="0" g="0" b="0"/>
+      </a:effectRef>
+      <a:fontRef idx="minor"/>
+    </dgm:style>
+  </dgm:styleLbl>
+  <dgm:styleLbl name="fgAcc4">
+    <dgm:scene3d>
+      <a:camera prst="orthographicFront"/>
+      <a:lightRig rig="threePt" dir="t"/>
+    </dgm:scene3d>
+    <dgm:sp3d/>
+    <dgm:txPr/>
+    <dgm:style>
+      <a:lnRef idx="2">
+        <a:scrgbClr r="0" g="0" b="0"/>
+      </a:lnRef>
+      <a:fillRef idx="1">
+        <a:scrgbClr r="0" g="0" b="0"/>
+      </a:fillRef>
+      <a:effectRef idx="0">
+        <a:scrgbClr r="0" g="0" b="0"/>
+      </a:effectRef>
+      <a:fontRef idx="minor"/>
+    </dgm:style>
+  </dgm:styleLbl>
+  <dgm:styleLbl name="bgShp">
+    <dgm:scene3d>
+      <a:camera prst="orthographicFront"/>
+      <a:lightRig rig="threePt" dir="t"/>
+    </dgm:scene3d>
+    <dgm:sp3d/>
+    <dgm:txPr/>
+    <dgm:style>
+      <a:lnRef idx="0">
+        <a:scrgbClr r="0" g="0" b="0"/>
+      </a:lnRef>
+      <a:fillRef idx="1">
+        <a:scrgbClr r="0" g="0" b="0"/>
+      </a:fillRef>
+      <a:effectRef idx="0">
+        <a:scrgbClr r="0" g="0" b="0"/>
+      </a:effectRef>
+      <a:fontRef idx="minor"/>
+    </dgm:style>
+  </dgm:styleLbl>
+  <dgm:styleLbl name="dkBgShp">
+    <dgm:scene3d>
+      <a:camera prst="orthographicFront"/>
+      <a:lightRig rig="threePt" dir="t"/>
+    </dgm:scene3d>
+    <dgm:sp3d/>
+    <dgm:txPr/>
+    <dgm:style>
+      <a:lnRef idx="0">
+        <a:scrgbClr r="0" g="0" b="0"/>
+      </a:lnRef>
+      <a:fillRef idx="1">
+        <a:scrgbClr r="0" g="0" b="0"/>
+      </a:fillRef>
+      <a:effectRef idx="0">
+        <a:scrgbClr r="0" g="0" b="0"/>
+      </a:effectRef>
+      <a:fontRef idx="minor"/>
+    </dgm:style>
+  </dgm:styleLbl>
+  <dgm:styleLbl name="trBgShp">
+    <dgm:scene3d>
+      <a:camera prst="orthographicFront"/>
+      <a:lightRig rig="threePt" dir="t"/>
+    </dgm:scene3d>
+    <dgm:sp3d/>
+    <dgm:txPr/>
+    <dgm:style>
+      <a:lnRef idx="0">
+        <a:scrgbClr r="0" g="0" b="0"/>
+      </a:lnRef>
+      <a:fillRef idx="1">
+        <a:scrgbClr r="0" g="0" b="0"/>
+      </a:fillRef>
+      <a:effectRef idx="0">
+        <a:scrgbClr r="0" g="0" b="0"/>
+      </a:effectRef>
+      <a:fontRef idx="minor"/>
+    </dgm:style>
+  </dgm:styleLbl>
+  <dgm:styleLbl name="fgShp">
+    <dgm:scene3d>
+      <a:camera prst="orthographicFront"/>
+      <a:lightRig rig="threePt" dir="t"/>
+    </dgm:scene3d>
+    <dgm:sp3d/>
+    <dgm:txPr/>
+    <dgm:style>
+      <a:lnRef idx="2">
+        <a:scrgbClr r="0" g="0" b="0"/>
+      </a:lnRef>
+      <a:fillRef idx="1">
+        <a:scrgbClr r="0" g="0" b="0"/>
+      </a:fillRef>
+      <a:effectRef idx="0">
+        <a:scrgbClr r="0" g="0" b="0"/>
+      </a:effectRef>
+      <a:fontRef idx="minor"/>
+    </dgm:style>
+  </dgm:styleLbl>
+  <dgm:styleLbl name="revTx">
+    <dgm:scene3d>
+      <a:camera prst="orthographicFront"/>
+      <a:lightRig rig="threePt" dir="t"/>
+    </dgm:scene3d>
+    <dgm:sp3d/>
+    <dgm:txPr/>
+    <dgm:style>
+      <a:lnRef idx="0">
+        <a:scrgbClr r="0" g="0" b="0"/>
+      </a:lnRef>
+      <a:fillRef idx="0">
+        <a:scrgbClr r="0" g="0" b="0"/>
+      </a:fillRef>
+      <a:effectRef idx="0">
+        <a:scrgbClr r="0" g="0" b="0"/>
+      </a:effectRef>
+      <a:fontRef idx="minor"/>
+    </dgm:style>
+  </dgm:styleLbl>
+</dgm:styleDef>
+</file>
+
+<file path=ppt/diagrams/quickStyle3.xml><?xml version="1.0" encoding="utf-8"?>
 <dgm:styleDef xmlns:dgm="http://schemas.openxmlformats.org/drawingml/2006/diagram" xmlns:a="http://schemas.openxmlformats.org/drawingml/2006/main" uniqueId="urn:microsoft.com/office/officeart/2005/8/quickstyle/simple1">
   <dgm:title val=""/>
   <dgm:desc val=""/>
@@ -5949,7 +8044,7 @@
           <a:p>
             <a:r>
               <a:rPr lang="de-DE" dirty="0" smtClean="0"/>
-              <a:t>MySQL Paket</a:t>
+              <a:t>Visualisierung anhand von Karte</a:t>
             </a:r>
             <a:endParaRPr lang="de-DE" dirty="0"/>
           </a:p>
@@ -6000,7 +8095,7 @@
               <a:pPr>
                 <a:defRPr/>
               </a:pPr>
-              <a:t>4</a:t>
+              <a:t>3</a:t>
             </a:fld>
             <a:endParaRPr lang="de-DE"/>
           </a:p>
@@ -6009,7 +8104,7 @@
     </p:spTree>
     <p:extLst>
       <p:ext uri="{BB962C8B-B14F-4D97-AF65-F5344CB8AC3E}">
-        <p14:creationId xmlns:p14="http://schemas.microsoft.com/office/powerpoint/2010/main" val="2366590229"/>
+        <p14:creationId xmlns:p14="http://schemas.microsoft.com/office/powerpoint/2010/main" val="2527792157"/>
       </p:ext>
     </p:extLst>
   </p:cSld>
@@ -6065,7 +8160,11 @@
           <a:p>
             <a:r>
               <a:rPr lang="de-DE" dirty="0" smtClean="0"/>
-              <a:t>MySQL Paket</a:t>
+              <a:t>Bzw. </a:t>
+            </a:r>
+            <a:r>
+              <a:rPr lang="de-DE" dirty="0" err="1" smtClean="0"/>
+              <a:t>WebLokalisierungsdienst</a:t>
             </a:r>
             <a:endParaRPr lang="de-DE" dirty="0"/>
           </a:p>
@@ -6116,7 +8215,7 @@
               <a:pPr>
                 <a:defRPr/>
               </a:pPr>
-              <a:t>5</a:t>
+              <a:t>4</a:t>
             </a:fld>
             <a:endParaRPr lang="de-DE"/>
           </a:p>
@@ -6125,7 +8224,7 @@
     </p:spTree>
     <p:extLst>
       <p:ext uri="{BB962C8B-B14F-4D97-AF65-F5344CB8AC3E}">
-        <p14:creationId xmlns:p14="http://schemas.microsoft.com/office/powerpoint/2010/main" val="337534244"/>
+        <p14:creationId xmlns:p14="http://schemas.microsoft.com/office/powerpoint/2010/main" val="2088366944"/>
       </p:ext>
     </p:extLst>
   </p:cSld>
@@ -6180,16 +8279,8 @@
           <a:lstStyle/>
           <a:p>
             <a:r>
-              <a:rPr lang="de-DE" dirty="0" err="1" smtClean="0"/>
-              <a:t>GUIController</a:t>
-            </a:r>
-            <a:r>
               <a:rPr lang="de-DE" dirty="0" smtClean="0"/>
-              <a:t> einzige</a:t>
-            </a:r>
-            <a:r>
-              <a:rPr lang="de-DE" baseline="0" dirty="0" smtClean="0"/>
-              <a:t> Komponente, die Verbindung zur DB hat.</a:t>
+              <a:t>MySQL Paket</a:t>
             </a:r>
             <a:endParaRPr lang="de-DE" dirty="0"/>
           </a:p>
@@ -6240,7 +8331,7 @@
               <a:pPr>
                 <a:defRPr/>
               </a:pPr>
-              <a:t>9</a:t>
+              <a:t>6</a:t>
             </a:fld>
             <a:endParaRPr lang="de-DE"/>
           </a:p>
@@ -6249,7 +8340,7 @@
     </p:spTree>
     <p:extLst>
       <p:ext uri="{BB962C8B-B14F-4D97-AF65-F5344CB8AC3E}">
-        <p14:creationId xmlns:p14="http://schemas.microsoft.com/office/powerpoint/2010/main" val="2931225276"/>
+        <p14:creationId xmlns:p14="http://schemas.microsoft.com/office/powerpoint/2010/main" val="2366590229"/>
       </p:ext>
     </p:extLst>
   </p:cSld>
@@ -6305,27 +8396,7 @@
           <a:p>
             <a:r>
               <a:rPr lang="de-DE" dirty="0" smtClean="0"/>
-              <a:t>DMOZ parsen</a:t>
-            </a:r>
-            <a:r>
-              <a:rPr lang="de-DE" baseline="0" dirty="0" smtClean="0"/>
-              <a:t> schneller, </a:t>
-            </a:r>
-            <a:r>
-              <a:rPr lang="de-DE" baseline="0" dirty="0" err="1" smtClean="0"/>
-              <a:t>unfolding</a:t>
-            </a:r>
-            <a:r>
-              <a:rPr lang="de-DE" baseline="0" dirty="0" smtClean="0"/>
-              <a:t> </a:t>
-            </a:r>
-            <a:r>
-              <a:rPr lang="de-DE" baseline="0" dirty="0" err="1" smtClean="0"/>
-              <a:t>Map</a:t>
-            </a:r>
-            <a:r>
-              <a:rPr lang="de-DE" baseline="0" dirty="0" smtClean="0"/>
-              <a:t> mehr Zeit</a:t>
+              <a:t>MySQL Paket</a:t>
             </a:r>
             <a:endParaRPr lang="de-DE" dirty="0"/>
           </a:p>
@@ -6376,7 +8447,7 @@
               <a:pPr>
                 <a:defRPr/>
               </a:pPr>
-              <a:t>11</a:t>
+              <a:t>7</a:t>
             </a:fld>
             <a:endParaRPr lang="de-DE"/>
           </a:p>
@@ -6385,7 +8456,7 @@
     </p:spTree>
     <p:extLst>
       <p:ext uri="{BB962C8B-B14F-4D97-AF65-F5344CB8AC3E}">
-        <p14:creationId xmlns:p14="http://schemas.microsoft.com/office/powerpoint/2010/main" val="635483623"/>
+        <p14:creationId xmlns:p14="http://schemas.microsoft.com/office/powerpoint/2010/main" val="337534244"/>
       </p:ext>
     </p:extLst>
   </p:cSld>
@@ -6440,8 +8511,16 @@
           <a:lstStyle/>
           <a:p>
             <a:r>
+              <a:rPr lang="de-DE" dirty="0" err="1" smtClean="0"/>
+              <a:t>GUIController</a:t>
+            </a:r>
+            <a:r>
               <a:rPr lang="de-DE" dirty="0" smtClean="0"/>
-              <a:t>Mock</a:t>
+              <a:t> einzige</a:t>
+            </a:r>
+            <a:r>
+              <a:rPr lang="de-DE" baseline="0" dirty="0" smtClean="0"/>
+              <a:t> Komponente, die Verbindung zur DB hat.</a:t>
             </a:r>
             <a:endParaRPr lang="de-DE" dirty="0"/>
           </a:p>
@@ -6492,7 +8571,7 @@
               <a:pPr>
                 <a:defRPr/>
               </a:pPr>
-              <a:t>12</a:t>
+              <a:t>11</a:t>
             </a:fld>
             <a:endParaRPr lang="de-DE"/>
           </a:p>
@@ -6501,7 +8580,7 @@
     </p:spTree>
     <p:extLst>
       <p:ext uri="{BB962C8B-B14F-4D97-AF65-F5344CB8AC3E}">
-        <p14:creationId xmlns:p14="http://schemas.microsoft.com/office/powerpoint/2010/main" val="1941511741"/>
+        <p14:creationId xmlns:p14="http://schemas.microsoft.com/office/powerpoint/2010/main" val="2931225276"/>
       </p:ext>
     </p:extLst>
   </p:cSld>
@@ -6555,37 +8634,29 @@
           <a:bodyPr/>
           <a:lstStyle/>
           <a:p>
-            <a:pPr marL="171450" indent="-171450">
-              <a:buFont typeface="Arial" panose="020B0604020202020204" pitchFamily="34" charset="0"/>
-              <a:buChar char="•"/>
-            </a:pPr>
             <a:r>
               <a:rPr lang="de-DE" dirty="0" smtClean="0"/>
-              <a:t>Fazit bzw. wie Organisatorischer</a:t>
+              <a:t>DMOZ parsen</a:t>
             </a:r>
             <a:r>
               <a:rPr lang="de-DE" baseline="0" dirty="0" smtClean="0"/>
-              <a:t> Hintergrund</a:t>
-            </a:r>
-          </a:p>
-          <a:p>
-            <a:pPr marL="171450" indent="-171450">
-              <a:buFont typeface="Arial" panose="020B0604020202020204" pitchFamily="34" charset="0"/>
-              <a:buChar char="•"/>
-            </a:pPr>
-            <a:r>
-              <a:rPr lang="de-DE" dirty="0" smtClean="0"/>
-              <a:t>Relative Pfade</a:t>
-            </a:r>
-          </a:p>
-          <a:p>
-            <a:pPr marL="171450" indent="-171450">
-              <a:buFont typeface="Arial" panose="020B0604020202020204" pitchFamily="34" charset="0"/>
-              <a:buChar char="•"/>
-            </a:pPr>
-            <a:r>
-              <a:rPr lang="de-DE" dirty="0" smtClean="0"/>
-              <a:t>Fragen</a:t>
+              <a:t> schneller, </a:t>
+            </a:r>
+            <a:r>
+              <a:rPr lang="de-DE" baseline="0" dirty="0" err="1" smtClean="0"/>
+              <a:t>unfolding</a:t>
+            </a:r>
+            <a:r>
+              <a:rPr lang="de-DE" baseline="0" dirty="0" smtClean="0"/>
+              <a:t> </a:t>
+            </a:r>
+            <a:r>
+              <a:rPr lang="de-DE" baseline="0" dirty="0" err="1" smtClean="0"/>
+              <a:t>Map</a:t>
+            </a:r>
+            <a:r>
+              <a:rPr lang="de-DE" baseline="0" dirty="0" smtClean="0"/>
+              <a:t> mehr Zeit</a:t>
             </a:r>
             <a:endParaRPr lang="de-DE" dirty="0"/>
           </a:p>
@@ -6637,6 +8708,266 @@
                 <a:defRPr/>
               </a:pPr>
               <a:t>13</a:t>
+            </a:fld>
+            <a:endParaRPr lang="de-DE"/>
+          </a:p>
+        </p:txBody>
+      </p:sp>
+    </p:spTree>
+    <p:extLst>
+      <p:ext uri="{BB962C8B-B14F-4D97-AF65-F5344CB8AC3E}">
+        <p14:creationId xmlns:p14="http://schemas.microsoft.com/office/powerpoint/2010/main" val="635483623"/>
+      </p:ext>
+    </p:extLst>
+  </p:cSld>
+  <p:clrMapOvr>
+    <a:masterClrMapping/>
+  </p:clrMapOvr>
+</p:notes>
+</file>
+
+<file path=ppt/notesSlides/notesSlide8.xml><?xml version="1.0" encoding="utf-8"?>
+<p:notes xmlns:a="http://schemas.openxmlformats.org/drawingml/2006/main" xmlns:r="http://schemas.openxmlformats.org/officeDocument/2006/relationships" xmlns:p="http://schemas.openxmlformats.org/presentationml/2006/main">
+  <p:cSld>
+    <p:spTree>
+      <p:nvGrpSpPr>
+        <p:cNvPr id="1" name=""/>
+        <p:cNvGrpSpPr/>
+        <p:nvPr/>
+      </p:nvGrpSpPr>
+      <p:grpSpPr>
+        <a:xfrm>
+          <a:off x="0" y="0"/>
+          <a:ext cx="0" cy="0"/>
+          <a:chOff x="0" y="0"/>
+          <a:chExt cx="0" cy="0"/>
+        </a:xfrm>
+      </p:grpSpPr>
+      <p:sp>
+        <p:nvSpPr>
+          <p:cNvPr id="2" name="Folienbildplatzhalter 1"/>
+          <p:cNvSpPr>
+            <a:spLocks noGrp="1" noRot="1" noChangeAspect="1"/>
+          </p:cNvSpPr>
+          <p:nvPr>
+            <p:ph type="sldImg"/>
+          </p:nvPr>
+        </p:nvSpPr>
+        <p:spPr/>
+      </p:sp>
+      <p:sp>
+        <p:nvSpPr>
+          <p:cNvPr id="3" name="Notizenplatzhalter 2"/>
+          <p:cNvSpPr>
+            <a:spLocks noGrp="1"/>
+          </p:cNvSpPr>
+          <p:nvPr>
+            <p:ph type="body" idx="1"/>
+          </p:nvPr>
+        </p:nvSpPr>
+        <p:spPr/>
+        <p:txBody>
+          <a:bodyPr/>
+          <a:lstStyle/>
+          <a:p>
+            <a:r>
+              <a:rPr lang="de-DE" dirty="0" smtClean="0"/>
+              <a:t>Mock</a:t>
+            </a:r>
+            <a:endParaRPr lang="de-DE" dirty="0"/>
+          </a:p>
+        </p:txBody>
+      </p:sp>
+      <p:sp>
+        <p:nvSpPr>
+          <p:cNvPr id="4" name="Fußzeilenplatzhalter 3"/>
+          <p:cNvSpPr>
+            <a:spLocks noGrp="1"/>
+          </p:cNvSpPr>
+          <p:nvPr>
+            <p:ph type="ftr" sz="quarter" idx="10"/>
+          </p:nvPr>
+        </p:nvSpPr>
+        <p:spPr/>
+        <p:txBody>
+          <a:bodyPr/>
+          <a:lstStyle/>
+          <a:p>
+            <a:pPr>
+              <a:defRPr/>
+            </a:pPr>
+            <a:endParaRPr lang="de-DE"/>
+          </a:p>
+        </p:txBody>
+      </p:sp>
+      <p:sp>
+        <p:nvSpPr>
+          <p:cNvPr id="5" name="Foliennummernplatzhalter 4"/>
+          <p:cNvSpPr>
+            <a:spLocks noGrp="1"/>
+          </p:cNvSpPr>
+          <p:nvPr>
+            <p:ph type="sldNum" sz="quarter" idx="11"/>
+          </p:nvPr>
+        </p:nvSpPr>
+        <p:spPr/>
+        <p:txBody>
+          <a:bodyPr/>
+          <a:lstStyle/>
+          <a:p>
+            <a:pPr>
+              <a:defRPr/>
+            </a:pPr>
+            <a:fld id="{C527DC3E-3A27-4D23-9336-3EAB36224A06}" type="slidenum">
+              <a:rPr lang="de-DE" smtClean="0"/>
+              <a:pPr>
+                <a:defRPr/>
+              </a:pPr>
+              <a:t>14</a:t>
+            </a:fld>
+            <a:endParaRPr lang="de-DE"/>
+          </a:p>
+        </p:txBody>
+      </p:sp>
+    </p:spTree>
+    <p:extLst>
+      <p:ext uri="{BB962C8B-B14F-4D97-AF65-F5344CB8AC3E}">
+        <p14:creationId xmlns:p14="http://schemas.microsoft.com/office/powerpoint/2010/main" val="1941511741"/>
+      </p:ext>
+    </p:extLst>
+  </p:cSld>
+  <p:clrMapOvr>
+    <a:masterClrMapping/>
+  </p:clrMapOvr>
+</p:notes>
+</file>
+
+<file path=ppt/notesSlides/notesSlide9.xml><?xml version="1.0" encoding="utf-8"?>
+<p:notes xmlns:a="http://schemas.openxmlformats.org/drawingml/2006/main" xmlns:r="http://schemas.openxmlformats.org/officeDocument/2006/relationships" xmlns:p="http://schemas.openxmlformats.org/presentationml/2006/main">
+  <p:cSld>
+    <p:spTree>
+      <p:nvGrpSpPr>
+        <p:cNvPr id="1" name=""/>
+        <p:cNvGrpSpPr/>
+        <p:nvPr/>
+      </p:nvGrpSpPr>
+      <p:grpSpPr>
+        <a:xfrm>
+          <a:off x="0" y="0"/>
+          <a:ext cx="0" cy="0"/>
+          <a:chOff x="0" y="0"/>
+          <a:chExt cx="0" cy="0"/>
+        </a:xfrm>
+      </p:grpSpPr>
+      <p:sp>
+        <p:nvSpPr>
+          <p:cNvPr id="2" name="Folienbildplatzhalter 1"/>
+          <p:cNvSpPr>
+            <a:spLocks noGrp="1" noRot="1" noChangeAspect="1"/>
+          </p:cNvSpPr>
+          <p:nvPr>
+            <p:ph type="sldImg"/>
+          </p:nvPr>
+        </p:nvSpPr>
+        <p:spPr/>
+      </p:sp>
+      <p:sp>
+        <p:nvSpPr>
+          <p:cNvPr id="3" name="Notizenplatzhalter 2"/>
+          <p:cNvSpPr>
+            <a:spLocks noGrp="1"/>
+          </p:cNvSpPr>
+          <p:nvPr>
+            <p:ph type="body" idx="1"/>
+          </p:nvPr>
+        </p:nvSpPr>
+        <p:spPr/>
+        <p:txBody>
+          <a:bodyPr/>
+          <a:lstStyle/>
+          <a:p>
+            <a:pPr marL="171450" indent="-171450">
+              <a:buFont typeface="Arial" panose="020B0604020202020204" pitchFamily="34" charset="0"/>
+              <a:buChar char="•"/>
+            </a:pPr>
+            <a:r>
+              <a:rPr lang="de-DE" dirty="0" smtClean="0"/>
+              <a:t>Fazit bzw. wie Organisatorischer</a:t>
+            </a:r>
+            <a:r>
+              <a:rPr lang="de-DE" baseline="0" dirty="0" smtClean="0"/>
+              <a:t> Hintergrund</a:t>
+            </a:r>
+          </a:p>
+          <a:p>
+            <a:pPr marL="171450" indent="-171450">
+              <a:buFont typeface="Arial" panose="020B0604020202020204" pitchFamily="34" charset="0"/>
+              <a:buChar char="•"/>
+            </a:pPr>
+            <a:r>
+              <a:rPr lang="de-DE" dirty="0" smtClean="0"/>
+              <a:t>Relative Pfade</a:t>
+            </a:r>
+          </a:p>
+          <a:p>
+            <a:pPr marL="171450" indent="-171450">
+              <a:buFont typeface="Arial" panose="020B0604020202020204" pitchFamily="34" charset="0"/>
+              <a:buChar char="•"/>
+            </a:pPr>
+            <a:r>
+              <a:rPr lang="de-DE" dirty="0" smtClean="0"/>
+              <a:t>Fragen</a:t>
+            </a:r>
+            <a:endParaRPr lang="de-DE" dirty="0"/>
+          </a:p>
+        </p:txBody>
+      </p:sp>
+      <p:sp>
+        <p:nvSpPr>
+          <p:cNvPr id="4" name="Fußzeilenplatzhalter 3"/>
+          <p:cNvSpPr>
+            <a:spLocks noGrp="1"/>
+          </p:cNvSpPr>
+          <p:nvPr>
+            <p:ph type="ftr" sz="quarter" idx="10"/>
+          </p:nvPr>
+        </p:nvSpPr>
+        <p:spPr/>
+        <p:txBody>
+          <a:bodyPr/>
+          <a:lstStyle/>
+          <a:p>
+            <a:pPr>
+              <a:defRPr/>
+            </a:pPr>
+            <a:endParaRPr lang="de-DE"/>
+          </a:p>
+        </p:txBody>
+      </p:sp>
+      <p:sp>
+        <p:nvSpPr>
+          <p:cNvPr id="5" name="Foliennummernplatzhalter 4"/>
+          <p:cNvSpPr>
+            <a:spLocks noGrp="1"/>
+          </p:cNvSpPr>
+          <p:nvPr>
+            <p:ph type="sldNum" sz="quarter" idx="11"/>
+          </p:nvPr>
+        </p:nvSpPr>
+        <p:spPr/>
+        <p:txBody>
+          <a:bodyPr/>
+          <a:lstStyle/>
+          <a:p>
+            <a:pPr>
+              <a:defRPr/>
+            </a:pPr>
+            <a:fld id="{C527DC3E-3A27-4D23-9336-3EAB36224A06}" type="slidenum">
+              <a:rPr lang="de-DE" smtClean="0"/>
+              <a:pPr>
+                <a:defRPr/>
+              </a:pPr>
+              <a:t>15</a:t>
             </a:fld>
             <a:endParaRPr lang="de-DE"/>
           </a:p>
@@ -7103,7 +9434,7 @@
             <a:fld id="{80E101DA-C805-49D6-936E-EF17408DE37B}" type="datetime1">
               <a:rPr lang="de-DE" smtClean="0"/>
               <a:pPr/>
-              <a:t>12.03.2015</a:t>
+              <a:t>15.03.2015</a:t>
             </a:fld>
             <a:endParaRPr lang="de-DE" dirty="0"/>
           </a:p>
@@ -7283,7 +9614,7 @@
             <a:fld id="{2B68D019-5134-4866-8BCC-6AD2983F956C}" type="datetime1">
               <a:rPr lang="de-DE" smtClean="0"/>
               <a:pPr/>
-              <a:t>12.03.2015</a:t>
+              <a:t>15.03.2015</a:t>
             </a:fld>
             <a:endParaRPr lang="de-DE" dirty="0"/>
           </a:p>
@@ -7979,7 +10310,7 @@
             <a:fld id="{503864FC-C1F6-4F60-90E2-4C82285A7CB6}" type="datetime1">
               <a:rPr lang="de-DE" smtClean="0"/>
               <a:pPr/>
-              <a:t>12.03.2015</a:t>
+              <a:t>15.03.2015</a:t>
             </a:fld>
             <a:endParaRPr lang="de-DE" dirty="0"/>
           </a:p>
@@ -8406,7 +10737,7 @@
             <a:fld id="{DFFFF499-D2C2-429B-A38D-874884AC2B44}" type="datetime1">
               <a:rPr lang="de-DE" smtClean="0"/>
               <a:pPr/>
-              <a:t>12.03.2015</a:t>
+              <a:t>15.03.2015</a:t>
             </a:fld>
             <a:endParaRPr lang="de-DE" dirty="0"/>
           </a:p>
@@ -8524,7 +10855,7 @@
             <a:fld id="{92EEC2FF-F6B1-4953-8BD6-DF423CDA3B5D}" type="datetime1">
               <a:rPr lang="de-DE" smtClean="0"/>
               <a:pPr/>
-              <a:t>12.03.2015</a:t>
+              <a:t>15.03.2015</a:t>
             </a:fld>
             <a:endParaRPr lang="de-DE" dirty="0"/>
           </a:p>
@@ -8619,7 +10950,7 @@
             <a:fld id="{CC0FF657-D1DB-4306-82A3-A2011C94EF85}" type="datetime1">
               <a:rPr lang="de-DE" smtClean="0"/>
               <a:pPr/>
-              <a:t>12.03.2015</a:t>
+              <a:t>15.03.2015</a:t>
             </a:fld>
             <a:endParaRPr lang="de-DE" dirty="0"/>
           </a:p>
@@ -8896,7 +11227,7 @@
             <a:fld id="{7B39ADCC-593E-41F1-8EDC-3499514C881E}" type="datetime1">
               <a:rPr lang="de-DE" smtClean="0"/>
               <a:pPr/>
-              <a:t>12.03.2015</a:t>
+              <a:t>15.03.2015</a:t>
             </a:fld>
             <a:endParaRPr lang="de-DE" dirty="0"/>
           </a:p>
@@ -9153,7 +11484,7 @@
             <a:fld id="{2517161F-0686-4A32-B5C2-6110D54CBF61}" type="datetime1">
               <a:rPr lang="de-DE" smtClean="0"/>
               <a:pPr/>
-              <a:t>12.03.2015</a:t>
+              <a:t>15.03.2015</a:t>
             </a:fld>
             <a:endParaRPr lang="de-DE" dirty="0"/>
           </a:p>
@@ -9564,7 +11895,7 @@
             <a:fld id="{C01FFB54-A4C6-43F5-85F0-3FD9312F6439}" type="datetime1">
               <a:rPr lang="de-DE" smtClean="0"/>
               <a:pPr/>
-              <a:t>12.03.2015</a:t>
+              <a:t>15.03.2015</a:t>
             </a:fld>
             <a:endParaRPr lang="de-DE" dirty="0"/>
           </a:p>
@@ -10182,6 +12513,432 @@
           <a:chExt cx="0" cy="0"/>
         </a:xfrm>
       </p:grpSpPr>
+      <p:pic>
+        <p:nvPicPr>
+          <p:cNvPr id="10" name="Grafik 9"/>
+          <p:cNvPicPr>
+            <a:picLocks noChangeAspect="1"/>
+          </p:cNvPicPr>
+          <p:nvPr/>
+        </p:nvPicPr>
+        <p:blipFill rotWithShape="1">
+          <a:blip r:embed="rId2" cstate="print">
+            <a:extLst>
+              <a:ext uri="{28A0092B-C50C-407E-A947-70E740481C1C}">
+                <a14:useLocalDpi xmlns:a14="http://schemas.microsoft.com/office/drawing/2010/main" val="0"/>
+              </a:ext>
+            </a:extLst>
+          </a:blip>
+          <a:srcRect l="21544" t="23529" r="48191" b="50000"/>
+          <a:stretch/>
+        </p:blipFill>
+        <p:spPr>
+          <a:xfrm>
+            <a:off x="1115616" y="1628800"/>
+            <a:ext cx="7272808" cy="4620372"/>
+          </a:xfrm>
+          <a:prstGeom prst="rect">
+            <a:avLst/>
+          </a:prstGeom>
+        </p:spPr>
+      </p:pic>
+      <p:sp>
+        <p:nvSpPr>
+          <p:cNvPr id="2" name="Titel 1"/>
+          <p:cNvSpPr>
+            <a:spLocks noGrp="1"/>
+          </p:cNvSpPr>
+          <p:nvPr>
+            <p:ph type="title"/>
+          </p:nvPr>
+        </p:nvSpPr>
+        <p:spPr/>
+        <p:txBody>
+          <a:bodyPr/>
+          <a:lstStyle/>
+          <a:p>
+            <a:r>
+              <a:rPr lang="de-DE" dirty="0" smtClean="0"/>
+              <a:t>2. Entwurf (Crawler)</a:t>
+            </a:r>
+            <a:endParaRPr lang="de-DE" dirty="0"/>
+          </a:p>
+        </p:txBody>
+      </p:sp>
+      <p:sp>
+        <p:nvSpPr>
+          <p:cNvPr id="21" name="Textfeld 20"/>
+          <p:cNvSpPr txBox="1"/>
+          <p:nvPr/>
+        </p:nvSpPr>
+        <p:spPr>
+          <a:xfrm>
+            <a:off x="6865632" y="1124744"/>
+            <a:ext cx="1306768" cy="292388"/>
+          </a:xfrm>
+          <a:prstGeom prst="rect">
+            <a:avLst/>
+          </a:prstGeom>
+          <a:solidFill>
+            <a:srgbClr val="FFFFFF"/>
+          </a:solidFill>
+          <a:ln w="12700">
+            <a:solidFill>
+              <a:schemeClr val="tx1"/>
+            </a:solidFill>
+          </a:ln>
+        </p:spPr>
+        <p:txBody>
+          <a:bodyPr wrap="none" rtlCol="0">
+            <a:spAutoFit/>
+          </a:bodyPr>
+          <a:lstStyle/>
+          <a:p>
+            <a:r>
+              <a:rPr lang="de-DE" sz="1300" u="sng" dirty="0" err="1" smtClean="0"/>
+              <a:t>dbc:DBCrawler</a:t>
+            </a:r>
+            <a:endParaRPr lang="de-DE" sz="1300" u="sng" dirty="0"/>
+          </a:p>
+        </p:txBody>
+      </p:sp>
+      <p:sp>
+        <p:nvSpPr>
+          <p:cNvPr id="22" name="Textfeld 21"/>
+          <p:cNvSpPr txBox="1"/>
+          <p:nvPr/>
+        </p:nvSpPr>
+        <p:spPr>
+          <a:xfrm>
+            <a:off x="5502758" y="1124744"/>
+            <a:ext cx="825867" cy="292388"/>
+          </a:xfrm>
+          <a:prstGeom prst="rect">
+            <a:avLst/>
+          </a:prstGeom>
+          <a:solidFill>
+            <a:srgbClr val="FFFFFF"/>
+          </a:solidFill>
+          <a:ln w="12700">
+            <a:solidFill>
+              <a:schemeClr val="tx1"/>
+            </a:solidFill>
+          </a:ln>
+        </p:spPr>
+        <p:txBody>
+          <a:bodyPr wrap="none" rtlCol="0">
+            <a:spAutoFit/>
+          </a:bodyPr>
+          <a:lstStyle/>
+          <a:p>
+            <a:r>
+              <a:rPr lang="de-DE" sz="1300" u="sng" dirty="0" smtClean="0"/>
+              <a:t>l:Locator</a:t>
+            </a:r>
+            <a:endParaRPr lang="de-DE" sz="1300" u="sng" dirty="0"/>
+          </a:p>
+        </p:txBody>
+      </p:sp>
+      <p:sp>
+        <p:nvSpPr>
+          <p:cNvPr id="25" name="Textfeld 24"/>
+          <p:cNvSpPr txBox="1"/>
+          <p:nvPr/>
+        </p:nvSpPr>
+        <p:spPr>
+          <a:xfrm>
+            <a:off x="2867718" y="1124744"/>
+            <a:ext cx="1957587" cy="292388"/>
+          </a:xfrm>
+          <a:prstGeom prst="rect">
+            <a:avLst/>
+          </a:prstGeom>
+          <a:solidFill>
+            <a:srgbClr val="FFFFFF"/>
+          </a:solidFill>
+          <a:ln w="12700">
+            <a:solidFill>
+              <a:schemeClr val="tx1"/>
+            </a:solidFill>
+          </a:ln>
+        </p:spPr>
+        <p:txBody>
+          <a:bodyPr wrap="none" rtlCol="0">
+            <a:spAutoFit/>
+          </a:bodyPr>
+          <a:lstStyle/>
+          <a:p>
+            <a:r>
+              <a:rPr lang="de-DE" sz="1300" u="sng" dirty="0" err="1" smtClean="0"/>
+              <a:t>worker:StatusProcessor</a:t>
+            </a:r>
+            <a:endParaRPr lang="de-DE" sz="1300" u="sng" dirty="0"/>
+          </a:p>
+        </p:txBody>
+      </p:sp>
+      <p:sp>
+        <p:nvSpPr>
+          <p:cNvPr id="9" name="Rectangle 12"/>
+          <p:cNvSpPr>
+            <a:spLocks noGrp="1" noChangeArrowheads="1"/>
+          </p:cNvSpPr>
+          <p:nvPr>
+            <p:ph type="ftr" sz="quarter" idx="10"/>
+          </p:nvPr>
+        </p:nvSpPr>
+        <p:spPr>
+          <a:xfrm>
+            <a:off x="611560" y="6443637"/>
+            <a:ext cx="7848871" cy="360363"/>
+          </a:xfrm>
+          <a:ln/>
+        </p:spPr>
+        <p:txBody>
+          <a:bodyPr/>
+          <a:lstStyle>
+            <a:lvl1pPr>
+              <a:defRPr sz="1000">
+                <a:solidFill>
+                  <a:schemeClr val="tx1"/>
+                </a:solidFill>
+                <a:latin typeface="Calibri" panose="020F0502020204030204" pitchFamily="34" charset="0"/>
+              </a:defRPr>
+            </a:lvl1pPr>
+          </a:lstStyle>
+          <a:p>
+            <a:pPr>
+              <a:defRPr/>
+            </a:pPr>
+            <a:r>
+              <a:rPr lang="de-DE" dirty="0" smtClean="0"/>
+              <a:t>Praxis der Softwareentwicklung: </a:t>
+            </a:r>
+            <a:r>
+              <a:rPr lang="de-DE" dirty="0" err="1" smtClean="0"/>
+              <a:t>Visualizing</a:t>
+            </a:r>
+            <a:r>
+              <a:rPr lang="de-DE" dirty="0" smtClean="0"/>
+              <a:t> Trends. Was verrät uns Twitter?</a:t>
+            </a:r>
+            <a:br>
+              <a:rPr lang="de-DE" dirty="0" smtClean="0"/>
+            </a:br>
+            <a:r>
+              <a:rPr lang="de-DE" dirty="0" smtClean="0"/>
+              <a:t>Aufgabenstellung               </a:t>
+            </a:r>
+            <a:r>
+              <a:rPr lang="de-DE" b="1" dirty="0" smtClean="0"/>
+              <a:t>Entwurf</a:t>
+            </a:r>
+            <a:r>
+              <a:rPr lang="de-DE" dirty="0" smtClean="0"/>
+              <a:t>		Implementierung		Validierung		Fazit</a:t>
+            </a:r>
+            <a:endParaRPr lang="de-DE" dirty="0"/>
+          </a:p>
+        </p:txBody>
+      </p:sp>
+    </p:spTree>
+    <p:extLst>
+      <p:ext uri="{BB962C8B-B14F-4D97-AF65-F5344CB8AC3E}">
+        <p14:creationId xmlns:p14="http://schemas.microsoft.com/office/powerpoint/2010/main" val="3591635622"/>
+      </p:ext>
+    </p:extLst>
+  </p:cSld>
+  <p:clrMapOvr>
+    <a:masterClrMapping/>
+  </p:clrMapOvr>
+  <mc:AlternateContent xmlns:mc="http://schemas.openxmlformats.org/markup-compatibility/2006" xmlns:p14="http://schemas.microsoft.com/office/powerpoint/2010/main">
+    <mc:Choice Requires="p14">
+      <p:transition p14:dur="0"/>
+    </mc:Choice>
+    <mc:Fallback xmlns="">
+      <p:transition/>
+    </mc:Fallback>
+  </mc:AlternateContent>
+  <p:timing>
+    <p:tnLst>
+      <p:par>
+        <p:cTn id="1" dur="indefinite" restart="never" nodeType="tmRoot"/>
+      </p:par>
+    </p:tnLst>
+  </p:timing>
+</p:sld>
+</file>
+
+<file path=ppt/slides/slide11.xml><?xml version="1.0" encoding="utf-8"?>
+<p:sld xmlns:a="http://schemas.openxmlformats.org/drawingml/2006/main" xmlns:r="http://schemas.openxmlformats.org/officeDocument/2006/relationships" xmlns:p="http://schemas.openxmlformats.org/presentationml/2006/main">
+  <p:cSld>
+    <p:spTree>
+      <p:nvGrpSpPr>
+        <p:cNvPr id="1" name=""/>
+        <p:cNvGrpSpPr/>
+        <p:nvPr/>
+      </p:nvGrpSpPr>
+      <p:grpSpPr>
+        <a:xfrm>
+          <a:off x="0" y="0"/>
+          <a:ext cx="0" cy="0"/>
+          <a:chOff x="0" y="0"/>
+          <a:chExt cx="0" cy="0"/>
+        </a:xfrm>
+      </p:grpSpPr>
+      <p:sp>
+        <p:nvSpPr>
+          <p:cNvPr id="2" name="Titel 1"/>
+          <p:cNvSpPr>
+            <a:spLocks noGrp="1"/>
+          </p:cNvSpPr>
+          <p:nvPr>
+            <p:ph type="title"/>
+          </p:nvPr>
+        </p:nvSpPr>
+        <p:spPr/>
+        <p:txBody>
+          <a:bodyPr/>
+          <a:lstStyle/>
+          <a:p>
+            <a:r>
+              <a:rPr lang="de-DE" dirty="0" smtClean="0"/>
+              <a:t>2. Entwurf (GUI)</a:t>
+            </a:r>
+            <a:endParaRPr lang="de-DE" dirty="0"/>
+          </a:p>
+        </p:txBody>
+      </p:sp>
+      <p:pic>
+        <p:nvPicPr>
+          <p:cNvPr id="8" name="Grafik 7"/>
+          <p:cNvPicPr>
+            <a:picLocks noChangeAspect="1"/>
+          </p:cNvPicPr>
+          <p:nvPr/>
+        </p:nvPicPr>
+        <p:blipFill>
+          <a:blip r:embed="rId3" cstate="print">
+            <a:extLst>
+              <a:ext uri="{28A0092B-C50C-407E-A947-70E740481C1C}">
+                <a14:useLocalDpi xmlns:a14="http://schemas.microsoft.com/office/drawing/2010/main" val="0"/>
+              </a:ext>
+            </a:extLst>
+          </a:blip>
+          <a:stretch>
+            <a:fillRect/>
+          </a:stretch>
+        </p:blipFill>
+        <p:spPr>
+          <a:xfrm>
+            <a:off x="390525" y="1340768"/>
+            <a:ext cx="8348621" cy="4616257"/>
+          </a:xfrm>
+          <a:prstGeom prst="rect">
+            <a:avLst/>
+          </a:prstGeom>
+        </p:spPr>
+      </p:pic>
+      <p:sp>
+        <p:nvSpPr>
+          <p:cNvPr id="9" name="Rectangle 12"/>
+          <p:cNvSpPr>
+            <a:spLocks noGrp="1" noChangeArrowheads="1"/>
+          </p:cNvSpPr>
+          <p:nvPr>
+            <p:ph type="ftr" sz="quarter" idx="10"/>
+          </p:nvPr>
+        </p:nvSpPr>
+        <p:spPr>
+          <a:xfrm>
+            <a:off x="611560" y="6443637"/>
+            <a:ext cx="7848871" cy="360363"/>
+          </a:xfrm>
+          <a:ln/>
+        </p:spPr>
+        <p:txBody>
+          <a:bodyPr/>
+          <a:lstStyle>
+            <a:lvl1pPr>
+              <a:defRPr sz="1000">
+                <a:solidFill>
+                  <a:schemeClr val="tx1"/>
+                </a:solidFill>
+                <a:latin typeface="Calibri" panose="020F0502020204030204" pitchFamily="34" charset="0"/>
+              </a:defRPr>
+            </a:lvl1pPr>
+          </a:lstStyle>
+          <a:p>
+            <a:pPr>
+              <a:defRPr/>
+            </a:pPr>
+            <a:r>
+              <a:rPr lang="de-DE" dirty="0" smtClean="0"/>
+              <a:t>Praxis der Softwareentwicklung: </a:t>
+            </a:r>
+            <a:r>
+              <a:rPr lang="de-DE" dirty="0" err="1" smtClean="0"/>
+              <a:t>Visualizing</a:t>
+            </a:r>
+            <a:r>
+              <a:rPr lang="de-DE" dirty="0" smtClean="0"/>
+              <a:t> Trends. Was verrät uns Twitter?</a:t>
+            </a:r>
+            <a:br>
+              <a:rPr lang="de-DE" dirty="0" smtClean="0"/>
+            </a:br>
+            <a:r>
+              <a:rPr lang="de-DE" dirty="0" smtClean="0"/>
+              <a:t>Aufgabenstellung               </a:t>
+            </a:r>
+            <a:r>
+              <a:rPr lang="de-DE" b="1" dirty="0" smtClean="0"/>
+              <a:t>Entwurf</a:t>
+            </a:r>
+            <a:r>
+              <a:rPr lang="de-DE" dirty="0" smtClean="0"/>
+              <a:t>		Implementierung		Validierung		Fazit</a:t>
+            </a:r>
+            <a:endParaRPr lang="de-DE" dirty="0"/>
+          </a:p>
+        </p:txBody>
+      </p:sp>
+    </p:spTree>
+    <p:extLst>
+      <p:ext uri="{BB962C8B-B14F-4D97-AF65-F5344CB8AC3E}">
+        <p14:creationId xmlns:p14="http://schemas.microsoft.com/office/powerpoint/2010/main" val="3338498102"/>
+      </p:ext>
+    </p:extLst>
+  </p:cSld>
+  <p:clrMapOvr>
+    <a:masterClrMapping/>
+  </p:clrMapOvr>
+  <p:timing>
+    <p:tnLst>
+      <p:par>
+        <p:cTn id="1" dur="indefinite" restart="never" nodeType="tmRoot"/>
+      </p:par>
+    </p:tnLst>
+  </p:timing>
+</p:sld>
+</file>
+
+<file path=ppt/slides/slide12.xml><?xml version="1.0" encoding="utf-8"?>
+<p:sld xmlns:a="http://schemas.openxmlformats.org/drawingml/2006/main" xmlns:r="http://schemas.openxmlformats.org/officeDocument/2006/relationships" xmlns:p="http://schemas.openxmlformats.org/presentationml/2006/main">
+  <p:cSld>
+    <p:spTree>
+      <p:nvGrpSpPr>
+        <p:cNvPr id="1" name=""/>
+        <p:cNvGrpSpPr/>
+        <p:nvPr/>
+      </p:nvGrpSpPr>
+      <p:grpSpPr>
+        <a:xfrm>
+          <a:off x="0" y="0"/>
+          <a:ext cx="0" cy="0"/>
+          <a:chOff x="0" y="0"/>
+          <a:chExt cx="0" cy="0"/>
+        </a:xfrm>
+      </p:grpSpPr>
       <p:sp>
         <p:nvSpPr>
           <p:cNvPr id="2" name="Titel 1"/>
@@ -10876,7 +13633,7 @@
 </p:sld>
 </file>
 
-<file path=ppt/slides/slide11.xml><?xml version="1.0" encoding="utf-8"?>
+<file path=ppt/slides/slide13.xml><?xml version="1.0" encoding="utf-8"?>
 <p:sld xmlns:a="http://schemas.openxmlformats.org/drawingml/2006/main" xmlns:r="http://schemas.openxmlformats.org/officeDocument/2006/relationships" xmlns:p="http://schemas.openxmlformats.org/presentationml/2006/main">
   <p:cSld>
     <p:spTree>
@@ -11073,7 +13830,7 @@
 </p:sld>
 </file>
 
-<file path=ppt/slides/slide12.xml><?xml version="1.0" encoding="utf-8"?>
+<file path=ppt/slides/slide14.xml><?xml version="1.0" encoding="utf-8"?>
 <p:sld xmlns:a="http://schemas.openxmlformats.org/drawingml/2006/main" xmlns:r="http://schemas.openxmlformats.org/officeDocument/2006/relationships" xmlns:p="http://schemas.openxmlformats.org/presentationml/2006/main">
   <p:cSld>
     <p:spTree>
@@ -11317,7 +14074,7 @@
 </p:sld>
 </file>
 
-<file path=ppt/slides/slide13.xml><?xml version="1.0" encoding="utf-8"?>
+<file path=ppt/slides/slide15.xml><?xml version="1.0" encoding="utf-8"?>
 <p:sld xmlns:a="http://schemas.openxmlformats.org/drawingml/2006/main" xmlns:r="http://schemas.openxmlformats.org/officeDocument/2006/relationships" xmlns:p="http://schemas.openxmlformats.org/presentationml/2006/main">
   <p:cSld>
     <p:spTree>
@@ -11394,11 +14151,7 @@
           <a:p>
             <a:r>
               <a:rPr lang="de-DE" dirty="0" smtClean="0"/>
-              <a:t>Treffen / </a:t>
-            </a:r>
-            <a:r>
-              <a:rPr lang="de-DE" dirty="0" smtClean="0"/>
-              <a:t>Videokonferenzen</a:t>
+              <a:t>Treffen / Videokonferenzen</a:t>
             </a:r>
           </a:p>
           <a:p>
@@ -11718,7 +14471,6 @@
               <a:rPr lang="de-DE" sz="1600" kern="1200" dirty="0" smtClean="0"/>
               <a:t>leicht erweiterbar</a:t>
             </a:r>
-            <a:endParaRPr lang="de-DE" sz="1600" kern="1200" dirty="0" smtClean="0"/>
           </a:p>
           <a:p>
             <a:pPr marL="0" lvl="1" algn="l" defTabSz="533400">
@@ -11736,7 +14488,6 @@
               <a:rPr lang="de-DE" kern="1200" dirty="0" smtClean="0"/>
               <a:t>Entkoppelung einzelner Komponenten</a:t>
             </a:r>
-            <a:endParaRPr lang="de-DE" kern="1200" dirty="0" smtClean="0"/>
           </a:p>
           <a:p>
             <a:pPr marL="228600" lvl="2" indent="-114300" algn="l" defTabSz="533400">
@@ -11755,7 +14506,6 @@
               <a:rPr lang="de-DE" sz="1600" kern="1200" dirty="0" smtClean="0"/>
               <a:t>Änderungen unproblematisch</a:t>
             </a:r>
-            <a:endParaRPr lang="de-DE" sz="1600" kern="1200" dirty="0" smtClean="0"/>
           </a:p>
         </p:txBody>
       </p:sp>
@@ -12507,6 +15257,147 @@
 </p:sld>
 </file>
 
+<file path=ppt/slides/slide16.xml><?xml version="1.0" encoding="utf-8"?>
+<p:sld xmlns:a="http://schemas.openxmlformats.org/drawingml/2006/main" xmlns:r="http://schemas.openxmlformats.org/officeDocument/2006/relationships" xmlns:p="http://schemas.openxmlformats.org/presentationml/2006/main">
+  <p:cSld>
+    <p:spTree>
+      <p:nvGrpSpPr>
+        <p:cNvPr id="1" name=""/>
+        <p:cNvGrpSpPr/>
+        <p:nvPr/>
+      </p:nvGrpSpPr>
+      <p:grpSpPr>
+        <a:xfrm>
+          <a:off x="0" y="0"/>
+          <a:ext cx="0" cy="0"/>
+          <a:chOff x="0" y="0"/>
+          <a:chExt cx="0" cy="0"/>
+        </a:xfrm>
+      </p:grpSpPr>
+      <p:sp>
+        <p:nvSpPr>
+          <p:cNvPr id="2" name="Titel 1"/>
+          <p:cNvSpPr>
+            <a:spLocks noGrp="1"/>
+          </p:cNvSpPr>
+          <p:nvPr>
+            <p:ph type="title"/>
+          </p:nvPr>
+        </p:nvSpPr>
+        <p:spPr/>
+        <p:txBody>
+          <a:bodyPr/>
+          <a:lstStyle/>
+          <a:p>
+            <a:r>
+              <a:rPr lang="de-DE" dirty="0" smtClean="0"/>
+              <a:t>Bildquellen</a:t>
+            </a:r>
+            <a:endParaRPr lang="de-DE" dirty="0"/>
+          </a:p>
+        </p:txBody>
+      </p:sp>
+      <p:sp>
+        <p:nvSpPr>
+          <p:cNvPr id="3" name="Inhaltsplatzhalter 2"/>
+          <p:cNvSpPr>
+            <a:spLocks noGrp="1"/>
+          </p:cNvSpPr>
+          <p:nvPr>
+            <p:ph idx="1"/>
+          </p:nvPr>
+        </p:nvSpPr>
+        <p:spPr/>
+        <p:txBody>
+          <a:bodyPr/>
+          <a:lstStyle/>
+          <a:p>
+            <a:r>
+              <a:rPr lang="de-DE" sz="1100" dirty="0"/>
+              <a:t>https://twitter.com/SZ/status/577146368466227200</a:t>
+            </a:r>
+          </a:p>
+          <a:p>
+            <a:r>
+              <a:rPr lang="de-DE" sz="1100" dirty="0"/>
+              <a:t>http://</a:t>
+            </a:r>
+            <a:r>
+              <a:rPr lang="de-DE" sz="1100" dirty="0" smtClean="0"/>
+              <a:t>upload.wikimedia.org/wikipedia/commons/d/d8/Winkel-tripel-projection.jpg</a:t>
+            </a:r>
+          </a:p>
+          <a:p>
+            <a:r>
+              <a:rPr lang="de-DE" sz="1100" dirty="0"/>
+              <a:t>http://</a:t>
+            </a:r>
+            <a:r>
+              <a:rPr lang="de-DE" sz="1100" dirty="0" smtClean="0"/>
+              <a:t>www.dmoz.org/img/public/dmozlogosm.png</a:t>
+            </a:r>
+          </a:p>
+          <a:p>
+            <a:r>
+              <a:rPr lang="de-DE" sz="1100" dirty="0"/>
+              <a:t>http://de.wikipedia.org/wiki/Twitter#/media/File:Twitter_bird_logo_2012.svg</a:t>
+            </a:r>
+          </a:p>
+        </p:txBody>
+      </p:sp>
+      <p:sp>
+        <p:nvSpPr>
+          <p:cNvPr id="4" name="Fußzeilenplatzhalter 3"/>
+          <p:cNvSpPr>
+            <a:spLocks noGrp="1"/>
+          </p:cNvSpPr>
+          <p:nvPr>
+            <p:ph type="ftr" sz="quarter" idx="10"/>
+          </p:nvPr>
+        </p:nvSpPr>
+        <p:spPr/>
+        <p:txBody>
+          <a:bodyPr/>
+          <a:lstStyle/>
+          <a:p>
+            <a:pPr>
+              <a:defRPr/>
+            </a:pPr>
+            <a:r>
+              <a:rPr lang="de-DE" smtClean="0"/>
+              <a:t>Praxis der Softwareentwicklung: Visualizing Trends. Was verrät uns Twitter?</a:t>
+            </a:r>
+            <a:br>
+              <a:rPr lang="de-DE" smtClean="0"/>
+            </a:br>
+            <a:r>
+              <a:rPr lang="de-DE" smtClean="0"/>
+              <a:t>Aufgabenstellung               Entwurf		Implementierung		Validierung		Fazit</a:t>
+            </a:r>
+            <a:endParaRPr lang="de-DE" dirty="0"/>
+          </a:p>
+        </p:txBody>
+      </p:sp>
+    </p:spTree>
+    <p:extLst>
+      <p:ext uri="{BB962C8B-B14F-4D97-AF65-F5344CB8AC3E}">
+        <p14:creationId xmlns:p14="http://schemas.microsoft.com/office/powerpoint/2010/main" val="1615738901"/>
+      </p:ext>
+    </p:extLst>
+  </p:cSld>
+  <p:clrMapOvr>
+    <a:masterClrMapping/>
+  </p:clrMapOvr>
+  <p:timing>
+    <p:tnLst>
+      <p:par>
+        <p:cTn id="1" dur="indefinite" restart="never" nodeType="tmRoot"/>
+      </p:par>
+    </p:tnLst>
+  </p:timing>
+</p:sld>
+</file>
+
 <file path=ppt/slides/slide2.xml><?xml version="1.0" encoding="utf-8"?>
 <p:sld xmlns:a="http://schemas.openxmlformats.org/drawingml/2006/main" xmlns:r="http://schemas.openxmlformats.org/officeDocument/2006/relationships" xmlns:p="http://schemas.openxmlformats.org/presentationml/2006/main">
   <p:cSld>
@@ -13002,135 +15893,6 @@
       </p:sp>
       <p:sp>
         <p:nvSpPr>
-          <p:cNvPr id="3" name="Inhaltsplatzhalter 2"/>
-          <p:cNvSpPr>
-            <a:spLocks noGrp="1"/>
-          </p:cNvSpPr>
-          <p:nvPr>
-            <p:ph idx="1"/>
-          </p:nvPr>
-        </p:nvSpPr>
-        <p:spPr/>
-        <p:txBody>
-          <a:bodyPr/>
-          <a:lstStyle/>
-          <a:p>
-            <a:r>
-              <a:rPr lang="de-DE" i="1" dirty="0" smtClean="0"/>
-              <a:t>Sammeln</a:t>
-            </a:r>
-            <a:r>
-              <a:rPr lang="de-DE" dirty="0" smtClean="0"/>
-              <a:t> </a:t>
-            </a:r>
-            <a:r>
-              <a:rPr lang="de-DE" dirty="0"/>
-              <a:t>von Tweets mittels der </a:t>
-            </a:r>
-            <a:r>
-              <a:rPr lang="de-DE" dirty="0" smtClean="0"/>
-              <a:t>Twitter-API</a:t>
-            </a:r>
-          </a:p>
-          <a:p>
-            <a:r>
-              <a:rPr lang="de-DE" i="1" dirty="0"/>
-              <a:t>Auswertung</a:t>
-            </a:r>
-            <a:r>
-              <a:rPr lang="de-DE" dirty="0"/>
-              <a:t> durch austauschbare </a:t>
-            </a:r>
-            <a:r>
-              <a:rPr lang="de-DE" dirty="0" smtClean="0"/>
-              <a:t>Analysekomponenten</a:t>
-            </a:r>
-          </a:p>
-          <a:p>
-            <a:r>
-              <a:rPr lang="de-DE" i="1" dirty="0" smtClean="0"/>
-              <a:t>Visualisierung</a:t>
-            </a:r>
-            <a:r>
-              <a:rPr lang="de-DE" dirty="0" smtClean="0"/>
-              <a:t> </a:t>
-            </a:r>
-            <a:r>
-              <a:rPr lang="de-DE" dirty="0"/>
-              <a:t>der Analyse-Ergebnisse in einer graphischen Oberfläche</a:t>
-            </a:r>
-          </a:p>
-        </p:txBody>
-      </p:sp>
-      <p:pic>
-        <p:nvPicPr>
-          <p:cNvPr id="6" name="Grafik 5"/>
-          <p:cNvPicPr>
-            <a:picLocks noChangeAspect="1"/>
-          </p:cNvPicPr>
-          <p:nvPr/>
-        </p:nvPicPr>
-        <p:blipFill>
-          <a:blip r:embed="rId2" cstate="print">
-            <a:extLst>
-              <a:ext uri="{28A0092B-C50C-407E-A947-70E740481C1C}">
-                <a14:useLocalDpi xmlns:a14="http://schemas.microsoft.com/office/drawing/2010/main" val="0"/>
-              </a:ext>
-            </a:extLst>
-          </a:blip>
-          <a:stretch>
-            <a:fillRect/>
-          </a:stretch>
-        </p:blipFill>
-        <p:spPr>
-          <a:xfrm>
-            <a:off x="179512" y="3356992"/>
-            <a:ext cx="8783960" cy="1843893"/>
-          </a:xfrm>
-          <a:prstGeom prst="rect">
-            <a:avLst/>
-          </a:prstGeom>
-        </p:spPr>
-      </p:pic>
-      <p:pic>
-        <p:nvPicPr>
-          <p:cNvPr id="7" name="Inhaltsplatzhalter 5"/>
-          <p:cNvPicPr>
-            <a:picLocks noChangeAspect="1"/>
-          </p:cNvPicPr>
-          <p:nvPr/>
-        </p:nvPicPr>
-        <p:blipFill>
-          <a:blip r:embed="rId3" cstate="print">
-            <a:extLst>
-              <a:ext uri="{28A0092B-C50C-407E-A947-70E740481C1C}">
-                <a14:useLocalDpi xmlns:a14="http://schemas.microsoft.com/office/drawing/2010/main" val="0"/>
-              </a:ext>
-            </a:extLst>
-          </a:blip>
-          <a:stretch>
-            <a:fillRect/>
-          </a:stretch>
-        </p:blipFill>
-        <p:spPr bwMode="auto">
-          <a:xfrm>
-            <a:off x="899592" y="2792366"/>
-            <a:ext cx="1389002" cy="1129251"/>
-          </a:xfrm>
-          <a:prstGeom prst="rect">
-            <a:avLst/>
-          </a:prstGeom>
-          <a:noFill/>
-          <a:ln w="9525">
-            <a:noFill/>
-            <a:miter lim="800000"/>
-            <a:headEnd/>
-            <a:tailEnd/>
-          </a:ln>
-        </p:spPr>
-      </p:pic>
-      <p:sp>
-        <p:nvSpPr>
           <p:cNvPr id="9" name="Rectangle 12"/>
           <p:cNvSpPr>
             <a:spLocks noGrp="1" noChangeArrowheads="1"/>
@@ -13189,6 +15951,222 @@
           </a:p>
         </p:txBody>
       </p:sp>
+      <p:pic>
+        <p:nvPicPr>
+          <p:cNvPr id="16" name="Grafik 15"/>
+          <p:cNvPicPr>
+            <a:picLocks noChangeAspect="1"/>
+          </p:cNvPicPr>
+          <p:nvPr/>
+        </p:nvPicPr>
+        <p:blipFill rotWithShape="1">
+          <a:blip r:embed="rId3"/>
+          <a:srcRect l="13973" t="12943" r="64371" b="34600"/>
+          <a:stretch/>
+        </p:blipFill>
+        <p:spPr>
+          <a:xfrm>
+            <a:off x="1259419" y="1124745"/>
+            <a:ext cx="5400814" cy="3679438"/>
+          </a:xfrm>
+          <a:prstGeom prst="rect">
+            <a:avLst/>
+          </a:prstGeom>
+          <a:ln>
+            <a:noFill/>
+          </a:ln>
+          <a:effectLst>
+            <a:softEdge rad="112500"/>
+          </a:effectLst>
+        </p:spPr>
+      </p:pic>
+      <p:sp>
+        <p:nvSpPr>
+          <p:cNvPr id="18" name="Rechteck 17"/>
+          <p:cNvSpPr/>
+          <p:nvPr/>
+        </p:nvSpPr>
+        <p:spPr>
+          <a:xfrm>
+            <a:off x="1619672" y="1461746"/>
+            <a:ext cx="2373830" cy="527094"/>
+          </a:xfrm>
+          <a:prstGeom prst="rect">
+            <a:avLst/>
+          </a:prstGeom>
+          <a:solidFill>
+            <a:schemeClr val="accent1">
+              <a:alpha val="25000"/>
+            </a:schemeClr>
+          </a:solidFill>
+          <a:ln>
+            <a:noFill/>
+          </a:ln>
+        </p:spPr>
+        <p:style>
+          <a:lnRef idx="2">
+            <a:schemeClr val="accent1">
+              <a:shade val="50000"/>
+            </a:schemeClr>
+          </a:lnRef>
+          <a:fillRef idx="1">
+            <a:schemeClr val="accent1"/>
+          </a:fillRef>
+          <a:effectRef idx="0">
+            <a:schemeClr val="accent1"/>
+          </a:effectRef>
+          <a:fontRef idx="minor">
+            <a:schemeClr val="lt1"/>
+          </a:fontRef>
+        </p:style>
+        <p:txBody>
+          <a:bodyPr rtlCol="0" anchor="ctr"/>
+          <a:lstStyle/>
+          <a:p>
+            <a:pPr algn="ctr"/>
+            <a:endParaRPr lang="de-DE"/>
+          </a:p>
+        </p:txBody>
+      </p:sp>
+      <p:sp>
+        <p:nvSpPr>
+          <p:cNvPr id="19" name="Rechteck 18"/>
+          <p:cNvSpPr/>
+          <p:nvPr/>
+        </p:nvSpPr>
+        <p:spPr>
+          <a:xfrm>
+            <a:off x="2978807" y="4349312"/>
+            <a:ext cx="2373830" cy="450383"/>
+          </a:xfrm>
+          <a:prstGeom prst="rect">
+            <a:avLst/>
+          </a:prstGeom>
+          <a:solidFill>
+            <a:schemeClr val="accent1">
+              <a:alpha val="25000"/>
+            </a:schemeClr>
+          </a:solidFill>
+          <a:ln>
+            <a:noFill/>
+          </a:ln>
+        </p:spPr>
+        <p:style>
+          <a:lnRef idx="2">
+            <a:schemeClr val="accent1">
+              <a:shade val="50000"/>
+            </a:schemeClr>
+          </a:lnRef>
+          <a:fillRef idx="1">
+            <a:schemeClr val="accent1"/>
+          </a:fillRef>
+          <a:effectRef idx="0">
+            <a:schemeClr val="accent1"/>
+          </a:effectRef>
+          <a:fontRef idx="minor">
+            <a:schemeClr val="lt1"/>
+          </a:fontRef>
+        </p:style>
+        <p:txBody>
+          <a:bodyPr rtlCol="0" anchor="ctr"/>
+          <a:lstStyle/>
+          <a:p>
+            <a:pPr algn="ctr"/>
+            <a:endParaRPr lang="de-DE"/>
+          </a:p>
+        </p:txBody>
+      </p:sp>
+      <p:sp>
+        <p:nvSpPr>
+          <p:cNvPr id="17" name="Textfeld 16"/>
+          <p:cNvSpPr txBox="1"/>
+          <p:nvPr/>
+        </p:nvSpPr>
+        <p:spPr>
+          <a:xfrm>
+            <a:off x="1403648" y="5141184"/>
+            <a:ext cx="6028830" cy="830997"/>
+          </a:xfrm>
+          <a:prstGeom prst="rect">
+            <a:avLst/>
+          </a:prstGeom>
+          <a:noFill/>
+        </p:spPr>
+        <p:txBody>
+          <a:bodyPr wrap="none" rtlCol="0">
+            <a:spAutoFit/>
+          </a:bodyPr>
+          <a:lstStyle/>
+          <a:p>
+            <a:r>
+              <a:rPr lang="de-DE" sz="2400" dirty="0" smtClean="0"/>
+              <a:t>In </a:t>
+            </a:r>
+            <a:r>
+              <a:rPr lang="de-DE" sz="2400" b="1" dirty="0" smtClean="0"/>
+              <a:t>welchem Land</a:t>
+            </a:r>
+            <a:r>
+              <a:rPr lang="de-DE" sz="2400" dirty="0" smtClean="0"/>
+              <a:t> werden</a:t>
+            </a:r>
+          </a:p>
+          <a:p>
+            <a:r>
+              <a:rPr lang="de-DE" sz="2400" b="1" dirty="0" smtClean="0"/>
+              <a:t>Tageszeitungen</a:t>
+            </a:r>
+            <a:r>
+              <a:rPr lang="de-DE" sz="2400" dirty="0" smtClean="0"/>
+              <a:t> am häufigsten </a:t>
+            </a:r>
+            <a:r>
+              <a:rPr lang="de-DE" sz="2400" dirty="0" err="1" smtClean="0"/>
+              <a:t>retweetet</a:t>
+            </a:r>
+            <a:r>
+              <a:rPr lang="de-DE" sz="2400" dirty="0" smtClean="0"/>
+              <a:t>?</a:t>
+            </a:r>
+            <a:endParaRPr lang="de-DE" sz="2400" dirty="0"/>
+          </a:p>
+        </p:txBody>
+      </p:sp>
+      <p:pic>
+        <p:nvPicPr>
+          <p:cNvPr id="20" name="Grafik 19"/>
+          <p:cNvPicPr>
+            <a:picLocks noChangeAspect="1"/>
+          </p:cNvPicPr>
+          <p:nvPr/>
+        </p:nvPicPr>
+        <p:blipFill rotWithShape="1">
+          <a:blip r:embed="rId4">
+            <a:extLst>
+              <a:ext uri="{28A0092B-C50C-407E-A947-70E740481C1C}">
+                <a14:useLocalDpi xmlns:a14="http://schemas.microsoft.com/office/drawing/2010/main" val="0"/>
+              </a:ext>
+            </a:extLst>
+          </a:blip>
+          <a:srcRect l="13387" t="12841" r="5501" b="14390"/>
+          <a:stretch/>
+        </p:blipFill>
+        <p:spPr>
+          <a:xfrm>
+            <a:off x="342508" y="964801"/>
+            <a:ext cx="8503026" cy="4210236"/>
+          </a:xfrm>
+          <a:prstGeom prst="rect">
+            <a:avLst/>
+          </a:prstGeom>
+          <a:ln>
+            <a:noFill/>
+          </a:ln>
+          <a:effectLst>
+            <a:softEdge rad="112500"/>
+          </a:effectLst>
+        </p:spPr>
+      </p:pic>
     </p:spTree>
   </p:cSld>
   <p:clrMapOvr>
@@ -13206,9 +16184,6 @@
                     <p:cTn id="3" fill="hold">
                       <p:stCondLst>
                         <p:cond delay="indefinite"/>
-                        <p:cond evt="onBegin" delay="0">
-                          <p:tn val="2"/>
-                        </p:cond>
                       </p:stCondLst>
                       <p:childTnLst>
                         <p:par>
@@ -13218,7 +16193,7 @@
                             </p:stCondLst>
                             <p:childTnLst>
                               <p:par>
-                                <p:cTn id="5" presetID="1" presetClass="entr" presetSubtype="0" fill="hold" grpId="0" nodeType="withEffect">
+                                <p:cTn id="5" presetID="1" presetClass="entr" presetSubtype="0" fill="hold" grpId="0" nodeType="clickEffect">
                                   <p:stCondLst>
                                     <p:cond delay="0"/>
                                   </p:stCondLst>
@@ -13231,11 +16206,7 @@
                                           </p:stCondLst>
                                         </p:cTn>
                                         <p:tgtEl>
-                                          <p:spTgt spid="3">
-                                            <p:txEl>
-                                              <p:pRg st="0" end="0"/>
-                                            </p:txEl>
-                                          </p:spTgt>
+                                          <p:spTgt spid="17"/>
                                         </p:tgtEl>
                                         <p:attrNameLst>
                                           <p:attrName>style.visibility</p:attrName>
@@ -13280,11 +16251,7 @@
                                           </p:stCondLst>
                                         </p:cTn>
                                         <p:tgtEl>
-                                          <p:spTgt spid="3">
-                                            <p:txEl>
-                                              <p:pRg st="1" end="1"/>
-                                            </p:txEl>
-                                          </p:spTgt>
+                                          <p:spTgt spid="18"/>
                                         </p:tgtEl>
                                         <p:attrNameLst>
                                           <p:attrName>style.visibility</p:attrName>
@@ -13329,11 +16296,7 @@
                                           </p:stCondLst>
                                         </p:cTn>
                                         <p:tgtEl>
-                                          <p:spTgt spid="3">
-                                            <p:txEl>
-                                              <p:pRg st="2" end="2"/>
-                                            </p:txEl>
-                                          </p:spTgt>
+                                          <p:spTgt spid="19"/>
                                         </p:tgtEl>
                                         <p:attrNameLst>
                                           <p:attrName>style.visibility</p:attrName>
@@ -13378,7 +16341,7 @@
                                           </p:stCondLst>
                                         </p:cTn>
                                         <p:tgtEl>
-                                          <p:spTgt spid="6"/>
+                                          <p:spTgt spid="20"/>
                                         </p:tgtEl>
                                         <p:attrNameLst>
                                           <p:attrName>style.visibility</p:attrName>
@@ -13419,13 +16382,1144 @@
       </p:par>
     </p:tnLst>
     <p:bldLst>
-      <p:bldP spid="3" grpId="0" uiExpand="1" build="p"/>
+      <p:bldP spid="18" grpId="0" animBg="1"/>
+      <p:bldP spid="19" grpId="0" animBg="1"/>
+      <p:bldP spid="17" grpId="0"/>
     </p:bldLst>
   </p:timing>
 </p:sld>
 </file>
 
 <file path=ppt/slides/slide4.xml><?xml version="1.0" encoding="utf-8"?>
+<p:sld xmlns:a="http://schemas.openxmlformats.org/drawingml/2006/main" xmlns:r="http://schemas.openxmlformats.org/officeDocument/2006/relationships" xmlns:p="http://schemas.openxmlformats.org/presentationml/2006/main">
+  <p:cSld>
+    <p:spTree>
+      <p:nvGrpSpPr>
+        <p:cNvPr id="1" name=""/>
+        <p:cNvGrpSpPr/>
+        <p:nvPr/>
+      </p:nvGrpSpPr>
+      <p:grpSpPr>
+        <a:xfrm>
+          <a:off x="0" y="0"/>
+          <a:ext cx="0" cy="0"/>
+          <a:chOff x="0" y="0"/>
+          <a:chExt cx="0" cy="0"/>
+        </a:xfrm>
+      </p:grpSpPr>
+      <p:sp>
+        <p:nvSpPr>
+          <p:cNvPr id="2" name="Titel 1"/>
+          <p:cNvSpPr>
+            <a:spLocks noGrp="1"/>
+          </p:cNvSpPr>
+          <p:nvPr>
+            <p:ph type="title"/>
+          </p:nvPr>
+        </p:nvSpPr>
+        <p:spPr/>
+        <p:txBody>
+          <a:bodyPr/>
+          <a:lstStyle/>
+          <a:p>
+            <a:r>
+              <a:rPr lang="de-DE" dirty="0" smtClean="0"/>
+              <a:t>1. Aufgabenstellung</a:t>
+            </a:r>
+            <a:endParaRPr lang="de-DE" dirty="0"/>
+          </a:p>
+        </p:txBody>
+      </p:sp>
+      <p:sp>
+        <p:nvSpPr>
+          <p:cNvPr id="9" name="Rectangle 12"/>
+          <p:cNvSpPr>
+            <a:spLocks noGrp="1" noChangeArrowheads="1"/>
+          </p:cNvSpPr>
+          <p:nvPr>
+            <p:ph type="ftr" sz="quarter" idx="10"/>
+          </p:nvPr>
+        </p:nvSpPr>
+        <p:spPr>
+          <a:xfrm>
+            <a:off x="611560" y="6443637"/>
+            <a:ext cx="7848871" cy="360363"/>
+          </a:xfrm>
+          <a:ln/>
+        </p:spPr>
+        <p:txBody>
+          <a:bodyPr/>
+          <a:lstStyle>
+            <a:lvl1pPr>
+              <a:defRPr sz="1000">
+                <a:solidFill>
+                  <a:schemeClr val="tx1"/>
+                </a:solidFill>
+                <a:latin typeface="Calibri" panose="020F0502020204030204" pitchFamily="34" charset="0"/>
+              </a:defRPr>
+            </a:lvl1pPr>
+          </a:lstStyle>
+          <a:p>
+            <a:pPr>
+              <a:defRPr/>
+            </a:pPr>
+            <a:r>
+              <a:rPr lang="de-DE" dirty="0" smtClean="0"/>
+              <a:t>Praxis der Softwareentwicklung: </a:t>
+            </a:r>
+            <a:r>
+              <a:rPr lang="de-DE" dirty="0" err="1" smtClean="0"/>
+              <a:t>Visualizing</a:t>
+            </a:r>
+            <a:r>
+              <a:rPr lang="de-DE" dirty="0" smtClean="0"/>
+              <a:t> Trends. Was verrät uns Twitter?</a:t>
+            </a:r>
+            <a:br>
+              <a:rPr lang="de-DE" dirty="0" smtClean="0"/>
+            </a:br>
+            <a:r>
+              <a:rPr lang="de-DE" b="1" dirty="0" smtClean="0"/>
+              <a:t>Aufgabenstellung</a:t>
+            </a:r>
+            <a:r>
+              <a:rPr lang="de-DE" dirty="0" smtClean="0"/>
+              <a:t>               Entwurf		Implementierung		Validierung		Fazit</a:t>
+            </a:r>
+            <a:endParaRPr lang="de-DE" dirty="0"/>
+          </a:p>
+        </p:txBody>
+      </p:sp>
+      <p:pic>
+        <p:nvPicPr>
+          <p:cNvPr id="16" name="Grafik 15"/>
+          <p:cNvPicPr>
+            <a:picLocks noChangeAspect="1"/>
+          </p:cNvPicPr>
+          <p:nvPr/>
+        </p:nvPicPr>
+        <p:blipFill rotWithShape="1">
+          <a:blip r:embed="rId3"/>
+          <a:srcRect l="14925" t="15482" r="75318" b="74366"/>
+          <a:stretch/>
+        </p:blipFill>
+        <p:spPr>
+          <a:xfrm>
+            <a:off x="1223627" y="1992938"/>
+            <a:ext cx="2952329" cy="864097"/>
+          </a:xfrm>
+          <a:prstGeom prst="rect">
+            <a:avLst/>
+          </a:prstGeom>
+          <a:ln>
+            <a:noFill/>
+          </a:ln>
+          <a:effectLst>
+            <a:softEdge rad="112500"/>
+          </a:effectLst>
+        </p:spPr>
+      </p:pic>
+      <p:pic>
+        <p:nvPicPr>
+          <p:cNvPr id="5" name="Grafik 4"/>
+          <p:cNvPicPr>
+            <a:picLocks noChangeAspect="1"/>
+          </p:cNvPicPr>
+          <p:nvPr/>
+        </p:nvPicPr>
+        <p:blipFill rotWithShape="1">
+          <a:blip r:embed="rId3"/>
+          <a:srcRect l="21112" t="59477" r="69845" b="34600"/>
+          <a:stretch/>
+        </p:blipFill>
+        <p:spPr>
+          <a:xfrm>
+            <a:off x="5292080" y="2276872"/>
+            <a:ext cx="2736305" cy="504057"/>
+          </a:xfrm>
+          <a:prstGeom prst="rect">
+            <a:avLst/>
+          </a:prstGeom>
+          <a:ln>
+            <a:noFill/>
+          </a:ln>
+          <a:effectLst>
+            <a:softEdge rad="112500"/>
+          </a:effectLst>
+        </p:spPr>
+      </p:pic>
+      <p:pic>
+        <p:nvPicPr>
+          <p:cNvPr id="2052" name="Picture 4" descr="http://www.dmoz.org/img/public/dmozlogosm.png"/>
+          <p:cNvPicPr>
+            <a:picLocks noChangeAspect="1" noChangeArrowheads="1"/>
+          </p:cNvPicPr>
+          <p:nvPr/>
+        </p:nvPicPr>
+        <p:blipFill>
+          <a:blip r:embed="rId4">
+            <a:extLst>
+              <a:ext uri="{28A0092B-C50C-407E-A947-70E740481C1C}">
+                <a14:useLocalDpi xmlns:a14="http://schemas.microsoft.com/office/drawing/2010/main" val="0"/>
+              </a:ext>
+            </a:extLst>
+          </a:blip>
+          <a:srcRect/>
+          <a:stretch>
+            <a:fillRect/>
+          </a:stretch>
+        </p:blipFill>
+        <p:spPr bwMode="auto">
+          <a:xfrm>
+            <a:off x="1174279" y="3814254"/>
+            <a:ext cx="1466850" cy="342901"/>
+          </a:xfrm>
+          <a:prstGeom prst="rect">
+            <a:avLst/>
+          </a:prstGeom>
+          <a:noFill/>
+          <a:extLst>
+            <a:ext uri="{909E8E84-426E-40DD-AFC4-6F175D3DCCD1}">
+              <a14:hiddenFill xmlns:a14="http://schemas.microsoft.com/office/drawing/2010/main">
+                <a:solidFill>
+                  <a:srgbClr val="FFFFFF"/>
+                </a:solidFill>
+              </a14:hiddenFill>
+            </a:ext>
+          </a:extLst>
+        </p:spPr>
+      </p:pic>
+      <p:cxnSp>
+        <p:nvCxnSpPr>
+          <p:cNvPr id="11" name="Gerade Verbindung mit Pfeil 10"/>
+          <p:cNvCxnSpPr/>
+          <p:nvPr/>
+        </p:nvCxnSpPr>
+        <p:spPr>
+          <a:xfrm flipH="1">
+            <a:off x="1907704" y="2993305"/>
+            <a:ext cx="144016" cy="648072"/>
+          </a:xfrm>
+          <a:prstGeom prst="straightConnector1">
+            <a:avLst/>
+          </a:prstGeom>
+          <a:ln w="73025" cmpd="sng">
+            <a:solidFill>
+              <a:schemeClr val="accent1">
+                <a:shade val="95000"/>
+                <a:satMod val="105000"/>
+              </a:schemeClr>
+            </a:solidFill>
+            <a:round/>
+            <a:headEnd type="none"/>
+            <a:tailEnd type="stealth"/>
+          </a:ln>
+          <a:effectLst>
+            <a:glow>
+              <a:schemeClr val="accent1">
+                <a:alpha val="40000"/>
+              </a:schemeClr>
+            </a:glow>
+            <a:softEdge rad="0"/>
+          </a:effectLst>
+        </p:spPr>
+        <p:style>
+          <a:lnRef idx="1">
+            <a:schemeClr val="accent1"/>
+          </a:lnRef>
+          <a:fillRef idx="0">
+            <a:schemeClr val="accent1"/>
+          </a:fillRef>
+          <a:effectRef idx="0">
+            <a:schemeClr val="accent1"/>
+          </a:effectRef>
+          <a:fontRef idx="minor">
+            <a:schemeClr val="tx1"/>
+          </a:fontRef>
+        </p:style>
+      </p:cxnSp>
+      <p:pic>
+        <p:nvPicPr>
+          <p:cNvPr id="2054" name="Picture 6" descr="Logo"/>
+          <p:cNvPicPr>
+            <a:picLocks noChangeAspect="1" noChangeArrowheads="1"/>
+          </p:cNvPicPr>
+          <p:nvPr/>
+        </p:nvPicPr>
+        <p:blipFill>
+          <a:blip r:embed="rId5" cstate="print">
+            <a:extLst>
+              <a:ext uri="{28A0092B-C50C-407E-A947-70E740481C1C}">
+                <a14:useLocalDpi xmlns:a14="http://schemas.microsoft.com/office/drawing/2010/main" val="0"/>
+              </a:ext>
+            </a:extLst>
+          </a:blip>
+          <a:srcRect/>
+          <a:stretch>
+            <a:fillRect/>
+          </a:stretch>
+        </p:blipFill>
+        <p:spPr bwMode="auto">
+          <a:xfrm>
+            <a:off x="4283790" y="3578232"/>
+            <a:ext cx="906597" cy="736157"/>
+          </a:xfrm>
+          <a:prstGeom prst="rect">
+            <a:avLst/>
+          </a:prstGeom>
+          <a:noFill/>
+          <a:extLst>
+            <a:ext uri="{909E8E84-426E-40DD-AFC4-6F175D3DCCD1}">
+              <a14:hiddenFill xmlns:a14="http://schemas.microsoft.com/office/drawing/2010/main">
+                <a:solidFill>
+                  <a:srgbClr val="FFFFFF"/>
+                </a:solidFill>
+              </a14:hiddenFill>
+            </a:ext>
+          </a:extLst>
+        </p:spPr>
+      </p:pic>
+      <p:cxnSp>
+        <p:nvCxnSpPr>
+          <p:cNvPr id="21" name="Gerade Verbindung mit Pfeil 20"/>
+          <p:cNvCxnSpPr/>
+          <p:nvPr/>
+        </p:nvCxnSpPr>
+        <p:spPr>
+          <a:xfrm>
+            <a:off x="3563888" y="3011608"/>
+            <a:ext cx="504056" cy="514942"/>
+          </a:xfrm>
+          <a:prstGeom prst="straightConnector1">
+            <a:avLst/>
+          </a:prstGeom>
+          <a:ln w="73025" cmpd="sng">
+            <a:solidFill>
+              <a:schemeClr val="accent1">
+                <a:shade val="95000"/>
+                <a:satMod val="105000"/>
+              </a:schemeClr>
+            </a:solidFill>
+            <a:round/>
+            <a:headEnd type="none"/>
+            <a:tailEnd type="stealth"/>
+          </a:ln>
+          <a:effectLst>
+            <a:glow>
+              <a:schemeClr val="accent1">
+                <a:alpha val="40000"/>
+              </a:schemeClr>
+            </a:glow>
+            <a:softEdge rad="0"/>
+          </a:effectLst>
+        </p:spPr>
+        <p:style>
+          <a:lnRef idx="1">
+            <a:schemeClr val="accent1"/>
+          </a:lnRef>
+          <a:fillRef idx="0">
+            <a:schemeClr val="accent1"/>
+          </a:fillRef>
+          <a:effectRef idx="0">
+            <a:schemeClr val="accent1"/>
+          </a:effectRef>
+          <a:fontRef idx="minor">
+            <a:schemeClr val="tx1"/>
+          </a:fontRef>
+        </p:style>
+      </p:cxnSp>
+      <p:cxnSp>
+        <p:nvCxnSpPr>
+          <p:cNvPr id="24" name="Gerade Verbindung mit Pfeil 23"/>
+          <p:cNvCxnSpPr/>
+          <p:nvPr/>
+        </p:nvCxnSpPr>
+        <p:spPr>
+          <a:xfrm flipH="1">
+            <a:off x="5508104" y="2915175"/>
+            <a:ext cx="1368152" cy="611375"/>
+          </a:xfrm>
+          <a:prstGeom prst="straightConnector1">
+            <a:avLst/>
+          </a:prstGeom>
+          <a:ln w="73025" cmpd="sng">
+            <a:solidFill>
+              <a:schemeClr val="accent1">
+                <a:shade val="95000"/>
+                <a:satMod val="105000"/>
+              </a:schemeClr>
+            </a:solidFill>
+            <a:round/>
+            <a:headEnd type="none"/>
+            <a:tailEnd type="stealth"/>
+          </a:ln>
+          <a:effectLst>
+            <a:glow>
+              <a:schemeClr val="accent1">
+                <a:alpha val="40000"/>
+              </a:schemeClr>
+            </a:glow>
+            <a:softEdge rad="0"/>
+          </a:effectLst>
+        </p:spPr>
+        <p:style>
+          <a:lnRef idx="1">
+            <a:schemeClr val="accent1"/>
+          </a:lnRef>
+          <a:fillRef idx="0">
+            <a:schemeClr val="accent1"/>
+          </a:fillRef>
+          <a:effectRef idx="0">
+            <a:schemeClr val="accent1"/>
+          </a:effectRef>
+          <a:fontRef idx="minor">
+            <a:schemeClr val="tx1"/>
+          </a:fontRef>
+        </p:style>
+      </p:cxnSp>
+      <p:cxnSp>
+        <p:nvCxnSpPr>
+          <p:cNvPr id="26" name="Gerade Verbindung mit Pfeil 25"/>
+          <p:cNvCxnSpPr/>
+          <p:nvPr/>
+        </p:nvCxnSpPr>
+        <p:spPr>
+          <a:xfrm>
+            <a:off x="1691680" y="4433047"/>
+            <a:ext cx="216024" cy="613497"/>
+          </a:xfrm>
+          <a:prstGeom prst="straightConnector1">
+            <a:avLst/>
+          </a:prstGeom>
+          <a:ln w="73025" cmpd="sng">
+            <a:solidFill>
+              <a:schemeClr val="accent1">
+                <a:shade val="95000"/>
+                <a:satMod val="105000"/>
+              </a:schemeClr>
+            </a:solidFill>
+            <a:round/>
+            <a:headEnd type="none"/>
+            <a:tailEnd type="stealth"/>
+          </a:ln>
+          <a:effectLst>
+            <a:glow>
+              <a:schemeClr val="accent1">
+                <a:alpha val="40000"/>
+              </a:schemeClr>
+            </a:glow>
+            <a:softEdge rad="0"/>
+          </a:effectLst>
+        </p:spPr>
+        <p:style>
+          <a:lnRef idx="1">
+            <a:schemeClr val="accent1"/>
+          </a:lnRef>
+          <a:fillRef idx="0">
+            <a:schemeClr val="accent1"/>
+          </a:fillRef>
+          <a:effectRef idx="0">
+            <a:schemeClr val="accent1"/>
+          </a:effectRef>
+          <a:fontRef idx="minor">
+            <a:schemeClr val="tx1"/>
+          </a:fontRef>
+        </p:style>
+      </p:cxnSp>
+      <p:cxnSp>
+        <p:nvCxnSpPr>
+          <p:cNvPr id="28" name="Gerade Verbindung mit Pfeil 27"/>
+          <p:cNvCxnSpPr/>
+          <p:nvPr/>
+        </p:nvCxnSpPr>
+        <p:spPr>
+          <a:xfrm>
+            <a:off x="4860031" y="4426705"/>
+            <a:ext cx="216024" cy="613497"/>
+          </a:xfrm>
+          <a:prstGeom prst="straightConnector1">
+            <a:avLst/>
+          </a:prstGeom>
+          <a:ln w="73025" cmpd="sng">
+            <a:solidFill>
+              <a:schemeClr val="accent1">
+                <a:shade val="95000"/>
+                <a:satMod val="105000"/>
+              </a:schemeClr>
+            </a:solidFill>
+            <a:round/>
+            <a:headEnd type="none"/>
+            <a:tailEnd type="stealth"/>
+          </a:ln>
+          <a:effectLst>
+            <a:glow>
+              <a:schemeClr val="accent1">
+                <a:alpha val="40000"/>
+              </a:schemeClr>
+            </a:glow>
+            <a:softEdge rad="0"/>
+          </a:effectLst>
+        </p:spPr>
+        <p:style>
+          <a:lnRef idx="1">
+            <a:schemeClr val="accent1"/>
+          </a:lnRef>
+          <a:fillRef idx="0">
+            <a:schemeClr val="accent1"/>
+          </a:fillRef>
+          <a:effectRef idx="0">
+            <a:schemeClr val="accent1"/>
+          </a:effectRef>
+          <a:fontRef idx="minor">
+            <a:schemeClr val="tx1"/>
+          </a:fontRef>
+        </p:style>
+      </p:cxnSp>
+      <p:sp>
+        <p:nvSpPr>
+          <p:cNvPr id="23" name="Textfeld 22"/>
+          <p:cNvSpPr txBox="1"/>
+          <p:nvPr/>
+        </p:nvSpPr>
+        <p:spPr>
+          <a:xfrm>
+            <a:off x="1475656" y="5283886"/>
+            <a:ext cx="2088232" cy="523220"/>
+          </a:xfrm>
+          <a:prstGeom prst="rect">
+            <a:avLst/>
+          </a:prstGeom>
+          <a:noFill/>
+          <a:effectLst>
+            <a:glow>
+              <a:schemeClr val="accent1">
+                <a:alpha val="40000"/>
+              </a:schemeClr>
+            </a:glow>
+          </a:effectLst>
+        </p:spPr>
+        <p:txBody>
+          <a:bodyPr wrap="square" rtlCol="0">
+            <a:spAutoFit/>
+          </a:bodyPr>
+          <a:lstStyle/>
+          <a:p>
+            <a:r>
+              <a:rPr lang="de-DE" sz="2800" b="1" dirty="0" smtClean="0">
+                <a:latin typeface="Calibri" panose="020F0502020204030204" pitchFamily="34" charset="0"/>
+              </a:rPr>
+              <a:t>Kategorie</a:t>
+            </a:r>
+            <a:endParaRPr lang="de-DE" sz="2800" b="1" dirty="0">
+              <a:latin typeface="Calibri" panose="020F0502020204030204" pitchFamily="34" charset="0"/>
+            </a:endParaRPr>
+          </a:p>
+        </p:txBody>
+      </p:sp>
+      <p:sp>
+        <p:nvSpPr>
+          <p:cNvPr id="30" name="Textfeld 29"/>
+          <p:cNvSpPr txBox="1"/>
+          <p:nvPr/>
+        </p:nvSpPr>
+        <p:spPr>
+          <a:xfrm>
+            <a:off x="4734859" y="5283886"/>
+            <a:ext cx="2088232" cy="523220"/>
+          </a:xfrm>
+          <a:prstGeom prst="rect">
+            <a:avLst/>
+          </a:prstGeom>
+          <a:noFill/>
+          <a:effectLst>
+            <a:glow>
+              <a:schemeClr val="accent1">
+                <a:alpha val="40000"/>
+              </a:schemeClr>
+            </a:glow>
+          </a:effectLst>
+        </p:spPr>
+        <p:txBody>
+          <a:bodyPr wrap="square" rtlCol="0">
+            <a:spAutoFit/>
+          </a:bodyPr>
+          <a:lstStyle/>
+          <a:p>
+            <a:r>
+              <a:rPr lang="de-DE" sz="2800" b="1" dirty="0" smtClean="0">
+                <a:latin typeface="Calibri" panose="020F0502020204030204" pitchFamily="34" charset="0"/>
+              </a:rPr>
+              <a:t>Ort</a:t>
+            </a:r>
+            <a:endParaRPr lang="de-DE" sz="2800" b="1" dirty="0">
+              <a:latin typeface="Calibri" panose="020F0502020204030204" pitchFamily="34" charset="0"/>
+            </a:endParaRPr>
+          </a:p>
+        </p:txBody>
+      </p:sp>
+      <p:sp>
+        <p:nvSpPr>
+          <p:cNvPr id="32" name="Textfeld 31"/>
+          <p:cNvSpPr txBox="1"/>
+          <p:nvPr/>
+        </p:nvSpPr>
+        <p:spPr>
+          <a:xfrm>
+            <a:off x="688069" y="1626676"/>
+            <a:ext cx="3663406" cy="523220"/>
+          </a:xfrm>
+          <a:prstGeom prst="rect">
+            <a:avLst/>
+          </a:prstGeom>
+          <a:noFill/>
+          <a:effectLst>
+            <a:glow>
+              <a:schemeClr val="accent1">
+                <a:alpha val="40000"/>
+              </a:schemeClr>
+            </a:glow>
+          </a:effectLst>
+        </p:spPr>
+        <p:txBody>
+          <a:bodyPr wrap="square" rtlCol="0">
+            <a:spAutoFit/>
+          </a:bodyPr>
+          <a:lstStyle/>
+          <a:p>
+            <a:pPr algn="ctr"/>
+            <a:r>
+              <a:rPr lang="de-DE" sz="2800" b="1" dirty="0" smtClean="0">
+                <a:latin typeface="Calibri" panose="020F0502020204030204" pitchFamily="34" charset="0"/>
+              </a:rPr>
+              <a:t>Verifizierter Account</a:t>
+            </a:r>
+            <a:endParaRPr lang="de-DE" sz="2800" b="1" dirty="0">
+              <a:latin typeface="Calibri" panose="020F0502020204030204" pitchFamily="34" charset="0"/>
+            </a:endParaRPr>
+          </a:p>
+        </p:txBody>
+      </p:sp>
+      <p:sp>
+        <p:nvSpPr>
+          <p:cNvPr id="33" name="Textfeld 32"/>
+          <p:cNvSpPr txBox="1"/>
+          <p:nvPr/>
+        </p:nvSpPr>
+        <p:spPr>
+          <a:xfrm>
+            <a:off x="5051309" y="1731328"/>
+            <a:ext cx="3217845" cy="523220"/>
+          </a:xfrm>
+          <a:prstGeom prst="rect">
+            <a:avLst/>
+          </a:prstGeom>
+          <a:noFill/>
+          <a:effectLst>
+            <a:glow>
+              <a:schemeClr val="accent1">
+                <a:alpha val="40000"/>
+              </a:schemeClr>
+            </a:glow>
+          </a:effectLst>
+        </p:spPr>
+        <p:txBody>
+          <a:bodyPr wrap="square" rtlCol="0">
+            <a:spAutoFit/>
+          </a:bodyPr>
+          <a:lstStyle/>
+          <a:p>
+            <a:pPr algn="ctr"/>
+            <a:r>
+              <a:rPr lang="de-DE" sz="2800" b="1" dirty="0" err="1" smtClean="0">
+                <a:latin typeface="Calibri" panose="020F0502020204030204" pitchFamily="34" charset="0"/>
+              </a:rPr>
+              <a:t>Retweet</a:t>
+            </a:r>
+            <a:r>
+              <a:rPr lang="de-DE" sz="2800" b="1" dirty="0" smtClean="0">
+                <a:latin typeface="Calibri" panose="020F0502020204030204" pitchFamily="34" charset="0"/>
+              </a:rPr>
+              <a:t>-Accounts</a:t>
+            </a:r>
+            <a:endParaRPr lang="de-DE" sz="2800" b="1" dirty="0">
+              <a:latin typeface="Calibri" panose="020F0502020204030204" pitchFamily="34" charset="0"/>
+            </a:endParaRPr>
+          </a:p>
+        </p:txBody>
+      </p:sp>
+    </p:spTree>
+    <p:extLst>
+      <p:ext uri="{BB962C8B-B14F-4D97-AF65-F5344CB8AC3E}">
+        <p14:creationId xmlns:p14="http://schemas.microsoft.com/office/powerpoint/2010/main" val="2165770274"/>
+      </p:ext>
+    </p:extLst>
+  </p:cSld>
+  <p:clrMapOvr>
+    <a:masterClrMapping/>
+  </p:clrMapOvr>
+  <p:timing>
+    <p:tnLst>
+      <p:par>
+        <p:cTn id="1" dur="indefinite" restart="never" nodeType="tmRoot">
+          <p:childTnLst>
+            <p:seq concurrent="1" nextAc="seek">
+              <p:cTn id="2" dur="indefinite" nodeType="mainSeq">
+                <p:childTnLst>
+                  <p:par>
+                    <p:cTn id="3" fill="hold">
+                      <p:stCondLst>
+                        <p:cond delay="indefinite"/>
+                      </p:stCondLst>
+                      <p:childTnLst>
+                        <p:par>
+                          <p:cTn id="4" fill="hold">
+                            <p:stCondLst>
+                              <p:cond delay="0"/>
+                            </p:stCondLst>
+                            <p:childTnLst>
+                              <p:par>
+                                <p:cTn id="5" presetID="1" presetClass="entr" presetSubtype="0" fill="hold" nodeType="clickEffect">
+                                  <p:stCondLst>
+                                    <p:cond delay="0"/>
+                                  </p:stCondLst>
+                                  <p:childTnLst>
+                                    <p:set>
+                                      <p:cBhvr>
+                                        <p:cTn id="6" dur="1" fill="hold">
+                                          <p:stCondLst>
+                                            <p:cond delay="0"/>
+                                          </p:stCondLst>
+                                        </p:cTn>
+                                        <p:tgtEl>
+                                          <p:spTgt spid="21"/>
+                                        </p:tgtEl>
+                                        <p:attrNameLst>
+                                          <p:attrName>style.visibility</p:attrName>
+                                        </p:attrNameLst>
+                                      </p:cBhvr>
+                                      <p:to>
+                                        <p:strVal val="visible"/>
+                                      </p:to>
+                                    </p:set>
+                                  </p:childTnLst>
+                                </p:cTn>
+                              </p:par>
+                              <p:par>
+                                <p:cTn id="7" presetID="1" presetClass="entr" presetSubtype="0" fill="hold" nodeType="withEffect">
+                                  <p:stCondLst>
+                                    <p:cond delay="0"/>
+                                  </p:stCondLst>
+                                  <p:childTnLst>
+                                    <p:set>
+                                      <p:cBhvr>
+                                        <p:cTn id="8" dur="1" fill="hold">
+                                          <p:stCondLst>
+                                            <p:cond delay="0"/>
+                                          </p:stCondLst>
+                                        </p:cTn>
+                                        <p:tgtEl>
+                                          <p:spTgt spid="2054"/>
+                                        </p:tgtEl>
+                                        <p:attrNameLst>
+                                          <p:attrName>style.visibility</p:attrName>
+                                        </p:attrNameLst>
+                                      </p:cBhvr>
+                                      <p:to>
+                                        <p:strVal val="visible"/>
+                                      </p:to>
+                                    </p:set>
+                                  </p:childTnLst>
+                                </p:cTn>
+                              </p:par>
+                              <p:par>
+                                <p:cTn id="9" presetID="1" presetClass="entr" presetSubtype="0" fill="hold" nodeType="withEffect">
+                                  <p:stCondLst>
+                                    <p:cond delay="0"/>
+                                  </p:stCondLst>
+                                  <p:childTnLst>
+                                    <p:set>
+                                      <p:cBhvr>
+                                        <p:cTn id="10" dur="1" fill="hold">
+                                          <p:stCondLst>
+                                            <p:cond delay="0"/>
+                                          </p:stCondLst>
+                                        </p:cTn>
+                                        <p:tgtEl>
+                                          <p:spTgt spid="24"/>
+                                        </p:tgtEl>
+                                        <p:attrNameLst>
+                                          <p:attrName>style.visibility</p:attrName>
+                                        </p:attrNameLst>
+                                      </p:cBhvr>
+                                      <p:to>
+                                        <p:strVal val="visible"/>
+                                      </p:to>
+                                    </p:set>
+                                  </p:childTnLst>
+                                </p:cTn>
+                              </p:par>
+                              <p:par>
+                                <p:cTn id="11" presetID="1" presetClass="entr" presetSubtype="0" fill="hold" nodeType="withEffect">
+                                  <p:stCondLst>
+                                    <p:cond delay="0"/>
+                                  </p:stCondLst>
+                                  <p:childTnLst>
+                                    <p:set>
+                                      <p:cBhvr>
+                                        <p:cTn id="12" dur="1" fill="hold">
+                                          <p:stCondLst>
+                                            <p:cond delay="0"/>
+                                          </p:stCondLst>
+                                        </p:cTn>
+                                        <p:tgtEl>
+                                          <p:spTgt spid="28"/>
+                                        </p:tgtEl>
+                                        <p:attrNameLst>
+                                          <p:attrName>style.visibility</p:attrName>
+                                        </p:attrNameLst>
+                                      </p:cBhvr>
+                                      <p:to>
+                                        <p:strVal val="visible"/>
+                                      </p:to>
+                                    </p:set>
+                                  </p:childTnLst>
+                                </p:cTn>
+                              </p:par>
+                              <p:par>
+                                <p:cTn id="13" presetID="1" presetClass="entr" presetSubtype="0" fill="hold" grpId="0" nodeType="withEffect">
+                                  <p:stCondLst>
+                                    <p:cond delay="0"/>
+                                  </p:stCondLst>
+                                  <p:childTnLst>
+                                    <p:set>
+                                      <p:cBhvr>
+                                        <p:cTn id="14" dur="1" fill="hold">
+                                          <p:stCondLst>
+                                            <p:cond delay="0"/>
+                                          </p:stCondLst>
+                                        </p:cTn>
+                                        <p:tgtEl>
+                                          <p:spTgt spid="30"/>
+                                        </p:tgtEl>
+                                        <p:attrNameLst>
+                                          <p:attrName>style.visibility</p:attrName>
+                                        </p:attrNameLst>
+                                      </p:cBhvr>
+                                      <p:to>
+                                        <p:strVal val="visible"/>
+                                      </p:to>
+                                    </p:set>
+                                  </p:childTnLst>
+                                </p:cTn>
+                              </p:par>
+                            </p:childTnLst>
+                          </p:cTn>
+                        </p:par>
+                      </p:childTnLst>
+                    </p:cTn>
+                  </p:par>
+                  <p:par>
+                    <p:cTn id="15" fill="hold">
+                      <p:stCondLst>
+                        <p:cond delay="indefinite"/>
+                      </p:stCondLst>
+                      <p:childTnLst>
+                        <p:par>
+                          <p:cTn id="16" fill="hold">
+                            <p:stCondLst>
+                              <p:cond delay="0"/>
+                            </p:stCondLst>
+                            <p:childTnLst>
+                              <p:par>
+                                <p:cTn id="17" presetID="1" presetClass="entr" presetSubtype="0" fill="hold" nodeType="clickEffect">
+                                  <p:stCondLst>
+                                    <p:cond delay="0"/>
+                                  </p:stCondLst>
+                                  <p:childTnLst>
+                                    <p:set>
+                                      <p:cBhvr>
+                                        <p:cTn id="18" dur="1" fill="hold">
+                                          <p:stCondLst>
+                                            <p:cond delay="0"/>
+                                          </p:stCondLst>
+                                        </p:cTn>
+                                        <p:tgtEl>
+                                          <p:spTgt spid="11"/>
+                                        </p:tgtEl>
+                                        <p:attrNameLst>
+                                          <p:attrName>style.visibility</p:attrName>
+                                        </p:attrNameLst>
+                                      </p:cBhvr>
+                                      <p:to>
+                                        <p:strVal val="visible"/>
+                                      </p:to>
+                                    </p:set>
+                                  </p:childTnLst>
+                                </p:cTn>
+                              </p:par>
+                              <p:par>
+                                <p:cTn id="19" presetID="1" presetClass="entr" presetSubtype="0" fill="hold" nodeType="withEffect">
+                                  <p:stCondLst>
+                                    <p:cond delay="0"/>
+                                  </p:stCondLst>
+                                  <p:childTnLst>
+                                    <p:set>
+                                      <p:cBhvr>
+                                        <p:cTn id="20" dur="1" fill="hold">
+                                          <p:stCondLst>
+                                            <p:cond delay="0"/>
+                                          </p:stCondLst>
+                                        </p:cTn>
+                                        <p:tgtEl>
+                                          <p:spTgt spid="2052"/>
+                                        </p:tgtEl>
+                                        <p:attrNameLst>
+                                          <p:attrName>style.visibility</p:attrName>
+                                        </p:attrNameLst>
+                                      </p:cBhvr>
+                                      <p:to>
+                                        <p:strVal val="visible"/>
+                                      </p:to>
+                                    </p:set>
+                                  </p:childTnLst>
+                                </p:cTn>
+                              </p:par>
+                              <p:par>
+                                <p:cTn id="21" presetID="1" presetClass="entr" presetSubtype="0" fill="hold" nodeType="withEffect">
+                                  <p:stCondLst>
+                                    <p:cond delay="0"/>
+                                  </p:stCondLst>
+                                  <p:childTnLst>
+                                    <p:set>
+                                      <p:cBhvr>
+                                        <p:cTn id="22" dur="1" fill="hold">
+                                          <p:stCondLst>
+                                            <p:cond delay="0"/>
+                                          </p:stCondLst>
+                                        </p:cTn>
+                                        <p:tgtEl>
+                                          <p:spTgt spid="26"/>
+                                        </p:tgtEl>
+                                        <p:attrNameLst>
+                                          <p:attrName>style.visibility</p:attrName>
+                                        </p:attrNameLst>
+                                      </p:cBhvr>
+                                      <p:to>
+                                        <p:strVal val="visible"/>
+                                      </p:to>
+                                    </p:set>
+                                  </p:childTnLst>
+                                </p:cTn>
+                              </p:par>
+                              <p:par>
+                                <p:cTn id="23" presetID="1" presetClass="entr" presetSubtype="0" fill="hold" grpId="0" nodeType="withEffect">
+                                  <p:stCondLst>
+                                    <p:cond delay="0"/>
+                                  </p:stCondLst>
+                                  <p:childTnLst>
+                                    <p:set>
+                                      <p:cBhvr>
+                                        <p:cTn id="24" dur="1" fill="hold">
+                                          <p:stCondLst>
+                                            <p:cond delay="0"/>
+                                          </p:stCondLst>
+                                        </p:cTn>
+                                        <p:tgtEl>
+                                          <p:spTgt spid="23"/>
+                                        </p:tgtEl>
+                                        <p:attrNameLst>
+                                          <p:attrName>style.visibility</p:attrName>
+                                        </p:attrNameLst>
+                                      </p:cBhvr>
+                                      <p:to>
+                                        <p:strVal val="visible"/>
+                                      </p:to>
+                                    </p:set>
+                                  </p:childTnLst>
+                                </p:cTn>
+                              </p:par>
+                            </p:childTnLst>
+                          </p:cTn>
+                        </p:par>
+                      </p:childTnLst>
+                    </p:cTn>
+                  </p:par>
+                </p:childTnLst>
+              </p:cTn>
+              <p:prevCondLst>
+                <p:cond evt="onPrev" delay="0">
+                  <p:tgtEl>
+                    <p:sldTgt/>
+                  </p:tgtEl>
+                </p:cond>
+              </p:prevCondLst>
+              <p:nextCondLst>
+                <p:cond evt="onNext" delay="0">
+                  <p:tgtEl>
+                    <p:sldTgt/>
+                  </p:tgtEl>
+                </p:cond>
+              </p:nextCondLst>
+            </p:seq>
+          </p:childTnLst>
+        </p:cTn>
+      </p:par>
+    </p:tnLst>
+    <p:bldLst>
+      <p:bldP spid="23" grpId="0"/>
+      <p:bldP spid="30" grpId="0"/>
+    </p:bldLst>
+  </p:timing>
+</p:sld>
+</file>
+
+<file path=ppt/slides/slide5.xml><?xml version="1.0" encoding="utf-8"?>
+<p:sld xmlns:a="http://schemas.openxmlformats.org/drawingml/2006/main" xmlns:r="http://schemas.openxmlformats.org/officeDocument/2006/relationships" xmlns:p="http://schemas.openxmlformats.org/presentationml/2006/main">
+  <p:cSld>
+    <p:spTree>
+      <p:nvGrpSpPr>
+        <p:cNvPr id="1" name=""/>
+        <p:cNvGrpSpPr/>
+        <p:nvPr/>
+      </p:nvGrpSpPr>
+      <p:grpSpPr>
+        <a:xfrm>
+          <a:off x="0" y="0"/>
+          <a:ext cx="0" cy="0"/>
+          <a:chOff x="0" y="0"/>
+          <a:chExt cx="0" cy="0"/>
+        </a:xfrm>
+      </p:grpSpPr>
+      <p:sp>
+        <p:nvSpPr>
+          <p:cNvPr id="2" name="Titel 1"/>
+          <p:cNvSpPr>
+            <a:spLocks noGrp="1"/>
+          </p:cNvSpPr>
+          <p:nvPr>
+            <p:ph type="title"/>
+          </p:nvPr>
+        </p:nvSpPr>
+        <p:spPr/>
+        <p:txBody>
+          <a:bodyPr/>
+          <a:lstStyle/>
+          <a:p>
+            <a:r>
+              <a:rPr lang="de-DE" dirty="0" smtClean="0"/>
+              <a:t>1. </a:t>
+            </a:r>
+            <a:r>
+              <a:rPr lang="de-DE" dirty="0" smtClean="0"/>
+              <a:t>Grobe Systemarchitektur</a:t>
+            </a:r>
+            <a:endParaRPr lang="de-DE" dirty="0"/>
+          </a:p>
+        </p:txBody>
+      </p:sp>
+      <p:sp>
+        <p:nvSpPr>
+          <p:cNvPr id="9" name="Rectangle 12"/>
+          <p:cNvSpPr>
+            <a:spLocks noGrp="1" noChangeArrowheads="1"/>
+          </p:cNvSpPr>
+          <p:nvPr>
+            <p:ph type="ftr" sz="quarter" idx="10"/>
+          </p:nvPr>
+        </p:nvSpPr>
+        <p:spPr>
+          <a:xfrm>
+            <a:off x="611560" y="6443637"/>
+            <a:ext cx="7848871" cy="360363"/>
+          </a:xfrm>
+          <a:ln/>
+        </p:spPr>
+        <p:txBody>
+          <a:bodyPr/>
+          <a:lstStyle>
+            <a:lvl1pPr>
+              <a:defRPr sz="1000">
+                <a:solidFill>
+                  <a:schemeClr val="tx1"/>
+                </a:solidFill>
+                <a:latin typeface="Calibri" panose="020F0502020204030204" pitchFamily="34" charset="0"/>
+              </a:defRPr>
+            </a:lvl1pPr>
+          </a:lstStyle>
+          <a:p>
+            <a:pPr>
+              <a:defRPr/>
+            </a:pPr>
+            <a:r>
+              <a:rPr lang="de-DE" dirty="0" smtClean="0"/>
+              <a:t>Praxis der Softwareentwicklung: </a:t>
+            </a:r>
+            <a:r>
+              <a:rPr lang="de-DE" dirty="0" err="1" smtClean="0"/>
+              <a:t>Visualizing</a:t>
+            </a:r>
+            <a:r>
+              <a:rPr lang="de-DE" dirty="0" smtClean="0"/>
+              <a:t> Trends. Was verrät uns Twitter?</a:t>
+            </a:r>
+            <a:br>
+              <a:rPr lang="de-DE" dirty="0" smtClean="0"/>
+            </a:br>
+            <a:r>
+              <a:rPr lang="de-DE" b="1" dirty="0" smtClean="0"/>
+              <a:t>Aufgabenstellung</a:t>
+            </a:r>
+            <a:r>
+              <a:rPr lang="de-DE" dirty="0" smtClean="0"/>
+              <a:t>               Entwurf		Implementierung		Validierung		Fazit</a:t>
+            </a:r>
+            <a:endParaRPr lang="de-DE" dirty="0"/>
+          </a:p>
+        </p:txBody>
+      </p:sp>
+      <p:graphicFrame>
+        <p:nvGraphicFramePr>
+          <p:cNvPr id="8" name="Diagramm 7"/>
+          <p:cNvGraphicFramePr/>
+          <p:nvPr>
+            <p:extLst>
+              <p:ext uri="{D42A27DB-BD31-4B8C-83A1-F6EECF244321}">
+                <p14:modId xmlns:p14="http://schemas.microsoft.com/office/powerpoint/2010/main" val="2537367872"/>
+              </p:ext>
+            </p:extLst>
+          </p:nvPr>
+        </p:nvGraphicFramePr>
+        <p:xfrm>
+          <a:off x="390525" y="1397000"/>
+          <a:ext cx="8573963" cy="4840312"/>
+        </p:xfrm>
+        <a:graphic>
+          <a:graphicData uri="http://schemas.openxmlformats.org/drawingml/2006/diagram">
+            <dgm:relIds xmlns:dgm="http://schemas.openxmlformats.org/drawingml/2006/diagram" xmlns:r="http://schemas.openxmlformats.org/officeDocument/2006/relationships" r:dm="rId2" r:lo="rId3" r:qs="rId4" r:cs="rId5"/>
+          </a:graphicData>
+        </a:graphic>
+      </p:graphicFrame>
+    </p:spTree>
+    <p:extLst>
+      <p:ext uri="{BB962C8B-B14F-4D97-AF65-F5344CB8AC3E}">
+        <p14:creationId xmlns:p14="http://schemas.microsoft.com/office/powerpoint/2010/main" val="1903655767"/>
+      </p:ext>
+    </p:extLst>
+  </p:cSld>
+  <p:clrMapOvr>
+    <a:masterClrMapping/>
+  </p:clrMapOvr>
+  <p:timing>
+    <p:tnLst>
+      <p:par>
+        <p:cTn id="1" dur="indefinite" restart="never" nodeType="tmRoot"/>
+      </p:par>
+    </p:tnLst>
+  </p:timing>
+</p:sld>
+</file>
+
+<file path=ppt/slides/slide6.xml><?xml version="1.0" encoding="utf-8"?>
 <p:sld xmlns:a="http://schemas.openxmlformats.org/drawingml/2006/main" xmlns:r="http://schemas.openxmlformats.org/officeDocument/2006/relationships" xmlns:p="http://schemas.openxmlformats.org/presentationml/2006/main">
   <p:cSld>
     <p:spTree>
@@ -13797,7 +17891,7 @@
 </p:sld>
 </file>
 
-<file path=ppt/slides/slide5.xml><?xml version="1.0" encoding="utf-8"?>
+<file path=ppt/slides/slide7.xml><?xml version="1.0" encoding="utf-8"?>
 <p:sld xmlns:a="http://schemas.openxmlformats.org/drawingml/2006/main" xmlns:r="http://schemas.openxmlformats.org/officeDocument/2006/relationships" xmlns:p="http://schemas.openxmlformats.org/presentationml/2006/main">
   <p:cSld>
     <p:spTree>
@@ -14191,7 +18285,7 @@
 </p:sld>
 </file>
 
-<file path=ppt/slides/slide6.xml><?xml version="1.0" encoding="utf-8"?>
+<file path=ppt/slides/slide8.xml><?xml version="1.0" encoding="utf-8"?>
 <p:sld xmlns:a="http://schemas.openxmlformats.org/drawingml/2006/main" xmlns:r="http://schemas.openxmlformats.org/officeDocument/2006/relationships" xmlns:p="http://schemas.openxmlformats.org/presentationml/2006/main">
   <p:cSld>
     <p:spTree>
@@ -14556,7 +18650,7 @@
 </p:sld>
 </file>
 
-<file path=ppt/slides/slide7.xml><?xml version="1.0" encoding="utf-8"?>
+<file path=ppt/slides/slide9.xml><?xml version="1.0" encoding="utf-8"?>
 <p:sld xmlns:a="http://schemas.openxmlformats.org/drawingml/2006/main" xmlns:r="http://schemas.openxmlformats.org/officeDocument/2006/relationships" xmlns:p="http://schemas.openxmlformats.org/presentationml/2006/main">
   <p:cSld>
     <p:spTree>
@@ -14702,432 +18796,6 @@
       <p:transition spd="slow"/>
     </mc:Fallback>
   </mc:AlternateContent>
-  <p:timing>
-    <p:tnLst>
-      <p:par>
-        <p:cTn id="1" dur="indefinite" restart="never" nodeType="tmRoot"/>
-      </p:par>
-    </p:tnLst>
-  </p:timing>
-</p:sld>
-</file>
-
-<file path=ppt/slides/slide8.xml><?xml version="1.0" encoding="utf-8"?>
-<p:sld xmlns:a="http://schemas.openxmlformats.org/drawingml/2006/main" xmlns:r="http://schemas.openxmlformats.org/officeDocument/2006/relationships" xmlns:p="http://schemas.openxmlformats.org/presentationml/2006/main">
-  <p:cSld>
-    <p:spTree>
-      <p:nvGrpSpPr>
-        <p:cNvPr id="1" name=""/>
-        <p:cNvGrpSpPr/>
-        <p:nvPr/>
-      </p:nvGrpSpPr>
-      <p:grpSpPr>
-        <a:xfrm>
-          <a:off x="0" y="0"/>
-          <a:ext cx="0" cy="0"/>
-          <a:chOff x="0" y="0"/>
-          <a:chExt cx="0" cy="0"/>
-        </a:xfrm>
-      </p:grpSpPr>
-      <p:pic>
-        <p:nvPicPr>
-          <p:cNvPr id="10" name="Grafik 9"/>
-          <p:cNvPicPr>
-            <a:picLocks noChangeAspect="1"/>
-          </p:cNvPicPr>
-          <p:nvPr/>
-        </p:nvPicPr>
-        <p:blipFill rotWithShape="1">
-          <a:blip r:embed="rId2" cstate="print">
-            <a:extLst>
-              <a:ext uri="{28A0092B-C50C-407E-A947-70E740481C1C}">
-                <a14:useLocalDpi xmlns:a14="http://schemas.microsoft.com/office/drawing/2010/main" val="0"/>
-              </a:ext>
-            </a:extLst>
-          </a:blip>
-          <a:srcRect l="21544" t="23529" r="48191" b="50000"/>
-          <a:stretch/>
-        </p:blipFill>
-        <p:spPr>
-          <a:xfrm>
-            <a:off x="1115616" y="1628800"/>
-            <a:ext cx="7272808" cy="4620372"/>
-          </a:xfrm>
-          <a:prstGeom prst="rect">
-            <a:avLst/>
-          </a:prstGeom>
-        </p:spPr>
-      </p:pic>
-      <p:sp>
-        <p:nvSpPr>
-          <p:cNvPr id="2" name="Titel 1"/>
-          <p:cNvSpPr>
-            <a:spLocks noGrp="1"/>
-          </p:cNvSpPr>
-          <p:nvPr>
-            <p:ph type="title"/>
-          </p:nvPr>
-        </p:nvSpPr>
-        <p:spPr/>
-        <p:txBody>
-          <a:bodyPr/>
-          <a:lstStyle/>
-          <a:p>
-            <a:r>
-              <a:rPr lang="de-DE" dirty="0" smtClean="0"/>
-              <a:t>2. Entwurf (Crawler)</a:t>
-            </a:r>
-            <a:endParaRPr lang="de-DE" dirty="0"/>
-          </a:p>
-        </p:txBody>
-      </p:sp>
-      <p:sp>
-        <p:nvSpPr>
-          <p:cNvPr id="21" name="Textfeld 20"/>
-          <p:cNvSpPr txBox="1"/>
-          <p:nvPr/>
-        </p:nvSpPr>
-        <p:spPr>
-          <a:xfrm>
-            <a:off x="6865632" y="1124744"/>
-            <a:ext cx="1306768" cy="292388"/>
-          </a:xfrm>
-          <a:prstGeom prst="rect">
-            <a:avLst/>
-          </a:prstGeom>
-          <a:solidFill>
-            <a:srgbClr val="FFFFFF"/>
-          </a:solidFill>
-          <a:ln w="12700">
-            <a:solidFill>
-              <a:schemeClr val="tx1"/>
-            </a:solidFill>
-          </a:ln>
-        </p:spPr>
-        <p:txBody>
-          <a:bodyPr wrap="none" rtlCol="0">
-            <a:spAutoFit/>
-          </a:bodyPr>
-          <a:lstStyle/>
-          <a:p>
-            <a:r>
-              <a:rPr lang="de-DE" sz="1300" u="sng" dirty="0" err="1" smtClean="0"/>
-              <a:t>dbc:DBCrawler</a:t>
-            </a:r>
-            <a:endParaRPr lang="de-DE" sz="1300" u="sng" dirty="0"/>
-          </a:p>
-        </p:txBody>
-      </p:sp>
-      <p:sp>
-        <p:nvSpPr>
-          <p:cNvPr id="22" name="Textfeld 21"/>
-          <p:cNvSpPr txBox="1"/>
-          <p:nvPr/>
-        </p:nvSpPr>
-        <p:spPr>
-          <a:xfrm>
-            <a:off x="5502758" y="1124744"/>
-            <a:ext cx="825867" cy="292388"/>
-          </a:xfrm>
-          <a:prstGeom prst="rect">
-            <a:avLst/>
-          </a:prstGeom>
-          <a:solidFill>
-            <a:srgbClr val="FFFFFF"/>
-          </a:solidFill>
-          <a:ln w="12700">
-            <a:solidFill>
-              <a:schemeClr val="tx1"/>
-            </a:solidFill>
-          </a:ln>
-        </p:spPr>
-        <p:txBody>
-          <a:bodyPr wrap="none" rtlCol="0">
-            <a:spAutoFit/>
-          </a:bodyPr>
-          <a:lstStyle/>
-          <a:p>
-            <a:r>
-              <a:rPr lang="de-DE" sz="1300" u="sng" dirty="0" smtClean="0"/>
-              <a:t>l:Locator</a:t>
-            </a:r>
-            <a:endParaRPr lang="de-DE" sz="1300" u="sng" dirty="0"/>
-          </a:p>
-        </p:txBody>
-      </p:sp>
-      <p:sp>
-        <p:nvSpPr>
-          <p:cNvPr id="25" name="Textfeld 24"/>
-          <p:cNvSpPr txBox="1"/>
-          <p:nvPr/>
-        </p:nvSpPr>
-        <p:spPr>
-          <a:xfrm>
-            <a:off x="2867718" y="1124744"/>
-            <a:ext cx="1957587" cy="292388"/>
-          </a:xfrm>
-          <a:prstGeom prst="rect">
-            <a:avLst/>
-          </a:prstGeom>
-          <a:solidFill>
-            <a:srgbClr val="FFFFFF"/>
-          </a:solidFill>
-          <a:ln w="12700">
-            <a:solidFill>
-              <a:schemeClr val="tx1"/>
-            </a:solidFill>
-          </a:ln>
-        </p:spPr>
-        <p:txBody>
-          <a:bodyPr wrap="none" rtlCol="0">
-            <a:spAutoFit/>
-          </a:bodyPr>
-          <a:lstStyle/>
-          <a:p>
-            <a:r>
-              <a:rPr lang="de-DE" sz="1300" u="sng" dirty="0" err="1" smtClean="0"/>
-              <a:t>worker:StatusProcessor</a:t>
-            </a:r>
-            <a:endParaRPr lang="de-DE" sz="1300" u="sng" dirty="0"/>
-          </a:p>
-        </p:txBody>
-      </p:sp>
-      <p:sp>
-        <p:nvSpPr>
-          <p:cNvPr id="9" name="Rectangle 12"/>
-          <p:cNvSpPr>
-            <a:spLocks noGrp="1" noChangeArrowheads="1"/>
-          </p:cNvSpPr>
-          <p:nvPr>
-            <p:ph type="ftr" sz="quarter" idx="10"/>
-          </p:nvPr>
-        </p:nvSpPr>
-        <p:spPr>
-          <a:xfrm>
-            <a:off x="611560" y="6443637"/>
-            <a:ext cx="7848871" cy="360363"/>
-          </a:xfrm>
-          <a:ln/>
-        </p:spPr>
-        <p:txBody>
-          <a:bodyPr/>
-          <a:lstStyle>
-            <a:lvl1pPr>
-              <a:defRPr sz="1000">
-                <a:solidFill>
-                  <a:schemeClr val="tx1"/>
-                </a:solidFill>
-                <a:latin typeface="Calibri" panose="020F0502020204030204" pitchFamily="34" charset="0"/>
-              </a:defRPr>
-            </a:lvl1pPr>
-          </a:lstStyle>
-          <a:p>
-            <a:pPr>
-              <a:defRPr/>
-            </a:pPr>
-            <a:r>
-              <a:rPr lang="de-DE" dirty="0" smtClean="0"/>
-              <a:t>Praxis der Softwareentwicklung: </a:t>
-            </a:r>
-            <a:r>
-              <a:rPr lang="de-DE" dirty="0" err="1" smtClean="0"/>
-              <a:t>Visualizing</a:t>
-            </a:r>
-            <a:r>
-              <a:rPr lang="de-DE" dirty="0" smtClean="0"/>
-              <a:t> Trends. Was verrät uns Twitter?</a:t>
-            </a:r>
-            <a:br>
-              <a:rPr lang="de-DE" dirty="0" smtClean="0"/>
-            </a:br>
-            <a:r>
-              <a:rPr lang="de-DE" dirty="0" smtClean="0"/>
-              <a:t>Aufgabenstellung               </a:t>
-            </a:r>
-            <a:r>
-              <a:rPr lang="de-DE" b="1" dirty="0" smtClean="0"/>
-              <a:t>Entwurf</a:t>
-            </a:r>
-            <a:r>
-              <a:rPr lang="de-DE" dirty="0" smtClean="0"/>
-              <a:t>		Implementierung		Validierung		Fazit</a:t>
-            </a:r>
-            <a:endParaRPr lang="de-DE" dirty="0"/>
-          </a:p>
-        </p:txBody>
-      </p:sp>
-    </p:spTree>
-    <p:extLst>
-      <p:ext uri="{BB962C8B-B14F-4D97-AF65-F5344CB8AC3E}">
-        <p14:creationId xmlns:p14="http://schemas.microsoft.com/office/powerpoint/2010/main" val="3591635622"/>
-      </p:ext>
-    </p:extLst>
-  </p:cSld>
-  <p:clrMapOvr>
-    <a:masterClrMapping/>
-  </p:clrMapOvr>
-  <mc:AlternateContent xmlns:mc="http://schemas.openxmlformats.org/markup-compatibility/2006" xmlns:p14="http://schemas.microsoft.com/office/powerpoint/2010/main">
-    <mc:Choice Requires="p14">
-      <p:transition p14:dur="0"/>
-    </mc:Choice>
-    <mc:Fallback xmlns="">
-      <p:transition/>
-    </mc:Fallback>
-  </mc:AlternateContent>
-  <p:timing>
-    <p:tnLst>
-      <p:par>
-        <p:cTn id="1" dur="indefinite" restart="never" nodeType="tmRoot"/>
-      </p:par>
-    </p:tnLst>
-  </p:timing>
-</p:sld>
-</file>
-
-<file path=ppt/slides/slide9.xml><?xml version="1.0" encoding="utf-8"?>
-<p:sld xmlns:a="http://schemas.openxmlformats.org/drawingml/2006/main" xmlns:r="http://schemas.openxmlformats.org/officeDocument/2006/relationships" xmlns:p="http://schemas.openxmlformats.org/presentationml/2006/main">
-  <p:cSld>
-    <p:spTree>
-      <p:nvGrpSpPr>
-        <p:cNvPr id="1" name=""/>
-        <p:cNvGrpSpPr/>
-        <p:nvPr/>
-      </p:nvGrpSpPr>
-      <p:grpSpPr>
-        <a:xfrm>
-          <a:off x="0" y="0"/>
-          <a:ext cx="0" cy="0"/>
-          <a:chOff x="0" y="0"/>
-          <a:chExt cx="0" cy="0"/>
-        </a:xfrm>
-      </p:grpSpPr>
-      <p:sp>
-        <p:nvSpPr>
-          <p:cNvPr id="2" name="Titel 1"/>
-          <p:cNvSpPr>
-            <a:spLocks noGrp="1"/>
-          </p:cNvSpPr>
-          <p:nvPr>
-            <p:ph type="title"/>
-          </p:nvPr>
-        </p:nvSpPr>
-        <p:spPr/>
-        <p:txBody>
-          <a:bodyPr/>
-          <a:lstStyle/>
-          <a:p>
-            <a:r>
-              <a:rPr lang="de-DE" dirty="0" smtClean="0"/>
-              <a:t>2. Entwurf (GUI)</a:t>
-            </a:r>
-            <a:endParaRPr lang="de-DE" dirty="0"/>
-          </a:p>
-        </p:txBody>
-      </p:sp>
-      <p:pic>
-        <p:nvPicPr>
-          <p:cNvPr id="8" name="Grafik 7"/>
-          <p:cNvPicPr>
-            <a:picLocks noChangeAspect="1"/>
-          </p:cNvPicPr>
-          <p:nvPr/>
-        </p:nvPicPr>
-        <p:blipFill>
-          <a:blip r:embed="rId3" cstate="print">
-            <a:extLst>
-              <a:ext uri="{28A0092B-C50C-407E-A947-70E740481C1C}">
-                <a14:useLocalDpi xmlns:a14="http://schemas.microsoft.com/office/drawing/2010/main" val="0"/>
-              </a:ext>
-            </a:extLst>
-          </a:blip>
-          <a:stretch>
-            <a:fillRect/>
-          </a:stretch>
-        </p:blipFill>
-        <p:spPr>
-          <a:xfrm>
-            <a:off x="390525" y="1340768"/>
-            <a:ext cx="8348621" cy="4616257"/>
-          </a:xfrm>
-          <a:prstGeom prst="rect">
-            <a:avLst/>
-          </a:prstGeom>
-        </p:spPr>
-      </p:pic>
-      <p:sp>
-        <p:nvSpPr>
-          <p:cNvPr id="9" name="Rectangle 12"/>
-          <p:cNvSpPr>
-            <a:spLocks noGrp="1" noChangeArrowheads="1"/>
-          </p:cNvSpPr>
-          <p:nvPr>
-            <p:ph type="ftr" sz="quarter" idx="10"/>
-          </p:nvPr>
-        </p:nvSpPr>
-        <p:spPr>
-          <a:xfrm>
-            <a:off x="611560" y="6443637"/>
-            <a:ext cx="7848871" cy="360363"/>
-          </a:xfrm>
-          <a:ln/>
-        </p:spPr>
-        <p:txBody>
-          <a:bodyPr/>
-          <a:lstStyle>
-            <a:lvl1pPr>
-              <a:defRPr sz="1000">
-                <a:solidFill>
-                  <a:schemeClr val="tx1"/>
-                </a:solidFill>
-                <a:latin typeface="Calibri" panose="020F0502020204030204" pitchFamily="34" charset="0"/>
-              </a:defRPr>
-            </a:lvl1pPr>
-          </a:lstStyle>
-          <a:p>
-            <a:pPr>
-              <a:defRPr/>
-            </a:pPr>
-            <a:r>
-              <a:rPr lang="de-DE" dirty="0" smtClean="0"/>
-              <a:t>Praxis der Softwareentwicklung: </a:t>
-            </a:r>
-            <a:r>
-              <a:rPr lang="de-DE" dirty="0" err="1" smtClean="0"/>
-              <a:t>Visualizing</a:t>
-            </a:r>
-            <a:r>
-              <a:rPr lang="de-DE" dirty="0" smtClean="0"/>
-              <a:t> Trends. Was verrät uns Twitter?</a:t>
-            </a:r>
-            <a:br>
-              <a:rPr lang="de-DE" dirty="0" smtClean="0"/>
-            </a:br>
-            <a:r>
-              <a:rPr lang="de-DE" dirty="0" smtClean="0"/>
-              <a:t>Aufgabenstellung               </a:t>
-            </a:r>
-            <a:r>
-              <a:rPr lang="de-DE" b="1" dirty="0" smtClean="0"/>
-              <a:t>Entwurf</a:t>
-            </a:r>
-            <a:r>
-              <a:rPr lang="de-DE" dirty="0" smtClean="0"/>
-              <a:t>		Implementierung		Validierung		Fazit</a:t>
-            </a:r>
-            <a:endParaRPr lang="de-DE" dirty="0"/>
-          </a:p>
-        </p:txBody>
-      </p:sp>
-    </p:spTree>
-    <p:extLst>
-      <p:ext uri="{BB962C8B-B14F-4D97-AF65-F5344CB8AC3E}">
-        <p14:creationId xmlns:p14="http://schemas.microsoft.com/office/powerpoint/2010/main" val="3338498102"/>
-      </p:ext>
-    </p:extLst>
-  </p:cSld>
-  <p:clrMapOvr>
-    <a:masterClrMapping/>
-  </p:clrMapOvr>
   <p:timing>
     <p:tnLst>
       <p:par>

--- a/doc/abschlusspräsentation/pres.pptx
+++ b/doc/abschlusspräsentation/pres.pptx
@@ -2554,6 +2554,13 @@
         </dgm:presLayoutVars>
       </dgm:prSet>
       <dgm:spPr/>
+      <dgm:t>
+        <a:bodyPr/>
+        <a:lstStyle/>
+        <a:p>
+          <a:endParaRPr lang="de-DE"/>
+        </a:p>
+      </dgm:t>
     </dgm:pt>
     <dgm:pt modelId="{F393E8A0-4F2F-40CF-9827-68A375D6E080}" type="pres">
       <dgm:prSet presAssocID="{066C6FF1-0CA8-4C49-B6AD-AF1B2EBDDA7A}" presName="space" presStyleCnt="0"/>
@@ -2596,12 +2603,12 @@
   </dgm:ptLst>
   <dgm:cxnLst>
     <dgm:cxn modelId="{F648F796-03C1-4F94-91C5-CA25A3A956DE}" type="presOf" srcId="{3F3E7BDD-0132-408E-AD12-33707E6B35B6}" destId="{DA92F19B-3709-4927-A4C5-9513D00C5DFB}" srcOrd="0" destOrd="0" presId="urn:microsoft.com/office/officeart/2005/8/layout/venn3"/>
+    <dgm:cxn modelId="{1DD3BC56-AB20-4A2B-8448-93097CA0E219}" srcId="{0C5C465C-FBFB-4050-B4A4-C161756840CE}" destId="{744FF9CA-D2D8-4420-B7CE-468C87F154DA}" srcOrd="1" destOrd="0" parTransId="{86AF6011-8FAB-47BF-AE7D-75D0B7CAF1E4}" sibTransId="{307C1188-DEB3-4A7F-8D58-6277548AF1A0}"/>
+    <dgm:cxn modelId="{0026D735-F2A1-4F9C-87B6-9A4918EBFF50}" type="presOf" srcId="{0C5C465C-FBFB-4050-B4A4-C161756840CE}" destId="{A7D55687-D3D8-4092-B0A0-E94CEE340AC5}" srcOrd="0" destOrd="0" presId="urn:microsoft.com/office/officeart/2005/8/layout/venn3"/>
+    <dgm:cxn modelId="{6FB5E1FD-DC96-43CA-B493-03EB2E0444E6}" type="presOf" srcId="{047CABAB-4B11-451B-B2DC-800A1ABACAD6}" destId="{9BAF6B2F-7E00-4C3C-B9E1-8594160479F0}" srcOrd="0" destOrd="0" presId="urn:microsoft.com/office/officeart/2005/8/layout/venn3"/>
     <dgm:cxn modelId="{2432A523-A91B-48E6-99AE-BEDD6C2BE16C}" type="presOf" srcId="{744FF9CA-D2D8-4420-B7CE-468C87F154DA}" destId="{3630E157-1157-4BC2-B2AD-55095204FC5C}" srcOrd="0" destOrd="0" presId="urn:microsoft.com/office/officeart/2005/8/layout/venn3"/>
-    <dgm:cxn modelId="{6FB5E1FD-DC96-43CA-B493-03EB2E0444E6}" type="presOf" srcId="{047CABAB-4B11-451B-B2DC-800A1ABACAD6}" destId="{9BAF6B2F-7E00-4C3C-B9E1-8594160479F0}" srcOrd="0" destOrd="0" presId="urn:microsoft.com/office/officeart/2005/8/layout/venn3"/>
-    <dgm:cxn modelId="{0026D735-F2A1-4F9C-87B6-9A4918EBFF50}" type="presOf" srcId="{0C5C465C-FBFB-4050-B4A4-C161756840CE}" destId="{A7D55687-D3D8-4092-B0A0-E94CEE340AC5}" srcOrd="0" destOrd="0" presId="urn:microsoft.com/office/officeart/2005/8/layout/venn3"/>
-    <dgm:cxn modelId="{1DD3BC56-AB20-4A2B-8448-93097CA0E219}" srcId="{0C5C465C-FBFB-4050-B4A4-C161756840CE}" destId="{744FF9CA-D2D8-4420-B7CE-468C87F154DA}" srcOrd="1" destOrd="0" parTransId="{86AF6011-8FAB-47BF-AE7D-75D0B7CAF1E4}" sibTransId="{307C1188-DEB3-4A7F-8D58-6277548AF1A0}"/>
+    <dgm:cxn modelId="{BD367C41-5793-41FB-ACE7-AEAE62DC1A24}" srcId="{0C5C465C-FBFB-4050-B4A4-C161756840CE}" destId="{047CABAB-4B11-451B-B2DC-800A1ABACAD6}" srcOrd="2" destOrd="0" parTransId="{1B802671-B05C-4CEF-9E97-E53211A2717C}" sibTransId="{FCB9CA04-A769-4353-A156-E9EE20195901}"/>
     <dgm:cxn modelId="{B6824D12-4A6F-4E5B-AD8A-A98C1B7922B7}" srcId="{0C5C465C-FBFB-4050-B4A4-C161756840CE}" destId="{3F3E7BDD-0132-408E-AD12-33707E6B35B6}" srcOrd="0" destOrd="0" parTransId="{C0DB61A5-8E48-4610-9D76-846C3635D58A}" sibTransId="{066C6FF1-0CA8-4C49-B6AD-AF1B2EBDDA7A}"/>
-    <dgm:cxn modelId="{BD367C41-5793-41FB-ACE7-AEAE62DC1A24}" srcId="{0C5C465C-FBFB-4050-B4A4-C161756840CE}" destId="{047CABAB-4B11-451B-B2DC-800A1ABACAD6}" srcOrd="2" destOrd="0" parTransId="{1B802671-B05C-4CEF-9E97-E53211A2717C}" sibTransId="{FCB9CA04-A769-4353-A156-E9EE20195901}"/>
     <dgm:cxn modelId="{6FD6BC6A-FBA4-4D7F-9E50-C687D6C69A9D}" type="presParOf" srcId="{A7D55687-D3D8-4092-B0A0-E94CEE340AC5}" destId="{DA92F19B-3709-4927-A4C5-9513D00C5DFB}" srcOrd="0" destOrd="0" presId="urn:microsoft.com/office/officeart/2005/8/layout/venn3"/>
     <dgm:cxn modelId="{16E995AB-99D4-496E-B98F-946FE2DC0353}" type="presParOf" srcId="{A7D55687-D3D8-4092-B0A0-E94CEE340AC5}" destId="{F393E8A0-4F2F-40CF-9827-68A375D6E080}" srcOrd="1" destOrd="0" presId="urn:microsoft.com/office/officeart/2005/8/layout/venn3"/>
     <dgm:cxn modelId="{0BB80759-2D2C-4E3B-AB05-D84091A55AC3}" type="presParOf" srcId="{A7D55687-D3D8-4092-B0A0-E94CEE340AC5}" destId="{3630E157-1157-4BC2-B2AD-55095204FC5C}" srcOrd="2" destOrd="0" presId="urn:microsoft.com/office/officeart/2005/8/layout/venn3"/>
@@ -3698,6 +3705,277 @@
       <dsp:cNvGrpSpPr/>
     </dsp:nvGrpSpPr>
     <dsp:grpSpPr/>
+    <dsp:sp modelId="{822618A0-FEEB-45CC-81A0-15FF6A91EB8A}">
+      <dsp:nvSpPr>
+        <dsp:cNvPr id="0" name=""/>
+        <dsp:cNvSpPr/>
+      </dsp:nvSpPr>
+      <dsp:spPr>
+        <a:xfrm>
+          <a:off x="457199" y="0"/>
+          <a:ext cx="5181600" cy="4064000"/>
+        </a:xfrm>
+        <a:prstGeom prst="rightArrow">
+          <a:avLst/>
+        </a:prstGeom>
+        <a:solidFill>
+          <a:schemeClr val="accent1">
+            <a:tint val="40000"/>
+            <a:hueOff val="0"/>
+            <a:satOff val="0"/>
+            <a:lumOff val="0"/>
+            <a:alphaOff val="0"/>
+          </a:schemeClr>
+        </a:solidFill>
+        <a:ln>
+          <a:noFill/>
+        </a:ln>
+        <a:effectLst/>
+      </dsp:spPr>
+      <dsp:style>
+        <a:lnRef idx="0">
+          <a:scrgbClr r="0" g="0" b="0"/>
+        </a:lnRef>
+        <a:fillRef idx="1">
+          <a:scrgbClr r="0" g="0" b="0"/>
+        </a:fillRef>
+        <a:effectRef idx="0">
+          <a:scrgbClr r="0" g="0" b="0"/>
+        </a:effectRef>
+        <a:fontRef idx="minor"/>
+      </dsp:style>
+    </dsp:sp>
+    <dsp:sp modelId="{8A3B181F-EAC8-46DE-BBF3-BDB9DE3336EF}">
+      <dsp:nvSpPr>
+        <dsp:cNvPr id="0" name=""/>
+        <dsp:cNvSpPr/>
+      </dsp:nvSpPr>
+      <dsp:spPr>
+        <a:xfrm>
+          <a:off x="3767" y="1219199"/>
+          <a:ext cx="1961126" cy="1625600"/>
+        </a:xfrm>
+        <a:prstGeom prst="roundRect">
+          <a:avLst/>
+        </a:prstGeom>
+        <a:solidFill>
+          <a:schemeClr val="accent1">
+            <a:hueOff val="0"/>
+            <a:satOff val="0"/>
+            <a:lumOff val="0"/>
+            <a:alphaOff val="0"/>
+          </a:schemeClr>
+        </a:solidFill>
+        <a:ln w="25400" cap="flat" cmpd="sng" algn="ctr">
+          <a:solidFill>
+            <a:schemeClr val="lt1">
+              <a:hueOff val="0"/>
+              <a:satOff val="0"/>
+              <a:lumOff val="0"/>
+              <a:alphaOff val="0"/>
+            </a:schemeClr>
+          </a:solidFill>
+          <a:prstDash val="solid"/>
+        </a:ln>
+        <a:effectLst/>
+      </dsp:spPr>
+      <dsp:style>
+        <a:lnRef idx="2">
+          <a:scrgbClr r="0" g="0" b="0"/>
+        </a:lnRef>
+        <a:fillRef idx="1">
+          <a:scrgbClr r="0" g="0" b="0"/>
+        </a:fillRef>
+        <a:effectRef idx="0">
+          <a:scrgbClr r="0" g="0" b="0"/>
+        </a:effectRef>
+        <a:fontRef idx="minor">
+          <a:schemeClr val="lt1"/>
+        </a:fontRef>
+      </dsp:style>
+      <dsp:txBody>
+        <a:bodyPr spcFirstLastPara="0" vert="horz" wrap="square" lIns="76200" tIns="76200" rIns="76200" bIns="76200" numCol="1" spcCol="1270" anchor="ctr" anchorCtr="0">
+          <a:noAutofit/>
+        </a:bodyPr>
+        <a:lstStyle/>
+        <a:p>
+          <a:pPr lvl="0" algn="ctr" defTabSz="889000">
+            <a:lnSpc>
+              <a:spcPct val="90000"/>
+            </a:lnSpc>
+            <a:spcBef>
+              <a:spcPct val="0"/>
+            </a:spcBef>
+            <a:spcAft>
+              <a:spcPct val="35000"/>
+            </a:spcAft>
+          </a:pPr>
+          <a:r>
+            <a:rPr lang="de-DE" sz="2000" kern="1200" dirty="0" err="1" smtClean="0"/>
+            <a:t>TwitterStream</a:t>
+          </a:r>
+          <a:endParaRPr lang="de-DE" sz="2000" kern="1200" dirty="0"/>
+        </a:p>
+      </dsp:txBody>
+      <dsp:txXfrm>
+        <a:off x="83122" y="1298554"/>
+        <a:ext cx="1802416" cy="1466890"/>
+      </dsp:txXfrm>
+    </dsp:sp>
+    <dsp:sp modelId="{F0428DC1-2320-4439-BA06-F77B96603CEF}">
+      <dsp:nvSpPr>
+        <dsp:cNvPr id="0" name=""/>
+        <dsp:cNvSpPr/>
+      </dsp:nvSpPr>
+      <dsp:spPr>
+        <a:xfrm>
+          <a:off x="2067436" y="1219199"/>
+          <a:ext cx="1961126" cy="1625600"/>
+        </a:xfrm>
+        <a:prstGeom prst="roundRect">
+          <a:avLst/>
+        </a:prstGeom>
+        <a:solidFill>
+          <a:schemeClr val="accent1">
+            <a:hueOff val="0"/>
+            <a:satOff val="0"/>
+            <a:lumOff val="0"/>
+            <a:alphaOff val="0"/>
+          </a:schemeClr>
+        </a:solidFill>
+        <a:ln w="25400" cap="flat" cmpd="sng" algn="ctr">
+          <a:solidFill>
+            <a:schemeClr val="lt1">
+              <a:hueOff val="0"/>
+              <a:satOff val="0"/>
+              <a:lumOff val="0"/>
+              <a:alphaOff val="0"/>
+            </a:schemeClr>
+          </a:solidFill>
+          <a:prstDash val="solid"/>
+        </a:ln>
+        <a:effectLst/>
+      </dsp:spPr>
+      <dsp:style>
+        <a:lnRef idx="2">
+          <a:scrgbClr r="0" g="0" b="0"/>
+        </a:lnRef>
+        <a:fillRef idx="1">
+          <a:scrgbClr r="0" g="0" b="0"/>
+        </a:fillRef>
+        <a:effectRef idx="0">
+          <a:scrgbClr r="0" g="0" b="0"/>
+        </a:effectRef>
+        <a:fontRef idx="minor">
+          <a:schemeClr val="lt1"/>
+        </a:fontRef>
+      </dsp:style>
+      <dsp:txBody>
+        <a:bodyPr spcFirstLastPara="0" vert="horz" wrap="square" lIns="76200" tIns="76200" rIns="76200" bIns="76200" numCol="1" spcCol="1270" anchor="ctr" anchorCtr="0">
+          <a:noAutofit/>
+        </a:bodyPr>
+        <a:lstStyle/>
+        <a:p>
+          <a:pPr lvl="0" algn="ctr" defTabSz="889000">
+            <a:lnSpc>
+              <a:spcPct val="90000"/>
+            </a:lnSpc>
+            <a:spcBef>
+              <a:spcPct val="0"/>
+            </a:spcBef>
+            <a:spcAft>
+              <a:spcPct val="35000"/>
+            </a:spcAft>
+          </a:pPr>
+          <a:r>
+            <a:rPr lang="de-DE" sz="2000" kern="1200" dirty="0" err="1" smtClean="0"/>
+            <a:t>Cralwler</a:t>
+          </a:r>
+          <a:endParaRPr lang="de-DE" sz="2000" kern="1200" dirty="0"/>
+        </a:p>
+      </dsp:txBody>
+      <dsp:txXfrm>
+        <a:off x="2146791" y="1298554"/>
+        <a:ext cx="1802416" cy="1466890"/>
+      </dsp:txXfrm>
+    </dsp:sp>
+    <dsp:sp modelId="{24396DDF-2494-4281-972C-EDC799D3E3E7}">
+      <dsp:nvSpPr>
+        <dsp:cNvPr id="0" name=""/>
+        <dsp:cNvSpPr/>
+      </dsp:nvSpPr>
+      <dsp:spPr>
+        <a:xfrm>
+          <a:off x="4131105" y="1219199"/>
+          <a:ext cx="1961126" cy="1625600"/>
+        </a:xfrm>
+        <a:prstGeom prst="roundRect">
+          <a:avLst/>
+        </a:prstGeom>
+        <a:solidFill>
+          <a:schemeClr val="accent1">
+            <a:hueOff val="0"/>
+            <a:satOff val="0"/>
+            <a:lumOff val="0"/>
+            <a:alphaOff val="0"/>
+          </a:schemeClr>
+        </a:solidFill>
+        <a:ln w="25400" cap="flat" cmpd="sng" algn="ctr">
+          <a:solidFill>
+            <a:schemeClr val="lt1">
+              <a:hueOff val="0"/>
+              <a:satOff val="0"/>
+              <a:lumOff val="0"/>
+              <a:alphaOff val="0"/>
+            </a:schemeClr>
+          </a:solidFill>
+          <a:prstDash val="solid"/>
+        </a:ln>
+        <a:effectLst/>
+      </dsp:spPr>
+      <dsp:style>
+        <a:lnRef idx="2">
+          <a:scrgbClr r="0" g="0" b="0"/>
+        </a:lnRef>
+        <a:fillRef idx="1">
+          <a:scrgbClr r="0" g="0" b="0"/>
+        </a:fillRef>
+        <a:effectRef idx="0">
+          <a:scrgbClr r="0" g="0" b="0"/>
+        </a:effectRef>
+        <a:fontRef idx="minor">
+          <a:schemeClr val="lt1"/>
+        </a:fontRef>
+      </dsp:style>
+      <dsp:txBody>
+        <a:bodyPr spcFirstLastPara="0" vert="horz" wrap="square" lIns="76200" tIns="76200" rIns="76200" bIns="76200" numCol="1" spcCol="1270" anchor="ctr" anchorCtr="0">
+          <a:noAutofit/>
+        </a:bodyPr>
+        <a:lstStyle/>
+        <a:p>
+          <a:pPr lvl="0" algn="ctr" defTabSz="889000">
+            <a:lnSpc>
+              <a:spcPct val="90000"/>
+            </a:lnSpc>
+            <a:spcBef>
+              <a:spcPct val="0"/>
+            </a:spcBef>
+            <a:spcAft>
+              <a:spcPct val="35000"/>
+            </a:spcAft>
+          </a:pPr>
+          <a:r>
+            <a:rPr lang="de-DE" sz="2000" kern="1200" dirty="0" smtClean="0"/>
+            <a:t>DB</a:t>
+          </a:r>
+          <a:endParaRPr lang="de-DE" sz="2000" kern="1200" dirty="0"/>
+        </a:p>
+      </dsp:txBody>
+      <dsp:txXfrm>
+        <a:off x="4210460" y="1298554"/>
+        <a:ext cx="1802416" cy="1466890"/>
+      </dsp:txXfrm>
+    </dsp:sp>
   </dsp:spTree>
 </dsp:drawing>
 </file>
@@ -17407,11 +17685,7 @@
           <a:p>
             <a:r>
               <a:rPr lang="de-DE" dirty="0" smtClean="0"/>
-              <a:t>1. </a:t>
-            </a:r>
-            <a:r>
-              <a:rPr lang="de-DE" dirty="0" smtClean="0"/>
-              <a:t>Grobe Systemarchitektur</a:t>
+              <a:t>1. Grobe Systemarchitektur</a:t>
             </a:r>
             <a:endParaRPr lang="de-DE" dirty="0"/>
           </a:p>

--- a/doc/abschlusspräsentation/pres.pptx
+++ b/doc/abschlusspräsentation/pres.pptx
@@ -5,28 +5,27 @@
     <p:sldMasterId id="2147483648" r:id="rId1"/>
   </p:sldMasterIdLst>
   <p:notesMasterIdLst>
-    <p:notesMasterId r:id="rId18"/>
+    <p:notesMasterId r:id="rId17"/>
   </p:notesMasterIdLst>
   <p:handoutMasterIdLst>
-    <p:handoutMasterId r:id="rId19"/>
+    <p:handoutMasterId r:id="rId18"/>
   </p:handoutMasterIdLst>
   <p:sldIdLst>
     <p:sldId id="264" r:id="rId2"/>
-    <p:sldId id="273" r:id="rId3"/>
-    <p:sldId id="275" r:id="rId4"/>
-    <p:sldId id="309" r:id="rId5"/>
-    <p:sldId id="305" r:id="rId6"/>
-    <p:sldId id="303" r:id="rId7"/>
-    <p:sldId id="293" r:id="rId8"/>
-    <p:sldId id="302" r:id="rId9"/>
-    <p:sldId id="276" r:id="rId10"/>
-    <p:sldId id="295" r:id="rId11"/>
-    <p:sldId id="291" r:id="rId12"/>
-    <p:sldId id="292" r:id="rId13"/>
-    <p:sldId id="299" r:id="rId14"/>
-    <p:sldId id="300" r:id="rId15"/>
-    <p:sldId id="304" r:id="rId16"/>
-    <p:sldId id="306" r:id="rId17"/>
+    <p:sldId id="275" r:id="rId3"/>
+    <p:sldId id="309" r:id="rId4"/>
+    <p:sldId id="305" r:id="rId5"/>
+    <p:sldId id="303" r:id="rId6"/>
+    <p:sldId id="293" r:id="rId7"/>
+    <p:sldId id="302" r:id="rId8"/>
+    <p:sldId id="276" r:id="rId9"/>
+    <p:sldId id="295" r:id="rId10"/>
+    <p:sldId id="291" r:id="rId11"/>
+    <p:sldId id="292" r:id="rId12"/>
+    <p:sldId id="299" r:id="rId13"/>
+    <p:sldId id="300" r:id="rId14"/>
+    <p:sldId id="304" r:id="rId15"/>
+    <p:sldId id="306" r:id="rId16"/>
   </p:sldIdLst>
   <p:sldSz cx="9144000" cy="6858000" type="screen4x3"/>
   <p:notesSz cx="6858000" cy="9144000"/>
@@ -2604,8 +2603,8 @@
   <dgm:cxnLst>
     <dgm:cxn modelId="{F648F796-03C1-4F94-91C5-CA25A3A956DE}" type="presOf" srcId="{3F3E7BDD-0132-408E-AD12-33707E6B35B6}" destId="{DA92F19B-3709-4927-A4C5-9513D00C5DFB}" srcOrd="0" destOrd="0" presId="urn:microsoft.com/office/officeart/2005/8/layout/venn3"/>
     <dgm:cxn modelId="{1DD3BC56-AB20-4A2B-8448-93097CA0E219}" srcId="{0C5C465C-FBFB-4050-B4A4-C161756840CE}" destId="{744FF9CA-D2D8-4420-B7CE-468C87F154DA}" srcOrd="1" destOrd="0" parTransId="{86AF6011-8FAB-47BF-AE7D-75D0B7CAF1E4}" sibTransId="{307C1188-DEB3-4A7F-8D58-6277548AF1A0}"/>
+    <dgm:cxn modelId="{6FB5E1FD-DC96-43CA-B493-03EB2E0444E6}" type="presOf" srcId="{047CABAB-4B11-451B-B2DC-800A1ABACAD6}" destId="{9BAF6B2F-7E00-4C3C-B9E1-8594160479F0}" srcOrd="0" destOrd="0" presId="urn:microsoft.com/office/officeart/2005/8/layout/venn3"/>
     <dgm:cxn modelId="{0026D735-F2A1-4F9C-87B6-9A4918EBFF50}" type="presOf" srcId="{0C5C465C-FBFB-4050-B4A4-C161756840CE}" destId="{A7D55687-D3D8-4092-B0A0-E94CEE340AC5}" srcOrd="0" destOrd="0" presId="urn:microsoft.com/office/officeart/2005/8/layout/venn3"/>
-    <dgm:cxn modelId="{6FB5E1FD-DC96-43CA-B493-03EB2E0444E6}" type="presOf" srcId="{047CABAB-4B11-451B-B2DC-800A1ABACAD6}" destId="{9BAF6B2F-7E00-4C3C-B9E1-8594160479F0}" srcOrd="0" destOrd="0" presId="urn:microsoft.com/office/officeart/2005/8/layout/venn3"/>
     <dgm:cxn modelId="{2432A523-A91B-48E6-99AE-BEDD6C2BE16C}" type="presOf" srcId="{744FF9CA-D2D8-4420-B7CE-468C87F154DA}" destId="{3630E157-1157-4BC2-B2AD-55095204FC5C}" srcOrd="0" destOrd="0" presId="urn:microsoft.com/office/officeart/2005/8/layout/venn3"/>
     <dgm:cxn modelId="{BD367C41-5793-41FB-ACE7-AEAE62DC1A24}" srcId="{0C5C465C-FBFB-4050-B4A4-C161756840CE}" destId="{047CABAB-4B11-451B-B2DC-800A1ABACAD6}" srcOrd="2" destOrd="0" parTransId="{1B802671-B05C-4CEF-9E97-E53211A2717C}" sibTransId="{FCB9CA04-A769-4353-A156-E9EE20195901}"/>
     <dgm:cxn modelId="{B6824D12-4A6F-4E5B-AD8A-A98C1B7922B7}" srcId="{0C5C465C-FBFB-4050-B4A4-C161756840CE}" destId="{3F3E7BDD-0132-408E-AD12-33707E6B35B6}" srcOrd="0" destOrd="0" parTransId="{C0DB61A5-8E48-4610-9D76-846C3635D58A}" sibTransId="{066C6FF1-0CA8-4C49-B6AD-AF1B2EBDDA7A}"/>
@@ -2916,7 +2915,7 @@
 <dgm:dataModel xmlns:dgm="http://schemas.openxmlformats.org/drawingml/2006/diagram" xmlns:a="http://schemas.openxmlformats.org/drawingml/2006/main">
   <dgm:ptLst>
     <dgm:pt modelId="{F29AF8C9-90A9-46D7-A8C0-87C88440C1FE}" type="doc">
-      <dgm:prSet loTypeId="urn:microsoft.com/office/officeart/2005/8/layout/hProcess9" loCatId="process" qsTypeId="urn:microsoft.com/office/officeart/2005/8/quickstyle/simple1" qsCatId="simple" csTypeId="urn:microsoft.com/office/officeart/2005/8/colors/accent1_2" csCatId="accent1" phldr="1"/>
+      <dgm:prSet loTypeId="urn:microsoft.com/office/officeart/2005/8/layout/hChevron3" loCatId="process" qsTypeId="urn:microsoft.com/office/officeart/2005/8/quickstyle/simple1" qsCatId="simple" csTypeId="urn:microsoft.com/office/officeart/2005/8/colors/accent1_2" csCatId="accent1" phldr="1"/>
       <dgm:spPr/>
     </dgm:pt>
     <dgm:pt modelId="{4D0B0A82-B8D4-4DCB-B844-4A9818602E5C}">
@@ -2964,8 +2963,8 @@
         <a:lstStyle/>
         <a:p>
           <a:r>
-            <a:rPr lang="de-DE" dirty="0" err="1" smtClean="0"/>
-            <a:t>Cralwler</a:t>
+            <a:rPr lang="de-DE" dirty="0" smtClean="0"/>
+            <a:t>Crawler</a:t>
           </a:r>
           <a:endParaRPr lang="de-DE" dirty="0"/>
         </a:p>
@@ -3030,8 +3029,8 @@
         </a:p>
       </dgm:t>
     </dgm:pt>
-    <dgm:pt modelId="{60CBF54E-34D8-4A5A-AFDA-C613F95A3706}" type="pres">
-      <dgm:prSet presAssocID="{F29AF8C9-90A9-46D7-A8C0-87C88440C1FE}" presName="CompostProcess" presStyleCnt="0">
+    <dgm:pt modelId="{065D5234-D121-46FB-976C-BFE6E27AC5F5}" type="pres">
+      <dgm:prSet presAssocID="{F29AF8C9-90A9-46D7-A8C0-87C88440C1FE}" presName="Name0" presStyleCnt="0">
         <dgm:presLayoutVars>
           <dgm:dir/>
           <dgm:resizeHandles val="exact"/>
@@ -3039,16 +3038,8 @@
       </dgm:prSet>
       <dgm:spPr/>
     </dgm:pt>
-    <dgm:pt modelId="{822618A0-FEEB-45CC-81A0-15FF6A91EB8A}" type="pres">
-      <dgm:prSet presAssocID="{F29AF8C9-90A9-46D7-A8C0-87C88440C1FE}" presName="arrow" presStyleLbl="bgShp" presStyleIdx="0" presStyleCnt="1"/>
-      <dgm:spPr/>
-    </dgm:pt>
-    <dgm:pt modelId="{BBECFB30-B12A-4705-928D-B997AC114105}" type="pres">
-      <dgm:prSet presAssocID="{F29AF8C9-90A9-46D7-A8C0-87C88440C1FE}" presName="linearProcess" presStyleCnt="0"/>
-      <dgm:spPr/>
-    </dgm:pt>
-    <dgm:pt modelId="{8A3B181F-EAC8-46DE-BBF3-BDB9DE3336EF}" type="pres">
-      <dgm:prSet presAssocID="{4D0B0A82-B8D4-4DCB-B844-4A9818602E5C}" presName="textNode" presStyleLbl="node1" presStyleIdx="0" presStyleCnt="3">
+    <dgm:pt modelId="{FBEBD8BA-D6E5-44CB-BF4C-ED5FFBCFAFE5}" type="pres">
+      <dgm:prSet presAssocID="{4D0B0A82-B8D4-4DCB-B844-4A9818602E5C}" presName="parTxOnly" presStyleLbl="node1" presStyleIdx="0" presStyleCnt="3">
         <dgm:presLayoutVars>
           <dgm:bulletEnabled val="1"/>
         </dgm:presLayoutVars>
@@ -3062,12 +3053,12 @@
         </a:p>
       </dgm:t>
     </dgm:pt>
-    <dgm:pt modelId="{7F10841B-304C-43D1-B6F8-51C7DA737AD7}" type="pres">
-      <dgm:prSet presAssocID="{EDB25024-6F92-475F-8853-B55DD6ED80BC}" presName="sibTrans" presStyleCnt="0"/>
+    <dgm:pt modelId="{2A5AF05E-F1A5-4899-AC7A-B6A3275A4B47}" type="pres">
+      <dgm:prSet presAssocID="{EDB25024-6F92-475F-8853-B55DD6ED80BC}" presName="parSpace" presStyleCnt="0"/>
       <dgm:spPr/>
     </dgm:pt>
-    <dgm:pt modelId="{F0428DC1-2320-4439-BA06-F77B96603CEF}" type="pres">
-      <dgm:prSet presAssocID="{34C4F8BA-08A4-4859-9008-CB8269A5785E}" presName="textNode" presStyleLbl="node1" presStyleIdx="1" presStyleCnt="3">
+    <dgm:pt modelId="{3D4E2268-33F0-4680-9681-B22E2C1AB5F5}" type="pres">
+      <dgm:prSet presAssocID="{34C4F8BA-08A4-4859-9008-CB8269A5785E}" presName="parTxOnly" presStyleLbl="node1" presStyleIdx="1" presStyleCnt="3">
         <dgm:presLayoutVars>
           <dgm:bulletEnabled val="1"/>
         </dgm:presLayoutVars>
@@ -3081,12 +3072,12 @@
         </a:p>
       </dgm:t>
     </dgm:pt>
-    <dgm:pt modelId="{0AE47241-D8A1-4CA6-A9A2-FEA5F7621F4E}" type="pres">
-      <dgm:prSet presAssocID="{3306F2C1-344A-4745-8535-DEEB3B01025D}" presName="sibTrans" presStyleCnt="0"/>
+    <dgm:pt modelId="{CAA0CF87-792A-4E7E-92EF-C5814E60793F}" type="pres">
+      <dgm:prSet presAssocID="{3306F2C1-344A-4745-8535-DEEB3B01025D}" presName="parSpace" presStyleCnt="0"/>
       <dgm:spPr/>
     </dgm:pt>
-    <dgm:pt modelId="{24396DDF-2494-4281-972C-EDC799D3E3E7}" type="pres">
-      <dgm:prSet presAssocID="{42CE6696-397D-4E80-9C49-C5A760664CCD}" presName="textNode" presStyleLbl="node1" presStyleIdx="2" presStyleCnt="3">
+    <dgm:pt modelId="{5122A87A-53A6-4237-A28C-C614EC7B2A57}" type="pres">
+      <dgm:prSet presAssocID="{42CE6696-397D-4E80-9C49-C5A760664CCD}" presName="parTxOnly" presStyleLbl="node1" presStyleIdx="2" presStyleCnt="3">
         <dgm:presLayoutVars>
           <dgm:bulletEnabled val="1"/>
         </dgm:presLayoutVars>
@@ -3102,20 +3093,18 @@
     </dgm:pt>
   </dgm:ptLst>
   <dgm:cxnLst>
+    <dgm:cxn modelId="{F8681DB9-1753-463D-92CA-E4729EE3673F}" type="presOf" srcId="{4D0B0A82-B8D4-4DCB-B844-4A9818602E5C}" destId="{FBEBD8BA-D6E5-44CB-BF4C-ED5FFBCFAFE5}" srcOrd="0" destOrd="0" presId="urn:microsoft.com/office/officeart/2005/8/layout/hChevron3"/>
     <dgm:cxn modelId="{F50F2650-8CC7-44AE-B2F3-206CC9AAAB56}" srcId="{F29AF8C9-90A9-46D7-A8C0-87C88440C1FE}" destId="{42CE6696-397D-4E80-9C49-C5A760664CCD}" srcOrd="2" destOrd="0" parTransId="{09BD94CF-BDA7-41B4-B2D1-DA7B982599EC}" sibTransId="{BE97A437-9F9B-4254-92DF-24AA8F0D4341}"/>
-    <dgm:cxn modelId="{C4E889A1-5127-479A-9161-C29578BDF220}" type="presOf" srcId="{34C4F8BA-08A4-4859-9008-CB8269A5785E}" destId="{F0428DC1-2320-4439-BA06-F77B96603CEF}" srcOrd="0" destOrd="0" presId="urn:microsoft.com/office/officeart/2005/8/layout/hProcess9"/>
-    <dgm:cxn modelId="{FE37DEE4-FD57-4D9E-8160-7D749B6CD511}" type="presOf" srcId="{4D0B0A82-B8D4-4DCB-B844-4A9818602E5C}" destId="{8A3B181F-EAC8-46DE-BBF3-BDB9DE3336EF}" srcOrd="0" destOrd="0" presId="urn:microsoft.com/office/officeart/2005/8/layout/hProcess9"/>
-    <dgm:cxn modelId="{D29FDB27-0575-4426-916E-769B34603C0A}" type="presOf" srcId="{42CE6696-397D-4E80-9C49-C5A760664CCD}" destId="{24396DDF-2494-4281-972C-EDC799D3E3E7}" srcOrd="0" destOrd="0" presId="urn:microsoft.com/office/officeart/2005/8/layout/hProcess9"/>
+    <dgm:cxn modelId="{33AAE728-AF08-4490-AFE0-8C34AC4ED3B2}" type="presOf" srcId="{42CE6696-397D-4E80-9C49-C5A760664CCD}" destId="{5122A87A-53A6-4237-A28C-C614EC7B2A57}" srcOrd="0" destOrd="0" presId="urn:microsoft.com/office/officeart/2005/8/layout/hChevron3"/>
+    <dgm:cxn modelId="{6979D97D-1A58-4F70-B2B2-7FB5215C3D3B}" type="presOf" srcId="{34C4F8BA-08A4-4859-9008-CB8269A5785E}" destId="{3D4E2268-33F0-4680-9681-B22E2C1AB5F5}" srcOrd="0" destOrd="0" presId="urn:microsoft.com/office/officeart/2005/8/layout/hChevron3"/>
     <dgm:cxn modelId="{7061B3FF-C031-46E1-840E-069509A35224}" srcId="{F29AF8C9-90A9-46D7-A8C0-87C88440C1FE}" destId="{34C4F8BA-08A4-4859-9008-CB8269A5785E}" srcOrd="1" destOrd="0" parTransId="{1AFD8A47-6A69-45AD-8956-2854629A8E56}" sibTransId="{3306F2C1-344A-4745-8535-DEEB3B01025D}"/>
     <dgm:cxn modelId="{FF996394-BBB1-415F-A994-55B00A1C12C0}" srcId="{F29AF8C9-90A9-46D7-A8C0-87C88440C1FE}" destId="{4D0B0A82-B8D4-4DCB-B844-4A9818602E5C}" srcOrd="0" destOrd="0" parTransId="{03FB68E0-5917-4F8B-BCA3-2D2A479844D2}" sibTransId="{EDB25024-6F92-475F-8853-B55DD6ED80BC}"/>
-    <dgm:cxn modelId="{6980774D-C152-456C-BB35-F1B280E9B022}" type="presOf" srcId="{F29AF8C9-90A9-46D7-A8C0-87C88440C1FE}" destId="{60CBF54E-34D8-4A5A-AFDA-C613F95A3706}" srcOrd="0" destOrd="0" presId="urn:microsoft.com/office/officeart/2005/8/layout/hProcess9"/>
-    <dgm:cxn modelId="{54468CE0-EDB2-42DA-B6B9-A4C225864C02}" type="presParOf" srcId="{60CBF54E-34D8-4A5A-AFDA-C613F95A3706}" destId="{822618A0-FEEB-45CC-81A0-15FF6A91EB8A}" srcOrd="0" destOrd="0" presId="urn:microsoft.com/office/officeart/2005/8/layout/hProcess9"/>
-    <dgm:cxn modelId="{81F7922D-95FD-46A8-9EE6-A864C8125546}" type="presParOf" srcId="{60CBF54E-34D8-4A5A-AFDA-C613F95A3706}" destId="{BBECFB30-B12A-4705-928D-B997AC114105}" srcOrd="1" destOrd="0" presId="urn:microsoft.com/office/officeart/2005/8/layout/hProcess9"/>
-    <dgm:cxn modelId="{513D63F7-1ECE-4B52-8500-C6EA5CC7C703}" type="presParOf" srcId="{BBECFB30-B12A-4705-928D-B997AC114105}" destId="{8A3B181F-EAC8-46DE-BBF3-BDB9DE3336EF}" srcOrd="0" destOrd="0" presId="urn:microsoft.com/office/officeart/2005/8/layout/hProcess9"/>
-    <dgm:cxn modelId="{3D7389D7-145A-4A82-B015-D5C367D4031C}" type="presParOf" srcId="{BBECFB30-B12A-4705-928D-B997AC114105}" destId="{7F10841B-304C-43D1-B6F8-51C7DA737AD7}" srcOrd="1" destOrd="0" presId="urn:microsoft.com/office/officeart/2005/8/layout/hProcess9"/>
-    <dgm:cxn modelId="{FB917FFF-7D47-47FE-A8F3-B3F2AC3B9535}" type="presParOf" srcId="{BBECFB30-B12A-4705-928D-B997AC114105}" destId="{F0428DC1-2320-4439-BA06-F77B96603CEF}" srcOrd="2" destOrd="0" presId="urn:microsoft.com/office/officeart/2005/8/layout/hProcess9"/>
-    <dgm:cxn modelId="{CD27DA49-C9E6-4101-AC0E-DA5A09B61773}" type="presParOf" srcId="{BBECFB30-B12A-4705-928D-B997AC114105}" destId="{0AE47241-D8A1-4CA6-A9A2-FEA5F7621F4E}" srcOrd="3" destOrd="0" presId="urn:microsoft.com/office/officeart/2005/8/layout/hProcess9"/>
-    <dgm:cxn modelId="{092DBEC4-2188-4586-9E63-CCE4B5C15448}" type="presParOf" srcId="{BBECFB30-B12A-4705-928D-B997AC114105}" destId="{24396DDF-2494-4281-972C-EDC799D3E3E7}" srcOrd="4" destOrd="0" presId="urn:microsoft.com/office/officeart/2005/8/layout/hProcess9"/>
+    <dgm:cxn modelId="{9D252B93-7403-4C48-B178-25A4935EE086}" type="presOf" srcId="{F29AF8C9-90A9-46D7-A8C0-87C88440C1FE}" destId="{065D5234-D121-46FB-976C-BFE6E27AC5F5}" srcOrd="0" destOrd="0" presId="urn:microsoft.com/office/officeart/2005/8/layout/hChevron3"/>
+    <dgm:cxn modelId="{1CBFBA3A-D245-436B-A3DE-6EAD1FFA409E}" type="presParOf" srcId="{065D5234-D121-46FB-976C-BFE6E27AC5F5}" destId="{FBEBD8BA-D6E5-44CB-BF4C-ED5FFBCFAFE5}" srcOrd="0" destOrd="0" presId="urn:microsoft.com/office/officeart/2005/8/layout/hChevron3"/>
+    <dgm:cxn modelId="{1ACF84C7-AB83-4461-9741-901D053E8C1A}" type="presParOf" srcId="{065D5234-D121-46FB-976C-BFE6E27AC5F5}" destId="{2A5AF05E-F1A5-4899-AC7A-B6A3275A4B47}" srcOrd="1" destOrd="0" presId="urn:microsoft.com/office/officeart/2005/8/layout/hChevron3"/>
+    <dgm:cxn modelId="{E8B9B23C-A8DC-4228-ADBD-828008ECE632}" type="presParOf" srcId="{065D5234-D121-46FB-976C-BFE6E27AC5F5}" destId="{3D4E2268-33F0-4680-9681-B22E2C1AB5F5}" srcOrd="2" destOrd="0" presId="urn:microsoft.com/office/officeart/2005/8/layout/hChevron3"/>
+    <dgm:cxn modelId="{C3EEDEDE-2811-454E-9CC8-4F4DB55A8ADE}" type="presParOf" srcId="{065D5234-D121-46FB-976C-BFE6E27AC5F5}" destId="{CAA0CF87-792A-4E7E-92EF-C5814E60793F}" srcOrd="3" destOrd="0" presId="urn:microsoft.com/office/officeart/2005/8/layout/hChevron3"/>
+    <dgm:cxn modelId="{85E99308-F448-48A7-B429-A40B6CC59AE9}" type="presParOf" srcId="{065D5234-D121-46FB-976C-BFE6E27AC5F5}" destId="{5122A87A-53A6-4237-A28C-C614EC7B2A57}" srcOrd="4" destOrd="0" presId="urn:microsoft.com/office/officeart/2005/8/layout/hChevron3"/>
   </dgm:cxnLst>
   <dgm:bg/>
   <dgm:whole/>
@@ -3135,240 +3124,6 @@
       <dsp:cNvGrpSpPr/>
     </dsp:nvGrpSpPr>
     <dsp:grpSpPr/>
-    <dsp:sp modelId="{DA92F19B-3709-4927-A4C5-9513D00C5DFB}">
-      <dsp:nvSpPr>
-        <dsp:cNvPr id="0" name=""/>
-        <dsp:cNvSpPr/>
-      </dsp:nvSpPr>
-      <dsp:spPr>
-        <a:xfrm>
-          <a:off x="3767" y="772766"/>
-          <a:ext cx="3294779" cy="3294779"/>
-        </a:xfrm>
-        <a:prstGeom prst="ellipse">
-          <a:avLst/>
-        </a:prstGeom>
-        <a:solidFill>
-          <a:schemeClr val="accent1">
-            <a:alpha val="50000"/>
-            <a:hueOff val="0"/>
-            <a:satOff val="0"/>
-            <a:lumOff val="0"/>
-            <a:alphaOff val="0"/>
-          </a:schemeClr>
-        </a:solidFill>
-        <a:ln w="25400" cap="flat" cmpd="sng" algn="ctr">
-          <a:solidFill>
-            <a:schemeClr val="lt1">
-              <a:hueOff val="0"/>
-              <a:satOff val="0"/>
-              <a:lumOff val="0"/>
-              <a:alphaOff val="0"/>
-            </a:schemeClr>
-          </a:solidFill>
-          <a:prstDash val="solid"/>
-        </a:ln>
-        <a:effectLst/>
-      </dsp:spPr>
-      <dsp:style>
-        <a:lnRef idx="2">
-          <a:scrgbClr r="0" g="0" b="0"/>
-        </a:lnRef>
-        <a:fillRef idx="1">
-          <a:scrgbClr r="0" g="0" b="0"/>
-        </a:fillRef>
-        <a:effectRef idx="0">
-          <a:scrgbClr r="0" g="0" b="0"/>
-        </a:effectRef>
-        <a:fontRef idx="minor">
-          <a:schemeClr val="tx1"/>
-        </a:fontRef>
-      </dsp:style>
-      <dsp:txBody>
-        <a:bodyPr spcFirstLastPara="0" vert="horz" wrap="square" lIns="181323" tIns="55880" rIns="181323" bIns="55880" numCol="1" spcCol="1270" anchor="ctr" anchorCtr="0">
-          <a:noAutofit/>
-        </a:bodyPr>
-        <a:lstStyle/>
-        <a:p>
-          <a:pPr lvl="0" algn="ctr" defTabSz="1955800">
-            <a:lnSpc>
-              <a:spcPct val="90000"/>
-            </a:lnSpc>
-            <a:spcBef>
-              <a:spcPct val="0"/>
-            </a:spcBef>
-            <a:spcAft>
-              <a:spcPct val="35000"/>
-            </a:spcAft>
-          </a:pPr>
-          <a:r>
-            <a:rPr lang="de-DE" sz="4400" kern="1200" dirty="0" smtClean="0"/>
-            <a:t>Crawler</a:t>
-          </a:r>
-          <a:endParaRPr lang="de-DE" sz="4400" kern="1200" dirty="0"/>
-        </a:p>
-      </dsp:txBody>
-      <dsp:txXfrm>
-        <a:off x="486276" y="1255275"/>
-        <a:ext cx="2329761" cy="2329761"/>
-      </dsp:txXfrm>
-    </dsp:sp>
-    <dsp:sp modelId="{3630E157-1157-4BC2-B2AD-55095204FC5C}">
-      <dsp:nvSpPr>
-        <dsp:cNvPr id="0" name=""/>
-        <dsp:cNvSpPr/>
-      </dsp:nvSpPr>
-      <dsp:spPr>
-        <a:xfrm>
-          <a:off x="2639591" y="772766"/>
-          <a:ext cx="3294779" cy="3294779"/>
-        </a:xfrm>
-        <a:prstGeom prst="ellipse">
-          <a:avLst/>
-        </a:prstGeom>
-        <a:solidFill>
-          <a:schemeClr val="accent1">
-            <a:alpha val="50000"/>
-            <a:hueOff val="0"/>
-            <a:satOff val="0"/>
-            <a:lumOff val="0"/>
-            <a:alphaOff val="0"/>
-          </a:schemeClr>
-        </a:solidFill>
-        <a:ln w="25400" cap="flat" cmpd="sng" algn="ctr">
-          <a:solidFill>
-            <a:schemeClr val="lt1">
-              <a:hueOff val="0"/>
-              <a:satOff val="0"/>
-              <a:lumOff val="0"/>
-              <a:alphaOff val="0"/>
-            </a:schemeClr>
-          </a:solidFill>
-          <a:prstDash val="solid"/>
-        </a:ln>
-        <a:effectLst/>
-      </dsp:spPr>
-      <dsp:style>
-        <a:lnRef idx="2">
-          <a:scrgbClr r="0" g="0" b="0"/>
-        </a:lnRef>
-        <a:fillRef idx="1">
-          <a:scrgbClr r="0" g="0" b="0"/>
-        </a:fillRef>
-        <a:effectRef idx="0">
-          <a:scrgbClr r="0" g="0" b="0"/>
-        </a:effectRef>
-        <a:fontRef idx="minor">
-          <a:schemeClr val="tx1"/>
-        </a:fontRef>
-      </dsp:style>
-      <dsp:txBody>
-        <a:bodyPr spcFirstLastPara="0" vert="horz" wrap="square" lIns="181323" tIns="55880" rIns="181323" bIns="55880" numCol="1" spcCol="1270" anchor="ctr" anchorCtr="0">
-          <a:noAutofit/>
-        </a:bodyPr>
-        <a:lstStyle/>
-        <a:p>
-          <a:pPr lvl="0" algn="ctr" defTabSz="1955800">
-            <a:lnSpc>
-              <a:spcPct val="90000"/>
-            </a:lnSpc>
-            <a:spcBef>
-              <a:spcPct val="0"/>
-            </a:spcBef>
-            <a:spcAft>
-              <a:spcPct val="35000"/>
-            </a:spcAft>
-          </a:pPr>
-          <a:r>
-            <a:rPr lang="de-DE" sz="4400" kern="1200" dirty="0" smtClean="0"/>
-            <a:t>DB</a:t>
-          </a:r>
-          <a:endParaRPr lang="de-DE" sz="4400" kern="1200" dirty="0"/>
-        </a:p>
-      </dsp:txBody>
-      <dsp:txXfrm>
-        <a:off x="3122100" y="1255275"/>
-        <a:ext cx="2329761" cy="2329761"/>
-      </dsp:txXfrm>
-    </dsp:sp>
-    <dsp:sp modelId="{9BAF6B2F-7E00-4C3C-B9E1-8594160479F0}">
-      <dsp:nvSpPr>
-        <dsp:cNvPr id="0" name=""/>
-        <dsp:cNvSpPr/>
-      </dsp:nvSpPr>
-      <dsp:spPr>
-        <a:xfrm>
-          <a:off x="5275415" y="772766"/>
-          <a:ext cx="3294779" cy="3294779"/>
-        </a:xfrm>
-        <a:prstGeom prst="ellipse">
-          <a:avLst/>
-        </a:prstGeom>
-        <a:solidFill>
-          <a:schemeClr val="accent1">
-            <a:alpha val="50000"/>
-            <a:hueOff val="0"/>
-            <a:satOff val="0"/>
-            <a:lumOff val="0"/>
-            <a:alphaOff val="0"/>
-          </a:schemeClr>
-        </a:solidFill>
-        <a:ln w="25400" cap="flat" cmpd="sng" algn="ctr">
-          <a:solidFill>
-            <a:schemeClr val="lt1">
-              <a:hueOff val="0"/>
-              <a:satOff val="0"/>
-              <a:lumOff val="0"/>
-              <a:alphaOff val="0"/>
-            </a:schemeClr>
-          </a:solidFill>
-          <a:prstDash val="solid"/>
-        </a:ln>
-        <a:effectLst/>
-      </dsp:spPr>
-      <dsp:style>
-        <a:lnRef idx="2">
-          <a:scrgbClr r="0" g="0" b="0"/>
-        </a:lnRef>
-        <a:fillRef idx="1">
-          <a:scrgbClr r="0" g="0" b="0"/>
-        </a:fillRef>
-        <a:effectRef idx="0">
-          <a:scrgbClr r="0" g="0" b="0"/>
-        </a:effectRef>
-        <a:fontRef idx="minor">
-          <a:schemeClr val="tx1"/>
-        </a:fontRef>
-      </dsp:style>
-      <dsp:txBody>
-        <a:bodyPr spcFirstLastPara="0" vert="horz" wrap="square" lIns="181323" tIns="55880" rIns="181323" bIns="55880" numCol="1" spcCol="1270" anchor="ctr" anchorCtr="0">
-          <a:noAutofit/>
-        </a:bodyPr>
-        <a:lstStyle/>
-        <a:p>
-          <a:pPr lvl="0" algn="ctr" defTabSz="1955800">
-            <a:lnSpc>
-              <a:spcPct val="90000"/>
-            </a:lnSpc>
-            <a:spcBef>
-              <a:spcPct val="0"/>
-            </a:spcBef>
-            <a:spcAft>
-              <a:spcPct val="35000"/>
-            </a:spcAft>
-          </a:pPr>
-          <a:r>
-            <a:rPr lang="de-DE" sz="4400" kern="1200" dirty="0" smtClean="0"/>
-            <a:t>GUI</a:t>
-          </a:r>
-          <a:endParaRPr lang="de-DE" sz="4400" kern="1200" dirty="0"/>
-        </a:p>
-      </dsp:txBody>
-      <dsp:txXfrm>
-        <a:off x="5757924" y="1255275"/>
-        <a:ext cx="2329761" cy="2329761"/>
-      </dsp:txXfrm>
-    </dsp:sp>
   </dsp:spTree>
 </dsp:drawing>
 </file>
@@ -3381,318 +3136,6 @@
       <dsp:cNvGrpSpPr/>
     </dsp:nvGrpSpPr>
     <dsp:grpSpPr/>
-    <dsp:sp modelId="{F957E082-FEA5-4D9C-8A02-C3E143B1C8E0}">
-      <dsp:nvSpPr>
-        <dsp:cNvPr id="0" name=""/>
-        <dsp:cNvSpPr/>
-      </dsp:nvSpPr>
-      <dsp:spPr>
-        <a:xfrm>
-          <a:off x="0" y="38319"/>
-          <a:ext cx="6096000" cy="912600"/>
-        </a:xfrm>
-        <a:prstGeom prst="roundRect">
-          <a:avLst/>
-        </a:prstGeom>
-        <a:solidFill>
-          <a:schemeClr val="accent1">
-            <a:hueOff val="0"/>
-            <a:satOff val="0"/>
-            <a:lumOff val="0"/>
-            <a:alphaOff val="0"/>
-          </a:schemeClr>
-        </a:solidFill>
-        <a:ln w="25400" cap="flat" cmpd="sng" algn="ctr">
-          <a:solidFill>
-            <a:schemeClr val="lt1">
-              <a:hueOff val="0"/>
-              <a:satOff val="0"/>
-              <a:lumOff val="0"/>
-              <a:alphaOff val="0"/>
-            </a:schemeClr>
-          </a:solidFill>
-          <a:prstDash val="solid"/>
-        </a:ln>
-        <a:effectLst/>
-      </dsp:spPr>
-      <dsp:style>
-        <a:lnRef idx="2">
-          <a:scrgbClr r="0" g="0" b="0"/>
-        </a:lnRef>
-        <a:fillRef idx="1">
-          <a:scrgbClr r="0" g="0" b="0"/>
-        </a:fillRef>
-        <a:effectRef idx="0">
-          <a:scrgbClr r="0" g="0" b="0"/>
-        </a:effectRef>
-        <a:fontRef idx="minor">
-          <a:schemeClr val="lt1"/>
-        </a:fontRef>
-      </dsp:style>
-      <dsp:txBody>
-        <a:bodyPr spcFirstLastPara="0" vert="horz" wrap="square" lIns="148590" tIns="148590" rIns="148590" bIns="148590" numCol="1" spcCol="1270" anchor="ctr" anchorCtr="0">
-          <a:noAutofit/>
-        </a:bodyPr>
-        <a:lstStyle/>
-        <a:p>
-          <a:pPr lvl="0" algn="l" defTabSz="1733550">
-            <a:lnSpc>
-              <a:spcPct val="90000"/>
-            </a:lnSpc>
-            <a:spcBef>
-              <a:spcPct val="0"/>
-            </a:spcBef>
-            <a:spcAft>
-              <a:spcPct val="35000"/>
-            </a:spcAft>
-          </a:pPr>
-          <a:r>
-            <a:rPr lang="de-DE" sz="3900" kern="1200" dirty="0" smtClean="0"/>
-            <a:t>Accounts</a:t>
-          </a:r>
-          <a:endParaRPr lang="de-DE" sz="3900" kern="1200" dirty="0"/>
-        </a:p>
-      </dsp:txBody>
-      <dsp:txXfrm>
-        <a:off x="44549" y="82868"/>
-        <a:ext cx="6006902" cy="823502"/>
-      </dsp:txXfrm>
-    </dsp:sp>
-    <dsp:sp modelId="{63E2B32D-0F98-4F07-8AFD-7B0E0E69B0D0}">
-      <dsp:nvSpPr>
-        <dsp:cNvPr id="0" name=""/>
-        <dsp:cNvSpPr/>
-      </dsp:nvSpPr>
-      <dsp:spPr>
-        <a:xfrm>
-          <a:off x="0" y="1063239"/>
-          <a:ext cx="6096000" cy="912600"/>
-        </a:xfrm>
-        <a:prstGeom prst="roundRect">
-          <a:avLst/>
-        </a:prstGeom>
-        <a:solidFill>
-          <a:schemeClr val="accent1">
-            <a:hueOff val="0"/>
-            <a:satOff val="0"/>
-            <a:lumOff val="0"/>
-            <a:alphaOff val="0"/>
-          </a:schemeClr>
-        </a:solidFill>
-        <a:ln w="25400" cap="flat" cmpd="sng" algn="ctr">
-          <a:solidFill>
-            <a:schemeClr val="lt1">
-              <a:hueOff val="0"/>
-              <a:satOff val="0"/>
-              <a:lumOff val="0"/>
-              <a:alphaOff val="0"/>
-            </a:schemeClr>
-          </a:solidFill>
-          <a:prstDash val="solid"/>
-        </a:ln>
-        <a:effectLst/>
-      </dsp:spPr>
-      <dsp:style>
-        <a:lnRef idx="2">
-          <a:scrgbClr r="0" g="0" b="0"/>
-        </a:lnRef>
-        <a:fillRef idx="1">
-          <a:scrgbClr r="0" g="0" b="0"/>
-        </a:fillRef>
-        <a:effectRef idx="0">
-          <a:scrgbClr r="0" g="0" b="0"/>
-        </a:effectRef>
-        <a:fontRef idx="minor">
-          <a:schemeClr val="lt1"/>
-        </a:fontRef>
-      </dsp:style>
-      <dsp:txBody>
-        <a:bodyPr spcFirstLastPara="0" vert="horz" wrap="square" lIns="148590" tIns="148590" rIns="148590" bIns="148590" numCol="1" spcCol="1270" anchor="ctr" anchorCtr="0">
-          <a:noAutofit/>
-        </a:bodyPr>
-        <a:lstStyle/>
-        <a:p>
-          <a:pPr lvl="0" algn="l" defTabSz="1733550">
-            <a:lnSpc>
-              <a:spcPct val="90000"/>
-            </a:lnSpc>
-            <a:spcBef>
-              <a:spcPct val="0"/>
-            </a:spcBef>
-            <a:spcAft>
-              <a:spcPct val="35000"/>
-            </a:spcAft>
-          </a:pPr>
-          <a:r>
-            <a:rPr lang="de-DE" sz="3900" kern="1200" dirty="0" smtClean="0"/>
-            <a:t>Location</a:t>
-          </a:r>
-          <a:endParaRPr lang="de-DE" sz="3900" kern="1200" dirty="0"/>
-        </a:p>
-      </dsp:txBody>
-      <dsp:txXfrm>
-        <a:off x="44549" y="1107788"/>
-        <a:ext cx="6006902" cy="823502"/>
-      </dsp:txXfrm>
-    </dsp:sp>
-    <dsp:sp modelId="{24B6A7FC-CFD8-4D0D-A027-28AA9656DA11}">
-      <dsp:nvSpPr>
-        <dsp:cNvPr id="0" name=""/>
-        <dsp:cNvSpPr/>
-      </dsp:nvSpPr>
-      <dsp:spPr>
-        <a:xfrm>
-          <a:off x="0" y="2088159"/>
-          <a:ext cx="6096000" cy="912600"/>
-        </a:xfrm>
-        <a:prstGeom prst="roundRect">
-          <a:avLst/>
-        </a:prstGeom>
-        <a:solidFill>
-          <a:schemeClr val="accent1">
-            <a:hueOff val="0"/>
-            <a:satOff val="0"/>
-            <a:lumOff val="0"/>
-            <a:alphaOff val="0"/>
-          </a:schemeClr>
-        </a:solidFill>
-        <a:ln w="25400" cap="flat" cmpd="sng" algn="ctr">
-          <a:solidFill>
-            <a:schemeClr val="lt1">
-              <a:hueOff val="0"/>
-              <a:satOff val="0"/>
-              <a:lumOff val="0"/>
-              <a:alphaOff val="0"/>
-            </a:schemeClr>
-          </a:solidFill>
-          <a:prstDash val="solid"/>
-        </a:ln>
-        <a:effectLst/>
-      </dsp:spPr>
-      <dsp:style>
-        <a:lnRef idx="2">
-          <a:scrgbClr r="0" g="0" b="0"/>
-        </a:lnRef>
-        <a:fillRef idx="1">
-          <a:scrgbClr r="0" g="0" b="0"/>
-        </a:fillRef>
-        <a:effectRef idx="0">
-          <a:scrgbClr r="0" g="0" b="0"/>
-        </a:effectRef>
-        <a:fontRef idx="minor">
-          <a:schemeClr val="lt1"/>
-        </a:fontRef>
-      </dsp:style>
-      <dsp:txBody>
-        <a:bodyPr spcFirstLastPara="0" vert="horz" wrap="square" lIns="148590" tIns="148590" rIns="148590" bIns="148590" numCol="1" spcCol="1270" anchor="ctr" anchorCtr="0">
-          <a:noAutofit/>
-        </a:bodyPr>
-        <a:lstStyle/>
-        <a:p>
-          <a:pPr lvl="0" algn="l" defTabSz="1733550">
-            <a:lnSpc>
-              <a:spcPct val="90000"/>
-            </a:lnSpc>
-            <a:spcBef>
-              <a:spcPct val="0"/>
-            </a:spcBef>
-            <a:spcAft>
-              <a:spcPct val="35000"/>
-            </a:spcAft>
-          </a:pPr>
-          <a:r>
-            <a:rPr lang="de-DE" sz="3900" kern="1200" dirty="0" err="1" smtClean="0"/>
-            <a:t>Category</a:t>
-          </a:r>
-          <a:endParaRPr lang="de-DE" sz="3900" kern="1200" dirty="0"/>
-        </a:p>
-      </dsp:txBody>
-      <dsp:txXfrm>
-        <a:off x="44549" y="2132708"/>
-        <a:ext cx="6006902" cy="823502"/>
-      </dsp:txXfrm>
-    </dsp:sp>
-    <dsp:sp modelId="{D42EC3E3-4EB3-4A24-8A38-86702BE0445A}">
-      <dsp:nvSpPr>
-        <dsp:cNvPr id="0" name=""/>
-        <dsp:cNvSpPr/>
-      </dsp:nvSpPr>
-      <dsp:spPr>
-        <a:xfrm>
-          <a:off x="0" y="3113080"/>
-          <a:ext cx="6096000" cy="912600"/>
-        </a:xfrm>
-        <a:prstGeom prst="roundRect">
-          <a:avLst/>
-        </a:prstGeom>
-        <a:solidFill>
-          <a:schemeClr val="accent1">
-            <a:hueOff val="0"/>
-            <a:satOff val="0"/>
-            <a:lumOff val="0"/>
-            <a:alphaOff val="0"/>
-          </a:schemeClr>
-        </a:solidFill>
-        <a:ln w="25400" cap="flat" cmpd="sng" algn="ctr">
-          <a:solidFill>
-            <a:schemeClr val="lt1">
-              <a:hueOff val="0"/>
-              <a:satOff val="0"/>
-              <a:lumOff val="0"/>
-              <a:alphaOff val="0"/>
-            </a:schemeClr>
-          </a:solidFill>
-          <a:prstDash val="solid"/>
-        </a:ln>
-        <a:effectLst/>
-      </dsp:spPr>
-      <dsp:style>
-        <a:lnRef idx="2">
-          <a:scrgbClr r="0" g="0" b="0"/>
-        </a:lnRef>
-        <a:fillRef idx="1">
-          <a:scrgbClr r="0" g="0" b="0"/>
-        </a:fillRef>
-        <a:effectRef idx="0">
-          <a:scrgbClr r="0" g="0" b="0"/>
-        </a:effectRef>
-        <a:fontRef idx="minor">
-          <a:schemeClr val="lt1"/>
-        </a:fontRef>
-      </dsp:style>
-      <dsp:txBody>
-        <a:bodyPr spcFirstLastPara="0" vert="horz" wrap="square" lIns="148590" tIns="148590" rIns="148590" bIns="148590" numCol="1" spcCol="1270" anchor="ctr" anchorCtr="0">
-          <a:noAutofit/>
-        </a:bodyPr>
-        <a:lstStyle/>
-        <a:p>
-          <a:pPr lvl="0" algn="l" defTabSz="1733550">
-            <a:lnSpc>
-              <a:spcPct val="90000"/>
-            </a:lnSpc>
-            <a:spcBef>
-              <a:spcPct val="0"/>
-            </a:spcBef>
-            <a:spcAft>
-              <a:spcPct val="35000"/>
-            </a:spcAft>
-          </a:pPr>
-          <a:r>
-            <a:rPr lang="de-DE" sz="3900" kern="1200" dirty="0" smtClean="0"/>
-            <a:t>Tweets / </a:t>
-          </a:r>
-          <a:r>
-            <a:rPr lang="de-DE" sz="3900" kern="1200" dirty="0" err="1" smtClean="0"/>
-            <a:t>Retweets</a:t>
-          </a:r>
-          <a:endParaRPr lang="de-DE" sz="3900" kern="1200" dirty="0"/>
-        </a:p>
-      </dsp:txBody>
-      <dsp:txXfrm>
-        <a:off x="44549" y="3157629"/>
-        <a:ext cx="6006902" cy="823502"/>
-      </dsp:txXfrm>
-    </dsp:sp>
   </dsp:spTree>
 </dsp:drawing>
 </file>
@@ -3705,277 +3148,6 @@
       <dsp:cNvGrpSpPr/>
     </dsp:nvGrpSpPr>
     <dsp:grpSpPr/>
-    <dsp:sp modelId="{822618A0-FEEB-45CC-81A0-15FF6A91EB8A}">
-      <dsp:nvSpPr>
-        <dsp:cNvPr id="0" name=""/>
-        <dsp:cNvSpPr/>
-      </dsp:nvSpPr>
-      <dsp:spPr>
-        <a:xfrm>
-          <a:off x="457199" y="0"/>
-          <a:ext cx="5181600" cy="4064000"/>
-        </a:xfrm>
-        <a:prstGeom prst="rightArrow">
-          <a:avLst/>
-        </a:prstGeom>
-        <a:solidFill>
-          <a:schemeClr val="accent1">
-            <a:tint val="40000"/>
-            <a:hueOff val="0"/>
-            <a:satOff val="0"/>
-            <a:lumOff val="0"/>
-            <a:alphaOff val="0"/>
-          </a:schemeClr>
-        </a:solidFill>
-        <a:ln>
-          <a:noFill/>
-        </a:ln>
-        <a:effectLst/>
-      </dsp:spPr>
-      <dsp:style>
-        <a:lnRef idx="0">
-          <a:scrgbClr r="0" g="0" b="0"/>
-        </a:lnRef>
-        <a:fillRef idx="1">
-          <a:scrgbClr r="0" g="0" b="0"/>
-        </a:fillRef>
-        <a:effectRef idx="0">
-          <a:scrgbClr r="0" g="0" b="0"/>
-        </a:effectRef>
-        <a:fontRef idx="minor"/>
-      </dsp:style>
-    </dsp:sp>
-    <dsp:sp modelId="{8A3B181F-EAC8-46DE-BBF3-BDB9DE3336EF}">
-      <dsp:nvSpPr>
-        <dsp:cNvPr id="0" name=""/>
-        <dsp:cNvSpPr/>
-      </dsp:nvSpPr>
-      <dsp:spPr>
-        <a:xfrm>
-          <a:off x="3767" y="1219199"/>
-          <a:ext cx="1961126" cy="1625600"/>
-        </a:xfrm>
-        <a:prstGeom prst="roundRect">
-          <a:avLst/>
-        </a:prstGeom>
-        <a:solidFill>
-          <a:schemeClr val="accent1">
-            <a:hueOff val="0"/>
-            <a:satOff val="0"/>
-            <a:lumOff val="0"/>
-            <a:alphaOff val="0"/>
-          </a:schemeClr>
-        </a:solidFill>
-        <a:ln w="25400" cap="flat" cmpd="sng" algn="ctr">
-          <a:solidFill>
-            <a:schemeClr val="lt1">
-              <a:hueOff val="0"/>
-              <a:satOff val="0"/>
-              <a:lumOff val="0"/>
-              <a:alphaOff val="0"/>
-            </a:schemeClr>
-          </a:solidFill>
-          <a:prstDash val="solid"/>
-        </a:ln>
-        <a:effectLst/>
-      </dsp:spPr>
-      <dsp:style>
-        <a:lnRef idx="2">
-          <a:scrgbClr r="0" g="0" b="0"/>
-        </a:lnRef>
-        <a:fillRef idx="1">
-          <a:scrgbClr r="0" g="0" b="0"/>
-        </a:fillRef>
-        <a:effectRef idx="0">
-          <a:scrgbClr r="0" g="0" b="0"/>
-        </a:effectRef>
-        <a:fontRef idx="minor">
-          <a:schemeClr val="lt1"/>
-        </a:fontRef>
-      </dsp:style>
-      <dsp:txBody>
-        <a:bodyPr spcFirstLastPara="0" vert="horz" wrap="square" lIns="76200" tIns="76200" rIns="76200" bIns="76200" numCol="1" spcCol="1270" anchor="ctr" anchorCtr="0">
-          <a:noAutofit/>
-        </a:bodyPr>
-        <a:lstStyle/>
-        <a:p>
-          <a:pPr lvl="0" algn="ctr" defTabSz="889000">
-            <a:lnSpc>
-              <a:spcPct val="90000"/>
-            </a:lnSpc>
-            <a:spcBef>
-              <a:spcPct val="0"/>
-            </a:spcBef>
-            <a:spcAft>
-              <a:spcPct val="35000"/>
-            </a:spcAft>
-          </a:pPr>
-          <a:r>
-            <a:rPr lang="de-DE" sz="2000" kern="1200" dirty="0" err="1" smtClean="0"/>
-            <a:t>TwitterStream</a:t>
-          </a:r>
-          <a:endParaRPr lang="de-DE" sz="2000" kern="1200" dirty="0"/>
-        </a:p>
-      </dsp:txBody>
-      <dsp:txXfrm>
-        <a:off x="83122" y="1298554"/>
-        <a:ext cx="1802416" cy="1466890"/>
-      </dsp:txXfrm>
-    </dsp:sp>
-    <dsp:sp modelId="{F0428DC1-2320-4439-BA06-F77B96603CEF}">
-      <dsp:nvSpPr>
-        <dsp:cNvPr id="0" name=""/>
-        <dsp:cNvSpPr/>
-      </dsp:nvSpPr>
-      <dsp:spPr>
-        <a:xfrm>
-          <a:off x="2067436" y="1219199"/>
-          <a:ext cx="1961126" cy="1625600"/>
-        </a:xfrm>
-        <a:prstGeom prst="roundRect">
-          <a:avLst/>
-        </a:prstGeom>
-        <a:solidFill>
-          <a:schemeClr val="accent1">
-            <a:hueOff val="0"/>
-            <a:satOff val="0"/>
-            <a:lumOff val="0"/>
-            <a:alphaOff val="0"/>
-          </a:schemeClr>
-        </a:solidFill>
-        <a:ln w="25400" cap="flat" cmpd="sng" algn="ctr">
-          <a:solidFill>
-            <a:schemeClr val="lt1">
-              <a:hueOff val="0"/>
-              <a:satOff val="0"/>
-              <a:lumOff val="0"/>
-              <a:alphaOff val="0"/>
-            </a:schemeClr>
-          </a:solidFill>
-          <a:prstDash val="solid"/>
-        </a:ln>
-        <a:effectLst/>
-      </dsp:spPr>
-      <dsp:style>
-        <a:lnRef idx="2">
-          <a:scrgbClr r="0" g="0" b="0"/>
-        </a:lnRef>
-        <a:fillRef idx="1">
-          <a:scrgbClr r="0" g="0" b="0"/>
-        </a:fillRef>
-        <a:effectRef idx="0">
-          <a:scrgbClr r="0" g="0" b="0"/>
-        </a:effectRef>
-        <a:fontRef idx="minor">
-          <a:schemeClr val="lt1"/>
-        </a:fontRef>
-      </dsp:style>
-      <dsp:txBody>
-        <a:bodyPr spcFirstLastPara="0" vert="horz" wrap="square" lIns="76200" tIns="76200" rIns="76200" bIns="76200" numCol="1" spcCol="1270" anchor="ctr" anchorCtr="0">
-          <a:noAutofit/>
-        </a:bodyPr>
-        <a:lstStyle/>
-        <a:p>
-          <a:pPr lvl="0" algn="ctr" defTabSz="889000">
-            <a:lnSpc>
-              <a:spcPct val="90000"/>
-            </a:lnSpc>
-            <a:spcBef>
-              <a:spcPct val="0"/>
-            </a:spcBef>
-            <a:spcAft>
-              <a:spcPct val="35000"/>
-            </a:spcAft>
-          </a:pPr>
-          <a:r>
-            <a:rPr lang="de-DE" sz="2000" kern="1200" dirty="0" err="1" smtClean="0"/>
-            <a:t>Cralwler</a:t>
-          </a:r>
-          <a:endParaRPr lang="de-DE" sz="2000" kern="1200" dirty="0"/>
-        </a:p>
-      </dsp:txBody>
-      <dsp:txXfrm>
-        <a:off x="2146791" y="1298554"/>
-        <a:ext cx="1802416" cy="1466890"/>
-      </dsp:txXfrm>
-    </dsp:sp>
-    <dsp:sp modelId="{24396DDF-2494-4281-972C-EDC799D3E3E7}">
-      <dsp:nvSpPr>
-        <dsp:cNvPr id="0" name=""/>
-        <dsp:cNvSpPr/>
-      </dsp:nvSpPr>
-      <dsp:spPr>
-        <a:xfrm>
-          <a:off x="4131105" y="1219199"/>
-          <a:ext cx="1961126" cy="1625600"/>
-        </a:xfrm>
-        <a:prstGeom prst="roundRect">
-          <a:avLst/>
-        </a:prstGeom>
-        <a:solidFill>
-          <a:schemeClr val="accent1">
-            <a:hueOff val="0"/>
-            <a:satOff val="0"/>
-            <a:lumOff val="0"/>
-            <a:alphaOff val="0"/>
-          </a:schemeClr>
-        </a:solidFill>
-        <a:ln w="25400" cap="flat" cmpd="sng" algn="ctr">
-          <a:solidFill>
-            <a:schemeClr val="lt1">
-              <a:hueOff val="0"/>
-              <a:satOff val="0"/>
-              <a:lumOff val="0"/>
-              <a:alphaOff val="0"/>
-            </a:schemeClr>
-          </a:solidFill>
-          <a:prstDash val="solid"/>
-        </a:ln>
-        <a:effectLst/>
-      </dsp:spPr>
-      <dsp:style>
-        <a:lnRef idx="2">
-          <a:scrgbClr r="0" g="0" b="0"/>
-        </a:lnRef>
-        <a:fillRef idx="1">
-          <a:scrgbClr r="0" g="0" b="0"/>
-        </a:fillRef>
-        <a:effectRef idx="0">
-          <a:scrgbClr r="0" g="0" b="0"/>
-        </a:effectRef>
-        <a:fontRef idx="minor">
-          <a:schemeClr val="lt1"/>
-        </a:fontRef>
-      </dsp:style>
-      <dsp:txBody>
-        <a:bodyPr spcFirstLastPara="0" vert="horz" wrap="square" lIns="76200" tIns="76200" rIns="76200" bIns="76200" numCol="1" spcCol="1270" anchor="ctr" anchorCtr="0">
-          <a:noAutofit/>
-        </a:bodyPr>
-        <a:lstStyle/>
-        <a:p>
-          <a:pPr lvl="0" algn="ctr" defTabSz="889000">
-            <a:lnSpc>
-              <a:spcPct val="90000"/>
-            </a:lnSpc>
-            <a:spcBef>
-              <a:spcPct val="0"/>
-            </a:spcBef>
-            <a:spcAft>
-              <a:spcPct val="35000"/>
-            </a:spcAft>
-          </a:pPr>
-          <a:r>
-            <a:rPr lang="de-DE" sz="2000" kern="1200" dirty="0" smtClean="0"/>
-            <a:t>DB</a:t>
-          </a:r>
-          <a:endParaRPr lang="de-DE" sz="2000" kern="1200" dirty="0"/>
-        </a:p>
-      </dsp:txBody>
-      <dsp:txXfrm>
-        <a:off x="4210460" y="1298554"/>
-        <a:ext cx="1802416" cy="1466890"/>
-      </dsp:txXfrm>
-    </dsp:sp>
   </dsp:spTree>
 </dsp:drawing>
 </file>
@@ -4284,12 +3456,11 @@
 </file>
 
 <file path=ppt/diagrams/layout3.xml><?xml version="1.0" encoding="utf-8"?>
-<dgm:layoutDef xmlns:dgm="http://schemas.openxmlformats.org/drawingml/2006/diagram" xmlns:a="http://schemas.openxmlformats.org/drawingml/2006/main" uniqueId="urn:microsoft.com/office/officeart/2005/8/layout/hProcess9">
+<dgm:layoutDef xmlns:dgm="http://schemas.openxmlformats.org/drawingml/2006/diagram" xmlns:a="http://schemas.openxmlformats.org/drawingml/2006/main" uniqueId="urn:microsoft.com/office/officeart/2005/8/layout/hChevron3">
   <dgm:title val=""/>
   <dgm:desc val=""/>
   <dgm:catLst>
-    <dgm:cat type="process" pri="5000"/>
-    <dgm:cat type="convert" pri="13000"/>
+    <dgm:cat type="process" pri="10000"/>
   </dgm:catLst>
   <dgm:sampData useDef="1">
     <dgm:dataModel>
@@ -4332,107 +3503,226 @@
       <dgm:whole/>
     </dgm:dataModel>
   </dgm:clrData>
-  <dgm:layoutNode name="CompostProcess">
+  <dgm:layoutNode name="Name0">
     <dgm:varLst>
       <dgm:dir/>
       <dgm:resizeHandles val="exact"/>
     </dgm:varLst>
-    <dgm:alg type="composite">
-      <dgm:param type="horzAlign" val="ctr"/>
-      <dgm:param type="vertAlign" val="mid"/>
-    </dgm:alg>
+    <dgm:choose name="Name1">
+      <dgm:if name="Name2" func="var" arg="dir" op="equ" val="norm">
+        <dgm:alg type="lin"/>
+      </dgm:if>
+      <dgm:else name="Name3">
+        <dgm:alg type="lin">
+          <dgm:param type="linDir" val="fromR"/>
+        </dgm:alg>
+      </dgm:else>
+    </dgm:choose>
     <dgm:shape xmlns:r="http://schemas.openxmlformats.org/officeDocument/2006/relationships" r:blip="">
       <dgm:adjLst/>
     </dgm:shape>
     <dgm:presOf/>
-    <dgm:constrLst>
-      <dgm:constr type="w" for="ch" forName="arrow" refType="w" fact="0.85"/>
-      <dgm:constr type="h" for="ch" forName="arrow" refType="h"/>
-      <dgm:constr type="ctrX" for="ch" forName="arrow" refType="w" fact="0.5"/>
-      <dgm:constr type="ctrY" for="ch" forName="arrow" refType="h" fact="0.5"/>
-      <dgm:constr type="w" for="ch" forName="linearProcess" refType="w"/>
-      <dgm:constr type="h" for="ch" forName="linearProcess" refType="h" fact="0.4"/>
-      <dgm:constr type="ctrX" for="ch" forName="linearProcess" refType="w" fact="0.5"/>
-      <dgm:constr type="ctrY" for="ch" forName="linearProcess" refType="h" fact="0.5"/>
-    </dgm:constrLst>
-    <dgm:ruleLst/>
-    <dgm:layoutNode name="arrow" styleLbl="bgShp">
-      <dgm:alg type="sp"/>
-      <dgm:choose name="Name0">
-        <dgm:if name="Name1" func="var" arg="dir" op="equ" val="norm">
-          <dgm:shape xmlns:r="http://schemas.openxmlformats.org/officeDocument/2006/relationships" type="rightArrow" r:blip="">
-            <dgm:adjLst/>
-          </dgm:shape>
-        </dgm:if>
-        <dgm:else name="Name2">
-          <dgm:shape xmlns:r="http://schemas.openxmlformats.org/officeDocument/2006/relationships" type="leftArrow" r:blip="">
-            <dgm:adjLst/>
-          </dgm:shape>
-        </dgm:else>
-      </dgm:choose>
-      <dgm:presOf/>
-      <dgm:constrLst/>
-      <dgm:ruleLst/>
-    </dgm:layoutNode>
-    <dgm:layoutNode name="linearProcess">
-      <dgm:choose name="Name3">
-        <dgm:if name="Name4" func="var" arg="dir" op="equ" val="norm">
-          <dgm:alg type="lin"/>
-        </dgm:if>
-        <dgm:else name="Name5">
-          <dgm:alg type="lin">
-            <dgm:param type="linDir" val="fromR"/>
-          </dgm:alg>
-        </dgm:else>
-      </dgm:choose>
-      <dgm:shape xmlns:r="http://schemas.openxmlformats.org/officeDocument/2006/relationships" r:blip="">
-        <dgm:adjLst/>
-      </dgm:shape>
-      <dgm:presOf/>
-      <dgm:constrLst>
-        <dgm:constr type="userA" for="ch" ptType="node" refType="w"/>
-        <dgm:constr type="h" for="ch" ptType="node" refType="h"/>
-        <dgm:constr type="w" for="ch" ptType="node" op="equ"/>
-        <dgm:constr type="w" for="ch" forName="sibTrans" refType="w" fact="0.05"/>
-        <dgm:constr type="primFontSz" for="ch" ptType="node" op="equ" val="65"/>
-      </dgm:constrLst>
-      <dgm:ruleLst/>
-      <dgm:forEach name="Name6" axis="ch" ptType="node">
-        <dgm:layoutNode name="textNode" styleLbl="node1">
-          <dgm:varLst>
-            <dgm:bulletEnabled val="1"/>
-          </dgm:varLst>
-          <dgm:alg type="tx"/>
-          <dgm:shape xmlns:r="http://schemas.openxmlformats.org/officeDocument/2006/relationships" type="roundRect" r:blip="">
-            <dgm:adjLst/>
-          </dgm:shape>
-          <dgm:presOf axis="desOrSelf" ptType="node"/>
-          <dgm:constrLst>
-            <dgm:constr type="userA"/>
-            <dgm:constr type="w" refType="userA" fact="0.3"/>
-            <dgm:constr type="tMarg" refType="primFontSz" fact="0.3"/>
-            <dgm:constr type="bMarg" refType="primFontSz" fact="0.3"/>
-            <dgm:constr type="lMarg" refType="primFontSz" fact="0.3"/>
-            <dgm:constr type="rMarg" refType="primFontSz" fact="0.3"/>
-          </dgm:constrLst>
-          <dgm:ruleLst>
-            <dgm:rule type="w" val="NaN" fact="1" max="NaN"/>
-            <dgm:rule type="primFontSz" val="5" fact="NaN" max="NaN"/>
-          </dgm:ruleLst>
-        </dgm:layoutNode>
-        <dgm:forEach name="Name7" axis="followSib" ptType="sibTrans" cnt="1">
-          <dgm:layoutNode name="sibTrans">
-            <dgm:alg type="sp"/>
-            <dgm:shape xmlns:r="http://schemas.openxmlformats.org/officeDocument/2006/relationships" r:blip="">
-              <dgm:adjLst/>
-            </dgm:shape>
-            <dgm:presOf/>
-            <dgm:constrLst/>
-            <dgm:ruleLst/>
+    <dgm:choose name="Name4">
+      <dgm:if name="Name5" axis="root des" func="maxDepth" op="gte" val="2">
+        <dgm:constrLst>
+          <dgm:constr type="w" for="ch" forName="parAndChTx" refType="w"/>
+          <dgm:constr type="primFontSz" for="ch" ptType="node" op="equ"/>
+          <dgm:constr type="w" for="ch" forName="parAndChSpace" refType="w" refFor="ch" refForName="parAndChTx" fact="-0.2"/>
+          <dgm:constr type="w" for="ch" ptType="sibTrans" op="equ"/>
+        </dgm:constrLst>
+        <dgm:ruleLst/>
+        <dgm:forEach name="Name6" axis="ch" ptType="node">
+          <dgm:layoutNode name="parAndChTx">
+            <dgm:varLst>
+              <dgm:bulletEnabled val="1"/>
+            </dgm:varLst>
+            <dgm:alg type="tx"/>
+            <dgm:choose name="Name7">
+              <dgm:if name="Name8" func="var" arg="dir" op="equ" val="norm">
+                <dgm:choose name="Name9">
+                  <dgm:if name="Name10" axis="self" ptType="node" func="pos" op="equ" val="1">
+                    <dgm:shape xmlns:r="http://schemas.openxmlformats.org/officeDocument/2006/relationships" type="homePlate" r:blip="">
+                      <dgm:adjLst>
+                        <dgm:adj idx="1" val="0.25"/>
+                      </dgm:adjLst>
+                    </dgm:shape>
+                    <dgm:presOf axis="desOrSelf" ptType="node"/>
+                    <dgm:constrLst>
+                      <dgm:constr type="h" refType="w" op="equ" fact="0.8"/>
+                      <dgm:constr type="primFontSz" val="65"/>
+                      <dgm:constr type="tMarg" refType="primFontSz" fact="0.2"/>
+                      <dgm:constr type="bMarg" refType="primFontSz" fact="0.2"/>
+                      <dgm:constr type="lMarg" refType="w" fact="0.1"/>
+                      <dgm:constr type="rMarg" refType="w" fact="0.4"/>
+                    </dgm:constrLst>
+                  </dgm:if>
+                  <dgm:else name="Name11">
+                    <dgm:shape xmlns:r="http://schemas.openxmlformats.org/officeDocument/2006/relationships" type="chevron" r:blip="">
+                      <dgm:adjLst>
+                        <dgm:adj idx="1" val="0.25"/>
+                      </dgm:adjLst>
+                    </dgm:shape>
+                    <dgm:presOf axis="desOrSelf" ptType="node"/>
+                    <dgm:constrLst>
+                      <dgm:constr type="h" refType="w" op="equ" fact="0.8"/>
+                      <dgm:constr type="primFontSz" val="65"/>
+                      <dgm:constr type="tMarg" refType="primFontSz" fact="0.2"/>
+                      <dgm:constr type="bMarg" refType="primFontSz" fact="0.2"/>
+                      <dgm:constr type="lMarg" refType="w" fact="0.1"/>
+                      <dgm:constr type="rMarg" refType="w" fact="0.1"/>
+                    </dgm:constrLst>
+                  </dgm:else>
+                </dgm:choose>
+              </dgm:if>
+              <dgm:else name="Name12">
+                <dgm:choose name="Name13">
+                  <dgm:if name="Name14" axis="self" ptType="node" func="pos" op="equ" val="1">
+                    <dgm:shape xmlns:r="http://schemas.openxmlformats.org/officeDocument/2006/relationships" rot="180" type="homePlate" r:blip="">
+                      <dgm:adjLst>
+                        <dgm:adj idx="1" val="0.25"/>
+                      </dgm:adjLst>
+                    </dgm:shape>
+                    <dgm:presOf axis="desOrSelf" ptType="node"/>
+                    <dgm:constrLst>
+                      <dgm:constr type="h" refType="w" op="equ" fact="0.8"/>
+                      <dgm:constr type="primFontSz" val="65"/>
+                      <dgm:constr type="tMarg" refType="primFontSz" fact="0.2"/>
+                      <dgm:constr type="bMarg" refType="primFontSz" fact="0.2"/>
+                      <dgm:constr type="lMarg" refType="w" fact="0.4"/>
+                      <dgm:constr type="rMarg" refType="w" fact="0.1"/>
+                    </dgm:constrLst>
+                  </dgm:if>
+                  <dgm:else name="Name15">
+                    <dgm:shape xmlns:r="http://schemas.openxmlformats.org/officeDocument/2006/relationships" rot="180" type="chevron" r:blip="">
+                      <dgm:adjLst>
+                        <dgm:adj idx="1" val="0.25"/>
+                      </dgm:adjLst>
+                    </dgm:shape>
+                    <dgm:presOf axis="desOrSelf" ptType="node"/>
+                    <dgm:constrLst>
+                      <dgm:constr type="h" refType="w" op="equ" fact="0.8"/>
+                      <dgm:constr type="primFontSz" val="65"/>
+                      <dgm:constr type="tMarg" refType="primFontSz" fact="0.2"/>
+                      <dgm:constr type="bMarg" refType="primFontSz" fact="0.2"/>
+                      <dgm:constr type="lMarg" refType="w" fact="0.1"/>
+                      <dgm:constr type="rMarg" refType="w" fact="0.1"/>
+                    </dgm:constrLst>
+                  </dgm:else>
+                </dgm:choose>
+              </dgm:else>
+            </dgm:choose>
+            <dgm:ruleLst>
+              <dgm:rule type="primFontSz" val="5" fact="NaN" max="NaN"/>
+            </dgm:ruleLst>
           </dgm:layoutNode>
+          <dgm:forEach name="Name16" axis="followSib" ptType="sibTrans" cnt="1">
+            <dgm:layoutNode name="parAndChSpace">
+              <dgm:alg type="sp"/>
+              <dgm:shape xmlns:r="http://schemas.openxmlformats.org/officeDocument/2006/relationships" r:blip="">
+                <dgm:adjLst/>
+              </dgm:shape>
+              <dgm:presOf/>
+              <dgm:constrLst/>
+              <dgm:ruleLst/>
+            </dgm:layoutNode>
+          </dgm:forEach>
         </dgm:forEach>
-      </dgm:forEach>
-    </dgm:layoutNode>
+      </dgm:if>
+      <dgm:else name="Name17">
+        <dgm:constrLst>
+          <dgm:constr type="w" for="ch" forName="parTxOnly" refType="w"/>
+          <dgm:constr type="primFontSz" for="ch" ptType="node" op="equ"/>
+          <dgm:constr type="w" for="ch" forName="parSpace" refType="w" refFor="ch" refForName="parTxOnly" fact="-0.2"/>
+          <dgm:constr type="w" for="ch" ptType="sibTrans" op="equ"/>
+        </dgm:constrLst>
+        <dgm:ruleLst/>
+        <dgm:forEach name="Name18" axis="ch" ptType="node">
+          <dgm:layoutNode name="parTxOnly">
+            <dgm:varLst>
+              <dgm:bulletEnabled val="1"/>
+            </dgm:varLst>
+            <dgm:alg type="tx"/>
+            <dgm:presOf axis="desOrSelf" ptType="node"/>
+            <dgm:choose name="Name19">
+              <dgm:if name="Name20" func="var" arg="dir" op="equ" val="norm">
+                <dgm:choose name="Name21">
+                  <dgm:if name="Name22" axis="self" ptType="node" func="pos" op="equ" val="1">
+                    <dgm:shape xmlns:r="http://schemas.openxmlformats.org/officeDocument/2006/relationships" type="homePlate" r:blip="">
+                      <dgm:adjLst/>
+                    </dgm:shape>
+                    <dgm:constrLst>
+                      <dgm:constr type="h" refType="w" op="equ" fact="0.4"/>
+                      <dgm:constr type="primFontSz" val="65"/>
+                      <dgm:constr type="tMarg" refType="primFontSz" fact="0.21"/>
+                      <dgm:constr type="bMarg" refType="primFontSz" fact="0.21"/>
+                      <dgm:constr type="lMarg" refType="primFontSz" fact="0.42"/>
+                      <dgm:constr type="rMarg" refType="primFontSz" fact="0.105"/>
+                    </dgm:constrLst>
+                  </dgm:if>
+                  <dgm:else name="Name23">
+                    <dgm:shape xmlns:r="http://schemas.openxmlformats.org/officeDocument/2006/relationships" type="chevron" r:blip="">
+                      <dgm:adjLst/>
+                    </dgm:shape>
+                    <dgm:constrLst>
+                      <dgm:constr type="h" refType="w" op="equ" fact="0.4"/>
+                      <dgm:constr type="primFontSz" val="65"/>
+                      <dgm:constr type="tMarg" refType="primFontSz" fact="0.21"/>
+                      <dgm:constr type="bMarg" refType="primFontSz" fact="0.21"/>
+                      <dgm:constr type="lMarg" refType="primFontSz" fact="0.315"/>
+                      <dgm:constr type="rMarg" refType="primFontSz" fact="0.105"/>
+                    </dgm:constrLst>
+                  </dgm:else>
+                </dgm:choose>
+              </dgm:if>
+              <dgm:else name="Name24">
+                <dgm:choose name="Name25">
+                  <dgm:if name="Name26" axis="self" ptType="node" func="pos" op="equ" val="1">
+                    <dgm:shape xmlns:r="http://schemas.openxmlformats.org/officeDocument/2006/relationships" rot="180" type="homePlate" r:blip="">
+                      <dgm:adjLst/>
+                    </dgm:shape>
+                    <dgm:constrLst>
+                      <dgm:constr type="h" refType="w" op="equ" fact="0.4"/>
+                      <dgm:constr type="primFontSz" val="65"/>
+                      <dgm:constr type="tMarg" refType="primFontSz" fact="0.21"/>
+                      <dgm:constr type="bMarg" refType="primFontSz" fact="0.21"/>
+                      <dgm:constr type="lMarg" refType="primFontSz" fact="0.105"/>
+                      <dgm:constr type="rMarg" refType="primFontSz" fact="0.42"/>
+                    </dgm:constrLst>
+                  </dgm:if>
+                  <dgm:else name="Name27">
+                    <dgm:shape xmlns:r="http://schemas.openxmlformats.org/officeDocument/2006/relationships" rot="180" type="chevron" r:blip="">
+                      <dgm:adjLst/>
+                    </dgm:shape>
+                    <dgm:constrLst>
+                      <dgm:constr type="h" refType="w" op="equ" fact="0.4"/>
+                      <dgm:constr type="primFontSz" val="65"/>
+                      <dgm:constr type="tMarg" refType="primFontSz" fact="0.21"/>
+                      <dgm:constr type="bMarg" refType="primFontSz" fact="0.21"/>
+                      <dgm:constr type="lMarg" refType="primFontSz" fact="0.105"/>
+                      <dgm:constr type="rMarg" refType="primFontSz" fact="0.315"/>
+                    </dgm:constrLst>
+                  </dgm:else>
+                </dgm:choose>
+              </dgm:else>
+            </dgm:choose>
+            <dgm:ruleLst>
+              <dgm:rule type="primFontSz" val="5" fact="NaN" max="NaN"/>
+            </dgm:ruleLst>
+          </dgm:layoutNode>
+          <dgm:forEach name="Name28" axis="followSib" ptType="sibTrans" cnt="1">
+            <dgm:layoutNode name="parSpace">
+              <dgm:alg type="sp"/>
+              <dgm:shape xmlns:r="http://schemas.openxmlformats.org/officeDocument/2006/relationships" r:blip="">
+                <dgm:adjLst/>
+              </dgm:shape>
+              <dgm:presOf/>
+              <dgm:constrLst/>
+              <dgm:ruleLst/>
+            </dgm:layoutNode>
+          </dgm:forEach>
+        </dgm:forEach>
+      </dgm:else>
+    </dgm:choose>
   </dgm:layoutNode>
 </dgm:layoutDef>
 </file>
@@ -8373,7 +7663,7 @@
               <a:pPr>
                 <a:defRPr/>
               </a:pPr>
-              <a:t>3</a:t>
+              <a:t>2</a:t>
             </a:fld>
             <a:endParaRPr lang="de-DE"/>
           </a:p>
@@ -8444,6 +7734,18 @@
               <a:rPr lang="de-DE" dirty="0" err="1" smtClean="0"/>
               <a:t>WebLokalisierungsdienst</a:t>
             </a:r>
+            <a:r>
+              <a:rPr lang="de-DE" dirty="0" smtClean="0"/>
+              <a:t> (Peter </a:t>
+            </a:r>
+            <a:r>
+              <a:rPr lang="de-DE" dirty="0" err="1" smtClean="0"/>
+              <a:t>Bolch</a:t>
+            </a:r>
+            <a:r>
+              <a:rPr lang="de-DE" smtClean="0"/>
+              <a:t>)</a:t>
+            </a:r>
             <a:endParaRPr lang="de-DE" dirty="0"/>
           </a:p>
         </p:txBody>
@@ -8493,7 +7795,7 @@
               <a:pPr>
                 <a:defRPr/>
               </a:pPr>
-              <a:t>4</a:t>
+              <a:t>3</a:t>
             </a:fld>
             <a:endParaRPr lang="de-DE"/>
           </a:p>
@@ -8558,7 +7860,15 @@
           <a:p>
             <a:r>
               <a:rPr lang="de-DE" dirty="0" smtClean="0"/>
-              <a:t>MySQL Paket</a:t>
+              <a:t>Tweets/</a:t>
+            </a:r>
+            <a:r>
+              <a:rPr lang="de-DE" dirty="0" err="1" smtClean="0"/>
+              <a:t>Retweets</a:t>
+            </a:r>
+            <a:r>
+              <a:rPr lang="de-DE" dirty="0" smtClean="0"/>
+              <a:t> pro Tag</a:t>
             </a:r>
             <a:endParaRPr lang="de-DE" dirty="0"/>
           </a:p>
@@ -8609,7 +7919,7 @@
               <a:pPr>
                 <a:defRPr/>
               </a:pPr>
-              <a:t>6</a:t>
+              <a:t>5</a:t>
             </a:fld>
             <a:endParaRPr lang="de-DE"/>
           </a:p>
@@ -8672,10 +7982,6 @@
           <a:bodyPr/>
           <a:lstStyle/>
           <a:p>
-            <a:r>
-              <a:rPr lang="de-DE" dirty="0" smtClean="0"/>
-              <a:t>MySQL Paket</a:t>
-            </a:r>
             <a:endParaRPr lang="de-DE" dirty="0"/>
           </a:p>
         </p:txBody>
@@ -8725,7 +8031,7 @@
               <a:pPr>
                 <a:defRPr/>
               </a:pPr>
-              <a:t>7</a:t>
+              <a:t>6</a:t>
             </a:fld>
             <a:endParaRPr lang="de-DE"/>
           </a:p>
@@ -8849,7 +8155,7 @@
               <a:pPr>
                 <a:defRPr/>
               </a:pPr>
-              <a:t>11</a:t>
+              <a:t>10</a:t>
             </a:fld>
             <a:endParaRPr lang="de-DE"/>
           </a:p>
@@ -8985,7 +8291,7 @@
               <a:pPr>
                 <a:defRPr/>
               </a:pPr>
-              <a:t>13</a:t>
+              <a:t>12</a:t>
             </a:fld>
             <a:endParaRPr lang="de-DE"/>
           </a:p>
@@ -9101,7 +8407,7 @@
               <a:pPr>
                 <a:defRPr/>
               </a:pPr>
-              <a:t>14</a:t>
+              <a:t>13</a:t>
             </a:fld>
             <a:endParaRPr lang="de-DE"/>
           </a:p>
@@ -9245,7 +8551,7 @@
               <a:pPr>
                 <a:defRPr/>
               </a:pPr>
-              <a:t>15</a:t>
+              <a:t>14</a:t>
             </a:fld>
             <a:endParaRPr lang="de-DE"/>
           </a:p>
@@ -9712,7 +9018,7 @@
             <a:fld id="{80E101DA-C805-49D6-936E-EF17408DE37B}" type="datetime1">
               <a:rPr lang="de-DE" smtClean="0"/>
               <a:pPr/>
-              <a:t>15.03.2015</a:t>
+              <a:t>16.03.2015</a:t>
             </a:fld>
             <a:endParaRPr lang="de-DE" dirty="0"/>
           </a:p>
@@ -9892,7 +9198,7 @@
             <a:fld id="{2B68D019-5134-4866-8BCC-6AD2983F956C}" type="datetime1">
               <a:rPr lang="de-DE" smtClean="0"/>
               <a:pPr/>
-              <a:t>15.03.2015</a:t>
+              <a:t>16.03.2015</a:t>
             </a:fld>
             <a:endParaRPr lang="de-DE" dirty="0"/>
           </a:p>
@@ -10588,7 +9894,7 @@
             <a:fld id="{503864FC-C1F6-4F60-90E2-4C82285A7CB6}" type="datetime1">
               <a:rPr lang="de-DE" smtClean="0"/>
               <a:pPr/>
-              <a:t>15.03.2015</a:t>
+              <a:t>16.03.2015</a:t>
             </a:fld>
             <a:endParaRPr lang="de-DE" dirty="0"/>
           </a:p>
@@ -11015,7 +10321,7 @@
             <a:fld id="{DFFFF499-D2C2-429B-A38D-874884AC2B44}" type="datetime1">
               <a:rPr lang="de-DE" smtClean="0"/>
               <a:pPr/>
-              <a:t>15.03.2015</a:t>
+              <a:t>16.03.2015</a:t>
             </a:fld>
             <a:endParaRPr lang="de-DE" dirty="0"/>
           </a:p>
@@ -11133,7 +10439,7 @@
             <a:fld id="{92EEC2FF-F6B1-4953-8BD6-DF423CDA3B5D}" type="datetime1">
               <a:rPr lang="de-DE" smtClean="0"/>
               <a:pPr/>
-              <a:t>15.03.2015</a:t>
+              <a:t>16.03.2015</a:t>
             </a:fld>
             <a:endParaRPr lang="de-DE" dirty="0"/>
           </a:p>
@@ -11228,7 +10534,7 @@
             <a:fld id="{CC0FF657-D1DB-4306-82A3-A2011C94EF85}" type="datetime1">
               <a:rPr lang="de-DE" smtClean="0"/>
               <a:pPr/>
-              <a:t>15.03.2015</a:t>
+              <a:t>16.03.2015</a:t>
             </a:fld>
             <a:endParaRPr lang="de-DE" dirty="0"/>
           </a:p>
@@ -11505,7 +10811,7 @@
             <a:fld id="{7B39ADCC-593E-41F1-8EDC-3499514C881E}" type="datetime1">
               <a:rPr lang="de-DE" smtClean="0"/>
               <a:pPr/>
-              <a:t>15.03.2015</a:t>
+              <a:t>16.03.2015</a:t>
             </a:fld>
             <a:endParaRPr lang="de-DE" dirty="0"/>
           </a:p>
@@ -11762,7 +11068,7 @@
             <a:fld id="{2517161F-0686-4A32-B5C2-6110D54CBF61}" type="datetime1">
               <a:rPr lang="de-DE" smtClean="0"/>
               <a:pPr/>
-              <a:t>15.03.2015</a:t>
+              <a:t>16.03.2015</a:t>
             </a:fld>
             <a:endParaRPr lang="de-DE" dirty="0"/>
           </a:p>
@@ -12173,7 +11479,7 @@
             <a:fld id="{C01FFB54-A4C6-43F5-85F0-3FD9312F6439}" type="datetime1">
               <a:rPr lang="de-DE" smtClean="0"/>
               <a:pPr/>
-              <a:t>15.03.2015</a:t>
+              <a:t>16.03.2015</a:t>
             </a:fld>
             <a:endParaRPr lang="de-DE" dirty="0"/>
           </a:p>
@@ -12791,278 +12097,6 @@
           <a:chExt cx="0" cy="0"/>
         </a:xfrm>
       </p:grpSpPr>
-      <p:pic>
-        <p:nvPicPr>
-          <p:cNvPr id="10" name="Grafik 9"/>
-          <p:cNvPicPr>
-            <a:picLocks noChangeAspect="1"/>
-          </p:cNvPicPr>
-          <p:nvPr/>
-        </p:nvPicPr>
-        <p:blipFill rotWithShape="1">
-          <a:blip r:embed="rId2" cstate="print">
-            <a:extLst>
-              <a:ext uri="{28A0092B-C50C-407E-A947-70E740481C1C}">
-                <a14:useLocalDpi xmlns:a14="http://schemas.microsoft.com/office/drawing/2010/main" val="0"/>
-              </a:ext>
-            </a:extLst>
-          </a:blip>
-          <a:srcRect l="21544" t="23529" r="48191" b="50000"/>
-          <a:stretch/>
-        </p:blipFill>
-        <p:spPr>
-          <a:xfrm>
-            <a:off x="1115616" y="1628800"/>
-            <a:ext cx="7272808" cy="4620372"/>
-          </a:xfrm>
-          <a:prstGeom prst="rect">
-            <a:avLst/>
-          </a:prstGeom>
-        </p:spPr>
-      </p:pic>
-      <p:sp>
-        <p:nvSpPr>
-          <p:cNvPr id="2" name="Titel 1"/>
-          <p:cNvSpPr>
-            <a:spLocks noGrp="1"/>
-          </p:cNvSpPr>
-          <p:nvPr>
-            <p:ph type="title"/>
-          </p:nvPr>
-        </p:nvSpPr>
-        <p:spPr/>
-        <p:txBody>
-          <a:bodyPr/>
-          <a:lstStyle/>
-          <a:p>
-            <a:r>
-              <a:rPr lang="de-DE" dirty="0" smtClean="0"/>
-              <a:t>2. Entwurf (Crawler)</a:t>
-            </a:r>
-            <a:endParaRPr lang="de-DE" dirty="0"/>
-          </a:p>
-        </p:txBody>
-      </p:sp>
-      <p:sp>
-        <p:nvSpPr>
-          <p:cNvPr id="21" name="Textfeld 20"/>
-          <p:cNvSpPr txBox="1"/>
-          <p:nvPr/>
-        </p:nvSpPr>
-        <p:spPr>
-          <a:xfrm>
-            <a:off x="6865632" y="1124744"/>
-            <a:ext cx="1306768" cy="292388"/>
-          </a:xfrm>
-          <a:prstGeom prst="rect">
-            <a:avLst/>
-          </a:prstGeom>
-          <a:solidFill>
-            <a:srgbClr val="FFFFFF"/>
-          </a:solidFill>
-          <a:ln w="12700">
-            <a:solidFill>
-              <a:schemeClr val="tx1"/>
-            </a:solidFill>
-          </a:ln>
-        </p:spPr>
-        <p:txBody>
-          <a:bodyPr wrap="none" rtlCol="0">
-            <a:spAutoFit/>
-          </a:bodyPr>
-          <a:lstStyle/>
-          <a:p>
-            <a:r>
-              <a:rPr lang="de-DE" sz="1300" u="sng" dirty="0" err="1" smtClean="0"/>
-              <a:t>dbc:DBCrawler</a:t>
-            </a:r>
-            <a:endParaRPr lang="de-DE" sz="1300" u="sng" dirty="0"/>
-          </a:p>
-        </p:txBody>
-      </p:sp>
-      <p:sp>
-        <p:nvSpPr>
-          <p:cNvPr id="22" name="Textfeld 21"/>
-          <p:cNvSpPr txBox="1"/>
-          <p:nvPr/>
-        </p:nvSpPr>
-        <p:spPr>
-          <a:xfrm>
-            <a:off x="5502758" y="1124744"/>
-            <a:ext cx="825867" cy="292388"/>
-          </a:xfrm>
-          <a:prstGeom prst="rect">
-            <a:avLst/>
-          </a:prstGeom>
-          <a:solidFill>
-            <a:srgbClr val="FFFFFF"/>
-          </a:solidFill>
-          <a:ln w="12700">
-            <a:solidFill>
-              <a:schemeClr val="tx1"/>
-            </a:solidFill>
-          </a:ln>
-        </p:spPr>
-        <p:txBody>
-          <a:bodyPr wrap="none" rtlCol="0">
-            <a:spAutoFit/>
-          </a:bodyPr>
-          <a:lstStyle/>
-          <a:p>
-            <a:r>
-              <a:rPr lang="de-DE" sz="1300" u="sng" dirty="0" smtClean="0"/>
-              <a:t>l:Locator</a:t>
-            </a:r>
-            <a:endParaRPr lang="de-DE" sz="1300" u="sng" dirty="0"/>
-          </a:p>
-        </p:txBody>
-      </p:sp>
-      <p:sp>
-        <p:nvSpPr>
-          <p:cNvPr id="25" name="Textfeld 24"/>
-          <p:cNvSpPr txBox="1"/>
-          <p:nvPr/>
-        </p:nvSpPr>
-        <p:spPr>
-          <a:xfrm>
-            <a:off x="2867718" y="1124744"/>
-            <a:ext cx="1957587" cy="292388"/>
-          </a:xfrm>
-          <a:prstGeom prst="rect">
-            <a:avLst/>
-          </a:prstGeom>
-          <a:solidFill>
-            <a:srgbClr val="FFFFFF"/>
-          </a:solidFill>
-          <a:ln w="12700">
-            <a:solidFill>
-              <a:schemeClr val="tx1"/>
-            </a:solidFill>
-          </a:ln>
-        </p:spPr>
-        <p:txBody>
-          <a:bodyPr wrap="none" rtlCol="0">
-            <a:spAutoFit/>
-          </a:bodyPr>
-          <a:lstStyle/>
-          <a:p>
-            <a:r>
-              <a:rPr lang="de-DE" sz="1300" u="sng" dirty="0" err="1" smtClean="0"/>
-              <a:t>worker:StatusProcessor</a:t>
-            </a:r>
-            <a:endParaRPr lang="de-DE" sz="1300" u="sng" dirty="0"/>
-          </a:p>
-        </p:txBody>
-      </p:sp>
-      <p:sp>
-        <p:nvSpPr>
-          <p:cNvPr id="9" name="Rectangle 12"/>
-          <p:cNvSpPr>
-            <a:spLocks noGrp="1" noChangeArrowheads="1"/>
-          </p:cNvSpPr>
-          <p:nvPr>
-            <p:ph type="ftr" sz="quarter" idx="10"/>
-          </p:nvPr>
-        </p:nvSpPr>
-        <p:spPr>
-          <a:xfrm>
-            <a:off x="611560" y="6443637"/>
-            <a:ext cx="7848871" cy="360363"/>
-          </a:xfrm>
-          <a:ln/>
-        </p:spPr>
-        <p:txBody>
-          <a:bodyPr/>
-          <a:lstStyle>
-            <a:lvl1pPr>
-              <a:defRPr sz="1000">
-                <a:solidFill>
-                  <a:schemeClr val="tx1"/>
-                </a:solidFill>
-                <a:latin typeface="Calibri" panose="020F0502020204030204" pitchFamily="34" charset="0"/>
-              </a:defRPr>
-            </a:lvl1pPr>
-          </a:lstStyle>
-          <a:p>
-            <a:pPr>
-              <a:defRPr/>
-            </a:pPr>
-            <a:r>
-              <a:rPr lang="de-DE" dirty="0" smtClean="0"/>
-              <a:t>Praxis der Softwareentwicklung: </a:t>
-            </a:r>
-            <a:r>
-              <a:rPr lang="de-DE" dirty="0" err="1" smtClean="0"/>
-              <a:t>Visualizing</a:t>
-            </a:r>
-            <a:r>
-              <a:rPr lang="de-DE" dirty="0" smtClean="0"/>
-              <a:t> Trends. Was verrät uns Twitter?</a:t>
-            </a:r>
-            <a:br>
-              <a:rPr lang="de-DE" dirty="0" smtClean="0"/>
-            </a:br>
-            <a:r>
-              <a:rPr lang="de-DE" dirty="0" smtClean="0"/>
-              <a:t>Aufgabenstellung               </a:t>
-            </a:r>
-            <a:r>
-              <a:rPr lang="de-DE" b="1" dirty="0" smtClean="0"/>
-              <a:t>Entwurf</a:t>
-            </a:r>
-            <a:r>
-              <a:rPr lang="de-DE" dirty="0" smtClean="0"/>
-              <a:t>		Implementierung		Validierung		Fazit</a:t>
-            </a:r>
-            <a:endParaRPr lang="de-DE" dirty="0"/>
-          </a:p>
-        </p:txBody>
-      </p:sp>
-    </p:spTree>
-    <p:extLst>
-      <p:ext uri="{BB962C8B-B14F-4D97-AF65-F5344CB8AC3E}">
-        <p14:creationId xmlns:p14="http://schemas.microsoft.com/office/powerpoint/2010/main" val="3591635622"/>
-      </p:ext>
-    </p:extLst>
-  </p:cSld>
-  <p:clrMapOvr>
-    <a:masterClrMapping/>
-  </p:clrMapOvr>
-  <mc:AlternateContent xmlns:mc="http://schemas.openxmlformats.org/markup-compatibility/2006" xmlns:p14="http://schemas.microsoft.com/office/powerpoint/2010/main">
-    <mc:Choice Requires="p14">
-      <p:transition p14:dur="0"/>
-    </mc:Choice>
-    <mc:Fallback xmlns="">
-      <p:transition/>
-    </mc:Fallback>
-  </mc:AlternateContent>
-  <p:timing>
-    <p:tnLst>
-      <p:par>
-        <p:cTn id="1" dur="indefinite" restart="never" nodeType="tmRoot"/>
-      </p:par>
-    </p:tnLst>
-  </p:timing>
-</p:sld>
-</file>
-
-<file path=ppt/slides/slide11.xml><?xml version="1.0" encoding="utf-8"?>
-<p:sld xmlns:a="http://schemas.openxmlformats.org/drawingml/2006/main" xmlns:r="http://schemas.openxmlformats.org/officeDocument/2006/relationships" xmlns:p="http://schemas.openxmlformats.org/presentationml/2006/main">
-  <p:cSld>
-    <p:spTree>
-      <p:nvGrpSpPr>
-        <p:cNvPr id="1" name=""/>
-        <p:cNvGrpSpPr/>
-        <p:nvPr/>
-      </p:nvGrpSpPr>
-      <p:grpSpPr>
-        <a:xfrm>
-          <a:off x="0" y="0"/>
-          <a:ext cx="0" cy="0"/>
-          <a:chOff x="0" y="0"/>
-          <a:chExt cx="0" cy="0"/>
-        </a:xfrm>
-      </p:grpSpPr>
       <p:sp>
         <p:nvSpPr>
           <p:cNvPr id="2" name="Titel 1"/>
@@ -13200,7 +12234,7 @@
 </p:sld>
 </file>
 
-<file path=ppt/slides/slide12.xml><?xml version="1.0" encoding="utf-8"?>
+<file path=ppt/slides/slide11.xml><?xml version="1.0" encoding="utf-8"?>
 <p:sld xmlns:a="http://schemas.openxmlformats.org/drawingml/2006/main" xmlns:r="http://schemas.openxmlformats.org/officeDocument/2006/relationships" xmlns:p="http://schemas.openxmlformats.org/presentationml/2006/main">
   <p:cSld>
     <p:spTree>
@@ -13911,7 +12945,7 @@
 </p:sld>
 </file>
 
-<file path=ppt/slides/slide13.xml><?xml version="1.0" encoding="utf-8"?>
+<file path=ppt/slides/slide12.xml><?xml version="1.0" encoding="utf-8"?>
 <p:sld xmlns:a="http://schemas.openxmlformats.org/drawingml/2006/main" xmlns:r="http://schemas.openxmlformats.org/officeDocument/2006/relationships" xmlns:p="http://schemas.openxmlformats.org/presentationml/2006/main">
   <p:cSld>
     <p:spTree>
@@ -14108,7 +13142,7 @@
 </p:sld>
 </file>
 
-<file path=ppt/slides/slide14.xml><?xml version="1.0" encoding="utf-8"?>
+<file path=ppt/slides/slide13.xml><?xml version="1.0" encoding="utf-8"?>
 <p:sld xmlns:a="http://schemas.openxmlformats.org/drawingml/2006/main" xmlns:r="http://schemas.openxmlformats.org/officeDocument/2006/relationships" xmlns:p="http://schemas.openxmlformats.org/presentationml/2006/main">
   <p:cSld>
     <p:spTree>
@@ -14352,7 +13386,7 @@
 </p:sld>
 </file>
 
-<file path=ppt/slides/slide15.xml><?xml version="1.0" encoding="utf-8"?>
+<file path=ppt/slides/slide14.xml><?xml version="1.0" encoding="utf-8"?>
 <p:sld xmlns:a="http://schemas.openxmlformats.org/drawingml/2006/main" xmlns:r="http://schemas.openxmlformats.org/officeDocument/2006/relationships" xmlns:p="http://schemas.openxmlformats.org/presentationml/2006/main">
   <p:cSld>
     <p:spTree>
@@ -15535,7 +14569,7 @@
 </p:sld>
 </file>
 
-<file path=ppt/slides/slide16.xml><?xml version="1.0" encoding="utf-8"?>
+<file path=ppt/slides/slide15.xml><?xml version="1.0" encoding="utf-8"?>
 <p:sld xmlns:a="http://schemas.openxmlformats.org/drawingml/2006/main" xmlns:r="http://schemas.openxmlformats.org/officeDocument/2006/relationships" xmlns:p="http://schemas.openxmlformats.org/presentationml/2006/main">
   <p:cSld>
     <p:spTree>
@@ -15677,459 +14711,6 @@
 </file>
 
 <file path=ppt/slides/slide2.xml><?xml version="1.0" encoding="utf-8"?>
-<p:sld xmlns:a="http://schemas.openxmlformats.org/drawingml/2006/main" xmlns:r="http://schemas.openxmlformats.org/officeDocument/2006/relationships" xmlns:p="http://schemas.openxmlformats.org/presentationml/2006/main">
-  <p:cSld>
-    <p:spTree>
-      <p:nvGrpSpPr>
-        <p:cNvPr id="1" name=""/>
-        <p:cNvGrpSpPr/>
-        <p:nvPr/>
-      </p:nvGrpSpPr>
-      <p:grpSpPr>
-        <a:xfrm>
-          <a:off x="0" y="0"/>
-          <a:ext cx="0" cy="0"/>
-          <a:chOff x="0" y="0"/>
-          <a:chExt cx="0" cy="0"/>
-        </a:xfrm>
-      </p:grpSpPr>
-      <p:sp>
-        <p:nvSpPr>
-          <p:cNvPr id="2" name="Titel 1"/>
-          <p:cNvSpPr>
-            <a:spLocks noGrp="1"/>
-          </p:cNvSpPr>
-          <p:nvPr>
-            <p:ph type="title"/>
-          </p:nvPr>
-        </p:nvSpPr>
-        <p:spPr/>
-        <p:txBody>
-          <a:bodyPr/>
-          <a:lstStyle/>
-          <a:p>
-            <a:r>
-              <a:rPr lang="de-DE" dirty="0" smtClean="0"/>
-              <a:t>Gliederung</a:t>
-            </a:r>
-            <a:endParaRPr lang="de-DE" dirty="0"/>
-          </a:p>
-        </p:txBody>
-      </p:sp>
-      <p:sp>
-        <p:nvSpPr>
-          <p:cNvPr id="3" name="Inhaltsplatzhalter 2"/>
-          <p:cNvSpPr>
-            <a:spLocks noGrp="1"/>
-          </p:cNvSpPr>
-          <p:nvPr>
-            <p:ph idx="1"/>
-          </p:nvPr>
-        </p:nvSpPr>
-        <p:spPr>
-          <a:xfrm>
-            <a:off x="607888" y="1415058"/>
-            <a:ext cx="8356600" cy="4894262"/>
-          </a:xfrm>
-        </p:spPr>
-        <p:txBody>
-          <a:bodyPr/>
-          <a:lstStyle/>
-          <a:p>
-            <a:pPr marL="457200" indent="-457200">
-              <a:buFont typeface="+mj-lt"/>
-              <a:buAutoNum type="arabicPeriod"/>
-            </a:pPr>
-            <a:r>
-              <a:rPr lang="de-DE" sz="2600" dirty="0" smtClean="0"/>
-              <a:t>Aufgabenstellung</a:t>
-            </a:r>
-          </a:p>
-          <a:p>
-            <a:pPr marL="457200" indent="-457200">
-              <a:buFont typeface="+mj-lt"/>
-              <a:buAutoNum type="arabicPeriod"/>
-            </a:pPr>
-            <a:r>
-              <a:rPr lang="de-DE" sz="2600" dirty="0" smtClean="0"/>
-              <a:t>Entwurf</a:t>
-            </a:r>
-          </a:p>
-          <a:p>
-            <a:pPr marL="457200" indent="-457200">
-              <a:buFont typeface="+mj-lt"/>
-              <a:buAutoNum type="arabicPeriod"/>
-            </a:pPr>
-            <a:r>
-              <a:rPr lang="de-DE" sz="2600" dirty="0" smtClean="0"/>
-              <a:t>Implementierung</a:t>
-            </a:r>
-          </a:p>
-          <a:p>
-            <a:pPr marL="457200" indent="-457200">
-              <a:buFont typeface="+mj-lt"/>
-              <a:buAutoNum type="arabicPeriod"/>
-            </a:pPr>
-            <a:r>
-              <a:rPr lang="de-DE" sz="2600" dirty="0" smtClean="0"/>
-              <a:t>Validierung</a:t>
-            </a:r>
-          </a:p>
-          <a:p>
-            <a:pPr marL="457200" indent="-457200">
-              <a:buFont typeface="+mj-lt"/>
-              <a:buAutoNum type="arabicPeriod"/>
-            </a:pPr>
-            <a:r>
-              <a:rPr lang="de-DE" sz="2600" dirty="0" smtClean="0"/>
-              <a:t>Fazit</a:t>
-            </a:r>
-          </a:p>
-        </p:txBody>
-      </p:sp>
-      <p:sp>
-        <p:nvSpPr>
-          <p:cNvPr id="6" name="Rectangle 12"/>
-          <p:cNvSpPr>
-            <a:spLocks noGrp="1" noChangeArrowheads="1"/>
-          </p:cNvSpPr>
-          <p:nvPr>
-            <p:ph type="ftr" sz="quarter" idx="10"/>
-          </p:nvPr>
-        </p:nvSpPr>
-        <p:spPr>
-          <a:xfrm>
-            <a:off x="611560" y="6443637"/>
-            <a:ext cx="7848871" cy="360363"/>
-          </a:xfrm>
-          <a:ln/>
-        </p:spPr>
-        <p:txBody>
-          <a:bodyPr/>
-          <a:lstStyle>
-            <a:lvl1pPr>
-              <a:defRPr sz="1000">
-                <a:solidFill>
-                  <a:schemeClr val="tx1"/>
-                </a:solidFill>
-                <a:latin typeface="Calibri" panose="020F0502020204030204" pitchFamily="34" charset="0"/>
-              </a:defRPr>
-            </a:lvl1pPr>
-          </a:lstStyle>
-          <a:p>
-            <a:pPr>
-              <a:defRPr/>
-            </a:pPr>
-            <a:r>
-              <a:rPr lang="de-DE" dirty="0" smtClean="0"/>
-              <a:t>Praxis der Softwareentwicklung: </a:t>
-            </a:r>
-            <a:r>
-              <a:rPr lang="de-DE" dirty="0" err="1" smtClean="0"/>
-              <a:t>Visualizing</a:t>
-            </a:r>
-            <a:r>
-              <a:rPr lang="de-DE" dirty="0" smtClean="0"/>
-              <a:t> Trends. Was verrät uns Twitter?</a:t>
-            </a:r>
-            <a:br>
-              <a:rPr lang="de-DE" dirty="0" smtClean="0"/>
-            </a:br>
-            <a:r>
-              <a:rPr lang="de-DE" dirty="0" smtClean="0"/>
-              <a:t>Aufgabenstellung               Entwurf		Implementierung		Validierung		Fazit</a:t>
-            </a:r>
-            <a:endParaRPr lang="de-DE" dirty="0"/>
-          </a:p>
-        </p:txBody>
-      </p:sp>
-    </p:spTree>
-  </p:cSld>
-  <p:clrMapOvr>
-    <a:masterClrMapping/>
-  </p:clrMapOvr>
-  <p:timing>
-    <p:tnLst>
-      <p:par>
-        <p:cTn id="1" dur="indefinite" restart="never" nodeType="tmRoot">
-          <p:childTnLst>
-            <p:seq concurrent="1" nextAc="seek">
-              <p:cTn id="2" dur="indefinite" nodeType="mainSeq">
-                <p:childTnLst>
-                  <p:par>
-                    <p:cTn id="3" fill="hold">
-                      <p:stCondLst>
-                        <p:cond delay="indefinite"/>
-                        <p:cond evt="onBegin" delay="0">
-                          <p:tn val="2"/>
-                        </p:cond>
-                      </p:stCondLst>
-                      <p:childTnLst>
-                        <p:par>
-                          <p:cTn id="4" fill="hold">
-                            <p:stCondLst>
-                              <p:cond delay="0"/>
-                            </p:stCondLst>
-                            <p:childTnLst>
-                              <p:par>
-                                <p:cTn id="5" presetID="1" presetClass="entr" presetSubtype="0" fill="hold" nodeType="withEffect">
-                                  <p:stCondLst>
-                                    <p:cond delay="0"/>
-                                  </p:stCondLst>
-                                  <p:childTnLst>
-                                    <p:set>
-                                      <p:cBhvr>
-                                        <p:cTn id="6" dur="1" fill="hold">
-                                          <p:stCondLst>
-                                            <p:cond delay="0"/>
-                                          </p:stCondLst>
-                                        </p:cTn>
-                                        <p:tgtEl>
-                                          <p:spTgt spid="3">
-                                            <p:txEl>
-                                              <p:pRg st="0" end="0"/>
-                                            </p:txEl>
-                                          </p:spTgt>
-                                        </p:tgtEl>
-                                        <p:attrNameLst>
-                                          <p:attrName>style.visibility</p:attrName>
-                                        </p:attrNameLst>
-                                      </p:cBhvr>
-                                      <p:to>
-                                        <p:strVal val="visible"/>
-                                      </p:to>
-                                    </p:set>
-                                  </p:childTnLst>
-                                </p:cTn>
-                              </p:par>
-                            </p:childTnLst>
-                          </p:cTn>
-                        </p:par>
-                      </p:childTnLst>
-                    </p:cTn>
-                  </p:par>
-                  <p:par>
-                    <p:cTn id="7" fill="hold">
-                      <p:stCondLst>
-                        <p:cond delay="indefinite"/>
-                      </p:stCondLst>
-                      <p:childTnLst>
-                        <p:par>
-                          <p:cTn id="8" fill="hold">
-                            <p:stCondLst>
-                              <p:cond delay="0"/>
-                            </p:stCondLst>
-                            <p:childTnLst>
-                              <p:par>
-                                <p:cTn id="9" presetID="1" presetClass="entr" presetSubtype="0" fill="hold" nodeType="clickEffect">
-                                  <p:stCondLst>
-                                    <p:cond delay="0"/>
-                                  </p:stCondLst>
-                                  <p:childTnLst>
-                                    <p:set>
-                                      <p:cBhvr>
-                                        <p:cTn id="10" dur="1" fill="hold">
-                                          <p:stCondLst>
-                                            <p:cond delay="0"/>
-                                          </p:stCondLst>
-                                        </p:cTn>
-                                        <p:tgtEl>
-                                          <p:spTgt spid="3">
-                                            <p:txEl>
-                                              <p:pRg st="1" end="1"/>
-                                            </p:txEl>
-                                          </p:spTgt>
-                                        </p:tgtEl>
-                                        <p:attrNameLst>
-                                          <p:attrName>style.visibility</p:attrName>
-                                        </p:attrNameLst>
-                                      </p:cBhvr>
-                                      <p:to>
-                                        <p:strVal val="visible"/>
-                                      </p:to>
-                                    </p:set>
-                                  </p:childTnLst>
-                                </p:cTn>
-                              </p:par>
-                            </p:childTnLst>
-                          </p:cTn>
-                        </p:par>
-                      </p:childTnLst>
-                    </p:cTn>
-                  </p:par>
-                  <p:par>
-                    <p:cTn id="11" fill="hold">
-                      <p:stCondLst>
-                        <p:cond delay="indefinite"/>
-                      </p:stCondLst>
-                      <p:childTnLst>
-                        <p:par>
-                          <p:cTn id="12" fill="hold">
-                            <p:stCondLst>
-                              <p:cond delay="0"/>
-                            </p:stCondLst>
-                            <p:childTnLst>
-                              <p:par>
-                                <p:cTn id="13" presetID="1" presetClass="entr" presetSubtype="0" fill="hold" nodeType="clickEffect">
-                                  <p:stCondLst>
-                                    <p:cond delay="0"/>
-                                  </p:stCondLst>
-                                  <p:childTnLst>
-                                    <p:set>
-                                      <p:cBhvr>
-                                        <p:cTn id="14" dur="1" fill="hold">
-                                          <p:stCondLst>
-                                            <p:cond delay="0"/>
-                                          </p:stCondLst>
-                                        </p:cTn>
-                                        <p:tgtEl>
-                                          <p:spTgt spid="3">
-                                            <p:txEl>
-                                              <p:pRg st="2" end="2"/>
-                                            </p:txEl>
-                                          </p:spTgt>
-                                        </p:tgtEl>
-                                        <p:attrNameLst>
-                                          <p:attrName>style.visibility</p:attrName>
-                                        </p:attrNameLst>
-                                      </p:cBhvr>
-                                      <p:to>
-                                        <p:strVal val="visible"/>
-                                      </p:to>
-                                    </p:set>
-                                  </p:childTnLst>
-                                </p:cTn>
-                              </p:par>
-                            </p:childTnLst>
-                          </p:cTn>
-                        </p:par>
-                      </p:childTnLst>
-                    </p:cTn>
-                  </p:par>
-                  <p:par>
-                    <p:cTn id="15" fill="hold">
-                      <p:stCondLst>
-                        <p:cond delay="indefinite"/>
-                      </p:stCondLst>
-                      <p:childTnLst>
-                        <p:par>
-                          <p:cTn id="16" fill="hold">
-                            <p:stCondLst>
-                              <p:cond delay="0"/>
-                            </p:stCondLst>
-                            <p:childTnLst>
-                              <p:par>
-                                <p:cTn id="17" presetID="1" presetClass="entr" presetSubtype="0" fill="hold" nodeType="clickEffect">
-                                  <p:stCondLst>
-                                    <p:cond delay="0"/>
-                                  </p:stCondLst>
-                                  <p:childTnLst>
-                                    <p:set>
-                                      <p:cBhvr>
-                                        <p:cTn id="18" dur="1" fill="hold">
-                                          <p:stCondLst>
-                                            <p:cond delay="0"/>
-                                          </p:stCondLst>
-                                        </p:cTn>
-                                        <p:tgtEl>
-                                          <p:spTgt spid="3">
-                                            <p:txEl>
-                                              <p:pRg st="3" end="3"/>
-                                            </p:txEl>
-                                          </p:spTgt>
-                                        </p:tgtEl>
-                                        <p:attrNameLst>
-                                          <p:attrName>style.visibility</p:attrName>
-                                        </p:attrNameLst>
-                                      </p:cBhvr>
-                                      <p:to>
-                                        <p:strVal val="visible"/>
-                                      </p:to>
-                                    </p:set>
-                                  </p:childTnLst>
-                                </p:cTn>
-                              </p:par>
-                            </p:childTnLst>
-                          </p:cTn>
-                        </p:par>
-                      </p:childTnLst>
-                    </p:cTn>
-                  </p:par>
-                  <p:par>
-                    <p:cTn id="19" fill="hold">
-                      <p:stCondLst>
-                        <p:cond delay="indefinite"/>
-                      </p:stCondLst>
-                      <p:childTnLst>
-                        <p:par>
-                          <p:cTn id="20" fill="hold">
-                            <p:stCondLst>
-                              <p:cond delay="0"/>
-                            </p:stCondLst>
-                            <p:childTnLst>
-                              <p:par>
-                                <p:cTn id="21" presetID="1" presetClass="entr" presetSubtype="0" fill="hold" nodeType="clickEffect">
-                                  <p:stCondLst>
-                                    <p:cond delay="0"/>
-                                  </p:stCondLst>
-                                  <p:childTnLst>
-                                    <p:set>
-                                      <p:cBhvr>
-                                        <p:cTn id="22" dur="1" fill="hold">
-                                          <p:stCondLst>
-                                            <p:cond delay="0"/>
-                                          </p:stCondLst>
-                                        </p:cTn>
-                                        <p:tgtEl>
-                                          <p:spTgt spid="3">
-                                            <p:txEl>
-                                              <p:pRg st="4" end="4"/>
-                                            </p:txEl>
-                                          </p:spTgt>
-                                        </p:tgtEl>
-                                        <p:attrNameLst>
-                                          <p:attrName>style.visibility</p:attrName>
-                                        </p:attrNameLst>
-                                      </p:cBhvr>
-                                      <p:to>
-                                        <p:strVal val="visible"/>
-                                      </p:to>
-                                    </p:set>
-                                  </p:childTnLst>
-                                </p:cTn>
-                              </p:par>
-                            </p:childTnLst>
-                          </p:cTn>
-                        </p:par>
-                      </p:childTnLst>
-                    </p:cTn>
-                  </p:par>
-                </p:childTnLst>
-              </p:cTn>
-              <p:prevCondLst>
-                <p:cond evt="onPrev" delay="0">
-                  <p:tgtEl>
-                    <p:sldTgt/>
-                  </p:tgtEl>
-                </p:cond>
-              </p:prevCondLst>
-              <p:nextCondLst>
-                <p:cond evt="onNext" delay="0">
-                  <p:tgtEl>
-                    <p:sldTgt/>
-                  </p:tgtEl>
-                </p:cond>
-              </p:nextCondLst>
-            </p:seq>
-          </p:childTnLst>
-        </p:cTn>
-      </p:par>
-    </p:tnLst>
-  </p:timing>
-</p:sld>
-</file>
-
-<file path=ppt/slides/slide3.xml><?xml version="1.0" encoding="utf-8"?>
 <p:sld xmlns:a="http://schemas.openxmlformats.org/drawingml/2006/main" xmlns:r="http://schemas.openxmlformats.org/officeDocument/2006/relationships" xmlns:p="http://schemas.openxmlformats.org/presentationml/2006/main">
   <p:cSld>
     <p:spTree>
@@ -16363,7 +14944,7 @@
         <p:spPr>
           <a:xfrm>
             <a:off x="1403648" y="5141184"/>
-            <a:ext cx="6028830" cy="830997"/>
+            <a:ext cx="6371873" cy="830997"/>
           </a:xfrm>
           <a:prstGeom prst="rect">
             <a:avLst/>
@@ -16400,7 +14981,7 @@
             </a:r>
             <a:r>
               <a:rPr lang="de-DE" sz="2400" dirty="0" err="1" smtClean="0"/>
-              <a:t>retweetet</a:t>
+              <a:t>geretweetet</a:t>
             </a:r>
             <a:r>
               <a:rPr lang="de-DE" sz="2400" dirty="0" smtClean="0"/>
@@ -16668,7 +15249,7 @@
 </p:sld>
 </file>
 
-<file path=ppt/slides/slide4.xml><?xml version="1.0" encoding="utf-8"?>
+<file path=ppt/slides/slide3.xml><?xml version="1.0" encoding="utf-8"?>
 <p:sld xmlns:a="http://schemas.openxmlformats.org/drawingml/2006/main" xmlns:r="http://schemas.openxmlformats.org/officeDocument/2006/relationships" xmlns:p="http://schemas.openxmlformats.org/presentationml/2006/main">
   <p:cSld>
     <p:spTree>
@@ -17651,7 +16232,7 @@
 </p:sld>
 </file>
 
-<file path=ppt/slides/slide5.xml><?xml version="1.0" encoding="utf-8"?>
+<file path=ppt/slides/slide4.xml><?xml version="1.0" encoding="utf-8"?>
 <p:sld xmlns:a="http://schemas.openxmlformats.org/drawingml/2006/main" xmlns:r="http://schemas.openxmlformats.org/officeDocument/2006/relationships" xmlns:p="http://schemas.openxmlformats.org/presentationml/2006/main">
   <p:cSld>
     <p:spTree>
@@ -17793,7 +16374,7 @@
 </p:sld>
 </file>
 
-<file path=ppt/slides/slide6.xml><?xml version="1.0" encoding="utf-8"?>
+<file path=ppt/slides/slide5.xml><?xml version="1.0" encoding="utf-8"?>
 <p:sld xmlns:a="http://schemas.openxmlformats.org/drawingml/2006/main" xmlns:r="http://schemas.openxmlformats.org/officeDocument/2006/relationships" xmlns:p="http://schemas.openxmlformats.org/presentationml/2006/main">
   <p:cSld>
     <p:spTree>
@@ -18165,7 +16746,7 @@
 </p:sld>
 </file>
 
-<file path=ppt/slides/slide7.xml><?xml version="1.0" encoding="utf-8"?>
+<file path=ppt/slides/slide6.xml><?xml version="1.0" encoding="utf-8"?>
 <p:sld xmlns:a="http://schemas.openxmlformats.org/drawingml/2006/main" xmlns:r="http://schemas.openxmlformats.org/officeDocument/2006/relationships" xmlns:p="http://schemas.openxmlformats.org/presentationml/2006/main">
   <p:cSld>
     <p:spTree>
@@ -18559,7 +17140,7 @@
 </p:sld>
 </file>
 
-<file path=ppt/slides/slide8.xml><?xml version="1.0" encoding="utf-8"?>
+<file path=ppt/slides/slide7.xml><?xml version="1.0" encoding="utf-8"?>
 <p:sld xmlns:a="http://schemas.openxmlformats.org/drawingml/2006/main" xmlns:r="http://schemas.openxmlformats.org/officeDocument/2006/relationships" xmlns:p="http://schemas.openxmlformats.org/presentationml/2006/main">
   <p:cSld>
     <p:spTree>
@@ -18606,7 +17187,7 @@
           <p:nvPr>
             <p:extLst>
               <p:ext uri="{D42A27DB-BD31-4B8C-83A1-F6EECF244321}">
-                <p14:modId xmlns:p14="http://schemas.microsoft.com/office/powerpoint/2010/main" val="1744096929"/>
+                <p14:modId xmlns:p14="http://schemas.microsoft.com/office/powerpoint/2010/main" val="3813931704"/>
               </p:ext>
             </p:extLst>
           </p:nvPr>
@@ -18715,9 +17296,6 @@
                     <p:cTn id="3" fill="hold">
                       <p:stCondLst>
                         <p:cond delay="indefinite"/>
-                        <p:cond evt="onBegin" delay="0">
-                          <p:tn val="2"/>
-                        </p:cond>
                       </p:stCondLst>
                       <p:childTnLst>
                         <p:par>
@@ -18727,7 +17305,7 @@
                             </p:stCondLst>
                             <p:childTnLst>
                               <p:par>
-                                <p:cTn id="5" presetID="1" presetClass="entr" presetSubtype="0" fill="hold" grpId="0" nodeType="withEffect">
+                                <p:cTn id="5" presetID="1" presetClass="entr" presetSubtype="0" fill="hold" grpId="0" nodeType="clickEffect">
                                   <p:stCondLst>
                                     <p:cond delay="0"/>
                                   </p:stCondLst>
@@ -18742,38 +17320,7 @@
                                         <p:tgtEl>
                                           <p:spTgt spid="5">
                                             <p:graphicEl>
-                                              <a:dgm id="{822618A0-FEEB-45CC-81A0-15FF6A91EB8A}"/>
-                                            </p:graphicEl>
-                                          </p:spTgt>
-                                        </p:tgtEl>
-                                        <p:attrNameLst>
-                                          <p:attrName>style.visibility</p:attrName>
-                                        </p:attrNameLst>
-                                      </p:cBhvr>
-                                      <p:to>
-                                        <p:strVal val="visible"/>
-                                      </p:to>
-                                    </p:set>
-                                  </p:childTnLst>
-                                </p:cTn>
-                              </p:par>
-                              <p:par>
-                                <p:cTn id="7" presetID="1" presetClass="entr" presetSubtype="0" fill="hold" grpId="0" nodeType="withEffect">
-                                  <p:stCondLst>
-                                    <p:cond delay="0"/>
-                                  </p:stCondLst>
-                                  <p:childTnLst>
-                                    <p:set>
-                                      <p:cBhvr>
-                                        <p:cTn id="8" dur="1" fill="hold">
-                                          <p:stCondLst>
-                                            <p:cond delay="0"/>
-                                          </p:stCondLst>
-                                        </p:cTn>
-                                        <p:tgtEl>
-                                          <p:spTgt spid="5">
-                                            <p:graphicEl>
-                                              <a:dgm id="{8A3B181F-EAC8-46DE-BBF3-BDB9DE3336EF}"/>
+                                              <a:dgm id="{FBEBD8BA-D6E5-44CB-BF4C-ED5FFBCFAFE5}"/>
                                             </p:graphicEl>
                                           </p:spTgt>
                                         </p:tgtEl>
@@ -18795,26 +17342,26 @@
                     </p:cTn>
                   </p:par>
                   <p:par>
-                    <p:cTn id="9" fill="hold">
+                    <p:cTn id="7" fill="hold">
                       <p:stCondLst>
                         <p:cond delay="indefinite"/>
                       </p:stCondLst>
                       <p:childTnLst>
                         <p:par>
-                          <p:cTn id="10" fill="hold">
+                          <p:cTn id="8" fill="hold">
                             <p:stCondLst>
                               <p:cond delay="0"/>
                             </p:stCondLst>
                             <p:childTnLst>
                               <p:par>
-                                <p:cTn id="11" presetID="1" presetClass="entr" presetSubtype="0" fill="hold" grpId="0" nodeType="clickEffect">
+                                <p:cTn id="9" presetID="1" presetClass="entr" presetSubtype="0" fill="hold" grpId="0" nodeType="clickEffect">
                                   <p:stCondLst>
                                     <p:cond delay="0"/>
                                   </p:stCondLst>
                                   <p:childTnLst>
                                     <p:set>
                                       <p:cBhvr>
-                                        <p:cTn id="12" dur="1" fill="hold">
+                                        <p:cTn id="10" dur="1" fill="hold">
                                           <p:stCondLst>
                                             <p:cond delay="0"/>
                                           </p:stCondLst>
@@ -18822,7 +17369,7 @@
                                         <p:tgtEl>
                                           <p:spTgt spid="5">
                                             <p:graphicEl>
-                                              <a:dgm id="{F0428DC1-2320-4439-BA06-F77B96603CEF}"/>
+                                              <a:dgm id="{3D4E2268-33F0-4680-9681-B22E2C1AB5F5}"/>
                                             </p:graphicEl>
                                           </p:spTgt>
                                         </p:tgtEl>
@@ -18844,26 +17391,26 @@
                     </p:cTn>
                   </p:par>
                   <p:par>
-                    <p:cTn id="13" fill="hold">
+                    <p:cTn id="11" fill="hold">
                       <p:stCondLst>
                         <p:cond delay="indefinite"/>
                       </p:stCondLst>
                       <p:childTnLst>
                         <p:par>
-                          <p:cTn id="14" fill="hold">
+                          <p:cTn id="12" fill="hold">
                             <p:stCondLst>
                               <p:cond delay="0"/>
                             </p:stCondLst>
                             <p:childTnLst>
                               <p:par>
-                                <p:cTn id="15" presetID="1" presetClass="entr" presetSubtype="0" fill="hold" grpId="0" nodeType="clickEffect">
+                                <p:cTn id="13" presetID="1" presetClass="entr" presetSubtype="0" fill="hold" grpId="0" nodeType="clickEffect">
                                   <p:stCondLst>
                                     <p:cond delay="0"/>
                                   </p:stCondLst>
                                   <p:childTnLst>
                                     <p:set>
                                       <p:cBhvr>
-                                        <p:cTn id="16" dur="1" fill="hold">
+                                        <p:cTn id="14" dur="1" fill="hold">
                                           <p:stCondLst>
                                             <p:cond delay="0"/>
                                           </p:stCondLst>
@@ -18871,7 +17418,7 @@
                                         <p:tgtEl>
                                           <p:spTgt spid="5">
                                             <p:graphicEl>
-                                              <a:dgm id="{24396DDF-2494-4281-972C-EDC799D3E3E7}"/>
+                                              <a:dgm id="{5122A87A-53A6-4237-A28C-C614EC7B2A57}"/>
                                             </p:graphicEl>
                                           </p:spTgt>
                                         </p:tgtEl>
@@ -18924,7 +17471,7 @@
 </p:sld>
 </file>
 
-<file path=ppt/slides/slide9.xml><?xml version="1.0" encoding="utf-8"?>
+<file path=ppt/slides/slide8.xml><?xml version="1.0" encoding="utf-8"?>
 <p:sld xmlns:a="http://schemas.openxmlformats.org/drawingml/2006/main" xmlns:r="http://schemas.openxmlformats.org/officeDocument/2006/relationships" xmlns:p="http://schemas.openxmlformats.org/presentationml/2006/main">
   <p:cSld>
     <p:spTree>
@@ -19068,6 +17615,278 @@
     </mc:Choice>
     <mc:Fallback xmlns="">
       <p:transition spd="slow"/>
+    </mc:Fallback>
+  </mc:AlternateContent>
+  <p:timing>
+    <p:tnLst>
+      <p:par>
+        <p:cTn id="1" dur="indefinite" restart="never" nodeType="tmRoot"/>
+      </p:par>
+    </p:tnLst>
+  </p:timing>
+</p:sld>
+</file>
+
+<file path=ppt/slides/slide9.xml><?xml version="1.0" encoding="utf-8"?>
+<p:sld xmlns:a="http://schemas.openxmlformats.org/drawingml/2006/main" xmlns:r="http://schemas.openxmlformats.org/officeDocument/2006/relationships" xmlns:p="http://schemas.openxmlformats.org/presentationml/2006/main">
+  <p:cSld>
+    <p:spTree>
+      <p:nvGrpSpPr>
+        <p:cNvPr id="1" name=""/>
+        <p:cNvGrpSpPr/>
+        <p:nvPr/>
+      </p:nvGrpSpPr>
+      <p:grpSpPr>
+        <a:xfrm>
+          <a:off x="0" y="0"/>
+          <a:ext cx="0" cy="0"/>
+          <a:chOff x="0" y="0"/>
+          <a:chExt cx="0" cy="0"/>
+        </a:xfrm>
+      </p:grpSpPr>
+      <p:pic>
+        <p:nvPicPr>
+          <p:cNvPr id="10" name="Grafik 9"/>
+          <p:cNvPicPr>
+            <a:picLocks noChangeAspect="1"/>
+          </p:cNvPicPr>
+          <p:nvPr/>
+        </p:nvPicPr>
+        <p:blipFill rotWithShape="1">
+          <a:blip r:embed="rId2" cstate="print">
+            <a:extLst>
+              <a:ext uri="{28A0092B-C50C-407E-A947-70E740481C1C}">
+                <a14:useLocalDpi xmlns:a14="http://schemas.microsoft.com/office/drawing/2010/main" val="0"/>
+              </a:ext>
+            </a:extLst>
+          </a:blip>
+          <a:srcRect l="21544" t="23529" r="48191" b="50000"/>
+          <a:stretch/>
+        </p:blipFill>
+        <p:spPr>
+          <a:xfrm>
+            <a:off x="1115616" y="1628800"/>
+            <a:ext cx="7272808" cy="4620372"/>
+          </a:xfrm>
+          <a:prstGeom prst="rect">
+            <a:avLst/>
+          </a:prstGeom>
+        </p:spPr>
+      </p:pic>
+      <p:sp>
+        <p:nvSpPr>
+          <p:cNvPr id="2" name="Titel 1"/>
+          <p:cNvSpPr>
+            <a:spLocks noGrp="1"/>
+          </p:cNvSpPr>
+          <p:nvPr>
+            <p:ph type="title"/>
+          </p:nvPr>
+        </p:nvSpPr>
+        <p:spPr/>
+        <p:txBody>
+          <a:bodyPr/>
+          <a:lstStyle/>
+          <a:p>
+            <a:r>
+              <a:rPr lang="de-DE" dirty="0" smtClean="0"/>
+              <a:t>2. Entwurf (Crawler)</a:t>
+            </a:r>
+            <a:endParaRPr lang="de-DE" dirty="0"/>
+          </a:p>
+        </p:txBody>
+      </p:sp>
+      <p:sp>
+        <p:nvSpPr>
+          <p:cNvPr id="21" name="Textfeld 20"/>
+          <p:cNvSpPr txBox="1"/>
+          <p:nvPr/>
+        </p:nvSpPr>
+        <p:spPr>
+          <a:xfrm>
+            <a:off x="6865632" y="1124744"/>
+            <a:ext cx="1306768" cy="292388"/>
+          </a:xfrm>
+          <a:prstGeom prst="rect">
+            <a:avLst/>
+          </a:prstGeom>
+          <a:solidFill>
+            <a:srgbClr val="FFFFFF"/>
+          </a:solidFill>
+          <a:ln w="12700">
+            <a:solidFill>
+              <a:schemeClr val="tx1"/>
+            </a:solidFill>
+          </a:ln>
+        </p:spPr>
+        <p:txBody>
+          <a:bodyPr wrap="none" rtlCol="0">
+            <a:spAutoFit/>
+          </a:bodyPr>
+          <a:lstStyle/>
+          <a:p>
+            <a:r>
+              <a:rPr lang="de-DE" sz="1300" u="sng" dirty="0" err="1" smtClean="0"/>
+              <a:t>dbc:DBCrawler</a:t>
+            </a:r>
+            <a:endParaRPr lang="de-DE" sz="1300" u="sng" dirty="0"/>
+          </a:p>
+        </p:txBody>
+      </p:sp>
+      <p:sp>
+        <p:nvSpPr>
+          <p:cNvPr id="22" name="Textfeld 21"/>
+          <p:cNvSpPr txBox="1"/>
+          <p:nvPr/>
+        </p:nvSpPr>
+        <p:spPr>
+          <a:xfrm>
+            <a:off x="5502758" y="1124744"/>
+            <a:ext cx="825867" cy="292388"/>
+          </a:xfrm>
+          <a:prstGeom prst="rect">
+            <a:avLst/>
+          </a:prstGeom>
+          <a:solidFill>
+            <a:srgbClr val="FFFFFF"/>
+          </a:solidFill>
+          <a:ln w="12700">
+            <a:solidFill>
+              <a:schemeClr val="tx1"/>
+            </a:solidFill>
+          </a:ln>
+        </p:spPr>
+        <p:txBody>
+          <a:bodyPr wrap="none" rtlCol="0">
+            <a:spAutoFit/>
+          </a:bodyPr>
+          <a:lstStyle/>
+          <a:p>
+            <a:r>
+              <a:rPr lang="de-DE" sz="1300" u="sng" dirty="0" smtClean="0"/>
+              <a:t>l:Locator</a:t>
+            </a:r>
+            <a:endParaRPr lang="de-DE" sz="1300" u="sng" dirty="0"/>
+          </a:p>
+        </p:txBody>
+      </p:sp>
+      <p:sp>
+        <p:nvSpPr>
+          <p:cNvPr id="25" name="Textfeld 24"/>
+          <p:cNvSpPr txBox="1"/>
+          <p:nvPr/>
+        </p:nvSpPr>
+        <p:spPr>
+          <a:xfrm>
+            <a:off x="2867718" y="1124744"/>
+            <a:ext cx="1957587" cy="292388"/>
+          </a:xfrm>
+          <a:prstGeom prst="rect">
+            <a:avLst/>
+          </a:prstGeom>
+          <a:solidFill>
+            <a:srgbClr val="FFFFFF"/>
+          </a:solidFill>
+          <a:ln w="12700">
+            <a:solidFill>
+              <a:schemeClr val="tx1"/>
+            </a:solidFill>
+          </a:ln>
+        </p:spPr>
+        <p:txBody>
+          <a:bodyPr wrap="none" rtlCol="0">
+            <a:spAutoFit/>
+          </a:bodyPr>
+          <a:lstStyle/>
+          <a:p>
+            <a:r>
+              <a:rPr lang="de-DE" sz="1300" u="sng" dirty="0" err="1" smtClean="0"/>
+              <a:t>worker:StatusProcessor</a:t>
+            </a:r>
+            <a:endParaRPr lang="de-DE" sz="1300" u="sng" dirty="0"/>
+          </a:p>
+        </p:txBody>
+      </p:sp>
+      <p:sp>
+        <p:nvSpPr>
+          <p:cNvPr id="9" name="Rectangle 12"/>
+          <p:cNvSpPr>
+            <a:spLocks noGrp="1" noChangeArrowheads="1"/>
+          </p:cNvSpPr>
+          <p:nvPr>
+            <p:ph type="ftr" sz="quarter" idx="10"/>
+          </p:nvPr>
+        </p:nvSpPr>
+        <p:spPr>
+          <a:xfrm>
+            <a:off x="611560" y="6443637"/>
+            <a:ext cx="7848871" cy="360363"/>
+          </a:xfrm>
+          <a:ln/>
+        </p:spPr>
+        <p:txBody>
+          <a:bodyPr/>
+          <a:lstStyle>
+            <a:lvl1pPr>
+              <a:defRPr sz="1000">
+                <a:solidFill>
+                  <a:schemeClr val="tx1"/>
+                </a:solidFill>
+                <a:latin typeface="Calibri" panose="020F0502020204030204" pitchFamily="34" charset="0"/>
+              </a:defRPr>
+            </a:lvl1pPr>
+          </a:lstStyle>
+          <a:p>
+            <a:pPr>
+              <a:defRPr/>
+            </a:pPr>
+            <a:r>
+              <a:rPr lang="de-DE" dirty="0" smtClean="0"/>
+              <a:t>Praxis der Softwareentwicklung: </a:t>
+            </a:r>
+            <a:r>
+              <a:rPr lang="de-DE" dirty="0" err="1" smtClean="0"/>
+              <a:t>Visualizing</a:t>
+            </a:r>
+            <a:r>
+              <a:rPr lang="de-DE" dirty="0" smtClean="0"/>
+              <a:t> Trends. Was verrät uns Twitter?</a:t>
+            </a:r>
+            <a:br>
+              <a:rPr lang="de-DE" dirty="0" smtClean="0"/>
+            </a:br>
+            <a:r>
+              <a:rPr lang="de-DE" dirty="0" smtClean="0"/>
+              <a:t>Aufgabenstellung               </a:t>
+            </a:r>
+            <a:r>
+              <a:rPr lang="de-DE" b="1" dirty="0" smtClean="0"/>
+              <a:t>Entwurf</a:t>
+            </a:r>
+            <a:r>
+              <a:rPr lang="de-DE" dirty="0" smtClean="0"/>
+              <a:t>		Implementierung		Validierung		Fazit</a:t>
+            </a:r>
+            <a:endParaRPr lang="de-DE" dirty="0"/>
+          </a:p>
+        </p:txBody>
+      </p:sp>
+    </p:spTree>
+    <p:extLst>
+      <p:ext uri="{BB962C8B-B14F-4D97-AF65-F5344CB8AC3E}">
+        <p14:creationId xmlns:p14="http://schemas.microsoft.com/office/powerpoint/2010/main" val="3591635622"/>
+      </p:ext>
+    </p:extLst>
+  </p:cSld>
+  <p:clrMapOvr>
+    <a:masterClrMapping/>
+  </p:clrMapOvr>
+  <mc:AlternateContent xmlns:mc="http://schemas.openxmlformats.org/markup-compatibility/2006" xmlns:p14="http://schemas.microsoft.com/office/powerpoint/2010/main">
+    <mc:Choice Requires="p14">
+      <p:transition p14:dur="0"/>
+    </mc:Choice>
+    <mc:Fallback xmlns="">
+      <p:transition/>
     </mc:Fallback>
   </mc:AlternateContent>
   <p:timing>
